--- a/presentazione.pptx
+++ b/presentazione.pptx
@@ -7,18 +7,26 @@
   <p:sldIdLst>
     <p:sldId id="256" r:id="rId2"/>
     <p:sldId id="257" r:id="rId3"/>
-    <p:sldId id="258" r:id="rId4"/>
-    <p:sldId id="259" r:id="rId5"/>
-    <p:sldId id="260" r:id="rId6"/>
-    <p:sldId id="261" r:id="rId7"/>
-    <p:sldId id="262" r:id="rId8"/>
-    <p:sldId id="263" r:id="rId9"/>
-    <p:sldId id="266" r:id="rId10"/>
-    <p:sldId id="267" r:id="rId11"/>
-    <p:sldId id="264" r:id="rId12"/>
-    <p:sldId id="268" r:id="rId13"/>
-    <p:sldId id="269" r:id="rId14"/>
-    <p:sldId id="265" r:id="rId15"/>
+    <p:sldId id="260" r:id="rId4"/>
+    <p:sldId id="273" r:id="rId5"/>
+    <p:sldId id="261" r:id="rId6"/>
+    <p:sldId id="270" r:id="rId7"/>
+    <p:sldId id="277" r:id="rId8"/>
+    <p:sldId id="271" r:id="rId9"/>
+    <p:sldId id="272" r:id="rId10"/>
+    <p:sldId id="274" r:id="rId11"/>
+    <p:sldId id="275" r:id="rId12"/>
+    <p:sldId id="276" r:id="rId13"/>
+    <p:sldId id="258" r:id="rId14"/>
+    <p:sldId id="259" r:id="rId15"/>
+    <p:sldId id="262" r:id="rId16"/>
+    <p:sldId id="263" r:id="rId17"/>
+    <p:sldId id="266" r:id="rId18"/>
+    <p:sldId id="267" r:id="rId19"/>
+    <p:sldId id="264" r:id="rId20"/>
+    <p:sldId id="268" r:id="rId21"/>
+    <p:sldId id="269" r:id="rId22"/>
+    <p:sldId id="265" r:id="rId23"/>
   </p:sldIdLst>
   <p:sldSz cx="12192000" cy="6858000"/>
   <p:notesSz cx="6858000" cy="9144000"/>
@@ -117,6 +125,11 @@
       </a:defRPr>
     </a:lvl9pPr>
   </p:defaultTextStyle>
+  <p:extLst>
+    <p:ext uri="{EFAFB233-063F-42B5-8137-9DF3F51BA10A}">
+      <p15:sldGuideLst xmlns:p15="http://schemas.microsoft.com/office/powerpoint/2012/main"/>
+    </p:ext>
+  </p:extLst>
 </p:presentation>
 </file>
 
@@ -843,7 +856,7 @@
             <a:fld id="{B61BEF0D-F0BB-DE4B-95CE-6DB70DBA9567}" type="datetimeFigureOut">
               <a:rPr lang="en-US" dirty="0"/>
               <a:pPr/>
-              <a:t>5/11/18</a:t>
+              <a:t>5/15/18</a:t>
             </a:fld>
             <a:endParaRPr lang="en-US" dirty="0"/>
           </a:p>
@@ -1091,7 +1104,7 @@
             <a:fld id="{B61BEF0D-F0BB-DE4B-95CE-6DB70DBA9567}" type="datetimeFigureOut">
               <a:rPr lang="en-US" dirty="0"/>
               <a:pPr/>
-              <a:t>5/11/18</a:t>
+              <a:t>5/15/18</a:t>
             </a:fld>
             <a:endParaRPr lang="en-US" dirty="0"/>
           </a:p>
@@ -1402,7 +1415,7 @@
             <a:fld id="{B61BEF0D-F0BB-DE4B-95CE-6DB70DBA9567}" type="datetimeFigureOut">
               <a:rPr lang="en-US" dirty="0"/>
               <a:pPr/>
-              <a:t>5/11/18</a:t>
+              <a:t>5/15/18</a:t>
             </a:fld>
             <a:endParaRPr lang="en-US" dirty="0"/>
           </a:p>
@@ -1740,7 +1753,7 @@
             <a:fld id="{B61BEF0D-F0BB-DE4B-95CE-6DB70DBA9567}" type="datetimeFigureOut">
               <a:rPr lang="en-US" dirty="0"/>
               <a:pPr/>
-              <a:t>5/11/18</a:t>
+              <a:t>5/15/18</a:t>
             </a:fld>
             <a:endParaRPr lang="en-US" dirty="0"/>
           </a:p>
@@ -2051,7 +2064,7 @@
             <a:fld id="{B61BEF0D-F0BB-DE4B-95CE-6DB70DBA9567}" type="datetimeFigureOut">
               <a:rPr lang="en-US" dirty="0"/>
               <a:pPr/>
-              <a:t>5/11/18</a:t>
+              <a:t>5/15/18</a:t>
             </a:fld>
             <a:endParaRPr lang="en-US" dirty="0"/>
           </a:p>
@@ -2441,7 +2454,7 @@
             <a:fld id="{B61BEF0D-F0BB-DE4B-95CE-6DB70DBA9567}" type="datetimeFigureOut">
               <a:rPr lang="en-US" dirty="0"/>
               <a:pPr/>
-              <a:t>5/11/18</a:t>
+              <a:t>5/15/18</a:t>
             </a:fld>
             <a:endParaRPr lang="en-US" dirty="0"/>
           </a:p>
@@ -2607,7 +2620,7 @@
           <a:p>
             <a:fld id="{55C6B4A9-1611-4792-9094-5F34BCA07E0B}" type="datetimeFigureOut">
               <a:rPr lang="en-US" dirty="0"/>
-              <a:t>5/11/18</a:t>
+              <a:t>5/15/18</a:t>
             </a:fld>
             <a:endParaRPr lang="en-US" dirty="0"/>
           </a:p>
@@ -2783,7 +2796,7 @@
             <a:fld id="{B61BEF0D-F0BB-DE4B-95CE-6DB70DBA9567}" type="datetimeFigureOut">
               <a:rPr lang="en-US" dirty="0"/>
               <a:pPr/>
-              <a:t>5/11/18</a:t>
+              <a:t>5/15/18</a:t>
             </a:fld>
             <a:endParaRPr lang="en-US" dirty="0"/>
           </a:p>
@@ -2956,7 +2969,7 @@
             <a:fld id="{B61BEF0D-F0BB-DE4B-95CE-6DB70DBA9567}" type="datetimeFigureOut">
               <a:rPr lang="en-US" dirty="0"/>
               <a:pPr/>
-              <a:t>5/11/18</a:t>
+              <a:t>5/15/18</a:t>
             </a:fld>
             <a:endParaRPr lang="en-US" dirty="0"/>
           </a:p>
@@ -3200,7 +3213,7 @@
             <a:fld id="{B61BEF0D-F0BB-DE4B-95CE-6DB70DBA9567}" type="datetimeFigureOut">
               <a:rPr lang="en-US" dirty="0"/>
               <a:pPr/>
-              <a:t>5/11/18</a:t>
+              <a:t>5/15/18</a:t>
             </a:fld>
             <a:endParaRPr lang="en-US" dirty="0"/>
           </a:p>
@@ -3428,7 +3441,7 @@
           <a:p>
             <a:fld id="{EB712588-04B1-427B-82EE-E8DB90309F08}" type="datetimeFigureOut">
               <a:rPr lang="en-US" dirty="0"/>
-              <a:t>5/11/18</a:t>
+              <a:t>5/15/18</a:t>
             </a:fld>
             <a:endParaRPr lang="en-US" dirty="0"/>
           </a:p>
@@ -3798,7 +3811,7 @@
             <a:fld id="{B61BEF0D-F0BB-DE4B-95CE-6DB70DBA9567}" type="datetimeFigureOut">
               <a:rPr lang="en-US" dirty="0"/>
               <a:pPr/>
-              <a:t>5/11/18</a:t>
+              <a:t>5/15/18</a:t>
             </a:fld>
             <a:endParaRPr lang="en-US" dirty="0"/>
           </a:p>
@@ -3918,7 +3931,7 @@
             <a:fld id="{B61BEF0D-F0BB-DE4B-95CE-6DB70DBA9567}" type="datetimeFigureOut">
               <a:rPr lang="en-US" dirty="0"/>
               <a:pPr/>
-              <a:t>5/11/18</a:t>
+              <a:t>5/15/18</a:t>
             </a:fld>
             <a:endParaRPr lang="en-US" dirty="0"/>
           </a:p>
@@ -4010,7 +4023,7 @@
             <a:fld id="{B61BEF0D-F0BB-DE4B-95CE-6DB70DBA9567}" type="datetimeFigureOut">
               <a:rPr lang="en-US" dirty="0"/>
               <a:pPr/>
-              <a:t>5/11/18</a:t>
+              <a:t>5/15/18</a:t>
             </a:fld>
             <a:endParaRPr lang="en-US" dirty="0"/>
           </a:p>
@@ -4261,7 +4274,7 @@
           <a:p>
             <a:fld id="{42A54C80-263E-416B-A8E0-580EDEADCBDC}" type="datetimeFigureOut">
               <a:rPr lang="en-US" dirty="0"/>
-              <a:t>5/11/18</a:t>
+              <a:t>5/15/18</a:t>
             </a:fld>
             <a:endParaRPr lang="en-US" dirty="0"/>
           </a:p>
@@ -4520,7 +4533,7 @@
             <a:fld id="{B61BEF0D-F0BB-DE4B-95CE-6DB70DBA9567}" type="datetimeFigureOut">
               <a:rPr lang="en-US" dirty="0"/>
               <a:pPr/>
-              <a:t>5/11/18</a:t>
+              <a:t>5/15/18</a:t>
             </a:fld>
             <a:endParaRPr lang="en-US" dirty="0"/>
           </a:p>
@@ -5260,7 +5273,7 @@
             <a:fld id="{B61BEF0D-F0BB-DE4B-95CE-6DB70DBA9567}" type="datetimeFigureOut">
               <a:rPr lang="en-US" dirty="0"/>
               <a:pPr/>
-              <a:t>5/11/18</a:t>
+              <a:t>5/15/18</a:t>
             </a:fld>
             <a:endParaRPr lang="en-US" dirty="0"/>
           </a:p>
@@ -5885,7 +5898,7 @@
           <p:cNvPr id="2" name="Title 1">
             <a:extLst>
               <a:ext uri="{FF2B5EF4-FFF2-40B4-BE49-F238E27FC236}">
-                <a16:creationId xmlns:a16="http://schemas.microsoft.com/office/drawing/2014/main" id="{799146AE-B231-124B-80FF-3D1AB29A3929}"/>
+                <a16:creationId xmlns:a16="http://schemas.microsoft.com/office/drawing/2014/main" id="{09A7AABD-27BF-CC40-8A4F-2E04787555B7}"/>
               </a:ext>
             </a:extLst>
           </p:cNvPr>
@@ -5903,56 +5916,1143 @@
           <a:p>
             <a:r>
               <a:rPr lang="it-IT" dirty="0"/>
-              <a:t>Risultati MATLAB vs </a:t>
-            </a:r>
-            <a:r>
-              <a:rPr lang="it-IT" dirty="0" err="1"/>
-              <a:t>Python</a:t>
-            </a:r>
-            <a:r>
-              <a:rPr lang="it-IT" dirty="0"/>
-              <a:t> </a:t>
-            </a:r>
-            <a:r>
-              <a:rPr lang="it-IT" dirty="0" err="1"/>
-              <a:t>scipy</a:t>
-            </a:r>
-            <a:endParaRPr lang="it-IT" dirty="0"/>
-          </a:p>
-        </p:txBody>
-      </p:sp>
-      <p:sp>
-        <p:nvSpPr>
-          <p:cNvPr id="3" name="Content Placeholder 2">
+              <a:t>Sorgente – Memoria utilizzata</a:t>
+            </a:r>
+          </a:p>
+        </p:txBody>
+      </p:sp>
+      <p:sp>
+        <p:nvSpPr>
+          <p:cNvPr id="4" name="Rectangle 3">
             <a:extLst>
               <a:ext uri="{FF2B5EF4-FFF2-40B4-BE49-F238E27FC236}">
-                <a16:creationId xmlns:a16="http://schemas.microsoft.com/office/drawing/2014/main" id="{3076F8FB-A447-7D4F-AE51-6677F6216177}"/>
+                <a16:creationId xmlns:a16="http://schemas.microsoft.com/office/drawing/2014/main" id="{3871053B-CC08-4948-A379-3913CA5EE154}"/>
               </a:ext>
             </a:extLst>
           </p:cNvPr>
-          <p:cNvSpPr>
-            <a:spLocks noGrp="1"/>
-          </p:cNvSpPr>
-          <p:nvPr>
-            <p:ph idx="1"/>
-          </p:nvPr>
-        </p:nvSpPr>
-        <p:spPr/>
-        <p:txBody>
-          <a:bodyPr/>
+          <p:cNvSpPr/>
+          <p:nvPr/>
+        </p:nvSpPr>
+        <p:spPr>
+          <a:xfrm>
+            <a:off x="677333" y="1642781"/>
+            <a:ext cx="7135171" cy="4524315"/>
+          </a:xfrm>
+          <a:prstGeom prst="rect">
+            <a:avLst/>
+          </a:prstGeom>
+        </p:spPr>
+        <p:txBody>
+          <a:bodyPr wrap="square">
+            <a:spAutoFit/>
+          </a:bodyPr>
           <a:lstStyle/>
           <a:p>
             <a:r>
-              <a:rPr lang="it-IT" dirty="0"/>
-              <a:t>Errore</a:t>
-            </a:r>
+              <a:rPr lang="it-IT" sz="1600" b="1" dirty="0">
+                <a:solidFill>
+                  <a:srgbClr val="008F00"/>
+                </a:solidFill>
+                <a:latin typeface="Courier" pitchFamily="2" charset="0"/>
+              </a:rPr>
+              <a:t>import</a:t>
+            </a:r>
+            <a:r>
+              <a:rPr lang="it-IT" sz="1600" dirty="0">
+                <a:solidFill>
+                  <a:srgbClr val="000000"/>
+                </a:solidFill>
+                <a:latin typeface="Courier" pitchFamily="2" charset="0"/>
+              </a:rPr>
+              <a:t> </a:t>
+            </a:r>
+            <a:r>
+              <a:rPr lang="it-IT" sz="1600" b="1" dirty="0" err="1">
+                <a:solidFill>
+                  <a:srgbClr val="0433FF"/>
+                </a:solidFill>
+                <a:latin typeface="Courier" pitchFamily="2" charset="0"/>
+              </a:rPr>
+              <a:t>sys</a:t>
+            </a:r>
+            <a:r>
+              <a:rPr lang="it-IT" sz="1600" dirty="0">
+                <a:solidFill>
+                  <a:srgbClr val="797979"/>
+                </a:solidFill>
+                <a:latin typeface="Courier" pitchFamily="2" charset="0"/>
+              </a:rPr>
+              <a:t>,</a:t>
+            </a:r>
+            <a:r>
+              <a:rPr lang="it-IT" sz="1600" dirty="0">
+                <a:solidFill>
+                  <a:srgbClr val="000000"/>
+                </a:solidFill>
+                <a:latin typeface="Courier" pitchFamily="2" charset="0"/>
+              </a:rPr>
+              <a:t> </a:t>
+            </a:r>
+            <a:r>
+              <a:rPr lang="it-IT" sz="1600" b="1" dirty="0" err="1">
+                <a:solidFill>
+                  <a:srgbClr val="0433FF"/>
+                </a:solidFill>
+                <a:latin typeface="Courier" pitchFamily="2" charset="0"/>
+              </a:rPr>
+              <a:t>psutil</a:t>
+            </a:r>
+            <a:r>
+              <a:rPr lang="it-IT" sz="1600" dirty="0">
+                <a:solidFill>
+                  <a:srgbClr val="797979"/>
+                </a:solidFill>
+                <a:latin typeface="Courier" pitchFamily="2" charset="0"/>
+              </a:rPr>
+              <a:t>,</a:t>
+            </a:r>
+            <a:r>
+              <a:rPr lang="it-IT" sz="1600" dirty="0">
+                <a:solidFill>
+                  <a:srgbClr val="000000"/>
+                </a:solidFill>
+                <a:latin typeface="Courier" pitchFamily="2" charset="0"/>
+              </a:rPr>
+              <a:t> </a:t>
+            </a:r>
+            <a:r>
+              <a:rPr lang="it-IT" sz="1600" b="1" dirty="0">
+                <a:solidFill>
+                  <a:srgbClr val="0433FF"/>
+                </a:solidFill>
+                <a:latin typeface="Courier" pitchFamily="2" charset="0"/>
+              </a:rPr>
+              <a:t>time</a:t>
+            </a:r>
+            <a:endParaRPr lang="it-IT" sz="1600" dirty="0">
+              <a:solidFill>
+                <a:srgbClr val="0433FF"/>
+              </a:solidFill>
+              <a:latin typeface="Courier" pitchFamily="2" charset="0"/>
+            </a:endParaRPr>
+          </a:p>
+          <a:p>
+            <a:br>
+              <a:rPr lang="it-IT" sz="1600" dirty="0">
+                <a:latin typeface="Courier" pitchFamily="2" charset="0"/>
+              </a:rPr>
+            </a:br>
+            <a:endParaRPr lang="it-IT" sz="1600" dirty="0">
+              <a:latin typeface="Courier" pitchFamily="2" charset="0"/>
+            </a:endParaRPr>
+          </a:p>
+          <a:p>
+            <a:r>
+              <a:rPr lang="it-IT" sz="1600" i="1" dirty="0">
+                <a:solidFill>
+                  <a:srgbClr val="4F9192"/>
+                </a:solidFill>
+                <a:latin typeface="Courier" pitchFamily="2" charset="0"/>
+              </a:rPr>
+              <a:t># Frequenza </a:t>
+            </a:r>
+            <a:r>
+              <a:rPr lang="it-IT" sz="1600" i="1" dirty="0" err="1">
+                <a:solidFill>
+                  <a:srgbClr val="4F9192"/>
+                </a:solidFill>
+                <a:latin typeface="Courier" pitchFamily="2" charset="0"/>
+              </a:rPr>
+              <a:t>fetch</a:t>
+            </a:r>
+            <a:endParaRPr lang="it-IT" sz="1600" dirty="0">
+              <a:solidFill>
+                <a:srgbClr val="4F9192"/>
+              </a:solidFill>
+              <a:latin typeface="Courier" pitchFamily="2" charset="0"/>
+            </a:endParaRPr>
+          </a:p>
+          <a:p>
+            <a:r>
+              <a:rPr lang="it-IT" sz="1600" dirty="0">
+                <a:latin typeface="Courier" pitchFamily="2" charset="0"/>
+              </a:rPr>
+              <a:t>delay </a:t>
+            </a:r>
+            <a:r>
+              <a:rPr lang="it-IT" sz="1600" dirty="0">
+                <a:solidFill>
+                  <a:srgbClr val="797979"/>
+                </a:solidFill>
+                <a:latin typeface="Courier" pitchFamily="2" charset="0"/>
+              </a:rPr>
+              <a:t>=</a:t>
+            </a:r>
+            <a:r>
+              <a:rPr lang="it-IT" sz="1600" dirty="0">
+                <a:latin typeface="Courier" pitchFamily="2" charset="0"/>
+              </a:rPr>
+              <a:t> </a:t>
+            </a:r>
+            <a:r>
+              <a:rPr lang="it-IT" sz="1600" dirty="0">
+                <a:solidFill>
+                  <a:srgbClr val="797979"/>
+                </a:solidFill>
+                <a:latin typeface="Courier" pitchFamily="2" charset="0"/>
+              </a:rPr>
+              <a:t>1</a:t>
+            </a:r>
+            <a:r>
+              <a:rPr lang="it-IT" sz="1600" dirty="0">
+                <a:latin typeface="Courier" pitchFamily="2" charset="0"/>
+              </a:rPr>
+              <a:t> </a:t>
+            </a:r>
+            <a:r>
+              <a:rPr lang="it-IT" sz="1600" b="1" dirty="0" err="1">
+                <a:solidFill>
+                  <a:srgbClr val="008F00"/>
+                </a:solidFill>
+                <a:latin typeface="Courier" pitchFamily="2" charset="0"/>
+              </a:rPr>
+              <a:t>if</a:t>
+            </a:r>
+            <a:r>
+              <a:rPr lang="it-IT" sz="1600" dirty="0">
+                <a:latin typeface="Courier" pitchFamily="2" charset="0"/>
+              </a:rPr>
+              <a:t> </a:t>
+            </a:r>
+            <a:r>
+              <a:rPr lang="it-IT" sz="1600" dirty="0" err="1">
+                <a:solidFill>
+                  <a:srgbClr val="008F00"/>
+                </a:solidFill>
+                <a:latin typeface="Courier" pitchFamily="2" charset="0"/>
+              </a:rPr>
+              <a:t>len</a:t>
+            </a:r>
+            <a:r>
+              <a:rPr lang="it-IT" sz="1600" dirty="0">
+                <a:latin typeface="Courier" pitchFamily="2" charset="0"/>
+              </a:rPr>
+              <a:t>(</a:t>
+            </a:r>
+            <a:r>
+              <a:rPr lang="it-IT" sz="1600" dirty="0" err="1">
+                <a:latin typeface="Courier" pitchFamily="2" charset="0"/>
+              </a:rPr>
+              <a:t>sys</a:t>
+            </a:r>
+            <a:r>
+              <a:rPr lang="it-IT" sz="1600" dirty="0" err="1">
+                <a:solidFill>
+                  <a:srgbClr val="797979"/>
+                </a:solidFill>
+                <a:latin typeface="Courier" pitchFamily="2" charset="0"/>
+              </a:rPr>
+              <a:t>.</a:t>
+            </a:r>
+            <a:r>
+              <a:rPr lang="it-IT" sz="1600" dirty="0" err="1">
+                <a:latin typeface="Courier" pitchFamily="2" charset="0"/>
+              </a:rPr>
+              <a:t>argv</a:t>
+            </a:r>
+            <a:r>
+              <a:rPr lang="it-IT" sz="1600" dirty="0">
+                <a:latin typeface="Courier" pitchFamily="2" charset="0"/>
+              </a:rPr>
+              <a:t>) </a:t>
+            </a:r>
+            <a:r>
+              <a:rPr lang="it-IT" sz="1600" dirty="0">
+                <a:solidFill>
+                  <a:srgbClr val="797979"/>
+                </a:solidFill>
+                <a:latin typeface="Courier" pitchFamily="2" charset="0"/>
+              </a:rPr>
+              <a:t>&lt;</a:t>
+            </a:r>
+            <a:r>
+              <a:rPr lang="it-IT" sz="1600" dirty="0">
+                <a:latin typeface="Courier" pitchFamily="2" charset="0"/>
+              </a:rPr>
+              <a:t> </a:t>
+            </a:r>
+            <a:r>
+              <a:rPr lang="it-IT" sz="1600" dirty="0">
+                <a:solidFill>
+                  <a:srgbClr val="797979"/>
+                </a:solidFill>
+                <a:latin typeface="Courier" pitchFamily="2" charset="0"/>
+              </a:rPr>
+              <a:t>3</a:t>
+            </a:r>
+            <a:r>
+              <a:rPr lang="it-IT" sz="1600" dirty="0">
+                <a:latin typeface="Courier" pitchFamily="2" charset="0"/>
+              </a:rPr>
+              <a:t> </a:t>
+            </a:r>
+            <a:r>
+              <a:rPr lang="it-IT" sz="1600" b="1" dirty="0">
+                <a:solidFill>
+                  <a:srgbClr val="008F00"/>
+                </a:solidFill>
+                <a:latin typeface="Courier" pitchFamily="2" charset="0"/>
+              </a:rPr>
+              <a:t>else</a:t>
+            </a:r>
+            <a:r>
+              <a:rPr lang="it-IT" sz="1600" dirty="0">
+                <a:latin typeface="Courier" pitchFamily="2" charset="0"/>
+              </a:rPr>
+              <a:t> </a:t>
+            </a:r>
+            <a:r>
+              <a:rPr lang="it-IT" sz="1600" dirty="0">
+                <a:solidFill>
+                  <a:srgbClr val="008F00"/>
+                </a:solidFill>
+                <a:latin typeface="Courier" pitchFamily="2" charset="0"/>
+              </a:rPr>
+              <a:t>float</a:t>
+            </a:r>
+            <a:r>
+              <a:rPr lang="it-IT" sz="1600" dirty="0">
+                <a:latin typeface="Courier" pitchFamily="2" charset="0"/>
+              </a:rPr>
+              <a:t>(</a:t>
+            </a:r>
+            <a:r>
+              <a:rPr lang="it-IT" sz="1600" dirty="0" err="1">
+                <a:latin typeface="Courier" pitchFamily="2" charset="0"/>
+              </a:rPr>
+              <a:t>sys</a:t>
+            </a:r>
+            <a:r>
+              <a:rPr lang="it-IT" sz="1600" dirty="0" err="1">
+                <a:solidFill>
+                  <a:srgbClr val="797979"/>
+                </a:solidFill>
+                <a:latin typeface="Courier" pitchFamily="2" charset="0"/>
+              </a:rPr>
+              <a:t>.</a:t>
+            </a:r>
+            <a:r>
+              <a:rPr lang="it-IT" sz="1600" dirty="0" err="1">
+                <a:latin typeface="Courier" pitchFamily="2" charset="0"/>
+              </a:rPr>
+              <a:t>argv</a:t>
+            </a:r>
+            <a:r>
+              <a:rPr lang="it-IT" sz="1600" dirty="0">
+                <a:latin typeface="Courier" pitchFamily="2" charset="0"/>
+              </a:rPr>
+              <a:t>[</a:t>
+            </a:r>
+            <a:r>
+              <a:rPr lang="it-IT" sz="1600" dirty="0">
+                <a:solidFill>
+                  <a:srgbClr val="797979"/>
+                </a:solidFill>
+                <a:latin typeface="Courier" pitchFamily="2" charset="0"/>
+              </a:rPr>
+              <a:t>1</a:t>
+            </a:r>
+            <a:r>
+              <a:rPr lang="it-IT" sz="1600" dirty="0">
+                <a:latin typeface="Courier" pitchFamily="2" charset="0"/>
+              </a:rPr>
+              <a:t>])</a:t>
+            </a:r>
+          </a:p>
+          <a:p>
+            <a:r>
+              <a:rPr lang="it-IT" sz="1600" i="1" dirty="0">
+                <a:solidFill>
+                  <a:srgbClr val="4F9192"/>
+                </a:solidFill>
+                <a:latin typeface="Courier" pitchFamily="2" charset="0"/>
+              </a:rPr>
+              <a:t># PID del processo</a:t>
+            </a:r>
+            <a:endParaRPr lang="it-IT" sz="1600" dirty="0">
+              <a:solidFill>
+                <a:srgbClr val="4F9192"/>
+              </a:solidFill>
+              <a:latin typeface="Courier" pitchFamily="2" charset="0"/>
+            </a:endParaRPr>
+          </a:p>
+          <a:p>
+            <a:r>
+              <a:rPr lang="it-IT" sz="1600" dirty="0" err="1">
+                <a:latin typeface="Courier" pitchFamily="2" charset="0"/>
+              </a:rPr>
+              <a:t>pid</a:t>
+            </a:r>
+            <a:r>
+              <a:rPr lang="it-IT" sz="1600" dirty="0">
+                <a:latin typeface="Courier" pitchFamily="2" charset="0"/>
+              </a:rPr>
+              <a:t> </a:t>
+            </a:r>
+            <a:r>
+              <a:rPr lang="it-IT" sz="1600" dirty="0">
+                <a:solidFill>
+                  <a:srgbClr val="797979"/>
+                </a:solidFill>
+                <a:latin typeface="Courier" pitchFamily="2" charset="0"/>
+              </a:rPr>
+              <a:t>=</a:t>
+            </a:r>
+            <a:r>
+              <a:rPr lang="it-IT" sz="1600" dirty="0">
+                <a:latin typeface="Courier" pitchFamily="2" charset="0"/>
+              </a:rPr>
+              <a:t> </a:t>
+            </a:r>
+            <a:r>
+              <a:rPr lang="it-IT" sz="1600" dirty="0" err="1">
+                <a:solidFill>
+                  <a:srgbClr val="008F00"/>
+                </a:solidFill>
+                <a:latin typeface="Courier" pitchFamily="2" charset="0"/>
+              </a:rPr>
+              <a:t>int</a:t>
+            </a:r>
+            <a:r>
+              <a:rPr lang="it-IT" sz="1600" dirty="0">
+                <a:latin typeface="Courier" pitchFamily="2" charset="0"/>
+              </a:rPr>
+              <a:t>(</a:t>
+            </a:r>
+            <a:r>
+              <a:rPr lang="it-IT" sz="1600" dirty="0" err="1">
+                <a:latin typeface="Courier" pitchFamily="2" charset="0"/>
+              </a:rPr>
+              <a:t>sys</a:t>
+            </a:r>
+            <a:r>
+              <a:rPr lang="it-IT" sz="1600" dirty="0" err="1">
+                <a:solidFill>
+                  <a:srgbClr val="797979"/>
+                </a:solidFill>
+                <a:latin typeface="Courier" pitchFamily="2" charset="0"/>
+              </a:rPr>
+              <a:t>.</a:t>
+            </a:r>
+            <a:r>
+              <a:rPr lang="it-IT" sz="1600" dirty="0" err="1">
+                <a:latin typeface="Courier" pitchFamily="2" charset="0"/>
+              </a:rPr>
+              <a:t>argv</a:t>
+            </a:r>
+            <a:r>
+              <a:rPr lang="it-IT" sz="1600" dirty="0">
+                <a:latin typeface="Courier" pitchFamily="2" charset="0"/>
+              </a:rPr>
+              <a:t>[</a:t>
+            </a:r>
+            <a:r>
+              <a:rPr lang="it-IT" sz="1600" dirty="0">
+                <a:solidFill>
+                  <a:srgbClr val="797979"/>
+                </a:solidFill>
+                <a:latin typeface="Courier" pitchFamily="2" charset="0"/>
+              </a:rPr>
+              <a:t>1</a:t>
+            </a:r>
+            <a:r>
+              <a:rPr lang="it-IT" sz="1600" dirty="0">
+                <a:latin typeface="Courier" pitchFamily="2" charset="0"/>
+              </a:rPr>
+              <a:t>]) </a:t>
+            </a:r>
+            <a:r>
+              <a:rPr lang="it-IT" sz="1600" b="1" dirty="0" err="1">
+                <a:solidFill>
+                  <a:srgbClr val="008F00"/>
+                </a:solidFill>
+                <a:latin typeface="Courier" pitchFamily="2" charset="0"/>
+              </a:rPr>
+              <a:t>if</a:t>
+            </a:r>
+            <a:r>
+              <a:rPr lang="it-IT" sz="1600" dirty="0">
+                <a:latin typeface="Courier" pitchFamily="2" charset="0"/>
+              </a:rPr>
+              <a:t> </a:t>
+            </a:r>
+            <a:r>
+              <a:rPr lang="it-IT" sz="1600" dirty="0" err="1">
+                <a:solidFill>
+                  <a:srgbClr val="008F00"/>
+                </a:solidFill>
+                <a:latin typeface="Courier" pitchFamily="2" charset="0"/>
+              </a:rPr>
+              <a:t>len</a:t>
+            </a:r>
+            <a:r>
+              <a:rPr lang="it-IT" sz="1600" dirty="0">
+                <a:latin typeface="Courier" pitchFamily="2" charset="0"/>
+              </a:rPr>
+              <a:t>(</a:t>
+            </a:r>
+            <a:r>
+              <a:rPr lang="it-IT" sz="1600" dirty="0" err="1">
+                <a:latin typeface="Courier" pitchFamily="2" charset="0"/>
+              </a:rPr>
+              <a:t>sys</a:t>
+            </a:r>
+            <a:r>
+              <a:rPr lang="it-IT" sz="1600" dirty="0" err="1">
+                <a:solidFill>
+                  <a:srgbClr val="797979"/>
+                </a:solidFill>
+                <a:latin typeface="Courier" pitchFamily="2" charset="0"/>
+              </a:rPr>
+              <a:t>.</a:t>
+            </a:r>
+            <a:r>
+              <a:rPr lang="it-IT" sz="1600" dirty="0" err="1">
+                <a:latin typeface="Courier" pitchFamily="2" charset="0"/>
+              </a:rPr>
+              <a:t>argv</a:t>
+            </a:r>
+            <a:r>
+              <a:rPr lang="it-IT" sz="1600" dirty="0">
+                <a:latin typeface="Courier" pitchFamily="2" charset="0"/>
+              </a:rPr>
+              <a:t>) </a:t>
+            </a:r>
+            <a:r>
+              <a:rPr lang="it-IT" sz="1600" dirty="0">
+                <a:solidFill>
+                  <a:srgbClr val="797979"/>
+                </a:solidFill>
+                <a:latin typeface="Courier" pitchFamily="2" charset="0"/>
+              </a:rPr>
+              <a:t>==</a:t>
+            </a:r>
+            <a:r>
+              <a:rPr lang="it-IT" sz="1600" dirty="0">
+                <a:latin typeface="Courier" pitchFamily="2" charset="0"/>
+              </a:rPr>
+              <a:t> </a:t>
+            </a:r>
+            <a:r>
+              <a:rPr lang="it-IT" sz="1600" dirty="0">
+                <a:solidFill>
+                  <a:srgbClr val="797979"/>
+                </a:solidFill>
+                <a:latin typeface="Courier" pitchFamily="2" charset="0"/>
+              </a:rPr>
+              <a:t>2</a:t>
+            </a:r>
+            <a:r>
+              <a:rPr lang="it-IT" sz="1600" dirty="0">
+                <a:latin typeface="Courier" pitchFamily="2" charset="0"/>
+              </a:rPr>
+              <a:t> </a:t>
+            </a:r>
+            <a:r>
+              <a:rPr lang="it-IT" sz="1600" b="1" dirty="0">
+                <a:solidFill>
+                  <a:srgbClr val="008F00"/>
+                </a:solidFill>
+                <a:latin typeface="Courier" pitchFamily="2" charset="0"/>
+              </a:rPr>
+              <a:t>else</a:t>
+            </a:r>
+            <a:r>
+              <a:rPr lang="it-IT" sz="1600" dirty="0">
+                <a:latin typeface="Courier" pitchFamily="2" charset="0"/>
+              </a:rPr>
+              <a:t> </a:t>
+            </a:r>
+            <a:r>
+              <a:rPr lang="it-IT" sz="1600" dirty="0" err="1">
+                <a:solidFill>
+                  <a:srgbClr val="008F00"/>
+                </a:solidFill>
+                <a:latin typeface="Courier" pitchFamily="2" charset="0"/>
+              </a:rPr>
+              <a:t>int</a:t>
+            </a:r>
+            <a:r>
+              <a:rPr lang="it-IT" sz="1600" dirty="0">
+                <a:latin typeface="Courier" pitchFamily="2" charset="0"/>
+              </a:rPr>
+              <a:t>(</a:t>
+            </a:r>
+            <a:r>
+              <a:rPr lang="it-IT" sz="1600" dirty="0" err="1">
+                <a:latin typeface="Courier" pitchFamily="2" charset="0"/>
+              </a:rPr>
+              <a:t>sys</a:t>
+            </a:r>
+            <a:r>
+              <a:rPr lang="it-IT" sz="1600" dirty="0" err="1">
+                <a:solidFill>
+                  <a:srgbClr val="797979"/>
+                </a:solidFill>
+                <a:latin typeface="Courier" pitchFamily="2" charset="0"/>
+              </a:rPr>
+              <a:t>.</a:t>
+            </a:r>
+            <a:r>
+              <a:rPr lang="it-IT" sz="1600" dirty="0" err="1">
+                <a:latin typeface="Courier" pitchFamily="2" charset="0"/>
+              </a:rPr>
+              <a:t>argv</a:t>
+            </a:r>
+            <a:r>
+              <a:rPr lang="it-IT" sz="1600" dirty="0">
+                <a:latin typeface="Courier" pitchFamily="2" charset="0"/>
+              </a:rPr>
+              <a:t>[</a:t>
+            </a:r>
+            <a:r>
+              <a:rPr lang="it-IT" sz="1600" dirty="0">
+                <a:solidFill>
+                  <a:srgbClr val="797979"/>
+                </a:solidFill>
+                <a:latin typeface="Courier" pitchFamily="2" charset="0"/>
+              </a:rPr>
+              <a:t>2</a:t>
+            </a:r>
+            <a:r>
+              <a:rPr lang="it-IT" sz="1600" dirty="0">
+                <a:latin typeface="Courier" pitchFamily="2" charset="0"/>
+              </a:rPr>
+              <a:t>])</a:t>
+            </a:r>
+          </a:p>
+          <a:p>
+            <a:br>
+              <a:rPr lang="it-IT" sz="1600" dirty="0">
+                <a:latin typeface="Courier" pitchFamily="2" charset="0"/>
+              </a:rPr>
+            </a:br>
+            <a:endParaRPr lang="it-IT" sz="1600" dirty="0">
+              <a:latin typeface="Courier" pitchFamily="2" charset="0"/>
+            </a:endParaRPr>
+          </a:p>
+          <a:p>
+            <a:r>
+              <a:rPr lang="it-IT" sz="1600" dirty="0" err="1">
+                <a:latin typeface="Courier" pitchFamily="2" charset="0"/>
+              </a:rPr>
+              <a:t>proc</a:t>
+            </a:r>
+            <a:r>
+              <a:rPr lang="it-IT" sz="1600" dirty="0">
+                <a:latin typeface="Courier" pitchFamily="2" charset="0"/>
+              </a:rPr>
+              <a:t> </a:t>
+            </a:r>
+            <a:r>
+              <a:rPr lang="it-IT" sz="1600" dirty="0">
+                <a:solidFill>
+                  <a:srgbClr val="797979"/>
+                </a:solidFill>
+                <a:latin typeface="Courier" pitchFamily="2" charset="0"/>
+              </a:rPr>
+              <a:t>=</a:t>
+            </a:r>
+            <a:r>
+              <a:rPr lang="it-IT" sz="1600" dirty="0">
+                <a:latin typeface="Courier" pitchFamily="2" charset="0"/>
+              </a:rPr>
+              <a:t> </a:t>
+            </a:r>
+            <a:r>
+              <a:rPr lang="it-IT" sz="1600" dirty="0" err="1">
+                <a:latin typeface="Courier" pitchFamily="2" charset="0"/>
+              </a:rPr>
+              <a:t>psutil</a:t>
+            </a:r>
+            <a:r>
+              <a:rPr lang="it-IT" sz="1600" dirty="0" err="1">
+                <a:solidFill>
+                  <a:srgbClr val="797979"/>
+                </a:solidFill>
+                <a:latin typeface="Courier" pitchFamily="2" charset="0"/>
+              </a:rPr>
+              <a:t>.</a:t>
+            </a:r>
+            <a:r>
+              <a:rPr lang="it-IT" sz="1600" dirty="0" err="1">
+                <a:latin typeface="Courier" pitchFamily="2" charset="0"/>
+              </a:rPr>
+              <a:t>Process</a:t>
+            </a:r>
+            <a:r>
+              <a:rPr lang="it-IT" sz="1600" dirty="0">
+                <a:latin typeface="Courier" pitchFamily="2" charset="0"/>
+              </a:rPr>
+              <a:t>(</a:t>
+            </a:r>
+            <a:r>
+              <a:rPr lang="it-IT" sz="1600" dirty="0" err="1">
+                <a:latin typeface="Courier" pitchFamily="2" charset="0"/>
+              </a:rPr>
+              <a:t>pid</a:t>
+            </a:r>
+            <a:r>
+              <a:rPr lang="it-IT" sz="1600" dirty="0">
+                <a:latin typeface="Courier" pitchFamily="2" charset="0"/>
+              </a:rPr>
+              <a:t>)</a:t>
+            </a:r>
+          </a:p>
+          <a:p>
+            <a:r>
+              <a:rPr lang="it-IT" sz="1600" i="1" dirty="0">
+                <a:solidFill>
+                  <a:srgbClr val="4F9192"/>
+                </a:solidFill>
+                <a:latin typeface="Courier" pitchFamily="2" charset="0"/>
+              </a:rPr>
+              <a:t># Memoria massima utilizzata</a:t>
+            </a:r>
+            <a:endParaRPr lang="it-IT" sz="1600" dirty="0">
+              <a:solidFill>
+                <a:srgbClr val="4F9192"/>
+              </a:solidFill>
+              <a:latin typeface="Courier" pitchFamily="2" charset="0"/>
+            </a:endParaRPr>
+          </a:p>
+          <a:p>
+            <a:r>
+              <a:rPr lang="it-IT" sz="1600" dirty="0" err="1">
+                <a:latin typeface="Courier" pitchFamily="2" charset="0"/>
+              </a:rPr>
+              <a:t>max_mem</a:t>
+            </a:r>
+            <a:r>
+              <a:rPr lang="it-IT" sz="1600" dirty="0">
+                <a:latin typeface="Courier" pitchFamily="2" charset="0"/>
+              </a:rPr>
+              <a:t> </a:t>
+            </a:r>
+            <a:r>
+              <a:rPr lang="it-IT" sz="1600" dirty="0">
+                <a:solidFill>
+                  <a:srgbClr val="797979"/>
+                </a:solidFill>
+                <a:latin typeface="Courier" pitchFamily="2" charset="0"/>
+              </a:rPr>
+              <a:t>=</a:t>
+            </a:r>
+            <a:r>
+              <a:rPr lang="it-IT" sz="1600" dirty="0">
+                <a:latin typeface="Courier" pitchFamily="2" charset="0"/>
+              </a:rPr>
+              <a:t> </a:t>
+            </a:r>
+            <a:r>
+              <a:rPr lang="it-IT" sz="1600" dirty="0">
+                <a:solidFill>
+                  <a:srgbClr val="797979"/>
+                </a:solidFill>
+                <a:latin typeface="Courier" pitchFamily="2" charset="0"/>
+              </a:rPr>
+              <a:t>0</a:t>
+            </a:r>
+            <a:endParaRPr lang="it-IT" sz="1600" dirty="0">
+              <a:latin typeface="Courier" pitchFamily="2" charset="0"/>
+            </a:endParaRPr>
+          </a:p>
+          <a:p>
+            <a:r>
+              <a:rPr lang="it-IT" sz="1600" b="1" dirty="0" err="1">
+                <a:solidFill>
+                  <a:srgbClr val="008F00"/>
+                </a:solidFill>
+                <a:latin typeface="Courier" pitchFamily="2" charset="0"/>
+              </a:rPr>
+              <a:t>while</a:t>
+            </a:r>
+            <a:r>
+              <a:rPr lang="it-IT" sz="1600" dirty="0">
+                <a:solidFill>
+                  <a:srgbClr val="000000"/>
+                </a:solidFill>
+                <a:latin typeface="Courier" pitchFamily="2" charset="0"/>
+              </a:rPr>
+              <a:t> </a:t>
+            </a:r>
+            <a:r>
+              <a:rPr lang="it-IT" sz="1600" dirty="0">
+                <a:solidFill>
+                  <a:srgbClr val="008F00"/>
+                </a:solidFill>
+                <a:latin typeface="Courier" pitchFamily="2" charset="0"/>
+              </a:rPr>
+              <a:t>True</a:t>
+            </a:r>
+            <a:r>
+              <a:rPr lang="it-IT" sz="1600" dirty="0">
+                <a:solidFill>
+                  <a:srgbClr val="000000"/>
+                </a:solidFill>
+                <a:latin typeface="Courier" pitchFamily="2" charset="0"/>
+              </a:rPr>
+              <a:t>:</a:t>
+            </a:r>
+            <a:endParaRPr lang="it-IT" sz="1600" dirty="0">
+              <a:solidFill>
+                <a:srgbClr val="008F00"/>
+              </a:solidFill>
+              <a:latin typeface="Courier" pitchFamily="2" charset="0"/>
+            </a:endParaRPr>
+          </a:p>
+          <a:p>
+            <a:r>
+              <a:rPr lang="it-IT" sz="1600" dirty="0">
+                <a:latin typeface="Courier" pitchFamily="2" charset="0"/>
+              </a:rPr>
+              <a:t>    </a:t>
+            </a:r>
+            <a:r>
+              <a:rPr lang="it-IT" sz="1600" dirty="0" err="1">
+                <a:latin typeface="Courier" pitchFamily="2" charset="0"/>
+              </a:rPr>
+              <a:t>time</a:t>
+            </a:r>
+            <a:r>
+              <a:rPr lang="it-IT" sz="1600" dirty="0" err="1">
+                <a:solidFill>
+                  <a:srgbClr val="797979"/>
+                </a:solidFill>
+                <a:latin typeface="Courier" pitchFamily="2" charset="0"/>
+              </a:rPr>
+              <a:t>.</a:t>
+            </a:r>
+            <a:r>
+              <a:rPr lang="it-IT" sz="1600" dirty="0" err="1">
+                <a:latin typeface="Courier" pitchFamily="2" charset="0"/>
+              </a:rPr>
+              <a:t>sleep</a:t>
+            </a:r>
+            <a:r>
+              <a:rPr lang="it-IT" sz="1600" dirty="0">
+                <a:latin typeface="Courier" pitchFamily="2" charset="0"/>
+              </a:rPr>
+              <a:t>(delay)</a:t>
+            </a:r>
+          </a:p>
+          <a:p>
+            <a:r>
+              <a:rPr lang="it-IT" sz="1600" dirty="0">
+                <a:latin typeface="Courier" pitchFamily="2" charset="0"/>
+              </a:rPr>
+              <a:t>    </a:t>
+            </a:r>
+            <a:r>
+              <a:rPr lang="it-IT" sz="1600" dirty="0" err="1">
+                <a:latin typeface="Courier" pitchFamily="2" charset="0"/>
+              </a:rPr>
+              <a:t>curr_mem</a:t>
+            </a:r>
+            <a:r>
+              <a:rPr lang="it-IT" sz="1600" dirty="0">
+                <a:latin typeface="Courier" pitchFamily="2" charset="0"/>
+              </a:rPr>
+              <a:t> </a:t>
+            </a:r>
+            <a:r>
+              <a:rPr lang="it-IT" sz="1600" dirty="0">
+                <a:solidFill>
+                  <a:srgbClr val="797979"/>
+                </a:solidFill>
+                <a:latin typeface="Courier" pitchFamily="2" charset="0"/>
+              </a:rPr>
+              <a:t>=</a:t>
+            </a:r>
+            <a:r>
+              <a:rPr lang="it-IT" sz="1600" dirty="0">
+                <a:latin typeface="Courier" pitchFamily="2" charset="0"/>
+              </a:rPr>
+              <a:t> </a:t>
+            </a:r>
+            <a:r>
+              <a:rPr lang="it-IT" sz="1600" dirty="0" err="1">
+                <a:latin typeface="Courier" pitchFamily="2" charset="0"/>
+              </a:rPr>
+              <a:t>proc</a:t>
+            </a:r>
+            <a:r>
+              <a:rPr lang="it-IT" sz="1600" dirty="0" err="1">
+                <a:solidFill>
+                  <a:srgbClr val="797979"/>
+                </a:solidFill>
+                <a:latin typeface="Courier" pitchFamily="2" charset="0"/>
+              </a:rPr>
+              <a:t>.</a:t>
+            </a:r>
+            <a:r>
+              <a:rPr lang="it-IT" sz="1600" dirty="0" err="1">
+                <a:latin typeface="Courier" pitchFamily="2" charset="0"/>
+              </a:rPr>
+              <a:t>memory_info</a:t>
+            </a:r>
+            <a:r>
+              <a:rPr lang="it-IT" sz="1600" dirty="0">
+                <a:latin typeface="Courier" pitchFamily="2" charset="0"/>
+              </a:rPr>
+              <a:t>()[</a:t>
+            </a:r>
+            <a:r>
+              <a:rPr lang="it-IT" sz="1600" dirty="0">
+                <a:solidFill>
+                  <a:srgbClr val="797979"/>
+                </a:solidFill>
+                <a:latin typeface="Courier" pitchFamily="2" charset="0"/>
+              </a:rPr>
+              <a:t>0</a:t>
+            </a:r>
+            <a:r>
+              <a:rPr lang="it-IT" sz="1600" dirty="0">
+                <a:latin typeface="Courier" pitchFamily="2" charset="0"/>
+              </a:rPr>
+              <a:t>]</a:t>
+            </a:r>
+          </a:p>
+          <a:p>
+            <a:r>
+              <a:rPr lang="it-IT" sz="1600" dirty="0">
+                <a:latin typeface="Courier" pitchFamily="2" charset="0"/>
+              </a:rPr>
+              <a:t>    </a:t>
+            </a:r>
+            <a:r>
+              <a:rPr lang="it-IT" sz="1600" dirty="0" err="1">
+                <a:latin typeface="Courier" pitchFamily="2" charset="0"/>
+              </a:rPr>
+              <a:t>maxmm</a:t>
+            </a:r>
+            <a:r>
+              <a:rPr lang="it-IT" sz="1600" dirty="0">
+                <a:latin typeface="Courier" pitchFamily="2" charset="0"/>
+              </a:rPr>
+              <a:t> </a:t>
+            </a:r>
+            <a:r>
+              <a:rPr lang="it-IT" sz="1600" dirty="0">
+                <a:solidFill>
+                  <a:srgbClr val="797979"/>
+                </a:solidFill>
+                <a:latin typeface="Courier" pitchFamily="2" charset="0"/>
+              </a:rPr>
+              <a:t>=</a:t>
+            </a:r>
+            <a:r>
+              <a:rPr lang="it-IT" sz="1600" dirty="0">
+                <a:latin typeface="Courier" pitchFamily="2" charset="0"/>
+              </a:rPr>
+              <a:t> </a:t>
+            </a:r>
+            <a:r>
+              <a:rPr lang="it-IT" sz="1600" dirty="0" err="1">
+                <a:latin typeface="Courier" pitchFamily="2" charset="0"/>
+              </a:rPr>
+              <a:t>curr_mem</a:t>
+            </a:r>
+            <a:r>
+              <a:rPr lang="it-IT" sz="1600" dirty="0">
+                <a:latin typeface="Courier" pitchFamily="2" charset="0"/>
+              </a:rPr>
+              <a:t> </a:t>
+            </a:r>
+            <a:r>
+              <a:rPr lang="it-IT" sz="1600" b="1" dirty="0" err="1">
+                <a:solidFill>
+                  <a:srgbClr val="008F00"/>
+                </a:solidFill>
+                <a:latin typeface="Courier" pitchFamily="2" charset="0"/>
+              </a:rPr>
+              <a:t>if</a:t>
+            </a:r>
+            <a:r>
+              <a:rPr lang="it-IT" sz="1600" dirty="0">
+                <a:latin typeface="Courier" pitchFamily="2" charset="0"/>
+              </a:rPr>
+              <a:t> </a:t>
+            </a:r>
+            <a:r>
+              <a:rPr lang="it-IT" sz="1600" dirty="0" err="1">
+                <a:latin typeface="Courier" pitchFamily="2" charset="0"/>
+              </a:rPr>
+              <a:t>curr_mem</a:t>
+            </a:r>
+            <a:r>
+              <a:rPr lang="it-IT" sz="1600" dirty="0">
+                <a:latin typeface="Courier" pitchFamily="2" charset="0"/>
+              </a:rPr>
+              <a:t> </a:t>
+            </a:r>
+            <a:r>
+              <a:rPr lang="it-IT" sz="1600" dirty="0">
+                <a:solidFill>
+                  <a:srgbClr val="797979"/>
+                </a:solidFill>
+                <a:latin typeface="Courier" pitchFamily="2" charset="0"/>
+              </a:rPr>
+              <a:t>&gt;</a:t>
+            </a:r>
+            <a:r>
+              <a:rPr lang="it-IT" sz="1600" dirty="0">
+                <a:latin typeface="Courier" pitchFamily="2" charset="0"/>
+              </a:rPr>
+              <a:t> </a:t>
+            </a:r>
+            <a:r>
+              <a:rPr lang="it-IT" sz="1600" dirty="0" err="1">
+                <a:latin typeface="Courier" pitchFamily="2" charset="0"/>
+              </a:rPr>
+              <a:t>max_mem</a:t>
+            </a:r>
+            <a:r>
+              <a:rPr lang="it-IT" sz="1600" dirty="0">
+                <a:latin typeface="Courier" pitchFamily="2" charset="0"/>
+              </a:rPr>
+              <a:t> </a:t>
+            </a:r>
+            <a:r>
+              <a:rPr lang="it-IT" sz="1600" b="1" dirty="0">
+                <a:solidFill>
+                  <a:srgbClr val="008F00"/>
+                </a:solidFill>
+                <a:latin typeface="Courier" pitchFamily="2" charset="0"/>
+              </a:rPr>
+              <a:t>else</a:t>
+            </a:r>
+            <a:r>
+              <a:rPr lang="it-IT" sz="1600" dirty="0">
+                <a:latin typeface="Courier" pitchFamily="2" charset="0"/>
+              </a:rPr>
+              <a:t> </a:t>
+            </a:r>
+            <a:r>
+              <a:rPr lang="it-IT" sz="1600" dirty="0" err="1">
+                <a:latin typeface="Courier" pitchFamily="2" charset="0"/>
+              </a:rPr>
+              <a:t>max_mem</a:t>
+            </a:r>
+            <a:endParaRPr lang="it-IT" sz="1600" dirty="0">
+              <a:latin typeface="Courier" pitchFamily="2" charset="0"/>
+            </a:endParaRPr>
+          </a:p>
+          <a:p>
+            <a:r>
+              <a:rPr lang="it-IT" sz="1600" dirty="0">
+                <a:solidFill>
+                  <a:srgbClr val="000000"/>
+                </a:solidFill>
+                <a:latin typeface="Courier" pitchFamily="2" charset="0"/>
+              </a:rPr>
+              <a:t>    </a:t>
+            </a:r>
+            <a:r>
+              <a:rPr lang="it-IT" sz="1600" b="1" dirty="0" err="1">
+                <a:solidFill>
+                  <a:srgbClr val="008F00"/>
+                </a:solidFill>
+                <a:latin typeface="Courier" pitchFamily="2" charset="0"/>
+              </a:rPr>
+              <a:t>print</a:t>
+            </a:r>
+            <a:r>
+              <a:rPr lang="it-IT" sz="1600" dirty="0">
+                <a:solidFill>
+                  <a:srgbClr val="000000"/>
+                </a:solidFill>
+                <a:latin typeface="Courier" pitchFamily="2" charset="0"/>
+              </a:rPr>
+              <a:t>(</a:t>
+            </a:r>
+            <a:r>
+              <a:rPr lang="it-IT" sz="1600" dirty="0" err="1">
+                <a:solidFill>
+                  <a:srgbClr val="000000"/>
+                </a:solidFill>
+                <a:latin typeface="Courier" pitchFamily="2" charset="0"/>
+              </a:rPr>
+              <a:t>f</a:t>
+            </a:r>
+            <a:r>
+              <a:rPr lang="it-IT" sz="1600" dirty="0">
+                <a:solidFill>
+                  <a:srgbClr val="C8352B"/>
+                </a:solidFill>
+                <a:latin typeface="Courier" pitchFamily="2" charset="0"/>
+              </a:rPr>
+              <a:t>"{</a:t>
+            </a:r>
+            <a:r>
+              <a:rPr lang="it-IT" sz="1600" dirty="0" err="1">
+                <a:solidFill>
+                  <a:srgbClr val="C8352B"/>
+                </a:solidFill>
+                <a:latin typeface="Courier" pitchFamily="2" charset="0"/>
+              </a:rPr>
+              <a:t>curr_mem</a:t>
+            </a:r>
+            <a:r>
+              <a:rPr lang="it-IT" sz="1600" dirty="0">
+                <a:solidFill>
+                  <a:srgbClr val="C8352B"/>
+                </a:solidFill>
+                <a:latin typeface="Courier" pitchFamily="2" charset="0"/>
+              </a:rPr>
+              <a:t>} - {</a:t>
+            </a:r>
+            <a:r>
+              <a:rPr lang="it-IT" sz="1600" dirty="0" err="1">
+                <a:solidFill>
+                  <a:srgbClr val="C8352B"/>
+                </a:solidFill>
+                <a:latin typeface="Courier" pitchFamily="2" charset="0"/>
+              </a:rPr>
+              <a:t>max_mem</a:t>
+            </a:r>
+            <a:r>
+              <a:rPr lang="it-IT" sz="1600" dirty="0">
+                <a:solidFill>
+                  <a:srgbClr val="C8352B"/>
+                </a:solidFill>
+                <a:latin typeface="Courier" pitchFamily="2" charset="0"/>
+              </a:rPr>
+              <a:t>}"</a:t>
+            </a:r>
+            <a:r>
+              <a:rPr lang="it-IT" sz="1600" dirty="0">
+                <a:solidFill>
+                  <a:srgbClr val="000000"/>
+                </a:solidFill>
+                <a:latin typeface="Courier" pitchFamily="2" charset="0"/>
+              </a:rPr>
+              <a:t>)</a:t>
+            </a:r>
+            <a:endParaRPr lang="it-IT" sz="1600" dirty="0">
+              <a:solidFill>
+                <a:srgbClr val="C8352B"/>
+              </a:solidFill>
+              <a:effectLst/>
+              <a:latin typeface="Courier" pitchFamily="2" charset="0"/>
+            </a:endParaRPr>
           </a:p>
         </p:txBody>
       </p:sp>
     </p:spTree>
     <p:extLst>
       <p:ext uri="{BB962C8B-B14F-4D97-AF65-F5344CB8AC3E}">
-        <p14:creationId xmlns:p14="http://schemas.microsoft.com/office/powerpoint/2010/main" val="2764426746"/>
+        <p14:creationId xmlns:p14="http://schemas.microsoft.com/office/powerpoint/2010/main" val="144981965"/>
       </p:ext>
     </p:extLst>
   </p:cSld>
@@ -5984,7 +7084,7 @@
           <p:cNvPr id="2" name="Title 1">
             <a:extLst>
               <a:ext uri="{FF2B5EF4-FFF2-40B4-BE49-F238E27FC236}">
-                <a16:creationId xmlns:a16="http://schemas.microsoft.com/office/drawing/2014/main" id="{33680E74-3A0C-1147-B024-F77A37B12498}"/>
+                <a16:creationId xmlns:a16="http://schemas.microsoft.com/office/drawing/2014/main" id="{D32C3248-B255-7B4A-BA06-1B11E359A87B}"/>
               </a:ext>
             </a:extLst>
           </p:cNvPr>
@@ -6002,43 +7102,953 @@
           <a:p>
             <a:r>
               <a:rPr lang="it-IT" dirty="0"/>
-              <a:t>Risultati Windows vs Linux</a:t>
-            </a:r>
-          </a:p>
-        </p:txBody>
-      </p:sp>
-      <p:sp>
-        <p:nvSpPr>
-          <p:cNvPr id="3" name="Content Placeholder 2">
+              <a:t>Sorgente - </a:t>
+            </a:r>
+            <a:r>
+              <a:rPr lang="it-IT" dirty="0" err="1"/>
+              <a:t>Python</a:t>
+            </a:r>
+            <a:endParaRPr lang="it-IT" dirty="0"/>
+          </a:p>
+        </p:txBody>
+      </p:sp>
+      <p:sp>
+        <p:nvSpPr>
+          <p:cNvPr id="6" name="Rectangle 5">
             <a:extLst>
               <a:ext uri="{FF2B5EF4-FFF2-40B4-BE49-F238E27FC236}">
-                <a16:creationId xmlns:a16="http://schemas.microsoft.com/office/drawing/2014/main" id="{1987CDD3-954D-9148-A905-F3FD935793B1}"/>
+                <a16:creationId xmlns:a16="http://schemas.microsoft.com/office/drawing/2014/main" id="{435ED1CE-EFB1-DD43-89E0-6E4090F03E0B}"/>
               </a:ext>
             </a:extLst>
           </p:cNvPr>
-          <p:cNvSpPr>
-            <a:spLocks noGrp="1"/>
-          </p:cNvSpPr>
-          <p:nvPr>
-            <p:ph idx="1"/>
-          </p:nvPr>
-        </p:nvSpPr>
-        <p:spPr/>
-        <p:txBody>
-          <a:bodyPr/>
+          <p:cNvSpPr/>
+          <p:nvPr/>
+        </p:nvSpPr>
+        <p:spPr>
+          <a:xfrm>
+            <a:off x="677333" y="1687092"/>
+            <a:ext cx="8065613" cy="3970318"/>
+          </a:xfrm>
+          <a:prstGeom prst="rect">
+            <a:avLst/>
+          </a:prstGeom>
+        </p:spPr>
+        <p:txBody>
+          <a:bodyPr wrap="square">
+            <a:spAutoFit/>
+          </a:bodyPr>
           <a:lstStyle/>
           <a:p>
             <a:r>
-              <a:rPr lang="it-IT" dirty="0"/>
-              <a:t>Tempo</a:t>
-            </a:r>
+              <a:rPr lang="it-IT" b="1" dirty="0">
+                <a:solidFill>
+                  <a:srgbClr val="008F00"/>
+                </a:solidFill>
+                <a:latin typeface="Courier" pitchFamily="2" charset="0"/>
+              </a:rPr>
+              <a:t>import</a:t>
+            </a:r>
+            <a:r>
+              <a:rPr lang="it-IT" dirty="0">
+                <a:solidFill>
+                  <a:srgbClr val="000000"/>
+                </a:solidFill>
+                <a:latin typeface="Courier" pitchFamily="2" charset="0"/>
+              </a:rPr>
+              <a:t> </a:t>
+            </a:r>
+            <a:r>
+              <a:rPr lang="it-IT" b="1" dirty="0" err="1">
+                <a:solidFill>
+                  <a:srgbClr val="0433FF"/>
+                </a:solidFill>
+                <a:latin typeface="Courier" pitchFamily="2" charset="0"/>
+              </a:rPr>
+              <a:t>scipy</a:t>
+            </a:r>
+            <a:r>
+              <a:rPr lang="it-IT" dirty="0">
+                <a:solidFill>
+                  <a:srgbClr val="797979"/>
+                </a:solidFill>
+                <a:latin typeface="Courier" pitchFamily="2" charset="0"/>
+              </a:rPr>
+              <a:t>,</a:t>
+            </a:r>
+            <a:r>
+              <a:rPr lang="it-IT" dirty="0">
+                <a:solidFill>
+                  <a:srgbClr val="000000"/>
+                </a:solidFill>
+                <a:latin typeface="Courier" pitchFamily="2" charset="0"/>
+              </a:rPr>
+              <a:t> </a:t>
+            </a:r>
+            <a:r>
+              <a:rPr lang="it-IT" b="1" dirty="0" err="1">
+                <a:solidFill>
+                  <a:srgbClr val="0433FF"/>
+                </a:solidFill>
+                <a:latin typeface="Courier" pitchFamily="2" charset="0"/>
+              </a:rPr>
+              <a:t>scipy.io</a:t>
+            </a:r>
+            <a:endParaRPr lang="it-IT" b="1" dirty="0">
+              <a:solidFill>
+                <a:srgbClr val="0433FF"/>
+              </a:solidFill>
+              <a:latin typeface="Courier" pitchFamily="2" charset="0"/>
+            </a:endParaRPr>
+          </a:p>
+          <a:p>
+            <a:r>
+              <a:rPr lang="it-IT" b="1" dirty="0">
+                <a:solidFill>
+                  <a:srgbClr val="008F00"/>
+                </a:solidFill>
+                <a:latin typeface="Courier" pitchFamily="2" charset="0"/>
+              </a:rPr>
+              <a:t>from</a:t>
+            </a:r>
+            <a:r>
+              <a:rPr lang="it-IT" dirty="0">
+                <a:latin typeface="Courier" pitchFamily="2" charset="0"/>
+              </a:rPr>
+              <a:t> </a:t>
+            </a:r>
+            <a:r>
+              <a:rPr lang="it-IT" b="1" dirty="0" err="1">
+                <a:solidFill>
+                  <a:srgbClr val="0433FF"/>
+                </a:solidFill>
+                <a:latin typeface="Courier" pitchFamily="2" charset="0"/>
+              </a:rPr>
+              <a:t>datetime</a:t>
+            </a:r>
+            <a:r>
+              <a:rPr lang="it-IT" dirty="0">
+                <a:latin typeface="Courier" pitchFamily="2" charset="0"/>
+              </a:rPr>
+              <a:t> </a:t>
+            </a:r>
+            <a:r>
+              <a:rPr lang="it-IT" b="1" dirty="0">
+                <a:solidFill>
+                  <a:srgbClr val="008F00"/>
+                </a:solidFill>
+                <a:latin typeface="Courier" pitchFamily="2" charset="0"/>
+              </a:rPr>
+              <a:t>import</a:t>
+            </a:r>
+            <a:r>
+              <a:rPr lang="it-IT" dirty="0">
+                <a:latin typeface="Courier" pitchFamily="2" charset="0"/>
+              </a:rPr>
+              <a:t> </a:t>
+            </a:r>
+            <a:r>
+              <a:rPr lang="it-IT" dirty="0" err="1">
+                <a:latin typeface="Courier" pitchFamily="2" charset="0"/>
+              </a:rPr>
+              <a:t>datetime</a:t>
+            </a:r>
+            <a:endParaRPr lang="it-IT" dirty="0">
+              <a:solidFill>
+                <a:srgbClr val="0433FF"/>
+              </a:solidFill>
+              <a:latin typeface="Courier" pitchFamily="2" charset="0"/>
+            </a:endParaRPr>
+          </a:p>
+          <a:p>
+            <a:r>
+              <a:rPr lang="it-IT" b="1" dirty="0">
+                <a:solidFill>
+                  <a:srgbClr val="008F00"/>
+                </a:solidFill>
+                <a:latin typeface="Courier" pitchFamily="2" charset="0"/>
+              </a:rPr>
+              <a:t>from</a:t>
+            </a:r>
+            <a:r>
+              <a:rPr lang="it-IT" dirty="0">
+                <a:solidFill>
+                  <a:srgbClr val="000000"/>
+                </a:solidFill>
+                <a:latin typeface="Courier" pitchFamily="2" charset="0"/>
+              </a:rPr>
+              <a:t> </a:t>
+            </a:r>
+            <a:r>
+              <a:rPr lang="it-IT" b="1" dirty="0" err="1">
+                <a:solidFill>
+                  <a:srgbClr val="0433FF"/>
+                </a:solidFill>
+                <a:latin typeface="Courier" pitchFamily="2" charset="0"/>
+              </a:rPr>
+              <a:t>scipy.sparse.linalg</a:t>
+            </a:r>
+            <a:r>
+              <a:rPr lang="it-IT" dirty="0">
+                <a:solidFill>
+                  <a:srgbClr val="000000"/>
+                </a:solidFill>
+                <a:latin typeface="Courier" pitchFamily="2" charset="0"/>
+              </a:rPr>
+              <a:t> </a:t>
+            </a:r>
+            <a:r>
+              <a:rPr lang="it-IT" b="1" dirty="0">
+                <a:solidFill>
+                  <a:srgbClr val="008F00"/>
+                </a:solidFill>
+                <a:latin typeface="Courier" pitchFamily="2" charset="0"/>
+              </a:rPr>
+              <a:t>import</a:t>
+            </a:r>
+            <a:r>
+              <a:rPr lang="it-IT" dirty="0">
+                <a:solidFill>
+                  <a:srgbClr val="000000"/>
+                </a:solidFill>
+                <a:latin typeface="Courier" pitchFamily="2" charset="0"/>
+              </a:rPr>
+              <a:t> </a:t>
+            </a:r>
+            <a:r>
+              <a:rPr lang="it-IT" dirty="0" err="1">
+                <a:solidFill>
+                  <a:srgbClr val="000000"/>
+                </a:solidFill>
+                <a:latin typeface="Courier" pitchFamily="2" charset="0"/>
+              </a:rPr>
+              <a:t>norm</a:t>
+            </a:r>
+            <a:r>
+              <a:rPr lang="it-IT" dirty="0">
+                <a:solidFill>
+                  <a:srgbClr val="000000"/>
+                </a:solidFill>
+                <a:latin typeface="Courier" pitchFamily="2" charset="0"/>
+              </a:rPr>
+              <a:t>, </a:t>
+            </a:r>
+            <a:r>
+              <a:rPr lang="it-IT" dirty="0" err="1">
+                <a:solidFill>
+                  <a:srgbClr val="000000"/>
+                </a:solidFill>
+                <a:latin typeface="Courier" pitchFamily="2" charset="0"/>
+              </a:rPr>
+              <a:t>spsolve</a:t>
+            </a:r>
+            <a:endParaRPr lang="it-IT" dirty="0">
+              <a:solidFill>
+                <a:srgbClr val="0433FF"/>
+              </a:solidFill>
+              <a:latin typeface="Courier" pitchFamily="2" charset="0"/>
+            </a:endParaRPr>
+          </a:p>
+          <a:p>
+            <a:r>
+              <a:rPr lang="it-IT" b="1" dirty="0">
+                <a:solidFill>
+                  <a:srgbClr val="008F00"/>
+                </a:solidFill>
+                <a:latin typeface="Courier" pitchFamily="2" charset="0"/>
+              </a:rPr>
+              <a:t>from</a:t>
+            </a:r>
+            <a:r>
+              <a:rPr lang="it-IT" dirty="0">
+                <a:solidFill>
+                  <a:srgbClr val="000000"/>
+                </a:solidFill>
+                <a:latin typeface="Courier" pitchFamily="2" charset="0"/>
+              </a:rPr>
+              <a:t> </a:t>
+            </a:r>
+            <a:r>
+              <a:rPr lang="it-IT" b="1" dirty="0" err="1">
+                <a:solidFill>
+                  <a:srgbClr val="0433FF"/>
+                </a:solidFill>
+                <a:latin typeface="Courier" pitchFamily="2" charset="0"/>
+              </a:rPr>
+              <a:t>scipy.linalg</a:t>
+            </a:r>
+            <a:r>
+              <a:rPr lang="it-IT" dirty="0">
+                <a:solidFill>
+                  <a:srgbClr val="000000"/>
+                </a:solidFill>
+                <a:latin typeface="Courier" pitchFamily="2" charset="0"/>
+              </a:rPr>
+              <a:t> </a:t>
+            </a:r>
+            <a:r>
+              <a:rPr lang="it-IT" b="1" dirty="0">
+                <a:solidFill>
+                  <a:srgbClr val="008F00"/>
+                </a:solidFill>
+                <a:latin typeface="Courier" pitchFamily="2" charset="0"/>
+              </a:rPr>
+              <a:t>import</a:t>
+            </a:r>
+            <a:r>
+              <a:rPr lang="it-IT" dirty="0">
+                <a:solidFill>
+                  <a:srgbClr val="000000"/>
+                </a:solidFill>
+                <a:latin typeface="Courier" pitchFamily="2" charset="0"/>
+              </a:rPr>
+              <a:t> </a:t>
+            </a:r>
+            <a:r>
+              <a:rPr lang="it-IT" dirty="0" err="1">
+                <a:solidFill>
+                  <a:srgbClr val="000000"/>
+                </a:solidFill>
+                <a:latin typeface="Courier" pitchFamily="2" charset="0"/>
+              </a:rPr>
+              <a:t>norm</a:t>
+            </a:r>
+            <a:endParaRPr lang="it-IT" dirty="0">
+              <a:solidFill>
+                <a:srgbClr val="0433FF"/>
+              </a:solidFill>
+              <a:latin typeface="Courier" pitchFamily="2" charset="0"/>
+            </a:endParaRPr>
+          </a:p>
+          <a:p>
+            <a:endParaRPr lang="it-IT" dirty="0">
+              <a:latin typeface="Courier" pitchFamily="2" charset="0"/>
+            </a:endParaRPr>
+          </a:p>
+          <a:p>
+            <a:r>
+              <a:rPr lang="it-IT" dirty="0">
+                <a:latin typeface="Courier" pitchFamily="2" charset="0"/>
+              </a:rPr>
+              <a:t>A </a:t>
+            </a:r>
+            <a:r>
+              <a:rPr lang="it-IT" dirty="0">
+                <a:solidFill>
+                  <a:srgbClr val="797979"/>
+                </a:solidFill>
+                <a:latin typeface="Courier" pitchFamily="2" charset="0"/>
+              </a:rPr>
+              <a:t>=</a:t>
+            </a:r>
+            <a:r>
+              <a:rPr lang="it-IT" dirty="0">
+                <a:latin typeface="Courier" pitchFamily="2" charset="0"/>
+              </a:rPr>
+              <a:t> </a:t>
+            </a:r>
+            <a:r>
+              <a:rPr lang="it-IT" dirty="0" err="1">
+                <a:latin typeface="Courier" pitchFamily="2" charset="0"/>
+              </a:rPr>
+              <a:t>scipy</a:t>
+            </a:r>
+            <a:r>
+              <a:rPr lang="it-IT" dirty="0" err="1">
+                <a:solidFill>
+                  <a:srgbClr val="797979"/>
+                </a:solidFill>
+                <a:latin typeface="Courier" pitchFamily="2" charset="0"/>
+              </a:rPr>
+              <a:t>.</a:t>
+            </a:r>
+            <a:r>
+              <a:rPr lang="it-IT" dirty="0" err="1">
+                <a:latin typeface="Courier" pitchFamily="2" charset="0"/>
+              </a:rPr>
+              <a:t>io</a:t>
+            </a:r>
+            <a:r>
+              <a:rPr lang="it-IT" dirty="0" err="1">
+                <a:solidFill>
+                  <a:srgbClr val="797979"/>
+                </a:solidFill>
+                <a:latin typeface="Courier" pitchFamily="2" charset="0"/>
+              </a:rPr>
+              <a:t>.</a:t>
+            </a:r>
+            <a:r>
+              <a:rPr lang="it-IT" dirty="0" err="1">
+                <a:solidFill>
+                  <a:srgbClr val="00B0F0"/>
+                </a:solidFill>
+                <a:latin typeface="Courier" pitchFamily="2" charset="0"/>
+              </a:rPr>
+              <a:t>mmread</a:t>
+            </a:r>
+            <a:r>
+              <a:rPr lang="it-IT" dirty="0">
+                <a:latin typeface="Courier" pitchFamily="2" charset="0"/>
+              </a:rPr>
+              <a:t>(</a:t>
+            </a:r>
+            <a:r>
+              <a:rPr lang="it-IT" dirty="0" err="1">
+                <a:latin typeface="Courier" pitchFamily="2" charset="0"/>
+              </a:rPr>
+              <a:t>path</a:t>
+            </a:r>
+            <a:r>
+              <a:rPr lang="it-IT" dirty="0">
+                <a:latin typeface="Courier" pitchFamily="2" charset="0"/>
+              </a:rPr>
+              <a:t>)</a:t>
+            </a:r>
+            <a:r>
+              <a:rPr lang="it-IT" dirty="0">
+                <a:solidFill>
+                  <a:srgbClr val="797979"/>
+                </a:solidFill>
+                <a:latin typeface="Courier" pitchFamily="2" charset="0"/>
+              </a:rPr>
+              <a:t>.</a:t>
+            </a:r>
+            <a:r>
+              <a:rPr lang="it-IT" dirty="0" err="1">
+                <a:latin typeface="Courier" pitchFamily="2" charset="0"/>
+              </a:rPr>
+              <a:t>tocsc</a:t>
+            </a:r>
+            <a:r>
+              <a:rPr lang="it-IT" dirty="0">
+                <a:latin typeface="Courier" pitchFamily="2" charset="0"/>
+              </a:rPr>
+              <a:t>()</a:t>
+            </a:r>
+            <a:r>
+              <a:rPr lang="it-IT" i="1" dirty="0">
+                <a:solidFill>
+                  <a:srgbClr val="4F9192"/>
+                </a:solidFill>
+                <a:latin typeface="Courier" pitchFamily="2" charset="0"/>
+              </a:rPr>
+              <a:t> # Matrice da risolvere</a:t>
+            </a:r>
+            <a:endParaRPr lang="it-IT" dirty="0">
+              <a:latin typeface="Courier" pitchFamily="2" charset="0"/>
+            </a:endParaRPr>
+          </a:p>
+          <a:p>
+            <a:endParaRPr lang="it-IT" dirty="0">
+              <a:latin typeface="Courier" pitchFamily="2" charset="0"/>
+            </a:endParaRPr>
+          </a:p>
+          <a:p>
+            <a:r>
+              <a:rPr lang="it-IT" dirty="0" err="1">
+                <a:latin typeface="Courier" pitchFamily="2" charset="0"/>
+              </a:rPr>
+              <a:t>xe</a:t>
+            </a:r>
+            <a:r>
+              <a:rPr lang="it-IT" dirty="0">
+                <a:latin typeface="Courier" pitchFamily="2" charset="0"/>
+              </a:rPr>
+              <a:t> </a:t>
+            </a:r>
+            <a:r>
+              <a:rPr lang="it-IT" dirty="0">
+                <a:solidFill>
+                  <a:srgbClr val="797979"/>
+                </a:solidFill>
+                <a:latin typeface="Courier" pitchFamily="2" charset="0"/>
+              </a:rPr>
+              <a:t>=</a:t>
+            </a:r>
+            <a:r>
+              <a:rPr lang="it-IT" dirty="0">
+                <a:latin typeface="Courier" pitchFamily="2" charset="0"/>
+              </a:rPr>
+              <a:t> </a:t>
+            </a:r>
+            <a:r>
+              <a:rPr lang="it-IT" dirty="0" err="1">
+                <a:latin typeface="Courier" pitchFamily="2" charset="0"/>
+              </a:rPr>
+              <a:t>scipy</a:t>
+            </a:r>
+            <a:r>
+              <a:rPr lang="it-IT" dirty="0" err="1">
+                <a:solidFill>
+                  <a:srgbClr val="797979"/>
+                </a:solidFill>
+                <a:latin typeface="Courier" pitchFamily="2" charset="0"/>
+              </a:rPr>
+              <a:t>.</a:t>
+            </a:r>
+            <a:r>
+              <a:rPr lang="it-IT" dirty="0" err="1">
+                <a:solidFill>
+                  <a:srgbClr val="00B0F0"/>
+                </a:solidFill>
+                <a:latin typeface="Courier" pitchFamily="2" charset="0"/>
+              </a:rPr>
+              <a:t>ones</a:t>
+            </a:r>
+            <a:r>
+              <a:rPr lang="it-IT" dirty="0">
+                <a:latin typeface="Courier" pitchFamily="2" charset="0"/>
+              </a:rPr>
+              <a:t>(</a:t>
+            </a:r>
+            <a:r>
+              <a:rPr lang="it-IT" dirty="0" err="1">
+                <a:latin typeface="Courier" pitchFamily="2" charset="0"/>
+              </a:rPr>
+              <a:t>n_rows</a:t>
+            </a:r>
+            <a:r>
+              <a:rPr lang="it-IT" dirty="0">
+                <a:latin typeface="Courier" pitchFamily="2" charset="0"/>
+              </a:rPr>
+              <a:t>)				</a:t>
+            </a:r>
+            <a:r>
+              <a:rPr lang="it-IT" i="1" dirty="0">
+                <a:solidFill>
+                  <a:srgbClr val="4F9192"/>
+                </a:solidFill>
+                <a:latin typeface="Courier" pitchFamily="2" charset="0"/>
+              </a:rPr>
+              <a:t># Soluzione esatta</a:t>
+            </a:r>
+            <a:endParaRPr lang="it-IT" dirty="0">
+              <a:latin typeface="Courier" pitchFamily="2" charset="0"/>
+            </a:endParaRPr>
+          </a:p>
+          <a:p>
+            <a:r>
+              <a:rPr lang="it-IT" dirty="0">
+                <a:latin typeface="Courier" pitchFamily="2" charset="0"/>
+              </a:rPr>
+              <a:t>b </a:t>
+            </a:r>
+            <a:r>
+              <a:rPr lang="it-IT" dirty="0">
+                <a:solidFill>
+                  <a:srgbClr val="797979"/>
+                </a:solidFill>
+                <a:latin typeface="Courier" pitchFamily="2" charset="0"/>
+              </a:rPr>
+              <a:t>=</a:t>
+            </a:r>
+            <a:r>
+              <a:rPr lang="it-IT" dirty="0">
+                <a:latin typeface="Courier" pitchFamily="2" charset="0"/>
+              </a:rPr>
+              <a:t> A </a:t>
+            </a:r>
+            <a:r>
+              <a:rPr lang="it-IT" dirty="0">
+                <a:solidFill>
+                  <a:srgbClr val="797979"/>
+                </a:solidFill>
+                <a:latin typeface="Courier" pitchFamily="2" charset="0"/>
+              </a:rPr>
+              <a:t>*</a:t>
+            </a:r>
+            <a:r>
+              <a:rPr lang="it-IT" dirty="0">
+                <a:latin typeface="Courier" pitchFamily="2" charset="0"/>
+              </a:rPr>
+              <a:t> </a:t>
+            </a:r>
+            <a:r>
+              <a:rPr lang="it-IT" dirty="0" err="1">
+                <a:latin typeface="Courier" pitchFamily="2" charset="0"/>
+              </a:rPr>
+              <a:t>xe</a:t>
+            </a:r>
+            <a:r>
+              <a:rPr lang="it-IT" dirty="0">
+                <a:latin typeface="Courier" pitchFamily="2" charset="0"/>
+              </a:rPr>
+              <a:t>								</a:t>
+            </a:r>
+            <a:r>
+              <a:rPr lang="it-IT" i="1" dirty="0">
+                <a:solidFill>
+                  <a:srgbClr val="4F9192"/>
+                </a:solidFill>
+                <a:latin typeface="Courier" pitchFamily="2" charset="0"/>
+              </a:rPr>
+              <a:t># Vettore termini noti</a:t>
+            </a:r>
+            <a:endParaRPr lang="it-IT" dirty="0">
+              <a:latin typeface="Courier" pitchFamily="2" charset="0"/>
+            </a:endParaRPr>
+          </a:p>
+          <a:p>
+            <a:endParaRPr lang="it-IT" dirty="0">
+              <a:latin typeface="Courier" pitchFamily="2" charset="0"/>
+            </a:endParaRPr>
+          </a:p>
+          <a:p>
+            <a:r>
+              <a:rPr lang="it-IT" dirty="0" err="1">
+                <a:latin typeface="Courier" pitchFamily="2" charset="0"/>
+              </a:rPr>
+              <a:t>start_time</a:t>
+            </a:r>
+            <a:r>
+              <a:rPr lang="it-IT" dirty="0">
+                <a:latin typeface="Courier" pitchFamily="2" charset="0"/>
+              </a:rPr>
+              <a:t> </a:t>
+            </a:r>
+            <a:r>
+              <a:rPr lang="it-IT" dirty="0">
+                <a:solidFill>
+                  <a:srgbClr val="797979"/>
+                </a:solidFill>
+                <a:latin typeface="Courier" pitchFamily="2" charset="0"/>
+              </a:rPr>
+              <a:t>=</a:t>
+            </a:r>
+            <a:r>
+              <a:rPr lang="it-IT" dirty="0">
+                <a:latin typeface="Courier" pitchFamily="2" charset="0"/>
+              </a:rPr>
+              <a:t> </a:t>
+            </a:r>
+            <a:r>
+              <a:rPr lang="it-IT" dirty="0" err="1">
+                <a:latin typeface="Courier" pitchFamily="2" charset="0"/>
+              </a:rPr>
+              <a:t>datetime</a:t>
+            </a:r>
+            <a:r>
+              <a:rPr lang="it-IT" dirty="0" err="1">
+                <a:solidFill>
+                  <a:srgbClr val="797979"/>
+                </a:solidFill>
+                <a:latin typeface="Courier" pitchFamily="2" charset="0"/>
+              </a:rPr>
+              <a:t>.</a:t>
+            </a:r>
+            <a:r>
+              <a:rPr lang="it-IT" dirty="0" err="1">
+                <a:solidFill>
+                  <a:srgbClr val="00B0F0"/>
+                </a:solidFill>
+                <a:latin typeface="Courier" pitchFamily="2" charset="0"/>
+              </a:rPr>
+              <a:t>now</a:t>
+            </a:r>
+            <a:r>
+              <a:rPr lang="it-IT" dirty="0">
+                <a:latin typeface="Courier" pitchFamily="2" charset="0"/>
+              </a:rPr>
+              <a:t>()</a:t>
+            </a:r>
+          </a:p>
+          <a:p>
+            <a:r>
+              <a:rPr lang="it-IT" dirty="0">
+                <a:latin typeface="Courier" pitchFamily="2" charset="0"/>
+              </a:rPr>
+              <a:t>x </a:t>
+            </a:r>
+            <a:r>
+              <a:rPr lang="it-IT" dirty="0">
+                <a:solidFill>
+                  <a:srgbClr val="797979"/>
+                </a:solidFill>
+                <a:latin typeface="Courier" pitchFamily="2" charset="0"/>
+              </a:rPr>
+              <a:t>=</a:t>
+            </a:r>
+            <a:r>
+              <a:rPr lang="it-IT" dirty="0">
+                <a:latin typeface="Courier" pitchFamily="2" charset="0"/>
+              </a:rPr>
+              <a:t> </a:t>
+            </a:r>
+            <a:r>
+              <a:rPr lang="it-IT" dirty="0" err="1">
+                <a:solidFill>
+                  <a:srgbClr val="00B0F0"/>
+                </a:solidFill>
+                <a:latin typeface="Courier" pitchFamily="2" charset="0"/>
+              </a:rPr>
+              <a:t>spsolve</a:t>
+            </a:r>
+            <a:r>
+              <a:rPr lang="it-IT" dirty="0">
+                <a:latin typeface="Courier" pitchFamily="2" charset="0"/>
+              </a:rPr>
+              <a:t>(A, b, </a:t>
+            </a:r>
+            <a:r>
+              <a:rPr lang="it-IT" dirty="0" err="1">
+                <a:solidFill>
+                  <a:schemeClr val="accent4"/>
+                </a:solidFill>
+                <a:latin typeface="Courier" pitchFamily="2" charset="0"/>
+              </a:rPr>
+              <a:t>use_umfpack</a:t>
+            </a:r>
+            <a:r>
+              <a:rPr lang="it-IT" dirty="0">
+                <a:solidFill>
+                  <a:srgbClr val="797979"/>
+                </a:solidFill>
+                <a:latin typeface="Courier" pitchFamily="2" charset="0"/>
+              </a:rPr>
+              <a:t>=</a:t>
+            </a:r>
+            <a:r>
+              <a:rPr lang="it-IT" dirty="0" err="1">
+                <a:latin typeface="Courier" pitchFamily="2" charset="0"/>
+              </a:rPr>
+              <a:t>use_umfpack</a:t>
+            </a:r>
+            <a:r>
+              <a:rPr lang="it-IT" dirty="0">
+                <a:latin typeface="Courier" pitchFamily="2" charset="0"/>
+              </a:rPr>
+              <a:t>)</a:t>
+            </a:r>
+          </a:p>
+          <a:p>
+            <a:r>
+              <a:rPr lang="it-IT" dirty="0">
+                <a:latin typeface="Courier" pitchFamily="2" charset="0"/>
+              </a:rPr>
+              <a:t>t </a:t>
+            </a:r>
+            <a:r>
+              <a:rPr lang="it-IT" dirty="0">
+                <a:solidFill>
+                  <a:srgbClr val="797979"/>
+                </a:solidFill>
+                <a:latin typeface="Courier" pitchFamily="2" charset="0"/>
+              </a:rPr>
+              <a:t>=</a:t>
+            </a:r>
+            <a:r>
+              <a:rPr lang="it-IT" dirty="0">
+                <a:latin typeface="Courier" pitchFamily="2" charset="0"/>
+              </a:rPr>
+              <a:t> </a:t>
+            </a:r>
+            <a:r>
+              <a:rPr lang="it-IT" dirty="0" err="1">
+                <a:latin typeface="Courier" pitchFamily="2" charset="0"/>
+              </a:rPr>
+              <a:t>datetime</a:t>
+            </a:r>
+            <a:r>
+              <a:rPr lang="it-IT" dirty="0" err="1">
+                <a:solidFill>
+                  <a:srgbClr val="797979"/>
+                </a:solidFill>
+                <a:latin typeface="Courier" pitchFamily="2" charset="0"/>
+              </a:rPr>
+              <a:t>.</a:t>
+            </a:r>
+            <a:r>
+              <a:rPr lang="it-IT" dirty="0" err="1">
+                <a:solidFill>
+                  <a:srgbClr val="00B0F0"/>
+                </a:solidFill>
+                <a:latin typeface="Courier" pitchFamily="2" charset="0"/>
+              </a:rPr>
+              <a:t>now</a:t>
+            </a:r>
+            <a:r>
+              <a:rPr lang="it-IT" dirty="0">
+                <a:latin typeface="Courier" pitchFamily="2" charset="0"/>
+              </a:rPr>
+              <a:t>() </a:t>
+            </a:r>
+            <a:r>
+              <a:rPr lang="it-IT" dirty="0">
+                <a:solidFill>
+                  <a:srgbClr val="797979"/>
+                </a:solidFill>
+                <a:latin typeface="Courier" pitchFamily="2" charset="0"/>
+              </a:rPr>
+              <a:t>-</a:t>
+            </a:r>
+            <a:r>
+              <a:rPr lang="it-IT" dirty="0">
+                <a:latin typeface="Courier" pitchFamily="2" charset="0"/>
+              </a:rPr>
+              <a:t> </a:t>
+            </a:r>
+            <a:r>
+              <a:rPr lang="it-IT" dirty="0" err="1">
+                <a:latin typeface="Courier" pitchFamily="2" charset="0"/>
+              </a:rPr>
+              <a:t>start_time</a:t>
+            </a:r>
+            <a:endParaRPr lang="it-IT" dirty="0">
+              <a:latin typeface="Courier" pitchFamily="2" charset="0"/>
+            </a:endParaRPr>
+          </a:p>
+          <a:p>
+            <a:r>
+              <a:rPr lang="it-IT" dirty="0" err="1">
+                <a:latin typeface="Courier" pitchFamily="2" charset="0"/>
+              </a:rPr>
+              <a:t>relative_error</a:t>
+            </a:r>
+            <a:r>
+              <a:rPr lang="it-IT" dirty="0">
+                <a:latin typeface="Courier" pitchFamily="2" charset="0"/>
+              </a:rPr>
+              <a:t> </a:t>
+            </a:r>
+            <a:r>
+              <a:rPr lang="it-IT" dirty="0">
+                <a:solidFill>
+                  <a:srgbClr val="797979"/>
+                </a:solidFill>
+                <a:latin typeface="Courier" pitchFamily="2" charset="0"/>
+              </a:rPr>
+              <a:t>=</a:t>
+            </a:r>
+            <a:r>
+              <a:rPr lang="it-IT" dirty="0">
+                <a:latin typeface="Courier" pitchFamily="2" charset="0"/>
+              </a:rPr>
+              <a:t> </a:t>
+            </a:r>
+            <a:r>
+              <a:rPr lang="it-IT" dirty="0" err="1">
+                <a:solidFill>
+                  <a:srgbClr val="00B0F0"/>
+                </a:solidFill>
+                <a:latin typeface="Courier" pitchFamily="2" charset="0"/>
+              </a:rPr>
+              <a:t>norm</a:t>
+            </a:r>
+            <a:r>
+              <a:rPr lang="it-IT" dirty="0">
+                <a:latin typeface="Courier" pitchFamily="2" charset="0"/>
+              </a:rPr>
+              <a:t>(x </a:t>
+            </a:r>
+            <a:r>
+              <a:rPr lang="it-IT" dirty="0">
+                <a:solidFill>
+                  <a:srgbClr val="797979"/>
+                </a:solidFill>
+                <a:latin typeface="Courier" pitchFamily="2" charset="0"/>
+              </a:rPr>
+              <a:t>-</a:t>
+            </a:r>
+            <a:r>
+              <a:rPr lang="it-IT" dirty="0">
+                <a:latin typeface="Courier" pitchFamily="2" charset="0"/>
+              </a:rPr>
+              <a:t> </a:t>
+            </a:r>
+            <a:r>
+              <a:rPr lang="it-IT" dirty="0" err="1">
+                <a:latin typeface="Courier" pitchFamily="2" charset="0"/>
+              </a:rPr>
+              <a:t>xe</a:t>
+            </a:r>
+            <a:r>
+              <a:rPr lang="it-IT" dirty="0">
+                <a:latin typeface="Courier" pitchFamily="2" charset="0"/>
+              </a:rPr>
+              <a:t>, </a:t>
+            </a:r>
+            <a:r>
+              <a:rPr lang="it-IT" dirty="0">
+                <a:solidFill>
+                  <a:srgbClr val="0070C0"/>
+                </a:solidFill>
+                <a:latin typeface="Courier" pitchFamily="2" charset="0"/>
+              </a:rPr>
+              <a:t>2</a:t>
+            </a:r>
+            <a:r>
+              <a:rPr lang="it-IT" dirty="0">
+                <a:latin typeface="Courier" pitchFamily="2" charset="0"/>
+              </a:rPr>
+              <a:t>) </a:t>
+            </a:r>
+            <a:r>
+              <a:rPr lang="it-IT" dirty="0">
+                <a:solidFill>
+                  <a:srgbClr val="797979"/>
+                </a:solidFill>
+                <a:latin typeface="Courier" pitchFamily="2" charset="0"/>
+              </a:rPr>
+              <a:t>/</a:t>
+            </a:r>
+            <a:r>
+              <a:rPr lang="it-IT" dirty="0">
+                <a:latin typeface="Courier" pitchFamily="2" charset="0"/>
+              </a:rPr>
+              <a:t> </a:t>
+            </a:r>
+            <a:r>
+              <a:rPr lang="it-IT" dirty="0" err="1">
+                <a:solidFill>
+                  <a:srgbClr val="00B0F0"/>
+                </a:solidFill>
+                <a:latin typeface="Courier" pitchFamily="2" charset="0"/>
+              </a:rPr>
+              <a:t>norm</a:t>
+            </a:r>
+            <a:r>
+              <a:rPr lang="it-IT" dirty="0">
+                <a:latin typeface="Courier" pitchFamily="2" charset="0"/>
+              </a:rPr>
+              <a:t>(</a:t>
+            </a:r>
+            <a:r>
+              <a:rPr lang="it-IT" dirty="0" err="1">
+                <a:latin typeface="Courier" pitchFamily="2" charset="0"/>
+              </a:rPr>
+              <a:t>xe</a:t>
+            </a:r>
+            <a:r>
+              <a:rPr lang="it-IT" dirty="0">
+                <a:latin typeface="Courier" pitchFamily="2" charset="0"/>
+              </a:rPr>
+              <a:t>, </a:t>
+            </a:r>
+            <a:r>
+              <a:rPr lang="it-IT" dirty="0">
+                <a:solidFill>
+                  <a:srgbClr val="0070C0"/>
+                </a:solidFill>
+                <a:latin typeface="Courier" pitchFamily="2" charset="0"/>
+              </a:rPr>
+              <a:t>2</a:t>
+            </a:r>
+            <a:r>
+              <a:rPr lang="it-IT" dirty="0">
+                <a:latin typeface="Courier" pitchFamily="2" charset="0"/>
+              </a:rPr>
+              <a:t>)</a:t>
+            </a:r>
+            <a:endParaRPr lang="it-IT" dirty="0">
+              <a:effectLst/>
+              <a:latin typeface="Courier" pitchFamily="2" charset="0"/>
+            </a:endParaRPr>
           </a:p>
         </p:txBody>
       </p:sp>
     </p:spTree>
     <p:extLst>
       <p:ext uri="{BB962C8B-B14F-4D97-AF65-F5344CB8AC3E}">
-        <p14:creationId xmlns:p14="http://schemas.microsoft.com/office/powerpoint/2010/main" val="3272704402"/>
+        <p14:creationId xmlns:p14="http://schemas.microsoft.com/office/powerpoint/2010/main" val="2335319325"/>
       </p:ext>
     </p:extLst>
   </p:cSld>
@@ -6070,7 +8080,7 @@
           <p:cNvPr id="2" name="Title 1">
             <a:extLst>
               <a:ext uri="{FF2B5EF4-FFF2-40B4-BE49-F238E27FC236}">
-                <a16:creationId xmlns:a16="http://schemas.microsoft.com/office/drawing/2014/main" id="{33680E74-3A0C-1147-B024-F77A37B12498}"/>
+                <a16:creationId xmlns:a16="http://schemas.microsoft.com/office/drawing/2014/main" id="{FD487AB8-D2EF-B649-B3DC-3641A7A85C8B}"/>
               </a:ext>
             </a:extLst>
           </p:cNvPr>
@@ -6088,43 +8098,471 @@
           <a:p>
             <a:r>
               <a:rPr lang="it-IT" dirty="0"/>
-              <a:t>Risultati Windows vs Linux</a:t>
-            </a:r>
-          </a:p>
-        </p:txBody>
-      </p:sp>
-      <p:sp>
-        <p:nvSpPr>
-          <p:cNvPr id="3" name="Content Placeholder 2">
+              <a:t>Sorgente - MATLAB</a:t>
+            </a:r>
+          </a:p>
+        </p:txBody>
+      </p:sp>
+      <p:sp>
+        <p:nvSpPr>
+          <p:cNvPr id="5" name="Rectangle 4">
             <a:extLst>
               <a:ext uri="{FF2B5EF4-FFF2-40B4-BE49-F238E27FC236}">
-                <a16:creationId xmlns:a16="http://schemas.microsoft.com/office/drawing/2014/main" id="{1987CDD3-954D-9148-A905-F3FD935793B1}"/>
+                <a16:creationId xmlns:a16="http://schemas.microsoft.com/office/drawing/2014/main" id="{3F3BFA29-8B78-FE42-9C09-243F44AA12D8}"/>
               </a:ext>
             </a:extLst>
           </p:cNvPr>
-          <p:cNvSpPr>
-            <a:spLocks noGrp="1"/>
-          </p:cNvSpPr>
-          <p:nvPr>
-            <p:ph idx="1"/>
-          </p:nvPr>
-        </p:nvSpPr>
-        <p:spPr/>
-        <p:txBody>
-          <a:bodyPr/>
+          <p:cNvSpPr/>
+          <p:nvPr/>
+        </p:nvSpPr>
+        <p:spPr>
+          <a:xfrm>
+            <a:off x="677333" y="1817093"/>
+            <a:ext cx="6814329" cy="3970318"/>
+          </a:xfrm>
+          <a:prstGeom prst="rect">
+            <a:avLst/>
+          </a:prstGeom>
+        </p:spPr>
+        <p:txBody>
+          <a:bodyPr wrap="square">
+            <a:spAutoFit/>
+          </a:bodyPr>
           <a:lstStyle/>
           <a:p>
             <a:r>
-              <a:rPr lang="it-IT" dirty="0"/>
-              <a:t>Memoria</a:t>
-            </a:r>
+              <a:rPr lang="it-IT" dirty="0" err="1">
+                <a:latin typeface="Courier" pitchFamily="2" charset="0"/>
+              </a:rPr>
+              <a:t>mat</a:t>
+            </a:r>
+            <a:r>
+              <a:rPr lang="it-IT" dirty="0">
+                <a:latin typeface="Courier" pitchFamily="2" charset="0"/>
+              </a:rPr>
+              <a:t> = </a:t>
+            </a:r>
+            <a:r>
+              <a:rPr lang="it-IT" dirty="0" err="1">
+                <a:solidFill>
+                  <a:srgbClr val="008F00"/>
+                </a:solidFill>
+                <a:latin typeface="Courier" pitchFamily="2" charset="0"/>
+              </a:rPr>
+              <a:t>load</a:t>
+            </a:r>
+            <a:r>
+              <a:rPr lang="it-IT" dirty="0">
+                <a:latin typeface="Courier" pitchFamily="2" charset="0"/>
+              </a:rPr>
+              <a:t>(</a:t>
+            </a:r>
+            <a:r>
+              <a:rPr lang="it-IT" dirty="0" err="1">
+                <a:latin typeface="Courier" pitchFamily="2" charset="0"/>
+              </a:rPr>
+              <a:t>path</a:t>
+            </a:r>
+            <a:r>
+              <a:rPr lang="it-IT" dirty="0">
+                <a:latin typeface="Courier" pitchFamily="2" charset="0"/>
+              </a:rPr>
+              <a:t>);</a:t>
+            </a:r>
+          </a:p>
+          <a:p>
+            <a:r>
+              <a:rPr lang="it-IT" dirty="0" err="1">
+                <a:solidFill>
+                  <a:srgbClr val="008F00"/>
+                </a:solidFill>
+                <a:latin typeface="Courier" pitchFamily="2" charset="0"/>
+              </a:rPr>
+              <a:t>solve_matrix</a:t>
+            </a:r>
+            <a:r>
+              <a:rPr lang="it-IT" dirty="0">
+                <a:latin typeface="Courier" pitchFamily="2" charset="0"/>
+              </a:rPr>
+              <a:t>(</a:t>
+            </a:r>
+            <a:r>
+              <a:rPr lang="it-IT" dirty="0" err="1">
+                <a:latin typeface="Courier" pitchFamily="2" charset="0"/>
+              </a:rPr>
+              <a:t>mat</a:t>
+            </a:r>
+            <a:r>
+              <a:rPr lang="it-IT" dirty="0">
+                <a:latin typeface="Courier" pitchFamily="2" charset="0"/>
+              </a:rPr>
+              <a:t>);</a:t>
+            </a:r>
+          </a:p>
+          <a:p>
+            <a:br>
+              <a:rPr lang="it-IT" dirty="0">
+                <a:solidFill>
+                  <a:srgbClr val="008F00"/>
+                </a:solidFill>
+                <a:latin typeface="Courier" pitchFamily="2" charset="0"/>
+              </a:rPr>
+            </a:br>
+            <a:endParaRPr lang="it-IT" dirty="0">
+              <a:solidFill>
+                <a:srgbClr val="008F00"/>
+              </a:solidFill>
+              <a:latin typeface="Courier" pitchFamily="2" charset="0"/>
+            </a:endParaRPr>
+          </a:p>
+          <a:p>
+            <a:r>
+              <a:rPr lang="it-IT" b="1" dirty="0" err="1">
+                <a:solidFill>
+                  <a:srgbClr val="008F00"/>
+                </a:solidFill>
+                <a:latin typeface="Courier" pitchFamily="2" charset="0"/>
+              </a:rPr>
+              <a:t>function</a:t>
+            </a:r>
+            <a:r>
+              <a:rPr lang="it-IT" dirty="0">
+                <a:solidFill>
+                  <a:srgbClr val="C7C7C7"/>
+                </a:solidFill>
+                <a:latin typeface="Courier" pitchFamily="2" charset="0"/>
+              </a:rPr>
+              <a:t> </a:t>
+            </a:r>
+            <a:r>
+              <a:rPr lang="it-IT" dirty="0" err="1">
+                <a:solidFill>
+                  <a:srgbClr val="0433FF"/>
+                </a:solidFill>
+                <a:latin typeface="Courier" pitchFamily="2" charset="0"/>
+              </a:rPr>
+              <a:t>solve_matrix</a:t>
+            </a:r>
+            <a:r>
+              <a:rPr lang="it-IT" dirty="0">
+                <a:solidFill>
+                  <a:srgbClr val="000000"/>
+                </a:solidFill>
+                <a:latin typeface="Courier" pitchFamily="2" charset="0"/>
+              </a:rPr>
+              <a:t>(</a:t>
+            </a:r>
+            <a:r>
+              <a:rPr lang="it-IT" dirty="0" err="1">
+                <a:solidFill>
+                  <a:srgbClr val="000000"/>
+                </a:solidFill>
+                <a:latin typeface="Courier" pitchFamily="2" charset="0"/>
+              </a:rPr>
+              <a:t>mat</a:t>
+            </a:r>
+            <a:r>
+              <a:rPr lang="it-IT" dirty="0">
+                <a:solidFill>
+                  <a:srgbClr val="000000"/>
+                </a:solidFill>
+                <a:latin typeface="Courier" pitchFamily="2" charset="0"/>
+              </a:rPr>
+              <a:t>)</a:t>
+            </a:r>
+            <a:endParaRPr lang="it-IT" dirty="0">
+              <a:solidFill>
+                <a:srgbClr val="0433FF"/>
+              </a:solidFill>
+              <a:latin typeface="Courier" pitchFamily="2" charset="0"/>
+            </a:endParaRPr>
+          </a:p>
+          <a:p>
+            <a:r>
+              <a:rPr lang="it-IT" dirty="0">
+                <a:solidFill>
+                  <a:srgbClr val="C7C7C7"/>
+                </a:solidFill>
+                <a:latin typeface="Courier" pitchFamily="2" charset="0"/>
+              </a:rPr>
+              <a:t>    </a:t>
+            </a:r>
+            <a:r>
+              <a:rPr lang="it-IT" dirty="0">
+                <a:latin typeface="Courier" pitchFamily="2" charset="0"/>
+              </a:rPr>
+              <a:t>A = </a:t>
+            </a:r>
+            <a:r>
+              <a:rPr lang="it-IT" dirty="0" err="1">
+                <a:latin typeface="Courier" pitchFamily="2" charset="0"/>
+              </a:rPr>
+              <a:t>mat.Problem.A</a:t>
+            </a:r>
+            <a:r>
+              <a:rPr lang="it-IT" dirty="0">
+                <a:latin typeface="Courier" pitchFamily="2" charset="0"/>
+              </a:rPr>
+              <a:t>;</a:t>
+            </a:r>
+          </a:p>
+          <a:p>
+            <a:endParaRPr lang="it-IT" dirty="0">
+              <a:latin typeface="Courier" pitchFamily="2" charset="0"/>
+            </a:endParaRPr>
+          </a:p>
+          <a:p>
+            <a:r>
+              <a:rPr lang="it-IT" dirty="0">
+                <a:latin typeface="Courier" pitchFamily="2" charset="0"/>
+              </a:rPr>
+              <a:t>    </a:t>
+            </a:r>
+            <a:r>
+              <a:rPr lang="it-IT" dirty="0" err="1">
+                <a:latin typeface="Courier" pitchFamily="2" charset="0"/>
+              </a:rPr>
+              <a:t>xe</a:t>
+            </a:r>
+            <a:r>
+              <a:rPr lang="it-IT" dirty="0">
+                <a:latin typeface="Courier" pitchFamily="2" charset="0"/>
+              </a:rPr>
+              <a:t> = </a:t>
+            </a:r>
+            <a:r>
+              <a:rPr lang="it-IT" dirty="0" err="1">
+                <a:solidFill>
+                  <a:srgbClr val="008F00"/>
+                </a:solidFill>
+                <a:latin typeface="Courier" pitchFamily="2" charset="0"/>
+              </a:rPr>
+              <a:t>ones</a:t>
+            </a:r>
+            <a:r>
+              <a:rPr lang="it-IT" dirty="0">
+                <a:latin typeface="Courier" pitchFamily="2" charset="0"/>
+              </a:rPr>
+              <a:t>(</a:t>
+            </a:r>
+            <a:r>
+              <a:rPr lang="it-IT" dirty="0" err="1">
+                <a:solidFill>
+                  <a:srgbClr val="008F00"/>
+                </a:solidFill>
+                <a:latin typeface="Courier" pitchFamily="2" charset="0"/>
+              </a:rPr>
+              <a:t>length</a:t>
+            </a:r>
+            <a:r>
+              <a:rPr lang="it-IT" dirty="0">
+                <a:latin typeface="Courier" pitchFamily="2" charset="0"/>
+              </a:rPr>
+              <a:t>(A), </a:t>
+            </a:r>
+            <a:r>
+              <a:rPr lang="it-IT" dirty="0">
+                <a:solidFill>
+                  <a:srgbClr val="797979"/>
+                </a:solidFill>
+                <a:latin typeface="Courier" pitchFamily="2" charset="0"/>
+              </a:rPr>
+              <a:t>1</a:t>
+            </a:r>
+            <a:r>
+              <a:rPr lang="it-IT" dirty="0">
+                <a:latin typeface="Courier" pitchFamily="2" charset="0"/>
+              </a:rPr>
+              <a:t>);</a:t>
+            </a:r>
+          </a:p>
+          <a:p>
+            <a:r>
+              <a:rPr lang="it-IT" dirty="0">
+                <a:latin typeface="Courier" pitchFamily="2" charset="0"/>
+              </a:rPr>
+              <a:t>    b = A </a:t>
+            </a:r>
+            <a:r>
+              <a:rPr lang="it-IT" dirty="0">
+                <a:solidFill>
+                  <a:srgbClr val="797979"/>
+                </a:solidFill>
+                <a:latin typeface="Courier" pitchFamily="2" charset="0"/>
+              </a:rPr>
+              <a:t>* </a:t>
+            </a:r>
+            <a:r>
+              <a:rPr lang="it-IT" dirty="0" err="1">
+                <a:latin typeface="Courier" pitchFamily="2" charset="0"/>
+              </a:rPr>
+              <a:t>xe</a:t>
+            </a:r>
+            <a:r>
+              <a:rPr lang="it-IT" dirty="0">
+                <a:latin typeface="Courier" pitchFamily="2" charset="0"/>
+              </a:rPr>
+              <a:t>;</a:t>
+            </a:r>
+          </a:p>
+          <a:p>
+            <a:endParaRPr lang="it-IT" dirty="0">
+              <a:latin typeface="Courier" pitchFamily="2" charset="0"/>
+            </a:endParaRPr>
+          </a:p>
+          <a:p>
+            <a:r>
+              <a:rPr lang="it-IT" dirty="0">
+                <a:latin typeface="Courier" pitchFamily="2" charset="0"/>
+              </a:rPr>
+              <a:t>    x = A </a:t>
+            </a:r>
+            <a:r>
+              <a:rPr lang="it-IT" dirty="0">
+                <a:solidFill>
+                  <a:srgbClr val="797979"/>
+                </a:solidFill>
+                <a:latin typeface="Courier" pitchFamily="2" charset="0"/>
+              </a:rPr>
+              <a:t>\ </a:t>
+            </a:r>
+            <a:r>
+              <a:rPr lang="it-IT" dirty="0">
+                <a:latin typeface="Courier" pitchFamily="2" charset="0"/>
+              </a:rPr>
+              <a:t>b;</a:t>
+            </a:r>
+          </a:p>
+          <a:p>
+            <a:r>
+              <a:rPr lang="it-IT" dirty="0">
+                <a:latin typeface="Courier" pitchFamily="2" charset="0"/>
+              </a:rPr>
+              <a:t>    t = toc;</a:t>
+            </a:r>
+          </a:p>
+          <a:p>
+            <a:r>
+              <a:rPr lang="it-IT" dirty="0">
+                <a:latin typeface="Courier" pitchFamily="2" charset="0"/>
+              </a:rPr>
+              <a:t>    </a:t>
+            </a:r>
+            <a:r>
+              <a:rPr lang="it-IT" dirty="0" err="1">
+                <a:latin typeface="Courier" pitchFamily="2" charset="0"/>
+              </a:rPr>
+              <a:t>relative_error</a:t>
+            </a:r>
+            <a:r>
+              <a:rPr lang="it-IT" dirty="0">
+                <a:latin typeface="Courier" pitchFamily="2" charset="0"/>
+              </a:rPr>
+              <a:t> = </a:t>
+            </a:r>
+            <a:r>
+              <a:rPr lang="it-IT" dirty="0" err="1">
+                <a:solidFill>
+                  <a:srgbClr val="008F00"/>
+                </a:solidFill>
+                <a:latin typeface="Courier" pitchFamily="2" charset="0"/>
+              </a:rPr>
+              <a:t>norm</a:t>
+            </a:r>
+            <a:r>
+              <a:rPr lang="it-IT" dirty="0">
+                <a:latin typeface="Courier" pitchFamily="2" charset="0"/>
+              </a:rPr>
+              <a:t>(x </a:t>
+            </a:r>
+            <a:r>
+              <a:rPr lang="it-IT" dirty="0">
+                <a:solidFill>
+                  <a:srgbClr val="797979"/>
+                </a:solidFill>
+                <a:latin typeface="Courier" pitchFamily="2" charset="0"/>
+              </a:rPr>
+              <a:t>-</a:t>
+            </a:r>
+            <a:r>
+              <a:rPr lang="it-IT" dirty="0">
+                <a:latin typeface="Courier" pitchFamily="2" charset="0"/>
+              </a:rPr>
+              <a:t> </a:t>
+            </a:r>
+            <a:r>
+              <a:rPr lang="it-IT" dirty="0" err="1">
+                <a:latin typeface="Courier" pitchFamily="2" charset="0"/>
+              </a:rPr>
+              <a:t>xe</a:t>
+            </a:r>
+            <a:r>
+              <a:rPr lang="it-IT" dirty="0">
+                <a:latin typeface="Courier" pitchFamily="2" charset="0"/>
+              </a:rPr>
+              <a:t>) </a:t>
+            </a:r>
+            <a:r>
+              <a:rPr lang="it-IT" dirty="0">
+                <a:solidFill>
+                  <a:srgbClr val="797979"/>
+                </a:solidFill>
+                <a:latin typeface="Courier" pitchFamily="2" charset="0"/>
+              </a:rPr>
+              <a:t>/ </a:t>
+            </a:r>
+            <a:r>
+              <a:rPr lang="it-IT" dirty="0" err="1">
+                <a:solidFill>
+                  <a:srgbClr val="008F00"/>
+                </a:solidFill>
+                <a:latin typeface="Courier" pitchFamily="2" charset="0"/>
+              </a:rPr>
+              <a:t>norm</a:t>
+            </a:r>
+            <a:r>
+              <a:rPr lang="it-IT" dirty="0">
+                <a:latin typeface="Courier" pitchFamily="2" charset="0"/>
+              </a:rPr>
+              <a:t>(</a:t>
+            </a:r>
+            <a:r>
+              <a:rPr lang="it-IT" dirty="0" err="1">
+                <a:latin typeface="Courier" pitchFamily="2" charset="0"/>
+              </a:rPr>
+              <a:t>xe</a:t>
+            </a:r>
+            <a:r>
+              <a:rPr lang="it-IT" dirty="0">
+                <a:latin typeface="Courier" pitchFamily="2" charset="0"/>
+              </a:rPr>
+              <a:t>);</a:t>
+            </a:r>
+          </a:p>
+          <a:p>
+            <a:r>
+              <a:rPr lang="it-IT" b="1" dirty="0">
+                <a:solidFill>
+                  <a:srgbClr val="008F00"/>
+                </a:solidFill>
+                <a:latin typeface="Courier" pitchFamily="2" charset="0"/>
+              </a:rPr>
+              <a:t>end</a:t>
+            </a:r>
+            <a:endParaRPr lang="it-IT" dirty="0">
+              <a:solidFill>
+                <a:srgbClr val="008F00"/>
+              </a:solidFill>
+              <a:effectLst/>
+              <a:latin typeface="Courier" pitchFamily="2" charset="0"/>
+            </a:endParaRPr>
           </a:p>
         </p:txBody>
       </p:sp>
     </p:spTree>
     <p:extLst>
       <p:ext uri="{BB962C8B-B14F-4D97-AF65-F5344CB8AC3E}">
-        <p14:creationId xmlns:p14="http://schemas.microsoft.com/office/powerpoint/2010/main" val="1977260676"/>
+        <p14:creationId xmlns:p14="http://schemas.microsoft.com/office/powerpoint/2010/main" val="2137367407"/>
       </p:ext>
     </p:extLst>
   </p:cSld>
@@ -6156,7 +8594,7 @@
           <p:cNvPr id="2" name="Title 1">
             <a:extLst>
               <a:ext uri="{FF2B5EF4-FFF2-40B4-BE49-F238E27FC236}">
-                <a16:creationId xmlns:a16="http://schemas.microsoft.com/office/drawing/2014/main" id="{33680E74-3A0C-1147-B024-F77A37B12498}"/>
+                <a16:creationId xmlns:a16="http://schemas.microsoft.com/office/drawing/2014/main" id="{E361A405-8615-9244-9954-D65A3EBE39ED}"/>
               </a:ext>
             </a:extLst>
           </p:cNvPr>
@@ -6174,7 +8612,7 @@
           <a:p>
             <a:r>
               <a:rPr lang="it-IT" dirty="0"/>
-              <a:t>Risultati Windows vs Linux</a:t>
+              <a:t>Macchina utilizzata</a:t>
             </a:r>
           </a:p>
         </p:txBody>
@@ -6184,7 +8622,7 @@
           <p:cNvPr id="3" name="Content Placeholder 2">
             <a:extLst>
               <a:ext uri="{FF2B5EF4-FFF2-40B4-BE49-F238E27FC236}">
-                <a16:creationId xmlns:a16="http://schemas.microsoft.com/office/drawing/2014/main" id="{1987CDD3-954D-9148-A905-F3FD935793B1}"/>
+                <a16:creationId xmlns:a16="http://schemas.microsoft.com/office/drawing/2014/main" id="{05B267FC-C398-9E4D-A8B4-D919A28C0360}"/>
               </a:ext>
             </a:extLst>
           </p:cNvPr>
@@ -6201,16 +8639,74 @@
           <a:lstStyle/>
           <a:p>
             <a:r>
-              <a:rPr lang="it-IT" dirty="0"/>
-              <a:t>Errore</a:t>
-            </a:r>
+              <a:rPr lang="it-IT" sz="2400" dirty="0"/>
+              <a:t>ASUS </a:t>
+            </a:r>
+            <a:r>
+              <a:rPr lang="it-IT" sz="2400" dirty="0" err="1"/>
+              <a:t>Zenbook</a:t>
+            </a:r>
+            <a:r>
+              <a:rPr lang="it-IT" sz="2400" dirty="0"/>
+              <a:t> UX330</a:t>
+            </a:r>
+          </a:p>
+          <a:p>
+            <a:pPr lvl="1"/>
+            <a:r>
+              <a:rPr lang="it-IT" sz="2000" dirty="0"/>
+              <a:t>CPU: Intel i7 7500U @ 2.70 GHz</a:t>
+            </a:r>
+          </a:p>
+          <a:p>
+            <a:pPr lvl="1"/>
+            <a:r>
+              <a:rPr lang="it-IT" sz="2000" dirty="0"/>
+              <a:t>RAM: 8GB DDR3</a:t>
+            </a:r>
+          </a:p>
+          <a:p>
+            <a:pPr lvl="1"/>
+            <a:r>
+              <a:rPr lang="it-IT" sz="2000" dirty="0"/>
+              <a:t>Memoria fisica: SSD M.2 512GB</a:t>
+            </a:r>
+          </a:p>
+          <a:p>
+            <a:pPr lvl="1"/>
+            <a:r>
+              <a:rPr lang="it-IT" sz="2000" dirty="0"/>
+              <a:t>Sistemi operativi:</a:t>
+            </a:r>
+          </a:p>
+          <a:p>
+            <a:pPr lvl="2"/>
+            <a:r>
+              <a:rPr lang="it-IT" sz="1800" dirty="0"/>
+              <a:t>Windows 10</a:t>
+            </a:r>
+          </a:p>
+          <a:p>
+            <a:pPr lvl="2"/>
+            <a:r>
+              <a:rPr lang="it-IT" sz="1800" dirty="0" err="1"/>
+              <a:t>Ubuntu</a:t>
+            </a:r>
+            <a:r>
+              <a:rPr lang="it-IT" sz="1800" dirty="0"/>
+              <a:t> Linux 16.04</a:t>
+            </a:r>
+          </a:p>
+          <a:p>
+            <a:pPr lvl="1"/>
+            <a:endParaRPr lang="it-IT" dirty="0"/>
           </a:p>
         </p:txBody>
       </p:sp>
     </p:spTree>
     <p:extLst>
       <p:ext uri="{BB962C8B-B14F-4D97-AF65-F5344CB8AC3E}">
-        <p14:creationId xmlns:p14="http://schemas.microsoft.com/office/powerpoint/2010/main" val="2166776136"/>
+        <p14:creationId xmlns:p14="http://schemas.microsoft.com/office/powerpoint/2010/main" val="3108514142"/>
       </p:ext>
     </p:extLst>
   </p:cSld>
@@ -6242,7 +8738,7 @@
           <p:cNvPr id="2" name="Title 1">
             <a:extLst>
               <a:ext uri="{FF2B5EF4-FFF2-40B4-BE49-F238E27FC236}">
-                <a16:creationId xmlns:a16="http://schemas.microsoft.com/office/drawing/2014/main" id="{CCBF44D4-D7BF-934F-B0BE-A9718755F94F}"/>
+                <a16:creationId xmlns:a16="http://schemas.microsoft.com/office/drawing/2014/main" id="{A69F235A-A34A-1C4E-B234-E1937DF89AEE}"/>
               </a:ext>
             </a:extLst>
           </p:cNvPr>
@@ -6260,7 +8756,7 @@
           <a:p>
             <a:r>
               <a:rPr lang="it-IT" dirty="0"/>
-              <a:t>Conclusioni</a:t>
+              <a:t>Matrici Testate</a:t>
             </a:r>
           </a:p>
         </p:txBody>
@@ -6270,7 +8766,7 @@
           <p:cNvPr id="3" name="Content Placeholder 2">
             <a:extLst>
               <a:ext uri="{FF2B5EF4-FFF2-40B4-BE49-F238E27FC236}">
-                <a16:creationId xmlns:a16="http://schemas.microsoft.com/office/drawing/2014/main" id="{B9EEBCBB-553B-0D48-ABC0-A36E0C371F1C}"/>
+                <a16:creationId xmlns:a16="http://schemas.microsoft.com/office/drawing/2014/main" id="{70812C64-A1EB-974C-8E1A-346EC6272DD0}"/>
               </a:ext>
             </a:extLst>
           </p:cNvPr>
@@ -6281,19 +8777,972 @@
             <p:ph idx="1"/>
           </p:nvPr>
         </p:nvSpPr>
-        <p:spPr/>
+        <p:spPr>
+          <a:xfrm>
+            <a:off x="677334" y="2160589"/>
+            <a:ext cx="3256713" cy="3880773"/>
+          </a:xfrm>
+        </p:spPr>
         <p:txBody>
           <a:bodyPr/>
           <a:lstStyle/>
           <a:p>
-            <a:endParaRPr lang="it-IT"/>
+            <a:r>
+              <a:rPr lang="it-IT" dirty="0"/>
+              <a:t>Non Definite Positive</a:t>
+            </a:r>
+          </a:p>
+          <a:p>
+            <a:pPr lvl="1"/>
+            <a:r>
+              <a:rPr lang="it-IT" dirty="0">
+                <a:latin typeface="Consolas" panose="020B0609020204030204" pitchFamily="49" charset="0"/>
+                <a:cs typeface="Consolas" panose="020B0609020204030204" pitchFamily="49" charset="0"/>
+              </a:rPr>
+              <a:t>PR02R (161070)</a:t>
+            </a:r>
+          </a:p>
+          <a:p>
+            <a:pPr lvl="1"/>
+            <a:r>
+              <a:rPr lang="it-IT" dirty="0">
+                <a:latin typeface="Consolas" panose="020B0609020204030204" pitchFamily="49" charset="0"/>
+                <a:cs typeface="Consolas" panose="020B0609020204030204" pitchFamily="49" charset="0"/>
+              </a:rPr>
+              <a:t>ex19 (12005)</a:t>
+            </a:r>
+          </a:p>
+          <a:p>
+            <a:pPr lvl="1"/>
+            <a:r>
+              <a:rPr lang="it-IT" dirty="0">
+                <a:latin typeface="Consolas" panose="020B0609020204030204" pitchFamily="49" charset="0"/>
+                <a:cs typeface="Consolas" panose="020B0609020204030204" pitchFamily="49" charset="0"/>
+              </a:rPr>
+              <a:t>graham1 (9035)</a:t>
+            </a:r>
+          </a:p>
+          <a:p>
+            <a:pPr lvl="1"/>
+            <a:r>
+              <a:rPr lang="it-IT" dirty="0">
+                <a:latin typeface="Consolas" panose="020B0609020204030204" pitchFamily="49" charset="0"/>
+                <a:cs typeface="Consolas" panose="020B0609020204030204" pitchFamily="49" charset="0"/>
+              </a:rPr>
+              <a:t>kim2 (456976)</a:t>
+            </a:r>
+          </a:p>
+          <a:p>
+            <a:pPr lvl="1"/>
+            <a:r>
+              <a:rPr lang="it-IT" dirty="0">
+                <a:latin typeface="Consolas" panose="020B0609020204030204" pitchFamily="49" charset="0"/>
+                <a:cs typeface="Consolas" panose="020B0609020204030204" pitchFamily="49" charset="0"/>
+              </a:rPr>
+              <a:t>raefsky3 (21200)</a:t>
+            </a:r>
+          </a:p>
+          <a:p>
+            <a:pPr lvl="1"/>
+            <a:r>
+              <a:rPr lang="it-IT" dirty="0">
+                <a:latin typeface="Consolas" panose="020B0609020204030204" pitchFamily="49" charset="0"/>
+                <a:cs typeface="Consolas" panose="020B0609020204030204" pitchFamily="49" charset="0"/>
+              </a:rPr>
+              <a:t>torso1 (116158)</a:t>
+            </a:r>
+          </a:p>
+          <a:p>
+            <a:pPr lvl="1"/>
+            <a:r>
+              <a:rPr lang="it-IT" dirty="0">
+                <a:latin typeface="Consolas" panose="020B0609020204030204" pitchFamily="49" charset="0"/>
+                <a:cs typeface="Consolas" panose="020B0609020204030204" pitchFamily="49" charset="0"/>
+              </a:rPr>
+              <a:t>torso3 (259156)</a:t>
+            </a:r>
+          </a:p>
+          <a:p>
+            <a:pPr lvl="1"/>
+            <a:r>
+              <a:rPr lang="it-IT" dirty="0" err="1">
+                <a:latin typeface="Consolas" panose="020B0609020204030204" pitchFamily="49" charset="0"/>
+                <a:cs typeface="Consolas" panose="020B0609020204030204" pitchFamily="49" charset="0"/>
+              </a:rPr>
+              <a:t>water_tank</a:t>
+            </a:r>
+            <a:r>
+              <a:rPr lang="it-IT" dirty="0">
+                <a:latin typeface="Consolas" panose="020B0609020204030204" pitchFamily="49" charset="0"/>
+                <a:cs typeface="Consolas" panose="020B0609020204030204" pitchFamily="49" charset="0"/>
+              </a:rPr>
+              <a:t> (60740)</a:t>
+            </a:r>
+          </a:p>
+          <a:p>
+            <a:pPr marL="457200" lvl="1" indent="0">
+              <a:buNone/>
+            </a:pPr>
+            <a:endParaRPr lang="it-IT" dirty="0">
+              <a:latin typeface="Consolas" panose="020B0609020204030204" pitchFamily="49" charset="0"/>
+              <a:cs typeface="Consolas" panose="020B0609020204030204" pitchFamily="49" charset="0"/>
+            </a:endParaRPr>
+          </a:p>
+          <a:p>
+            <a:pPr marL="457200" lvl="1" indent="0">
+              <a:buNone/>
+            </a:pPr>
+            <a:endParaRPr lang="it-IT" dirty="0">
+              <a:latin typeface="Consolas" panose="020B0609020204030204" pitchFamily="49" charset="0"/>
+              <a:cs typeface="Consolas" panose="020B0609020204030204" pitchFamily="49" charset="0"/>
+            </a:endParaRPr>
+          </a:p>
+        </p:txBody>
+      </p:sp>
+      <p:sp>
+        <p:nvSpPr>
+          <p:cNvPr id="4" name="Content Placeholder 2">
+            <a:extLst>
+              <a:ext uri="{FF2B5EF4-FFF2-40B4-BE49-F238E27FC236}">
+                <a16:creationId xmlns:a16="http://schemas.microsoft.com/office/drawing/2014/main" id="{497B6014-BD57-364D-86B3-E3CDF489F37C}"/>
+              </a:ext>
+            </a:extLst>
+          </p:cNvPr>
+          <p:cNvSpPr txBox="1">
+            <a:spLocks/>
+          </p:cNvSpPr>
+          <p:nvPr/>
+        </p:nvSpPr>
+        <p:spPr>
+          <a:xfrm>
+            <a:off x="4540497" y="2160589"/>
+            <a:ext cx="3518982" cy="3880773"/>
+          </a:xfrm>
+          <a:prstGeom prst="rect">
+            <a:avLst/>
+          </a:prstGeom>
+        </p:spPr>
+        <p:txBody>
+          <a:bodyPr vert="horz" lIns="91440" tIns="45720" rIns="91440" bIns="45720" rtlCol="0">
+            <a:normAutofit/>
+          </a:bodyPr>
+          <a:lstStyle>
+            <a:lvl1pPr marL="342900" indent="-342900" algn="l" defTabSz="457200" rtl="0" eaLnBrk="1" latinLnBrk="0" hangingPunct="1">
+              <a:spcBef>
+                <a:spcPts val="1000"/>
+              </a:spcBef>
+              <a:spcAft>
+                <a:spcPts val="0"/>
+              </a:spcAft>
+              <a:buClr>
+                <a:schemeClr val="accent1"/>
+              </a:buClr>
+              <a:buSzPct val="80000"/>
+              <a:buFont typeface="Wingdings 3" charset="2"/>
+              <a:buChar char=""/>
+              <a:defRPr sz="1800" kern="1200">
+                <a:solidFill>
+                  <a:schemeClr val="tx1">
+                    <a:lumMod val="75000"/>
+                    <a:lumOff val="25000"/>
+                  </a:schemeClr>
+                </a:solidFill>
+                <a:latin typeface="+mn-lt"/>
+                <a:ea typeface="+mn-ea"/>
+                <a:cs typeface="+mn-cs"/>
+              </a:defRPr>
+            </a:lvl1pPr>
+            <a:lvl2pPr marL="742950" indent="-285750" algn="l" defTabSz="457200" rtl="0" eaLnBrk="1" latinLnBrk="0" hangingPunct="1">
+              <a:spcBef>
+                <a:spcPts val="1000"/>
+              </a:spcBef>
+              <a:spcAft>
+                <a:spcPts val="0"/>
+              </a:spcAft>
+              <a:buClr>
+                <a:schemeClr val="accent1"/>
+              </a:buClr>
+              <a:buSzPct val="80000"/>
+              <a:buFont typeface="Wingdings 3" charset="2"/>
+              <a:buChar char=""/>
+              <a:defRPr sz="1600" kern="1200">
+                <a:solidFill>
+                  <a:schemeClr val="tx1">
+                    <a:lumMod val="75000"/>
+                    <a:lumOff val="25000"/>
+                  </a:schemeClr>
+                </a:solidFill>
+                <a:latin typeface="+mn-lt"/>
+                <a:ea typeface="+mn-ea"/>
+                <a:cs typeface="+mn-cs"/>
+              </a:defRPr>
+            </a:lvl2pPr>
+            <a:lvl3pPr marL="1143000" indent="-228600" algn="l" defTabSz="457200" rtl="0" eaLnBrk="1" latinLnBrk="0" hangingPunct="1">
+              <a:spcBef>
+                <a:spcPts val="1000"/>
+              </a:spcBef>
+              <a:spcAft>
+                <a:spcPts val="0"/>
+              </a:spcAft>
+              <a:buClr>
+                <a:schemeClr val="accent1"/>
+              </a:buClr>
+              <a:buSzPct val="80000"/>
+              <a:buFont typeface="Wingdings 3" charset="2"/>
+              <a:buChar char=""/>
+              <a:defRPr sz="1400" kern="1200">
+                <a:solidFill>
+                  <a:schemeClr val="tx1">
+                    <a:lumMod val="75000"/>
+                    <a:lumOff val="25000"/>
+                  </a:schemeClr>
+                </a:solidFill>
+                <a:latin typeface="+mn-lt"/>
+                <a:ea typeface="+mn-ea"/>
+                <a:cs typeface="+mn-cs"/>
+              </a:defRPr>
+            </a:lvl3pPr>
+            <a:lvl4pPr marL="1600200" indent="-228600" algn="l" defTabSz="457200" rtl="0" eaLnBrk="1" latinLnBrk="0" hangingPunct="1">
+              <a:spcBef>
+                <a:spcPts val="1000"/>
+              </a:spcBef>
+              <a:spcAft>
+                <a:spcPts val="0"/>
+              </a:spcAft>
+              <a:buClr>
+                <a:schemeClr val="accent1"/>
+              </a:buClr>
+              <a:buSzPct val="80000"/>
+              <a:buFont typeface="Wingdings 3" charset="2"/>
+              <a:buChar char=""/>
+              <a:defRPr sz="1200" kern="1200">
+                <a:solidFill>
+                  <a:schemeClr val="tx1">
+                    <a:lumMod val="75000"/>
+                    <a:lumOff val="25000"/>
+                  </a:schemeClr>
+                </a:solidFill>
+                <a:latin typeface="+mn-lt"/>
+                <a:ea typeface="+mn-ea"/>
+                <a:cs typeface="+mn-cs"/>
+              </a:defRPr>
+            </a:lvl4pPr>
+            <a:lvl5pPr marL="2057400" indent="-228600" algn="l" defTabSz="457200" rtl="0" eaLnBrk="1" latinLnBrk="0" hangingPunct="1">
+              <a:spcBef>
+                <a:spcPts val="1000"/>
+              </a:spcBef>
+              <a:spcAft>
+                <a:spcPts val="0"/>
+              </a:spcAft>
+              <a:buClr>
+                <a:schemeClr val="accent1"/>
+              </a:buClr>
+              <a:buSzPct val="80000"/>
+              <a:buFont typeface="Wingdings 3" charset="2"/>
+              <a:buChar char=""/>
+              <a:defRPr sz="1200" kern="1200">
+                <a:solidFill>
+                  <a:schemeClr val="tx1">
+                    <a:lumMod val="75000"/>
+                    <a:lumOff val="25000"/>
+                  </a:schemeClr>
+                </a:solidFill>
+                <a:latin typeface="+mn-lt"/>
+                <a:ea typeface="+mn-ea"/>
+                <a:cs typeface="+mn-cs"/>
+              </a:defRPr>
+            </a:lvl5pPr>
+            <a:lvl6pPr marL="2514600" indent="-228600" algn="l" defTabSz="457200" rtl="0" eaLnBrk="1" latinLnBrk="0" hangingPunct="1">
+              <a:spcBef>
+                <a:spcPts val="1000"/>
+              </a:spcBef>
+              <a:spcAft>
+                <a:spcPts val="0"/>
+              </a:spcAft>
+              <a:buClr>
+                <a:schemeClr val="accent1"/>
+              </a:buClr>
+              <a:buSzPct val="80000"/>
+              <a:buFont typeface="Wingdings 3" charset="2"/>
+              <a:buChar char=""/>
+              <a:defRPr sz="1200" kern="1200">
+                <a:solidFill>
+                  <a:schemeClr val="tx1">
+                    <a:lumMod val="75000"/>
+                    <a:lumOff val="25000"/>
+                  </a:schemeClr>
+                </a:solidFill>
+                <a:latin typeface="+mn-lt"/>
+                <a:ea typeface="+mn-ea"/>
+                <a:cs typeface="+mn-cs"/>
+              </a:defRPr>
+            </a:lvl6pPr>
+            <a:lvl7pPr marL="2971800" indent="-228600" algn="l" defTabSz="457200" rtl="0" eaLnBrk="1" latinLnBrk="0" hangingPunct="1">
+              <a:spcBef>
+                <a:spcPts val="1000"/>
+              </a:spcBef>
+              <a:spcAft>
+                <a:spcPts val="0"/>
+              </a:spcAft>
+              <a:buClr>
+                <a:schemeClr val="accent1"/>
+              </a:buClr>
+              <a:buSzPct val="80000"/>
+              <a:buFont typeface="Wingdings 3" charset="2"/>
+              <a:buChar char=""/>
+              <a:defRPr sz="1200" kern="1200">
+                <a:solidFill>
+                  <a:schemeClr val="tx1">
+                    <a:lumMod val="75000"/>
+                    <a:lumOff val="25000"/>
+                  </a:schemeClr>
+                </a:solidFill>
+                <a:latin typeface="+mn-lt"/>
+                <a:ea typeface="+mn-ea"/>
+                <a:cs typeface="+mn-cs"/>
+              </a:defRPr>
+            </a:lvl7pPr>
+            <a:lvl8pPr marL="3429000" indent="-228600" algn="l" defTabSz="457200" rtl="0" eaLnBrk="1" latinLnBrk="0" hangingPunct="1">
+              <a:spcBef>
+                <a:spcPts val="1000"/>
+              </a:spcBef>
+              <a:spcAft>
+                <a:spcPts val="0"/>
+              </a:spcAft>
+              <a:buClr>
+                <a:schemeClr val="accent1"/>
+              </a:buClr>
+              <a:buSzPct val="80000"/>
+              <a:buFont typeface="Wingdings 3" charset="2"/>
+              <a:buChar char=""/>
+              <a:defRPr sz="1200" kern="1200">
+                <a:solidFill>
+                  <a:schemeClr val="tx1">
+                    <a:lumMod val="75000"/>
+                    <a:lumOff val="25000"/>
+                  </a:schemeClr>
+                </a:solidFill>
+                <a:latin typeface="+mn-lt"/>
+                <a:ea typeface="+mn-ea"/>
+                <a:cs typeface="+mn-cs"/>
+              </a:defRPr>
+            </a:lvl8pPr>
+            <a:lvl9pPr marL="3886200" indent="-228600" algn="l" defTabSz="457200" rtl="0" eaLnBrk="1" latinLnBrk="0" hangingPunct="1">
+              <a:spcBef>
+                <a:spcPts val="1000"/>
+              </a:spcBef>
+              <a:spcAft>
+                <a:spcPts val="0"/>
+              </a:spcAft>
+              <a:buClr>
+                <a:schemeClr val="accent1"/>
+              </a:buClr>
+              <a:buSzPct val="80000"/>
+              <a:buFont typeface="Wingdings 3" charset="2"/>
+              <a:buChar char=""/>
+              <a:defRPr sz="1200" kern="1200">
+                <a:solidFill>
+                  <a:schemeClr val="tx1">
+                    <a:lumMod val="75000"/>
+                    <a:lumOff val="25000"/>
+                  </a:schemeClr>
+                </a:solidFill>
+                <a:latin typeface="+mn-lt"/>
+                <a:ea typeface="+mn-ea"/>
+                <a:cs typeface="+mn-cs"/>
+              </a:defRPr>
+            </a:lvl9pPr>
+          </a:lstStyle>
+          <a:p>
+            <a:r>
+              <a:rPr lang="it-IT" dirty="0"/>
+              <a:t>Definite Positive</a:t>
+            </a:r>
+          </a:p>
+          <a:p>
+            <a:pPr lvl="1"/>
+            <a:r>
+              <a:rPr lang="it-IT" dirty="0">
+                <a:latin typeface="Consolas" panose="020B0609020204030204" pitchFamily="49" charset="0"/>
+                <a:cs typeface="Consolas" panose="020B0609020204030204" pitchFamily="49" charset="0"/>
+              </a:rPr>
+              <a:t>G3_circuit (1585478)</a:t>
+            </a:r>
+          </a:p>
+          <a:p>
+            <a:pPr lvl="1"/>
+            <a:r>
+              <a:rPr lang="it-IT" dirty="0">
+                <a:latin typeface="Consolas" panose="020B0609020204030204" pitchFamily="49" charset="0"/>
+                <a:cs typeface="Consolas" panose="020B0609020204030204" pitchFamily="49" charset="0"/>
+              </a:rPr>
+              <a:t>apache2 (715176)</a:t>
+            </a:r>
+          </a:p>
+          <a:p>
+            <a:pPr lvl="1"/>
+            <a:r>
+              <a:rPr lang="it-IT" dirty="0">
+                <a:latin typeface="Consolas" panose="020B0609020204030204" pitchFamily="49" charset="0"/>
+                <a:cs typeface="Consolas" panose="020B0609020204030204" pitchFamily="49" charset="0"/>
+              </a:rPr>
+              <a:t>cfd1 (70656)</a:t>
+            </a:r>
+          </a:p>
+          <a:p>
+            <a:pPr lvl="1"/>
+            <a:r>
+              <a:rPr lang="it-IT" dirty="0">
+                <a:latin typeface="Consolas" panose="020B0609020204030204" pitchFamily="49" charset="0"/>
+                <a:cs typeface="Consolas" panose="020B0609020204030204" pitchFamily="49" charset="0"/>
+              </a:rPr>
+              <a:t>cfd2 (123440)</a:t>
+            </a:r>
+          </a:p>
+          <a:p>
+            <a:pPr lvl="1"/>
+            <a:r>
+              <a:rPr lang="it-IT" dirty="0">
+                <a:latin typeface="Consolas" panose="020B0609020204030204" pitchFamily="49" charset="0"/>
+                <a:cs typeface="Consolas" panose="020B0609020204030204" pitchFamily="49" charset="0"/>
+              </a:rPr>
+              <a:t>ex15 (6867)</a:t>
+            </a:r>
+          </a:p>
+          <a:p>
+            <a:pPr lvl="1"/>
+            <a:r>
+              <a:rPr lang="it-IT" dirty="0" err="1">
+                <a:latin typeface="Consolas" panose="020B0609020204030204" pitchFamily="49" charset="0"/>
+                <a:cs typeface="Consolas" panose="020B0609020204030204" pitchFamily="49" charset="0"/>
+              </a:rPr>
+              <a:t>parabolic_fem</a:t>
+            </a:r>
+            <a:r>
+              <a:rPr lang="it-IT" dirty="0">
+                <a:latin typeface="Consolas" panose="020B0609020204030204" pitchFamily="49" charset="0"/>
+                <a:cs typeface="Consolas" panose="020B0609020204030204" pitchFamily="49" charset="0"/>
+              </a:rPr>
+              <a:t> (525825)</a:t>
+            </a:r>
+          </a:p>
+          <a:p>
+            <a:pPr lvl="1"/>
+            <a:r>
+              <a:rPr lang="it-IT" dirty="0">
+                <a:latin typeface="Consolas" panose="020B0609020204030204" pitchFamily="49" charset="0"/>
+                <a:cs typeface="Consolas" panose="020B0609020204030204" pitchFamily="49" charset="0"/>
+              </a:rPr>
+              <a:t>shallow_water1 (82920)</a:t>
+            </a:r>
+          </a:p>
+          <a:p>
+            <a:pPr marL="457200" lvl="1" indent="0">
+              <a:buFont typeface="Wingdings 3" charset="2"/>
+              <a:buNone/>
+            </a:pPr>
+            <a:endParaRPr lang="it-IT" dirty="0">
+              <a:latin typeface="Consolas" panose="020B0609020204030204" pitchFamily="49" charset="0"/>
+              <a:cs typeface="Consolas" panose="020B0609020204030204" pitchFamily="49" charset="0"/>
+            </a:endParaRPr>
+          </a:p>
+          <a:p>
+            <a:pPr marL="457200" lvl="1" indent="0">
+              <a:buFont typeface="Wingdings 3" charset="2"/>
+              <a:buNone/>
+            </a:pPr>
+            <a:endParaRPr lang="it-IT" dirty="0">
+              <a:latin typeface="Consolas" panose="020B0609020204030204" pitchFamily="49" charset="0"/>
+              <a:cs typeface="Consolas" panose="020B0609020204030204" pitchFamily="49" charset="0"/>
+            </a:endParaRPr>
           </a:p>
         </p:txBody>
       </p:sp>
     </p:spTree>
     <p:extLst>
       <p:ext uri="{BB962C8B-B14F-4D97-AF65-F5344CB8AC3E}">
-        <p14:creationId xmlns:p14="http://schemas.microsoft.com/office/powerpoint/2010/main" val="1696775293"/>
+        <p14:creationId xmlns:p14="http://schemas.microsoft.com/office/powerpoint/2010/main" val="1100735805"/>
+      </p:ext>
+    </p:extLst>
+  </p:cSld>
+  <p:clrMapOvr>
+    <a:masterClrMapping/>
+  </p:clrMapOvr>
+</p:sld>
+</file>
+
+<file path=ppt/slides/slide15.xml><?xml version="1.0" encoding="utf-8"?>
+<p:sld xmlns:a="http://schemas.openxmlformats.org/drawingml/2006/main" xmlns:r="http://schemas.openxmlformats.org/officeDocument/2006/relationships" xmlns:p="http://schemas.openxmlformats.org/presentationml/2006/main">
+  <p:cSld>
+    <p:spTree>
+      <p:nvGrpSpPr>
+        <p:cNvPr id="1" name=""/>
+        <p:cNvGrpSpPr/>
+        <p:nvPr/>
+      </p:nvGrpSpPr>
+      <p:grpSpPr>
+        <a:xfrm>
+          <a:off x="0" y="0"/>
+          <a:ext cx="0" cy="0"/>
+          <a:chOff x="0" y="0"/>
+          <a:chExt cx="0" cy="0"/>
+        </a:xfrm>
+      </p:grpSpPr>
+      <p:sp>
+        <p:nvSpPr>
+          <p:cNvPr id="2" name="Title 1">
+            <a:extLst>
+              <a:ext uri="{FF2B5EF4-FFF2-40B4-BE49-F238E27FC236}">
+                <a16:creationId xmlns:a16="http://schemas.microsoft.com/office/drawing/2014/main" id="{4A0152D8-ACCA-4E41-842B-09E388D9356B}"/>
+              </a:ext>
+            </a:extLst>
+          </p:cNvPr>
+          <p:cNvSpPr>
+            <a:spLocks noGrp="1"/>
+          </p:cNvSpPr>
+          <p:nvPr>
+            <p:ph type="title"/>
+          </p:nvPr>
+        </p:nvSpPr>
+        <p:spPr/>
+        <p:txBody>
+          <a:bodyPr/>
+          <a:lstStyle/>
+          <a:p>
+            <a:r>
+              <a:rPr lang="it-IT" dirty="0" err="1"/>
+              <a:t>Overview</a:t>
+            </a:r>
+            <a:r>
+              <a:rPr lang="it-IT" dirty="0"/>
+              <a:t> Risultati</a:t>
+            </a:r>
+          </a:p>
+        </p:txBody>
+      </p:sp>
+      <p:sp>
+        <p:nvSpPr>
+          <p:cNvPr id="3" name="Content Placeholder 2">
+            <a:extLst>
+              <a:ext uri="{FF2B5EF4-FFF2-40B4-BE49-F238E27FC236}">
+                <a16:creationId xmlns:a16="http://schemas.microsoft.com/office/drawing/2014/main" id="{C8751E77-78F7-314F-B203-6619A3D3645B}"/>
+              </a:ext>
+            </a:extLst>
+          </p:cNvPr>
+          <p:cNvSpPr>
+            <a:spLocks noGrp="1"/>
+          </p:cNvSpPr>
+          <p:nvPr>
+            <p:ph idx="1"/>
+          </p:nvPr>
+        </p:nvSpPr>
+        <p:spPr/>
+        <p:txBody>
+          <a:bodyPr/>
+          <a:lstStyle/>
+          <a:p>
+            <a:r>
+              <a:rPr lang="it-IT" dirty="0"/>
+              <a:t>*</a:t>
+            </a:r>
+            <a:r>
+              <a:rPr lang="it-IT" dirty="0" err="1"/>
+              <a:t>Graficone</a:t>
+            </a:r>
+            <a:r>
+              <a:rPr lang="it-IT" dirty="0"/>
+              <a:t> che vogliono loro con tutto quanto*</a:t>
+            </a:r>
+          </a:p>
+        </p:txBody>
+      </p:sp>
+    </p:spTree>
+    <p:extLst>
+      <p:ext uri="{BB962C8B-B14F-4D97-AF65-F5344CB8AC3E}">
+        <p14:creationId xmlns:p14="http://schemas.microsoft.com/office/powerpoint/2010/main" val="4023922478"/>
+      </p:ext>
+    </p:extLst>
+  </p:cSld>
+  <p:clrMapOvr>
+    <a:masterClrMapping/>
+  </p:clrMapOvr>
+</p:sld>
+</file>
+
+<file path=ppt/slides/slide16.xml><?xml version="1.0" encoding="utf-8"?>
+<p:sld xmlns:a="http://schemas.openxmlformats.org/drawingml/2006/main" xmlns:r="http://schemas.openxmlformats.org/officeDocument/2006/relationships" xmlns:p="http://schemas.openxmlformats.org/presentationml/2006/main">
+  <p:cSld>
+    <p:spTree>
+      <p:nvGrpSpPr>
+        <p:cNvPr id="1" name=""/>
+        <p:cNvGrpSpPr/>
+        <p:nvPr/>
+      </p:nvGrpSpPr>
+      <p:grpSpPr>
+        <a:xfrm>
+          <a:off x="0" y="0"/>
+          <a:ext cx="0" cy="0"/>
+          <a:chOff x="0" y="0"/>
+          <a:chExt cx="0" cy="0"/>
+        </a:xfrm>
+      </p:grpSpPr>
+      <p:sp>
+        <p:nvSpPr>
+          <p:cNvPr id="2" name="Title 1">
+            <a:extLst>
+              <a:ext uri="{FF2B5EF4-FFF2-40B4-BE49-F238E27FC236}">
+                <a16:creationId xmlns:a16="http://schemas.microsoft.com/office/drawing/2014/main" id="{799146AE-B231-124B-80FF-3D1AB29A3929}"/>
+              </a:ext>
+            </a:extLst>
+          </p:cNvPr>
+          <p:cNvSpPr>
+            <a:spLocks noGrp="1"/>
+          </p:cNvSpPr>
+          <p:nvPr>
+            <p:ph type="title"/>
+          </p:nvPr>
+        </p:nvSpPr>
+        <p:spPr/>
+        <p:txBody>
+          <a:bodyPr/>
+          <a:lstStyle/>
+          <a:p>
+            <a:r>
+              <a:rPr lang="it-IT" dirty="0"/>
+              <a:t>Risultati MATLAB vs </a:t>
+            </a:r>
+            <a:r>
+              <a:rPr lang="it-IT" dirty="0" err="1"/>
+              <a:t>Python</a:t>
+            </a:r>
+            <a:r>
+              <a:rPr lang="it-IT" dirty="0"/>
+              <a:t> </a:t>
+            </a:r>
+            <a:r>
+              <a:rPr lang="it-IT" dirty="0" err="1"/>
+              <a:t>scipy</a:t>
+            </a:r>
+            <a:endParaRPr lang="it-IT" dirty="0"/>
+          </a:p>
+        </p:txBody>
+      </p:sp>
+      <p:sp>
+        <p:nvSpPr>
+          <p:cNvPr id="3" name="Content Placeholder 2">
+            <a:extLst>
+              <a:ext uri="{FF2B5EF4-FFF2-40B4-BE49-F238E27FC236}">
+                <a16:creationId xmlns:a16="http://schemas.microsoft.com/office/drawing/2014/main" id="{3076F8FB-A447-7D4F-AE51-6677F6216177}"/>
+              </a:ext>
+            </a:extLst>
+          </p:cNvPr>
+          <p:cNvSpPr>
+            <a:spLocks noGrp="1"/>
+          </p:cNvSpPr>
+          <p:nvPr>
+            <p:ph idx="1"/>
+          </p:nvPr>
+        </p:nvSpPr>
+        <p:spPr/>
+        <p:txBody>
+          <a:bodyPr/>
+          <a:lstStyle/>
+          <a:p>
+            <a:r>
+              <a:rPr lang="it-IT" dirty="0"/>
+              <a:t>Tempo</a:t>
+            </a:r>
+          </a:p>
+        </p:txBody>
+      </p:sp>
+    </p:spTree>
+    <p:extLst>
+      <p:ext uri="{BB962C8B-B14F-4D97-AF65-F5344CB8AC3E}">
+        <p14:creationId xmlns:p14="http://schemas.microsoft.com/office/powerpoint/2010/main" val="2298404230"/>
+      </p:ext>
+    </p:extLst>
+  </p:cSld>
+  <p:clrMapOvr>
+    <a:masterClrMapping/>
+  </p:clrMapOvr>
+</p:sld>
+</file>
+
+<file path=ppt/slides/slide17.xml><?xml version="1.0" encoding="utf-8"?>
+<p:sld xmlns:a="http://schemas.openxmlformats.org/drawingml/2006/main" xmlns:r="http://schemas.openxmlformats.org/officeDocument/2006/relationships" xmlns:p="http://schemas.openxmlformats.org/presentationml/2006/main">
+  <p:cSld>
+    <p:spTree>
+      <p:nvGrpSpPr>
+        <p:cNvPr id="1" name=""/>
+        <p:cNvGrpSpPr/>
+        <p:nvPr/>
+      </p:nvGrpSpPr>
+      <p:grpSpPr>
+        <a:xfrm>
+          <a:off x="0" y="0"/>
+          <a:ext cx="0" cy="0"/>
+          <a:chOff x="0" y="0"/>
+          <a:chExt cx="0" cy="0"/>
+        </a:xfrm>
+      </p:grpSpPr>
+      <p:sp>
+        <p:nvSpPr>
+          <p:cNvPr id="2" name="Title 1">
+            <a:extLst>
+              <a:ext uri="{FF2B5EF4-FFF2-40B4-BE49-F238E27FC236}">
+                <a16:creationId xmlns:a16="http://schemas.microsoft.com/office/drawing/2014/main" id="{799146AE-B231-124B-80FF-3D1AB29A3929}"/>
+              </a:ext>
+            </a:extLst>
+          </p:cNvPr>
+          <p:cNvSpPr>
+            <a:spLocks noGrp="1"/>
+          </p:cNvSpPr>
+          <p:nvPr>
+            <p:ph type="title"/>
+          </p:nvPr>
+        </p:nvSpPr>
+        <p:spPr/>
+        <p:txBody>
+          <a:bodyPr/>
+          <a:lstStyle/>
+          <a:p>
+            <a:r>
+              <a:rPr lang="it-IT" dirty="0"/>
+              <a:t>Risultati MATLAB vs </a:t>
+            </a:r>
+            <a:r>
+              <a:rPr lang="it-IT" dirty="0" err="1"/>
+              <a:t>Python</a:t>
+            </a:r>
+            <a:r>
+              <a:rPr lang="it-IT" dirty="0"/>
+              <a:t> </a:t>
+            </a:r>
+            <a:r>
+              <a:rPr lang="it-IT" dirty="0" err="1"/>
+              <a:t>scipy</a:t>
+            </a:r>
+            <a:endParaRPr lang="it-IT" dirty="0"/>
+          </a:p>
+        </p:txBody>
+      </p:sp>
+      <p:sp>
+        <p:nvSpPr>
+          <p:cNvPr id="3" name="Content Placeholder 2">
+            <a:extLst>
+              <a:ext uri="{FF2B5EF4-FFF2-40B4-BE49-F238E27FC236}">
+                <a16:creationId xmlns:a16="http://schemas.microsoft.com/office/drawing/2014/main" id="{3076F8FB-A447-7D4F-AE51-6677F6216177}"/>
+              </a:ext>
+            </a:extLst>
+          </p:cNvPr>
+          <p:cNvSpPr>
+            <a:spLocks noGrp="1"/>
+          </p:cNvSpPr>
+          <p:nvPr>
+            <p:ph idx="1"/>
+          </p:nvPr>
+        </p:nvSpPr>
+        <p:spPr/>
+        <p:txBody>
+          <a:bodyPr/>
+          <a:lstStyle/>
+          <a:p>
+            <a:r>
+              <a:rPr lang="it-IT" dirty="0"/>
+              <a:t>Memoria</a:t>
+            </a:r>
+          </a:p>
+        </p:txBody>
+      </p:sp>
+    </p:spTree>
+    <p:extLst>
+      <p:ext uri="{BB962C8B-B14F-4D97-AF65-F5344CB8AC3E}">
+        <p14:creationId xmlns:p14="http://schemas.microsoft.com/office/powerpoint/2010/main" val="3393703803"/>
+      </p:ext>
+    </p:extLst>
+  </p:cSld>
+  <p:clrMapOvr>
+    <a:masterClrMapping/>
+  </p:clrMapOvr>
+</p:sld>
+</file>
+
+<file path=ppt/slides/slide18.xml><?xml version="1.0" encoding="utf-8"?>
+<p:sld xmlns:a="http://schemas.openxmlformats.org/drawingml/2006/main" xmlns:r="http://schemas.openxmlformats.org/officeDocument/2006/relationships" xmlns:p="http://schemas.openxmlformats.org/presentationml/2006/main">
+  <p:cSld>
+    <p:spTree>
+      <p:nvGrpSpPr>
+        <p:cNvPr id="1" name=""/>
+        <p:cNvGrpSpPr/>
+        <p:nvPr/>
+      </p:nvGrpSpPr>
+      <p:grpSpPr>
+        <a:xfrm>
+          <a:off x="0" y="0"/>
+          <a:ext cx="0" cy="0"/>
+          <a:chOff x="0" y="0"/>
+          <a:chExt cx="0" cy="0"/>
+        </a:xfrm>
+      </p:grpSpPr>
+      <p:sp>
+        <p:nvSpPr>
+          <p:cNvPr id="2" name="Title 1">
+            <a:extLst>
+              <a:ext uri="{FF2B5EF4-FFF2-40B4-BE49-F238E27FC236}">
+                <a16:creationId xmlns:a16="http://schemas.microsoft.com/office/drawing/2014/main" id="{799146AE-B231-124B-80FF-3D1AB29A3929}"/>
+              </a:ext>
+            </a:extLst>
+          </p:cNvPr>
+          <p:cNvSpPr>
+            <a:spLocks noGrp="1"/>
+          </p:cNvSpPr>
+          <p:nvPr>
+            <p:ph type="title"/>
+          </p:nvPr>
+        </p:nvSpPr>
+        <p:spPr/>
+        <p:txBody>
+          <a:bodyPr/>
+          <a:lstStyle/>
+          <a:p>
+            <a:r>
+              <a:rPr lang="it-IT" dirty="0"/>
+              <a:t>Risultati MATLAB vs </a:t>
+            </a:r>
+            <a:r>
+              <a:rPr lang="it-IT" dirty="0" err="1"/>
+              <a:t>Python</a:t>
+            </a:r>
+            <a:r>
+              <a:rPr lang="it-IT" dirty="0"/>
+              <a:t> </a:t>
+            </a:r>
+            <a:r>
+              <a:rPr lang="it-IT" dirty="0" err="1"/>
+              <a:t>scipy</a:t>
+            </a:r>
+            <a:endParaRPr lang="it-IT" dirty="0"/>
+          </a:p>
+        </p:txBody>
+      </p:sp>
+      <p:sp>
+        <p:nvSpPr>
+          <p:cNvPr id="3" name="Content Placeholder 2">
+            <a:extLst>
+              <a:ext uri="{FF2B5EF4-FFF2-40B4-BE49-F238E27FC236}">
+                <a16:creationId xmlns:a16="http://schemas.microsoft.com/office/drawing/2014/main" id="{3076F8FB-A447-7D4F-AE51-6677F6216177}"/>
+              </a:ext>
+            </a:extLst>
+          </p:cNvPr>
+          <p:cNvSpPr>
+            <a:spLocks noGrp="1"/>
+          </p:cNvSpPr>
+          <p:nvPr>
+            <p:ph idx="1"/>
+          </p:nvPr>
+        </p:nvSpPr>
+        <p:spPr/>
+        <p:txBody>
+          <a:bodyPr/>
+          <a:lstStyle/>
+          <a:p>
+            <a:r>
+              <a:rPr lang="it-IT" dirty="0"/>
+              <a:t>Errore</a:t>
+            </a:r>
+          </a:p>
+        </p:txBody>
+      </p:sp>
+    </p:spTree>
+    <p:extLst>
+      <p:ext uri="{BB962C8B-B14F-4D97-AF65-F5344CB8AC3E}">
+        <p14:creationId xmlns:p14="http://schemas.microsoft.com/office/powerpoint/2010/main" val="2764426746"/>
+      </p:ext>
+    </p:extLst>
+  </p:cSld>
+  <p:clrMapOvr>
+    <a:masterClrMapping/>
+  </p:clrMapOvr>
+</p:sld>
+</file>
+
+<file path=ppt/slides/slide19.xml><?xml version="1.0" encoding="utf-8"?>
+<p:sld xmlns:a="http://schemas.openxmlformats.org/drawingml/2006/main" xmlns:r="http://schemas.openxmlformats.org/officeDocument/2006/relationships" xmlns:p="http://schemas.openxmlformats.org/presentationml/2006/main">
+  <p:cSld>
+    <p:spTree>
+      <p:nvGrpSpPr>
+        <p:cNvPr id="1" name=""/>
+        <p:cNvGrpSpPr/>
+        <p:nvPr/>
+      </p:nvGrpSpPr>
+      <p:grpSpPr>
+        <a:xfrm>
+          <a:off x="0" y="0"/>
+          <a:ext cx="0" cy="0"/>
+          <a:chOff x="0" y="0"/>
+          <a:chExt cx="0" cy="0"/>
+        </a:xfrm>
+      </p:grpSpPr>
+      <p:sp>
+        <p:nvSpPr>
+          <p:cNvPr id="2" name="Title 1">
+            <a:extLst>
+              <a:ext uri="{FF2B5EF4-FFF2-40B4-BE49-F238E27FC236}">
+                <a16:creationId xmlns:a16="http://schemas.microsoft.com/office/drawing/2014/main" id="{33680E74-3A0C-1147-B024-F77A37B12498}"/>
+              </a:ext>
+            </a:extLst>
+          </p:cNvPr>
+          <p:cNvSpPr>
+            <a:spLocks noGrp="1"/>
+          </p:cNvSpPr>
+          <p:nvPr>
+            <p:ph type="title"/>
+          </p:nvPr>
+        </p:nvSpPr>
+        <p:spPr/>
+        <p:txBody>
+          <a:bodyPr/>
+          <a:lstStyle/>
+          <a:p>
+            <a:r>
+              <a:rPr lang="it-IT" dirty="0"/>
+              <a:t>Risultati Windows vs Linux</a:t>
+            </a:r>
+          </a:p>
+        </p:txBody>
+      </p:sp>
+      <p:sp>
+        <p:nvSpPr>
+          <p:cNvPr id="3" name="Content Placeholder 2">
+            <a:extLst>
+              <a:ext uri="{FF2B5EF4-FFF2-40B4-BE49-F238E27FC236}">
+                <a16:creationId xmlns:a16="http://schemas.microsoft.com/office/drawing/2014/main" id="{1987CDD3-954D-9148-A905-F3FD935793B1}"/>
+              </a:ext>
+            </a:extLst>
+          </p:cNvPr>
+          <p:cNvSpPr>
+            <a:spLocks noGrp="1"/>
+          </p:cNvSpPr>
+          <p:nvPr>
+            <p:ph idx="1"/>
+          </p:nvPr>
+        </p:nvSpPr>
+        <p:spPr/>
+        <p:txBody>
+          <a:bodyPr/>
+          <a:lstStyle/>
+          <a:p>
+            <a:r>
+              <a:rPr lang="it-IT" dirty="0"/>
+              <a:t>Tempo</a:t>
+            </a:r>
+          </a:p>
+        </p:txBody>
+      </p:sp>
+    </p:spTree>
+    <p:extLst>
+      <p:ext uri="{BB962C8B-B14F-4D97-AF65-F5344CB8AC3E}">
+        <p14:creationId xmlns:p14="http://schemas.microsoft.com/office/powerpoint/2010/main" val="3272704402"/>
       </p:ext>
     </p:extLst>
   </p:cSld>
@@ -6429,6 +9878,261 @@
 </p:sld>
 </file>
 
+<file path=ppt/slides/slide20.xml><?xml version="1.0" encoding="utf-8"?>
+<p:sld xmlns:a="http://schemas.openxmlformats.org/drawingml/2006/main" xmlns:r="http://schemas.openxmlformats.org/officeDocument/2006/relationships" xmlns:p="http://schemas.openxmlformats.org/presentationml/2006/main">
+  <p:cSld>
+    <p:spTree>
+      <p:nvGrpSpPr>
+        <p:cNvPr id="1" name=""/>
+        <p:cNvGrpSpPr/>
+        <p:nvPr/>
+      </p:nvGrpSpPr>
+      <p:grpSpPr>
+        <a:xfrm>
+          <a:off x="0" y="0"/>
+          <a:ext cx="0" cy="0"/>
+          <a:chOff x="0" y="0"/>
+          <a:chExt cx="0" cy="0"/>
+        </a:xfrm>
+      </p:grpSpPr>
+      <p:sp>
+        <p:nvSpPr>
+          <p:cNvPr id="2" name="Title 1">
+            <a:extLst>
+              <a:ext uri="{FF2B5EF4-FFF2-40B4-BE49-F238E27FC236}">
+                <a16:creationId xmlns:a16="http://schemas.microsoft.com/office/drawing/2014/main" id="{33680E74-3A0C-1147-B024-F77A37B12498}"/>
+              </a:ext>
+            </a:extLst>
+          </p:cNvPr>
+          <p:cNvSpPr>
+            <a:spLocks noGrp="1"/>
+          </p:cNvSpPr>
+          <p:nvPr>
+            <p:ph type="title"/>
+          </p:nvPr>
+        </p:nvSpPr>
+        <p:spPr/>
+        <p:txBody>
+          <a:bodyPr/>
+          <a:lstStyle/>
+          <a:p>
+            <a:r>
+              <a:rPr lang="it-IT" dirty="0"/>
+              <a:t>Risultati Windows vs Linux</a:t>
+            </a:r>
+          </a:p>
+        </p:txBody>
+      </p:sp>
+      <p:sp>
+        <p:nvSpPr>
+          <p:cNvPr id="3" name="Content Placeholder 2">
+            <a:extLst>
+              <a:ext uri="{FF2B5EF4-FFF2-40B4-BE49-F238E27FC236}">
+                <a16:creationId xmlns:a16="http://schemas.microsoft.com/office/drawing/2014/main" id="{1987CDD3-954D-9148-A905-F3FD935793B1}"/>
+              </a:ext>
+            </a:extLst>
+          </p:cNvPr>
+          <p:cNvSpPr>
+            <a:spLocks noGrp="1"/>
+          </p:cNvSpPr>
+          <p:nvPr>
+            <p:ph idx="1"/>
+          </p:nvPr>
+        </p:nvSpPr>
+        <p:spPr/>
+        <p:txBody>
+          <a:bodyPr/>
+          <a:lstStyle/>
+          <a:p>
+            <a:r>
+              <a:rPr lang="it-IT" dirty="0"/>
+              <a:t>Memoria</a:t>
+            </a:r>
+          </a:p>
+        </p:txBody>
+      </p:sp>
+    </p:spTree>
+    <p:extLst>
+      <p:ext uri="{BB962C8B-B14F-4D97-AF65-F5344CB8AC3E}">
+        <p14:creationId xmlns:p14="http://schemas.microsoft.com/office/powerpoint/2010/main" val="1977260676"/>
+      </p:ext>
+    </p:extLst>
+  </p:cSld>
+  <p:clrMapOvr>
+    <a:masterClrMapping/>
+  </p:clrMapOvr>
+</p:sld>
+</file>
+
+<file path=ppt/slides/slide21.xml><?xml version="1.0" encoding="utf-8"?>
+<p:sld xmlns:a="http://schemas.openxmlformats.org/drawingml/2006/main" xmlns:r="http://schemas.openxmlformats.org/officeDocument/2006/relationships" xmlns:p="http://schemas.openxmlformats.org/presentationml/2006/main">
+  <p:cSld>
+    <p:spTree>
+      <p:nvGrpSpPr>
+        <p:cNvPr id="1" name=""/>
+        <p:cNvGrpSpPr/>
+        <p:nvPr/>
+      </p:nvGrpSpPr>
+      <p:grpSpPr>
+        <a:xfrm>
+          <a:off x="0" y="0"/>
+          <a:ext cx="0" cy="0"/>
+          <a:chOff x="0" y="0"/>
+          <a:chExt cx="0" cy="0"/>
+        </a:xfrm>
+      </p:grpSpPr>
+      <p:sp>
+        <p:nvSpPr>
+          <p:cNvPr id="2" name="Title 1">
+            <a:extLst>
+              <a:ext uri="{FF2B5EF4-FFF2-40B4-BE49-F238E27FC236}">
+                <a16:creationId xmlns:a16="http://schemas.microsoft.com/office/drawing/2014/main" id="{33680E74-3A0C-1147-B024-F77A37B12498}"/>
+              </a:ext>
+            </a:extLst>
+          </p:cNvPr>
+          <p:cNvSpPr>
+            <a:spLocks noGrp="1"/>
+          </p:cNvSpPr>
+          <p:nvPr>
+            <p:ph type="title"/>
+          </p:nvPr>
+        </p:nvSpPr>
+        <p:spPr/>
+        <p:txBody>
+          <a:bodyPr/>
+          <a:lstStyle/>
+          <a:p>
+            <a:r>
+              <a:rPr lang="it-IT" dirty="0"/>
+              <a:t>Risultati Windows vs Linux</a:t>
+            </a:r>
+          </a:p>
+        </p:txBody>
+      </p:sp>
+      <p:sp>
+        <p:nvSpPr>
+          <p:cNvPr id="3" name="Content Placeholder 2">
+            <a:extLst>
+              <a:ext uri="{FF2B5EF4-FFF2-40B4-BE49-F238E27FC236}">
+                <a16:creationId xmlns:a16="http://schemas.microsoft.com/office/drawing/2014/main" id="{1987CDD3-954D-9148-A905-F3FD935793B1}"/>
+              </a:ext>
+            </a:extLst>
+          </p:cNvPr>
+          <p:cNvSpPr>
+            <a:spLocks noGrp="1"/>
+          </p:cNvSpPr>
+          <p:nvPr>
+            <p:ph idx="1"/>
+          </p:nvPr>
+        </p:nvSpPr>
+        <p:spPr/>
+        <p:txBody>
+          <a:bodyPr/>
+          <a:lstStyle/>
+          <a:p>
+            <a:r>
+              <a:rPr lang="it-IT" dirty="0"/>
+              <a:t>Errore</a:t>
+            </a:r>
+          </a:p>
+        </p:txBody>
+      </p:sp>
+    </p:spTree>
+    <p:extLst>
+      <p:ext uri="{BB962C8B-B14F-4D97-AF65-F5344CB8AC3E}">
+        <p14:creationId xmlns:p14="http://schemas.microsoft.com/office/powerpoint/2010/main" val="2166776136"/>
+      </p:ext>
+    </p:extLst>
+  </p:cSld>
+  <p:clrMapOvr>
+    <a:masterClrMapping/>
+  </p:clrMapOvr>
+</p:sld>
+</file>
+
+<file path=ppt/slides/slide22.xml><?xml version="1.0" encoding="utf-8"?>
+<p:sld xmlns:a="http://schemas.openxmlformats.org/drawingml/2006/main" xmlns:r="http://schemas.openxmlformats.org/officeDocument/2006/relationships" xmlns:p="http://schemas.openxmlformats.org/presentationml/2006/main">
+  <p:cSld>
+    <p:spTree>
+      <p:nvGrpSpPr>
+        <p:cNvPr id="1" name=""/>
+        <p:cNvGrpSpPr/>
+        <p:nvPr/>
+      </p:nvGrpSpPr>
+      <p:grpSpPr>
+        <a:xfrm>
+          <a:off x="0" y="0"/>
+          <a:ext cx="0" cy="0"/>
+          <a:chOff x="0" y="0"/>
+          <a:chExt cx="0" cy="0"/>
+        </a:xfrm>
+      </p:grpSpPr>
+      <p:sp>
+        <p:nvSpPr>
+          <p:cNvPr id="2" name="Title 1">
+            <a:extLst>
+              <a:ext uri="{FF2B5EF4-FFF2-40B4-BE49-F238E27FC236}">
+                <a16:creationId xmlns:a16="http://schemas.microsoft.com/office/drawing/2014/main" id="{CCBF44D4-D7BF-934F-B0BE-A9718755F94F}"/>
+              </a:ext>
+            </a:extLst>
+          </p:cNvPr>
+          <p:cNvSpPr>
+            <a:spLocks noGrp="1"/>
+          </p:cNvSpPr>
+          <p:nvPr>
+            <p:ph type="title"/>
+          </p:nvPr>
+        </p:nvSpPr>
+        <p:spPr/>
+        <p:txBody>
+          <a:bodyPr/>
+          <a:lstStyle/>
+          <a:p>
+            <a:r>
+              <a:rPr lang="it-IT" dirty="0"/>
+              <a:t>Conclusioni</a:t>
+            </a:r>
+          </a:p>
+        </p:txBody>
+      </p:sp>
+      <p:sp>
+        <p:nvSpPr>
+          <p:cNvPr id="3" name="Content Placeholder 2">
+            <a:extLst>
+              <a:ext uri="{FF2B5EF4-FFF2-40B4-BE49-F238E27FC236}">
+                <a16:creationId xmlns:a16="http://schemas.microsoft.com/office/drawing/2014/main" id="{B9EEBCBB-553B-0D48-ABC0-A36E0C371F1C}"/>
+              </a:ext>
+            </a:extLst>
+          </p:cNvPr>
+          <p:cNvSpPr>
+            <a:spLocks noGrp="1"/>
+          </p:cNvSpPr>
+          <p:nvPr>
+            <p:ph idx="1"/>
+          </p:nvPr>
+        </p:nvSpPr>
+        <p:spPr/>
+        <p:txBody>
+          <a:bodyPr/>
+          <a:lstStyle/>
+          <a:p>
+            <a:endParaRPr lang="it-IT"/>
+          </a:p>
+        </p:txBody>
+      </p:sp>
+    </p:spTree>
+    <p:extLst>
+      <p:ext uri="{BB962C8B-B14F-4D97-AF65-F5344CB8AC3E}">
+        <p14:creationId xmlns:p14="http://schemas.microsoft.com/office/powerpoint/2010/main" val="1696775293"/>
+      </p:ext>
+    </p:extLst>
+  </p:cSld>
+  <p:clrMapOvr>
+    <a:masterClrMapping/>
+  </p:clrMapOvr>
+</p:sld>
+</file>
+
 <file path=ppt/slides/slide3.xml><?xml version="1.0" encoding="utf-8"?>
 <p:sld xmlns:a="http://schemas.openxmlformats.org/drawingml/2006/main" xmlns:r="http://schemas.openxmlformats.org/officeDocument/2006/relationships" xmlns:p="http://schemas.openxmlformats.org/presentationml/2006/main">
   <p:cSld>
@@ -6451,7 +10155,7 @@
           <p:cNvPr id="2" name="Title 1">
             <a:extLst>
               <a:ext uri="{FF2B5EF4-FFF2-40B4-BE49-F238E27FC236}">
-                <a16:creationId xmlns:a16="http://schemas.microsoft.com/office/drawing/2014/main" id="{E361A405-8615-9244-9954-D65A3EBE39ED}"/>
+                <a16:creationId xmlns:a16="http://schemas.microsoft.com/office/drawing/2014/main" id="{C5D7360E-1562-EE4B-905D-E64BD6CD78C8}"/>
               </a:ext>
             </a:extLst>
           </p:cNvPr>
@@ -6469,7 +10173,7 @@
           <a:p>
             <a:r>
               <a:rPr lang="it-IT" dirty="0"/>
-              <a:t>Macchina utilizzata</a:t>
+              <a:t>MATLAB</a:t>
             </a:r>
           </a:p>
         </p:txBody>
@@ -6479,7 +10183,7 @@
           <p:cNvPr id="3" name="Content Placeholder 2">
             <a:extLst>
               <a:ext uri="{FF2B5EF4-FFF2-40B4-BE49-F238E27FC236}">
-                <a16:creationId xmlns:a16="http://schemas.microsoft.com/office/drawing/2014/main" id="{05B267FC-C398-9E4D-A8B4-D919A28C0360}"/>
+                <a16:creationId xmlns:a16="http://schemas.microsoft.com/office/drawing/2014/main" id="{457DEE74-73D4-2544-99A9-1AE0320C224F}"/>
               </a:ext>
             </a:extLst>
           </p:cNvPr>
@@ -6490,80 +10194,65 @@
             <p:ph idx="1"/>
           </p:nvPr>
         </p:nvSpPr>
-        <p:spPr/>
+        <p:spPr>
+          <a:xfrm>
+            <a:off x="677334" y="1583076"/>
+            <a:ext cx="8596668" cy="3880773"/>
+          </a:xfrm>
+        </p:spPr>
         <p:txBody>
           <a:bodyPr/>
           <a:lstStyle/>
           <a:p>
             <a:r>
-              <a:rPr lang="it-IT" sz="2400" dirty="0"/>
-              <a:t>ASUS </a:t>
-            </a:r>
-            <a:r>
-              <a:rPr lang="it-IT" sz="2400" dirty="0" err="1"/>
-              <a:t>Zenbook</a:t>
-            </a:r>
-            <a:r>
-              <a:rPr lang="it-IT" sz="2400" dirty="0"/>
-              <a:t> UX330</a:t>
-            </a:r>
-          </a:p>
-          <a:p>
-            <a:pPr lvl="1"/>
-            <a:r>
-              <a:rPr lang="it-IT" sz="2000" dirty="0"/>
-              <a:t>CPU: Intel i7 7500U @ 2.70 GHz</a:t>
-            </a:r>
-          </a:p>
-          <a:p>
-            <a:pPr lvl="1"/>
-            <a:r>
-              <a:rPr lang="it-IT" sz="2000" dirty="0"/>
-              <a:t>RAM: 8GB DDR3</a:t>
-            </a:r>
-          </a:p>
-          <a:p>
-            <a:pPr lvl="1"/>
-            <a:r>
-              <a:rPr lang="it-IT" sz="2000" dirty="0"/>
-              <a:t>Memoria fisica: SSD M.2 512GB</a:t>
-            </a:r>
-          </a:p>
-          <a:p>
-            <a:pPr lvl="1"/>
-            <a:r>
-              <a:rPr lang="it-IT" sz="2000" dirty="0"/>
-              <a:t>Sistemi operativi:</a:t>
-            </a:r>
-          </a:p>
-          <a:p>
-            <a:pPr lvl="2"/>
-            <a:r>
-              <a:rPr lang="it-IT" sz="1800" dirty="0"/>
-              <a:t>Windows 10</a:t>
-            </a:r>
-          </a:p>
-          <a:p>
-            <a:pPr lvl="2"/>
-            <a:r>
-              <a:rPr lang="it-IT" sz="1800" dirty="0" err="1"/>
-              <a:t>Ubuntu</a:t>
-            </a:r>
-            <a:r>
-              <a:rPr lang="it-IT" sz="1800" dirty="0"/>
-              <a:t> Linux 16.04</a:t>
-            </a:r>
-          </a:p>
-          <a:p>
-            <a:pPr lvl="1"/>
+              <a:rPr lang="it-IT" dirty="0"/>
+              <a:t>In MATLAB è disponibile una funzione standard per la risoluzione di sistemi lineari sparsi e non: </a:t>
+            </a:r>
+            <a:r>
+              <a:rPr lang="it-IT" dirty="0" err="1">
+                <a:latin typeface="Consolas" panose="020B0609020204030204" pitchFamily="49" charset="0"/>
+                <a:cs typeface="Consolas" panose="020B0609020204030204" pitchFamily="49" charset="0"/>
+              </a:rPr>
+              <a:t>mldivide</a:t>
+            </a:r>
+            <a:r>
+              <a:rPr lang="it-IT" dirty="0"/>
+              <a:t> (o l’operatore </a:t>
+            </a:r>
+            <a:r>
+              <a:rPr lang="it-IT" dirty="0">
+                <a:latin typeface="Consolas" panose="020B0609020204030204" pitchFamily="49" charset="0"/>
+                <a:cs typeface="Consolas" panose="020B0609020204030204" pitchFamily="49" charset="0"/>
+              </a:rPr>
+              <a:t>\</a:t>
+            </a:r>
+            <a:r>
+              <a:rPr lang="it-IT" dirty="0"/>
+              <a:t>). La documentazione relativa alla funzione è reperibile al seguente indirizzo: </a:t>
+            </a:r>
+            <a:r>
+              <a:rPr lang="it-IT" dirty="0">
+                <a:hlinkClick r:id="rId2"/>
+              </a:rPr>
+              <a:t>https://it.mathworks.com/help/matlab/ref/mldivide.html</a:t>
+            </a:r>
             <a:endParaRPr lang="it-IT" dirty="0"/>
+          </a:p>
+          <a:p>
+            <a:endParaRPr lang="it-IT" dirty="0"/>
+          </a:p>
+          <a:p>
+            <a:r>
+              <a:rPr lang="it-IT" dirty="0"/>
+              <a:t>L’algoritmo di risoluzione da utilizzare viene scelto in base alle caratteristiche della matrice passata in input secondo il seguente schema</a:t>
+            </a:r>
           </a:p>
         </p:txBody>
       </p:sp>
     </p:spTree>
     <p:extLst>
       <p:ext uri="{BB962C8B-B14F-4D97-AF65-F5344CB8AC3E}">
-        <p14:creationId xmlns:p14="http://schemas.microsoft.com/office/powerpoint/2010/main" val="3108514142"/>
+        <p14:creationId xmlns:p14="http://schemas.microsoft.com/office/powerpoint/2010/main" val="2286378106"/>
       </p:ext>
     </p:extLst>
   </p:cSld>
@@ -6595,7 +10284,7 @@
           <p:cNvPr id="2" name="Title 1">
             <a:extLst>
               <a:ext uri="{FF2B5EF4-FFF2-40B4-BE49-F238E27FC236}">
-                <a16:creationId xmlns:a16="http://schemas.microsoft.com/office/drawing/2014/main" id="{A69F235A-A34A-1C4E-B234-E1937DF89AEE}"/>
+                <a16:creationId xmlns:a16="http://schemas.microsoft.com/office/drawing/2014/main" id="{3B48FF42-C15C-384D-8BEB-71EFE75D45EB}"/>
               </a:ext>
             </a:extLst>
           </p:cNvPr>
@@ -6613,512 +10302,45 @@
           <a:p>
             <a:r>
               <a:rPr lang="it-IT" dirty="0"/>
-              <a:t>Matrici Testate</a:t>
-            </a:r>
-          </a:p>
-        </p:txBody>
-      </p:sp>
-      <p:sp>
-        <p:nvSpPr>
-          <p:cNvPr id="3" name="Content Placeholder 2">
+              <a:t>MATLAB</a:t>
+            </a:r>
+          </a:p>
+        </p:txBody>
+      </p:sp>
+      <p:pic>
+        <p:nvPicPr>
+          <p:cNvPr id="8" name="Picture 7">
             <a:extLst>
               <a:ext uri="{FF2B5EF4-FFF2-40B4-BE49-F238E27FC236}">
-                <a16:creationId xmlns:a16="http://schemas.microsoft.com/office/drawing/2014/main" id="{70812C64-A1EB-974C-8E1A-346EC6272DD0}"/>
+                <a16:creationId xmlns:a16="http://schemas.microsoft.com/office/drawing/2014/main" id="{D97ED9A4-5BD2-0C41-B595-6EA92AC9E28A}"/>
               </a:ext>
             </a:extLst>
           </p:cNvPr>
-          <p:cNvSpPr>
-            <a:spLocks noGrp="1"/>
-          </p:cNvSpPr>
-          <p:nvPr>
-            <p:ph idx="1"/>
-          </p:nvPr>
-        </p:nvSpPr>
+          <p:cNvPicPr>
+            <a:picLocks noChangeAspect="1"/>
+          </p:cNvPicPr>
+          <p:nvPr/>
+        </p:nvPicPr>
+        <p:blipFill>
+          <a:blip r:embed="rId2"/>
+          <a:stretch>
+            <a:fillRect/>
+          </a:stretch>
+        </p:blipFill>
         <p:spPr>
           <a:xfrm>
-            <a:off x="677334" y="2160589"/>
-            <a:ext cx="3256713" cy="3880773"/>
-          </a:xfrm>
-        </p:spPr>
-        <p:txBody>
-          <a:bodyPr/>
-          <a:lstStyle/>
-          <a:p>
-            <a:r>
-              <a:rPr lang="it-IT" dirty="0"/>
-              <a:t>Non Definite Positive</a:t>
-            </a:r>
-          </a:p>
-          <a:p>
-            <a:pPr lvl="1"/>
-            <a:r>
-              <a:rPr lang="it-IT" dirty="0">
-                <a:latin typeface="Consolas" panose="020B0609020204030204" pitchFamily="49" charset="0"/>
-                <a:cs typeface="Consolas" panose="020B0609020204030204" pitchFamily="49" charset="0"/>
-              </a:rPr>
-              <a:t>PR02R (161070)</a:t>
-            </a:r>
-          </a:p>
-          <a:p>
-            <a:pPr lvl="1"/>
-            <a:r>
-              <a:rPr lang="it-IT" dirty="0">
-                <a:latin typeface="Consolas" panose="020B0609020204030204" pitchFamily="49" charset="0"/>
-                <a:cs typeface="Consolas" panose="020B0609020204030204" pitchFamily="49" charset="0"/>
-              </a:rPr>
-              <a:t>ex19 (12005)</a:t>
-            </a:r>
-          </a:p>
-          <a:p>
-            <a:pPr lvl="1"/>
-            <a:r>
-              <a:rPr lang="it-IT" dirty="0">
-                <a:latin typeface="Consolas" panose="020B0609020204030204" pitchFamily="49" charset="0"/>
-                <a:cs typeface="Consolas" panose="020B0609020204030204" pitchFamily="49" charset="0"/>
-              </a:rPr>
-              <a:t>graham1 (9035)</a:t>
-            </a:r>
-          </a:p>
-          <a:p>
-            <a:pPr lvl="1"/>
-            <a:r>
-              <a:rPr lang="it-IT" dirty="0">
-                <a:latin typeface="Consolas" panose="020B0609020204030204" pitchFamily="49" charset="0"/>
-                <a:cs typeface="Consolas" panose="020B0609020204030204" pitchFamily="49" charset="0"/>
-              </a:rPr>
-              <a:t>kim2 (456976)</a:t>
-            </a:r>
-          </a:p>
-          <a:p>
-            <a:pPr lvl="1"/>
-            <a:r>
-              <a:rPr lang="it-IT" dirty="0">
-                <a:latin typeface="Consolas" panose="020B0609020204030204" pitchFamily="49" charset="0"/>
-                <a:cs typeface="Consolas" panose="020B0609020204030204" pitchFamily="49" charset="0"/>
-              </a:rPr>
-              <a:t>raefsky3 (21200)</a:t>
-            </a:r>
-          </a:p>
-          <a:p>
-            <a:pPr lvl="1"/>
-            <a:r>
-              <a:rPr lang="it-IT" dirty="0">
-                <a:latin typeface="Consolas" panose="020B0609020204030204" pitchFamily="49" charset="0"/>
-                <a:cs typeface="Consolas" panose="020B0609020204030204" pitchFamily="49" charset="0"/>
-              </a:rPr>
-              <a:t>torso1 (116158)</a:t>
-            </a:r>
-          </a:p>
-          <a:p>
-            <a:pPr lvl="1"/>
-            <a:r>
-              <a:rPr lang="it-IT" dirty="0">
-                <a:latin typeface="Consolas" panose="020B0609020204030204" pitchFamily="49" charset="0"/>
-                <a:cs typeface="Consolas" panose="020B0609020204030204" pitchFamily="49" charset="0"/>
-              </a:rPr>
-              <a:t>torso3 (259156)</a:t>
-            </a:r>
-          </a:p>
-          <a:p>
-            <a:pPr lvl="1"/>
-            <a:r>
-              <a:rPr lang="it-IT" dirty="0" err="1">
-                <a:latin typeface="Consolas" panose="020B0609020204030204" pitchFamily="49" charset="0"/>
-                <a:cs typeface="Consolas" panose="020B0609020204030204" pitchFamily="49" charset="0"/>
-              </a:rPr>
-              <a:t>water_tank</a:t>
-            </a:r>
-            <a:r>
-              <a:rPr lang="it-IT" dirty="0">
-                <a:latin typeface="Consolas" panose="020B0609020204030204" pitchFamily="49" charset="0"/>
-                <a:cs typeface="Consolas" panose="020B0609020204030204" pitchFamily="49" charset="0"/>
-              </a:rPr>
-              <a:t> (60740)</a:t>
-            </a:r>
-          </a:p>
-          <a:p>
-            <a:pPr marL="457200" lvl="1" indent="0">
-              <a:buNone/>
-            </a:pPr>
-            <a:endParaRPr lang="it-IT" dirty="0">
-              <a:latin typeface="Consolas" panose="020B0609020204030204" pitchFamily="49" charset="0"/>
-              <a:cs typeface="Consolas" panose="020B0609020204030204" pitchFamily="49" charset="0"/>
-            </a:endParaRPr>
-          </a:p>
-          <a:p>
-            <a:pPr marL="457200" lvl="1" indent="0">
-              <a:buNone/>
-            </a:pPr>
-            <a:endParaRPr lang="it-IT" dirty="0">
-              <a:latin typeface="Consolas" panose="020B0609020204030204" pitchFamily="49" charset="0"/>
-              <a:cs typeface="Consolas" panose="020B0609020204030204" pitchFamily="49" charset="0"/>
-            </a:endParaRPr>
-          </a:p>
-        </p:txBody>
-      </p:sp>
-      <p:sp>
-        <p:nvSpPr>
-          <p:cNvPr id="4" name="Content Placeholder 2">
-            <a:extLst>
-              <a:ext uri="{FF2B5EF4-FFF2-40B4-BE49-F238E27FC236}">
-                <a16:creationId xmlns:a16="http://schemas.microsoft.com/office/drawing/2014/main" id="{497B6014-BD57-364D-86B3-E3CDF489F37C}"/>
-              </a:ext>
-            </a:extLst>
-          </p:cNvPr>
-          <p:cNvSpPr txBox="1">
-            <a:spLocks/>
-          </p:cNvSpPr>
-          <p:nvPr/>
-        </p:nvSpPr>
-        <p:spPr>
-          <a:xfrm>
-            <a:off x="4540497" y="2160589"/>
-            <a:ext cx="3518982" cy="3880773"/>
+            <a:off x="351196" y="1796971"/>
+            <a:ext cx="11339757" cy="3336999"/>
           </a:xfrm>
           <a:prstGeom prst="rect">
             <a:avLst/>
           </a:prstGeom>
         </p:spPr>
-        <p:txBody>
-          <a:bodyPr vert="horz" lIns="91440" tIns="45720" rIns="91440" bIns="45720" rtlCol="0">
-            <a:normAutofit/>
-          </a:bodyPr>
-          <a:lstStyle>
-            <a:lvl1pPr marL="342900" indent="-342900" algn="l" defTabSz="457200" rtl="0" eaLnBrk="1" latinLnBrk="0" hangingPunct="1">
-              <a:spcBef>
-                <a:spcPts val="1000"/>
-              </a:spcBef>
-              <a:spcAft>
-                <a:spcPts val="0"/>
-              </a:spcAft>
-              <a:buClr>
-                <a:schemeClr val="accent1"/>
-              </a:buClr>
-              <a:buSzPct val="80000"/>
-              <a:buFont typeface="Wingdings 3" charset="2"/>
-              <a:buChar char=""/>
-              <a:defRPr sz="1800" kern="1200">
-                <a:solidFill>
-                  <a:schemeClr val="tx1">
-                    <a:lumMod val="75000"/>
-                    <a:lumOff val="25000"/>
-                  </a:schemeClr>
-                </a:solidFill>
-                <a:latin typeface="+mn-lt"/>
-                <a:ea typeface="+mn-ea"/>
-                <a:cs typeface="+mn-cs"/>
-              </a:defRPr>
-            </a:lvl1pPr>
-            <a:lvl2pPr marL="742950" indent="-285750" algn="l" defTabSz="457200" rtl="0" eaLnBrk="1" latinLnBrk="0" hangingPunct="1">
-              <a:spcBef>
-                <a:spcPts val="1000"/>
-              </a:spcBef>
-              <a:spcAft>
-                <a:spcPts val="0"/>
-              </a:spcAft>
-              <a:buClr>
-                <a:schemeClr val="accent1"/>
-              </a:buClr>
-              <a:buSzPct val="80000"/>
-              <a:buFont typeface="Wingdings 3" charset="2"/>
-              <a:buChar char=""/>
-              <a:defRPr sz="1600" kern="1200">
-                <a:solidFill>
-                  <a:schemeClr val="tx1">
-                    <a:lumMod val="75000"/>
-                    <a:lumOff val="25000"/>
-                  </a:schemeClr>
-                </a:solidFill>
-                <a:latin typeface="+mn-lt"/>
-                <a:ea typeface="+mn-ea"/>
-                <a:cs typeface="+mn-cs"/>
-              </a:defRPr>
-            </a:lvl2pPr>
-            <a:lvl3pPr marL="1143000" indent="-228600" algn="l" defTabSz="457200" rtl="0" eaLnBrk="1" latinLnBrk="0" hangingPunct="1">
-              <a:spcBef>
-                <a:spcPts val="1000"/>
-              </a:spcBef>
-              <a:spcAft>
-                <a:spcPts val="0"/>
-              </a:spcAft>
-              <a:buClr>
-                <a:schemeClr val="accent1"/>
-              </a:buClr>
-              <a:buSzPct val="80000"/>
-              <a:buFont typeface="Wingdings 3" charset="2"/>
-              <a:buChar char=""/>
-              <a:defRPr sz="1400" kern="1200">
-                <a:solidFill>
-                  <a:schemeClr val="tx1">
-                    <a:lumMod val="75000"/>
-                    <a:lumOff val="25000"/>
-                  </a:schemeClr>
-                </a:solidFill>
-                <a:latin typeface="+mn-lt"/>
-                <a:ea typeface="+mn-ea"/>
-                <a:cs typeface="+mn-cs"/>
-              </a:defRPr>
-            </a:lvl3pPr>
-            <a:lvl4pPr marL="1600200" indent="-228600" algn="l" defTabSz="457200" rtl="0" eaLnBrk="1" latinLnBrk="0" hangingPunct="1">
-              <a:spcBef>
-                <a:spcPts val="1000"/>
-              </a:spcBef>
-              <a:spcAft>
-                <a:spcPts val="0"/>
-              </a:spcAft>
-              <a:buClr>
-                <a:schemeClr val="accent1"/>
-              </a:buClr>
-              <a:buSzPct val="80000"/>
-              <a:buFont typeface="Wingdings 3" charset="2"/>
-              <a:buChar char=""/>
-              <a:defRPr sz="1200" kern="1200">
-                <a:solidFill>
-                  <a:schemeClr val="tx1">
-                    <a:lumMod val="75000"/>
-                    <a:lumOff val="25000"/>
-                  </a:schemeClr>
-                </a:solidFill>
-                <a:latin typeface="+mn-lt"/>
-                <a:ea typeface="+mn-ea"/>
-                <a:cs typeface="+mn-cs"/>
-              </a:defRPr>
-            </a:lvl4pPr>
-            <a:lvl5pPr marL="2057400" indent="-228600" algn="l" defTabSz="457200" rtl="0" eaLnBrk="1" latinLnBrk="0" hangingPunct="1">
-              <a:spcBef>
-                <a:spcPts val="1000"/>
-              </a:spcBef>
-              <a:spcAft>
-                <a:spcPts val="0"/>
-              </a:spcAft>
-              <a:buClr>
-                <a:schemeClr val="accent1"/>
-              </a:buClr>
-              <a:buSzPct val="80000"/>
-              <a:buFont typeface="Wingdings 3" charset="2"/>
-              <a:buChar char=""/>
-              <a:defRPr sz="1200" kern="1200">
-                <a:solidFill>
-                  <a:schemeClr val="tx1">
-                    <a:lumMod val="75000"/>
-                    <a:lumOff val="25000"/>
-                  </a:schemeClr>
-                </a:solidFill>
-                <a:latin typeface="+mn-lt"/>
-                <a:ea typeface="+mn-ea"/>
-                <a:cs typeface="+mn-cs"/>
-              </a:defRPr>
-            </a:lvl5pPr>
-            <a:lvl6pPr marL="2514600" indent="-228600" algn="l" defTabSz="457200" rtl="0" eaLnBrk="1" latinLnBrk="0" hangingPunct="1">
-              <a:spcBef>
-                <a:spcPts val="1000"/>
-              </a:spcBef>
-              <a:spcAft>
-                <a:spcPts val="0"/>
-              </a:spcAft>
-              <a:buClr>
-                <a:schemeClr val="accent1"/>
-              </a:buClr>
-              <a:buSzPct val="80000"/>
-              <a:buFont typeface="Wingdings 3" charset="2"/>
-              <a:buChar char=""/>
-              <a:defRPr sz="1200" kern="1200">
-                <a:solidFill>
-                  <a:schemeClr val="tx1">
-                    <a:lumMod val="75000"/>
-                    <a:lumOff val="25000"/>
-                  </a:schemeClr>
-                </a:solidFill>
-                <a:latin typeface="+mn-lt"/>
-                <a:ea typeface="+mn-ea"/>
-                <a:cs typeface="+mn-cs"/>
-              </a:defRPr>
-            </a:lvl6pPr>
-            <a:lvl7pPr marL="2971800" indent="-228600" algn="l" defTabSz="457200" rtl="0" eaLnBrk="1" latinLnBrk="0" hangingPunct="1">
-              <a:spcBef>
-                <a:spcPts val="1000"/>
-              </a:spcBef>
-              <a:spcAft>
-                <a:spcPts val="0"/>
-              </a:spcAft>
-              <a:buClr>
-                <a:schemeClr val="accent1"/>
-              </a:buClr>
-              <a:buSzPct val="80000"/>
-              <a:buFont typeface="Wingdings 3" charset="2"/>
-              <a:buChar char=""/>
-              <a:defRPr sz="1200" kern="1200">
-                <a:solidFill>
-                  <a:schemeClr val="tx1">
-                    <a:lumMod val="75000"/>
-                    <a:lumOff val="25000"/>
-                  </a:schemeClr>
-                </a:solidFill>
-                <a:latin typeface="+mn-lt"/>
-                <a:ea typeface="+mn-ea"/>
-                <a:cs typeface="+mn-cs"/>
-              </a:defRPr>
-            </a:lvl7pPr>
-            <a:lvl8pPr marL="3429000" indent="-228600" algn="l" defTabSz="457200" rtl="0" eaLnBrk="1" latinLnBrk="0" hangingPunct="1">
-              <a:spcBef>
-                <a:spcPts val="1000"/>
-              </a:spcBef>
-              <a:spcAft>
-                <a:spcPts val="0"/>
-              </a:spcAft>
-              <a:buClr>
-                <a:schemeClr val="accent1"/>
-              </a:buClr>
-              <a:buSzPct val="80000"/>
-              <a:buFont typeface="Wingdings 3" charset="2"/>
-              <a:buChar char=""/>
-              <a:defRPr sz="1200" kern="1200">
-                <a:solidFill>
-                  <a:schemeClr val="tx1">
-                    <a:lumMod val="75000"/>
-                    <a:lumOff val="25000"/>
-                  </a:schemeClr>
-                </a:solidFill>
-                <a:latin typeface="+mn-lt"/>
-                <a:ea typeface="+mn-ea"/>
-                <a:cs typeface="+mn-cs"/>
-              </a:defRPr>
-            </a:lvl8pPr>
-            <a:lvl9pPr marL="3886200" indent="-228600" algn="l" defTabSz="457200" rtl="0" eaLnBrk="1" latinLnBrk="0" hangingPunct="1">
-              <a:spcBef>
-                <a:spcPts val="1000"/>
-              </a:spcBef>
-              <a:spcAft>
-                <a:spcPts val="0"/>
-              </a:spcAft>
-              <a:buClr>
-                <a:schemeClr val="accent1"/>
-              </a:buClr>
-              <a:buSzPct val="80000"/>
-              <a:buFont typeface="Wingdings 3" charset="2"/>
-              <a:buChar char=""/>
-              <a:defRPr sz="1200" kern="1200">
-                <a:solidFill>
-                  <a:schemeClr val="tx1">
-                    <a:lumMod val="75000"/>
-                    <a:lumOff val="25000"/>
-                  </a:schemeClr>
-                </a:solidFill>
-                <a:latin typeface="+mn-lt"/>
-                <a:ea typeface="+mn-ea"/>
-                <a:cs typeface="+mn-cs"/>
-              </a:defRPr>
-            </a:lvl9pPr>
-          </a:lstStyle>
-          <a:p>
-            <a:r>
-              <a:rPr lang="it-IT" dirty="0"/>
-              <a:t>Definite Positive</a:t>
-            </a:r>
-          </a:p>
-          <a:p>
-            <a:pPr lvl="1"/>
-            <a:r>
-              <a:rPr lang="it-IT" dirty="0">
-                <a:latin typeface="Consolas" panose="020B0609020204030204" pitchFamily="49" charset="0"/>
-                <a:cs typeface="Consolas" panose="020B0609020204030204" pitchFamily="49" charset="0"/>
-              </a:rPr>
-              <a:t>G3_circuit (1585478)</a:t>
-            </a:r>
-          </a:p>
-          <a:p>
-            <a:pPr lvl="1"/>
-            <a:r>
-              <a:rPr lang="it-IT" dirty="0">
-                <a:latin typeface="Consolas" panose="020B0609020204030204" pitchFamily="49" charset="0"/>
-                <a:cs typeface="Consolas" panose="020B0609020204030204" pitchFamily="49" charset="0"/>
-              </a:rPr>
-              <a:t>apache2 (715176)</a:t>
-            </a:r>
-          </a:p>
-          <a:p>
-            <a:pPr lvl="1"/>
-            <a:r>
-              <a:rPr lang="it-IT" dirty="0">
-                <a:latin typeface="Consolas" panose="020B0609020204030204" pitchFamily="49" charset="0"/>
-                <a:cs typeface="Consolas" panose="020B0609020204030204" pitchFamily="49" charset="0"/>
-              </a:rPr>
-              <a:t>cfd1 (70656)</a:t>
-            </a:r>
-          </a:p>
-          <a:p>
-            <a:pPr lvl="1"/>
-            <a:r>
-              <a:rPr lang="it-IT" dirty="0">
-                <a:latin typeface="Consolas" panose="020B0609020204030204" pitchFamily="49" charset="0"/>
-                <a:cs typeface="Consolas" panose="020B0609020204030204" pitchFamily="49" charset="0"/>
-              </a:rPr>
-              <a:t>cfd2 (123440)</a:t>
-            </a:r>
-          </a:p>
-          <a:p>
-            <a:pPr lvl="1"/>
-            <a:r>
-              <a:rPr lang="it-IT" dirty="0">
-                <a:latin typeface="Consolas" panose="020B0609020204030204" pitchFamily="49" charset="0"/>
-                <a:cs typeface="Consolas" panose="020B0609020204030204" pitchFamily="49" charset="0"/>
-              </a:rPr>
-              <a:t>ex15 (6867)</a:t>
-            </a:r>
-          </a:p>
-          <a:p>
-            <a:pPr lvl="1"/>
-            <a:r>
-              <a:rPr lang="it-IT" dirty="0" err="1">
-                <a:latin typeface="Consolas" panose="020B0609020204030204" pitchFamily="49" charset="0"/>
-                <a:cs typeface="Consolas" panose="020B0609020204030204" pitchFamily="49" charset="0"/>
-              </a:rPr>
-              <a:t>parabolic_fem</a:t>
-            </a:r>
-            <a:r>
-              <a:rPr lang="it-IT" dirty="0">
-                <a:latin typeface="Consolas" panose="020B0609020204030204" pitchFamily="49" charset="0"/>
-                <a:cs typeface="Consolas" panose="020B0609020204030204" pitchFamily="49" charset="0"/>
-              </a:rPr>
-              <a:t> (525825)</a:t>
-            </a:r>
-          </a:p>
-          <a:p>
-            <a:pPr lvl="1"/>
-            <a:r>
-              <a:rPr lang="it-IT" dirty="0">
-                <a:latin typeface="Consolas" panose="020B0609020204030204" pitchFamily="49" charset="0"/>
-                <a:cs typeface="Consolas" panose="020B0609020204030204" pitchFamily="49" charset="0"/>
-              </a:rPr>
-              <a:t>shallow_water1 (82920)</a:t>
-            </a:r>
-          </a:p>
-          <a:p>
-            <a:pPr marL="457200" lvl="1" indent="0">
-              <a:buFont typeface="Wingdings 3" charset="2"/>
-              <a:buNone/>
-            </a:pPr>
-            <a:endParaRPr lang="it-IT" dirty="0">
-              <a:latin typeface="Consolas" panose="020B0609020204030204" pitchFamily="49" charset="0"/>
-              <a:cs typeface="Consolas" panose="020B0609020204030204" pitchFamily="49" charset="0"/>
-            </a:endParaRPr>
-          </a:p>
-          <a:p>
-            <a:pPr marL="457200" lvl="1" indent="0">
-              <a:buFont typeface="Wingdings 3" charset="2"/>
-              <a:buNone/>
-            </a:pPr>
-            <a:endParaRPr lang="it-IT" dirty="0">
-              <a:latin typeface="Consolas" panose="020B0609020204030204" pitchFamily="49" charset="0"/>
-              <a:cs typeface="Consolas" panose="020B0609020204030204" pitchFamily="49" charset="0"/>
-            </a:endParaRPr>
-          </a:p>
-        </p:txBody>
-      </p:sp>
+      </p:pic>
     </p:spTree>
     <p:extLst>
       <p:ext uri="{BB962C8B-B14F-4D97-AF65-F5344CB8AC3E}">
-        <p14:creationId xmlns:p14="http://schemas.microsoft.com/office/powerpoint/2010/main" val="1100735805"/>
+        <p14:creationId xmlns:p14="http://schemas.microsoft.com/office/powerpoint/2010/main" val="3527368782"/>
       </p:ext>
     </p:extLst>
   </p:cSld>
@@ -7150,7 +10372,7 @@
           <p:cNvPr id="2" name="Title 1">
             <a:extLst>
               <a:ext uri="{FF2B5EF4-FFF2-40B4-BE49-F238E27FC236}">
-                <a16:creationId xmlns:a16="http://schemas.microsoft.com/office/drawing/2014/main" id="{C5D7360E-1562-EE4B-905D-E64BD6CD78C8}"/>
+                <a16:creationId xmlns:a16="http://schemas.microsoft.com/office/drawing/2014/main" id="{A790C397-E57C-8B41-B858-94F9E88E48AB}"/>
               </a:ext>
             </a:extLst>
           </p:cNvPr>
@@ -7167,9 +10389,18 @@
           <a:lstStyle/>
           <a:p>
             <a:r>
+              <a:rPr lang="it-IT" dirty="0" err="1"/>
+              <a:t>Python</a:t>
+            </a:r>
+            <a:r>
               <a:rPr lang="it-IT" dirty="0"/>
-              <a:t>MATLAB</a:t>
-            </a:r>
+              <a:t> </a:t>
+            </a:r>
+            <a:r>
+              <a:rPr lang="it-IT" dirty="0" err="1"/>
+              <a:t>scipy</a:t>
+            </a:r>
+            <a:endParaRPr lang="it-IT" dirty="0"/>
           </a:p>
         </p:txBody>
       </p:sp>
@@ -7178,7 +10409,7 @@
           <p:cNvPr id="3" name="Content Placeholder 2">
             <a:extLst>
               <a:ext uri="{FF2B5EF4-FFF2-40B4-BE49-F238E27FC236}">
-                <a16:creationId xmlns:a16="http://schemas.microsoft.com/office/drawing/2014/main" id="{457DEE74-73D4-2544-99A9-1AE0320C224F}"/>
+                <a16:creationId xmlns:a16="http://schemas.microsoft.com/office/drawing/2014/main" id="{58291C9C-27E3-934F-8972-D97112CCDA80}"/>
               </a:ext>
             </a:extLst>
           </p:cNvPr>
@@ -7194,14 +10425,212 @@
           <a:bodyPr/>
           <a:lstStyle/>
           <a:p>
-            <a:endParaRPr lang="it-IT"/>
+            <a:r>
+              <a:rPr lang="it-IT" dirty="0"/>
+              <a:t>Ecosistema open-source nato nel 2001 e composto da diverse librerie (</a:t>
+            </a:r>
+            <a:r>
+              <a:rPr lang="it-IT" dirty="0" err="1">
+                <a:latin typeface="Consolas" panose="020B0609020204030204" pitchFamily="49" charset="0"/>
+                <a:cs typeface="Consolas" panose="020B0609020204030204" pitchFamily="49" charset="0"/>
+              </a:rPr>
+              <a:t>NumPy</a:t>
+            </a:r>
+            <a:r>
+              <a:rPr lang="it-IT" dirty="0">
+                <a:latin typeface="Consolas" panose="020B0609020204030204" pitchFamily="49" charset="0"/>
+                <a:cs typeface="Consolas" panose="020B0609020204030204" pitchFamily="49" charset="0"/>
+              </a:rPr>
+              <a:t>, </a:t>
+            </a:r>
+            <a:r>
+              <a:rPr lang="it-IT" dirty="0" err="1">
+                <a:latin typeface="Consolas" panose="020B0609020204030204" pitchFamily="49" charset="0"/>
+                <a:cs typeface="Consolas" panose="020B0609020204030204" pitchFamily="49" charset="0"/>
+              </a:rPr>
+              <a:t>SciPy</a:t>
+            </a:r>
+            <a:r>
+              <a:rPr lang="it-IT" dirty="0">
+                <a:latin typeface="Consolas" panose="020B0609020204030204" pitchFamily="49" charset="0"/>
+                <a:cs typeface="Consolas" panose="020B0609020204030204" pitchFamily="49" charset="0"/>
+              </a:rPr>
+              <a:t> </a:t>
+            </a:r>
+            <a:r>
+              <a:rPr lang="it-IT" dirty="0" err="1">
+                <a:latin typeface="Consolas" panose="020B0609020204030204" pitchFamily="49" charset="0"/>
+                <a:cs typeface="Consolas" panose="020B0609020204030204" pitchFamily="49" charset="0"/>
+              </a:rPr>
+              <a:t>library</a:t>
+            </a:r>
+            <a:r>
+              <a:rPr lang="it-IT" dirty="0">
+                <a:latin typeface="Consolas" panose="020B0609020204030204" pitchFamily="49" charset="0"/>
+                <a:cs typeface="Consolas" panose="020B0609020204030204" pitchFamily="49" charset="0"/>
+              </a:rPr>
+              <a:t>, </a:t>
+            </a:r>
+            <a:r>
+              <a:rPr lang="it-IT" dirty="0" err="1">
+                <a:latin typeface="Consolas" panose="020B0609020204030204" pitchFamily="49" charset="0"/>
+                <a:cs typeface="Consolas" panose="020B0609020204030204" pitchFamily="49" charset="0"/>
+              </a:rPr>
+              <a:t>Matplotlib</a:t>
+            </a:r>
+            <a:r>
+              <a:rPr lang="it-IT" dirty="0">
+                <a:latin typeface="Consolas" panose="020B0609020204030204" pitchFamily="49" charset="0"/>
+                <a:cs typeface="Consolas" panose="020B0609020204030204" pitchFamily="49" charset="0"/>
+              </a:rPr>
+              <a:t>, </a:t>
+            </a:r>
+            <a:r>
+              <a:rPr lang="it-IT" dirty="0" err="1">
+                <a:latin typeface="Consolas" panose="020B0609020204030204" pitchFamily="49" charset="0"/>
+                <a:cs typeface="Consolas" panose="020B0609020204030204" pitchFamily="49" charset="0"/>
+              </a:rPr>
+              <a:t>Ipython</a:t>
+            </a:r>
+            <a:r>
+              <a:rPr lang="it-IT" dirty="0">
+                <a:latin typeface="Consolas" panose="020B0609020204030204" pitchFamily="49" charset="0"/>
+                <a:cs typeface="Consolas" panose="020B0609020204030204" pitchFamily="49" charset="0"/>
+              </a:rPr>
+              <a:t>, </a:t>
+            </a:r>
+            <a:r>
+              <a:rPr lang="it-IT" dirty="0" err="1">
+                <a:latin typeface="Consolas" panose="020B0609020204030204" pitchFamily="49" charset="0"/>
+                <a:cs typeface="Consolas" panose="020B0609020204030204" pitchFamily="49" charset="0"/>
+              </a:rPr>
+              <a:t>Sympy</a:t>
+            </a:r>
+            <a:r>
+              <a:rPr lang="it-IT" dirty="0">
+                <a:latin typeface="Consolas" panose="020B0609020204030204" pitchFamily="49" charset="0"/>
+                <a:cs typeface="Consolas" panose="020B0609020204030204" pitchFamily="49" charset="0"/>
+              </a:rPr>
+              <a:t>, </a:t>
+            </a:r>
+            <a:r>
+              <a:rPr lang="it-IT" dirty="0" err="1">
+                <a:latin typeface="Consolas" panose="020B0609020204030204" pitchFamily="49" charset="0"/>
+                <a:cs typeface="Consolas" panose="020B0609020204030204" pitchFamily="49" charset="0"/>
+              </a:rPr>
+              <a:t>Pandas</a:t>
+            </a:r>
+            <a:r>
+              <a:rPr lang="it-IT" dirty="0">
+                <a:latin typeface="Consolas" panose="020B0609020204030204" pitchFamily="49" charset="0"/>
+                <a:cs typeface="Consolas" panose="020B0609020204030204" pitchFamily="49" charset="0"/>
+              </a:rPr>
+              <a:t>)</a:t>
+            </a:r>
+          </a:p>
+          <a:p>
+            <a:r>
+              <a:rPr lang="it-IT" dirty="0"/>
+              <a:t>Utilizzato in matematica, scienze e ingegneria</a:t>
+            </a:r>
+          </a:p>
+          <a:p>
+            <a:r>
+              <a:rPr lang="it-IT" dirty="0"/>
+              <a:t>Composta da diversi package che offrono supporto per: </a:t>
+            </a:r>
+            <a:r>
+              <a:rPr lang="it-IT" dirty="0" err="1"/>
+              <a:t>clustering</a:t>
+            </a:r>
+            <a:r>
+              <a:rPr lang="it-IT" dirty="0"/>
+              <a:t>, trasformata di Fourier, interpolazione, algebra lineare, matrici sparse, programmazione lineare, trattamento di segnali …</a:t>
+            </a:r>
+          </a:p>
+          <a:p>
+            <a:r>
+              <a:rPr lang="it-IT" dirty="0"/>
+              <a:t>Attivamente mantenuta (ultima </a:t>
+            </a:r>
+            <a:r>
+              <a:rPr lang="it-IT" dirty="0" err="1"/>
+              <a:t>realese</a:t>
+            </a:r>
+            <a:r>
+              <a:rPr lang="it-IT" dirty="0"/>
+              <a:t> 5/10/18) e documentata (</a:t>
+            </a:r>
+            <a:r>
+              <a:rPr lang="it-IT" dirty="0">
+                <a:hlinkClick r:id="rId2"/>
+              </a:rPr>
+              <a:t>https://www.scipy.org/docs.html</a:t>
+            </a:r>
+            <a:r>
+              <a:rPr lang="it-IT" dirty="0"/>
+              <a:t>)</a:t>
+            </a:r>
+          </a:p>
+          <a:p>
+            <a:pPr lvl="1"/>
+            <a:r>
+              <a:rPr lang="it-IT" dirty="0"/>
+              <a:t>Sorgente: </a:t>
+            </a:r>
+            <a:r>
+              <a:rPr lang="it-IT" dirty="0" err="1">
+                <a:hlinkClick r:id="rId3"/>
+              </a:rPr>
+              <a:t>https</a:t>
+            </a:r>
+            <a:r>
+              <a:rPr lang="it-IT" dirty="0">
+                <a:hlinkClick r:id="rId3"/>
+              </a:rPr>
+              <a:t>://</a:t>
+            </a:r>
+            <a:r>
+              <a:rPr lang="it-IT" dirty="0" err="1">
+                <a:hlinkClick r:id="rId3"/>
+              </a:rPr>
+              <a:t>github.com</a:t>
+            </a:r>
+            <a:r>
+              <a:rPr lang="it-IT" dirty="0">
+                <a:hlinkClick r:id="rId3"/>
+              </a:rPr>
+              <a:t>/</a:t>
+            </a:r>
+            <a:r>
+              <a:rPr lang="it-IT" dirty="0" err="1">
+                <a:hlinkClick r:id="rId3"/>
+              </a:rPr>
+              <a:t>scipy</a:t>
+            </a:r>
+            <a:r>
+              <a:rPr lang="it-IT" dirty="0">
+                <a:hlinkClick r:id="rId3"/>
+              </a:rPr>
+              <a:t>/</a:t>
+            </a:r>
+            <a:r>
+              <a:rPr lang="it-IT" dirty="0" err="1">
+                <a:hlinkClick r:id="rId3"/>
+              </a:rPr>
+              <a:t>scipy</a:t>
+            </a:r>
+            <a:endParaRPr lang="it-IT" dirty="0"/>
+          </a:p>
+          <a:p>
+            <a:endParaRPr lang="it-IT" dirty="0"/>
           </a:p>
         </p:txBody>
       </p:sp>
     </p:spTree>
     <p:extLst>
       <p:ext uri="{BB962C8B-B14F-4D97-AF65-F5344CB8AC3E}">
-        <p14:creationId xmlns:p14="http://schemas.microsoft.com/office/powerpoint/2010/main" val="2286378106"/>
+        <p14:creationId xmlns:p14="http://schemas.microsoft.com/office/powerpoint/2010/main" val="3954632379"/>
       </p:ext>
     </p:extLst>
   </p:cSld>
@@ -7283,8 +10712,122 @@
         </p:nvSpPr>
         <p:spPr/>
         <p:txBody>
-          <a:bodyPr/>
+          <a:bodyPr>
+            <a:normAutofit/>
+          </a:bodyPr>
           <a:lstStyle/>
+          <a:p>
+            <a:r>
+              <a:rPr lang="it-IT" dirty="0"/>
+              <a:t>In particolare abbiamo utilizzato:</a:t>
+            </a:r>
+          </a:p>
+          <a:p>
+            <a:pPr lvl="1"/>
+            <a:r>
+              <a:rPr lang="it-IT" sz="1800" dirty="0" err="1">
+                <a:latin typeface="Consolas" panose="020B0609020204030204" pitchFamily="49" charset="0"/>
+                <a:cs typeface="Consolas" panose="020B0609020204030204" pitchFamily="49" charset="0"/>
+              </a:rPr>
+              <a:t>scipy.io</a:t>
+            </a:r>
+            <a:r>
+              <a:rPr lang="it-IT" sz="1800" dirty="0">
+                <a:latin typeface="Consolas" panose="020B0609020204030204" pitchFamily="49" charset="0"/>
+                <a:cs typeface="Consolas" panose="020B0609020204030204" pitchFamily="49" charset="0"/>
+              </a:rPr>
+              <a:t>: </a:t>
+            </a:r>
+            <a:r>
+              <a:rPr lang="it-IT" sz="1800" dirty="0"/>
+              <a:t>Lettura delle matrici in formato .</a:t>
+            </a:r>
+            <a:r>
+              <a:rPr lang="it-IT" sz="1800" dirty="0" err="1"/>
+              <a:t>mtx</a:t>
+            </a:r>
+            <a:endParaRPr lang="it-IT" sz="1800" dirty="0"/>
+          </a:p>
+          <a:p>
+            <a:pPr lvl="1"/>
+            <a:r>
+              <a:rPr lang="it-IT" sz="1800" dirty="0" err="1">
+                <a:latin typeface="Consolas" panose="020B0609020204030204" pitchFamily="49" charset="0"/>
+                <a:cs typeface="Consolas" panose="020B0609020204030204" pitchFamily="49" charset="0"/>
+              </a:rPr>
+              <a:t>scipy.sparse.linalg</a:t>
+            </a:r>
+            <a:r>
+              <a:rPr lang="it-IT" sz="1800" dirty="0">
+                <a:latin typeface="Consolas" panose="020B0609020204030204" pitchFamily="49" charset="0"/>
+                <a:cs typeface="Consolas" panose="020B0609020204030204" pitchFamily="49" charset="0"/>
+              </a:rPr>
+              <a:t>:</a:t>
+            </a:r>
+          </a:p>
+          <a:p>
+            <a:pPr lvl="2"/>
+            <a:r>
+              <a:rPr lang="it-IT" sz="1600" dirty="0" err="1">
+                <a:latin typeface="Consolas" panose="020B0609020204030204" pitchFamily="49" charset="0"/>
+                <a:cs typeface="Consolas" panose="020B0609020204030204" pitchFamily="49" charset="0"/>
+              </a:rPr>
+              <a:t>spsolve</a:t>
+            </a:r>
+            <a:r>
+              <a:rPr lang="it-IT" sz="1600" dirty="0">
+                <a:latin typeface="Consolas" panose="020B0609020204030204" pitchFamily="49" charset="0"/>
+                <a:cs typeface="Consolas" panose="020B0609020204030204" pitchFamily="49" charset="0"/>
+              </a:rPr>
+              <a:t>(): </a:t>
+            </a:r>
+            <a:r>
+              <a:rPr lang="it-IT" sz="1800" dirty="0"/>
+              <a:t>Risoluzione di sistemi lineari sparsi</a:t>
+            </a:r>
+          </a:p>
+          <a:p>
+            <a:pPr lvl="2"/>
+            <a:r>
+              <a:rPr lang="it-IT" sz="1600" dirty="0" err="1">
+                <a:latin typeface="Consolas" panose="020B0609020204030204" pitchFamily="49" charset="0"/>
+                <a:cs typeface="Consolas" panose="020B0609020204030204" pitchFamily="49" charset="0"/>
+              </a:rPr>
+              <a:t>norm</a:t>
+            </a:r>
+            <a:r>
+              <a:rPr lang="it-IT" sz="1600" dirty="0">
+                <a:latin typeface="Consolas" panose="020B0609020204030204" pitchFamily="49" charset="0"/>
+                <a:cs typeface="Consolas" panose="020B0609020204030204" pitchFamily="49" charset="0"/>
+              </a:rPr>
+              <a:t>(): </a:t>
+            </a:r>
+            <a:r>
+              <a:rPr lang="it-IT" sz="1800" dirty="0"/>
+              <a:t>Calcolo della norma per matrici sparse</a:t>
+            </a:r>
+          </a:p>
+          <a:p>
+            <a:pPr lvl="1"/>
+            <a:r>
+              <a:rPr lang="it-IT" sz="1800" dirty="0" err="1">
+                <a:latin typeface="Consolas" panose="020B0609020204030204" pitchFamily="49" charset="0"/>
+                <a:cs typeface="Consolas" panose="020B0609020204030204" pitchFamily="49" charset="0"/>
+              </a:rPr>
+              <a:t>scipy.linalg</a:t>
+            </a:r>
+            <a:r>
+              <a:rPr lang="it-IT" sz="1800" dirty="0">
+                <a:latin typeface="Consolas" panose="020B0609020204030204" pitchFamily="49" charset="0"/>
+                <a:cs typeface="Consolas" panose="020B0609020204030204" pitchFamily="49" charset="0"/>
+              </a:rPr>
+              <a:t>: </a:t>
+            </a:r>
+            <a:r>
+              <a:rPr lang="it-IT" sz="1800" dirty="0"/>
+              <a:t>Calcolo della norma per matrici sparse</a:t>
+            </a:r>
+          </a:p>
           <a:p>
             <a:endParaRPr lang="it-IT" dirty="0"/>
           </a:p>
@@ -7293,7 +10836,7 @@
     </p:spTree>
     <p:extLst>
       <p:ext uri="{BB962C8B-B14F-4D97-AF65-F5344CB8AC3E}">
-        <p14:creationId xmlns:p14="http://schemas.microsoft.com/office/powerpoint/2010/main" val="3954632379"/>
+        <p14:creationId xmlns:p14="http://schemas.microsoft.com/office/powerpoint/2010/main" val="3717663280"/>
       </p:ext>
     </p:extLst>
   </p:cSld>
@@ -7325,7 +10868,7 @@
           <p:cNvPr id="2" name="Title 1">
             <a:extLst>
               <a:ext uri="{FF2B5EF4-FFF2-40B4-BE49-F238E27FC236}">
-                <a16:creationId xmlns:a16="http://schemas.microsoft.com/office/drawing/2014/main" id="{4A0152D8-ACCA-4E41-842B-09E388D9356B}"/>
+                <a16:creationId xmlns:a16="http://schemas.microsoft.com/office/drawing/2014/main" id="{0FE73C83-87B8-7F4E-9FA2-CE3979006950}"/>
               </a:ext>
             </a:extLst>
           </p:cNvPr>
@@ -7343,12 +10886,9 @@
           <a:p>
             <a:r>
               <a:rPr lang="it-IT" dirty="0" err="1"/>
-              <a:t>Overview</a:t>
-            </a:r>
-            <a:r>
-              <a:rPr lang="it-IT" dirty="0"/>
-              <a:t> Risultati</a:t>
-            </a:r>
+              <a:t>Spsolve</a:t>
+            </a:r>
+            <a:endParaRPr lang="it-IT" dirty="0"/>
           </a:p>
         </p:txBody>
       </p:sp>
@@ -7357,7 +10897,7 @@
           <p:cNvPr id="3" name="Content Placeholder 2">
             <a:extLst>
               <a:ext uri="{FF2B5EF4-FFF2-40B4-BE49-F238E27FC236}">
-                <a16:creationId xmlns:a16="http://schemas.microsoft.com/office/drawing/2014/main" id="{C8751E77-78F7-314F-B203-6619A3D3645B}"/>
+                <a16:creationId xmlns:a16="http://schemas.microsoft.com/office/drawing/2014/main" id="{26C89AF0-813F-7343-85AE-182C0880C78D}"/>
               </a:ext>
             </a:extLst>
           </p:cNvPr>
@@ -7373,25 +10913,14 @@
           <a:bodyPr/>
           <a:lstStyle/>
           <a:p>
-            <a:r>
-              <a:rPr lang="it-IT" dirty="0"/>
-              <a:t>*</a:t>
-            </a:r>
-            <a:r>
-              <a:rPr lang="it-IT" dirty="0" err="1"/>
-              <a:t>Graficone</a:t>
-            </a:r>
-            <a:r>
-              <a:rPr lang="it-IT" dirty="0"/>
-              <a:t> che vogliono loro con tutto quanto*</a:t>
-            </a:r>
+            <a:endParaRPr lang="it-IT"/>
           </a:p>
         </p:txBody>
       </p:sp>
     </p:spTree>
     <p:extLst>
       <p:ext uri="{BB962C8B-B14F-4D97-AF65-F5344CB8AC3E}">
-        <p14:creationId xmlns:p14="http://schemas.microsoft.com/office/powerpoint/2010/main" val="4023922478"/>
+        <p14:creationId xmlns:p14="http://schemas.microsoft.com/office/powerpoint/2010/main" val="3286173046"/>
       </p:ext>
     </p:extLst>
   </p:cSld>
@@ -7423,7 +10952,7 @@
           <p:cNvPr id="2" name="Title 1">
             <a:extLst>
               <a:ext uri="{FF2B5EF4-FFF2-40B4-BE49-F238E27FC236}">
-                <a16:creationId xmlns:a16="http://schemas.microsoft.com/office/drawing/2014/main" id="{799146AE-B231-124B-80FF-3D1AB29A3929}"/>
+                <a16:creationId xmlns:a16="http://schemas.microsoft.com/office/drawing/2014/main" id="{10BBC471-34E0-FF46-A9C8-2D7279E15086}"/>
               </a:ext>
             </a:extLst>
           </p:cNvPr>
@@ -7441,21 +10970,8 @@
           <a:p>
             <a:r>
               <a:rPr lang="it-IT" dirty="0"/>
-              <a:t>Risultati MATLAB vs </a:t>
-            </a:r>
-            <a:r>
-              <a:rPr lang="it-IT" dirty="0" err="1"/>
-              <a:t>Python</a:t>
-            </a:r>
-            <a:r>
-              <a:rPr lang="it-IT" dirty="0"/>
-              <a:t> </a:t>
-            </a:r>
-            <a:r>
-              <a:rPr lang="it-IT" dirty="0" err="1"/>
-              <a:t>scipy</a:t>
-            </a:r>
-            <a:endParaRPr lang="it-IT" dirty="0"/>
+              <a:t>Parametri analizzati</a:t>
+            </a:r>
           </a:p>
         </p:txBody>
       </p:sp>
@@ -7464,7 +10980,7 @@
           <p:cNvPr id="3" name="Content Placeholder 2">
             <a:extLst>
               <a:ext uri="{FF2B5EF4-FFF2-40B4-BE49-F238E27FC236}">
-                <a16:creationId xmlns:a16="http://schemas.microsoft.com/office/drawing/2014/main" id="{3076F8FB-A447-7D4F-AE51-6677F6216177}"/>
+                <a16:creationId xmlns:a16="http://schemas.microsoft.com/office/drawing/2014/main" id="{89C5D7F5-CD91-2B46-ACF6-B90C3EC4D177}"/>
               </a:ext>
             </a:extLst>
           </p:cNvPr>
@@ -7482,7 +10998,160 @@
           <a:p>
             <a:r>
               <a:rPr lang="it-IT" dirty="0"/>
-              <a:t>Tempo</a:t>
+              <a:t>Errore relativo:</a:t>
+            </a:r>
+          </a:p>
+          <a:p>
+            <a:pPr lvl="1"/>
+            <a:r>
+              <a:rPr lang="it-IT" dirty="0" err="1">
+                <a:latin typeface="Consolas" panose="020B0609020204030204" pitchFamily="49" charset="0"/>
+                <a:cs typeface="Consolas" panose="020B0609020204030204" pitchFamily="49" charset="0"/>
+              </a:rPr>
+              <a:t>relative_error</a:t>
+            </a:r>
+            <a:r>
+              <a:rPr lang="it-IT" dirty="0">
+                <a:latin typeface="Consolas" panose="020B0609020204030204" pitchFamily="49" charset="0"/>
+                <a:cs typeface="Consolas" panose="020B0609020204030204" pitchFamily="49" charset="0"/>
+              </a:rPr>
+              <a:t> = </a:t>
+            </a:r>
+            <a:r>
+              <a:rPr lang="it-IT" dirty="0" err="1">
+                <a:latin typeface="Consolas" panose="020B0609020204030204" pitchFamily="49" charset="0"/>
+                <a:cs typeface="Consolas" panose="020B0609020204030204" pitchFamily="49" charset="0"/>
+              </a:rPr>
+              <a:t>norm</a:t>
+            </a:r>
+            <a:r>
+              <a:rPr lang="it-IT" dirty="0">
+                <a:latin typeface="Consolas" panose="020B0609020204030204" pitchFamily="49" charset="0"/>
+                <a:cs typeface="Consolas" panose="020B0609020204030204" pitchFamily="49" charset="0"/>
+              </a:rPr>
+              <a:t>(x - </a:t>
+            </a:r>
+            <a:r>
+              <a:rPr lang="it-IT" dirty="0" err="1">
+                <a:latin typeface="Consolas" panose="020B0609020204030204" pitchFamily="49" charset="0"/>
+                <a:cs typeface="Consolas" panose="020B0609020204030204" pitchFamily="49" charset="0"/>
+              </a:rPr>
+              <a:t>xe</a:t>
+            </a:r>
+            <a:r>
+              <a:rPr lang="it-IT" dirty="0">
+                <a:latin typeface="Consolas" panose="020B0609020204030204" pitchFamily="49" charset="0"/>
+                <a:cs typeface="Consolas" panose="020B0609020204030204" pitchFamily="49" charset="0"/>
+              </a:rPr>
+              <a:t>, 2) / </a:t>
+            </a:r>
+            <a:r>
+              <a:rPr lang="it-IT" dirty="0" err="1">
+                <a:latin typeface="Consolas" panose="020B0609020204030204" pitchFamily="49" charset="0"/>
+                <a:cs typeface="Consolas" panose="020B0609020204030204" pitchFamily="49" charset="0"/>
+              </a:rPr>
+              <a:t>norm</a:t>
+            </a:r>
+            <a:r>
+              <a:rPr lang="it-IT" dirty="0">
+                <a:latin typeface="Consolas" panose="020B0609020204030204" pitchFamily="49" charset="0"/>
+                <a:cs typeface="Consolas" panose="020B0609020204030204" pitchFamily="49" charset="0"/>
+              </a:rPr>
+              <a:t>(</a:t>
+            </a:r>
+            <a:r>
+              <a:rPr lang="it-IT" dirty="0" err="1">
+                <a:latin typeface="Consolas" panose="020B0609020204030204" pitchFamily="49" charset="0"/>
+                <a:cs typeface="Consolas" panose="020B0609020204030204" pitchFamily="49" charset="0"/>
+              </a:rPr>
+              <a:t>xe</a:t>
+            </a:r>
+            <a:r>
+              <a:rPr lang="it-IT" dirty="0">
+                <a:latin typeface="Consolas" panose="020B0609020204030204" pitchFamily="49" charset="0"/>
+                <a:cs typeface="Consolas" panose="020B0609020204030204" pitchFamily="49" charset="0"/>
+              </a:rPr>
+              <a:t>, 2)</a:t>
+            </a:r>
+            <a:br>
+              <a:rPr lang="it-IT" dirty="0">
+                <a:latin typeface="Consolas" panose="020B0609020204030204" pitchFamily="49" charset="0"/>
+                <a:cs typeface="Consolas" panose="020B0609020204030204" pitchFamily="49" charset="0"/>
+              </a:rPr>
+            </a:br>
+            <a:br>
+              <a:rPr lang="it-IT" dirty="0">
+                <a:latin typeface="Consolas" panose="020B0609020204030204" pitchFamily="49" charset="0"/>
+                <a:cs typeface="Consolas" panose="020B0609020204030204" pitchFamily="49" charset="0"/>
+              </a:rPr>
+            </a:br>
+            <a:r>
+              <a:rPr lang="it-IT" dirty="0"/>
+              <a:t>Dove </a:t>
+            </a:r>
+            <a:r>
+              <a:rPr lang="it-IT" dirty="0" err="1">
+                <a:latin typeface="Consolas" panose="020B0609020204030204" pitchFamily="49" charset="0"/>
+                <a:cs typeface="Consolas" panose="020B0609020204030204" pitchFamily="49" charset="0"/>
+              </a:rPr>
+              <a:t>xe</a:t>
+            </a:r>
+            <a:r>
+              <a:rPr lang="it-IT" dirty="0"/>
+              <a:t> è la soluzione esatta del sistema, ovvero il vettore avente tutte le componenti pari a 1 e </a:t>
+            </a:r>
+            <a:r>
+              <a:rPr lang="it-IT" dirty="0" err="1">
+                <a:latin typeface="Consolas" panose="020B0609020204030204" pitchFamily="49" charset="0"/>
+                <a:cs typeface="Consolas" panose="020B0609020204030204" pitchFamily="49" charset="0"/>
+              </a:rPr>
+              <a:t>norm</a:t>
+            </a:r>
+            <a:r>
+              <a:rPr lang="it-IT" dirty="0"/>
+              <a:t> è la norma 2 del vettore.</a:t>
+            </a:r>
+          </a:p>
+          <a:p>
+            <a:r>
+              <a:rPr lang="it-IT" dirty="0"/>
+              <a:t>Tempo di esecuzione</a:t>
+            </a:r>
+          </a:p>
+          <a:p>
+            <a:pPr lvl="1"/>
+            <a:r>
+              <a:rPr lang="it-IT" dirty="0" err="1"/>
+              <a:t>Python</a:t>
+            </a:r>
+            <a:r>
+              <a:rPr lang="it-IT" dirty="0"/>
+              <a:t>: Modulo standard </a:t>
+            </a:r>
+            <a:r>
+              <a:rPr lang="it-IT" dirty="0" err="1">
+                <a:latin typeface="Consolas" panose="020B0609020204030204" pitchFamily="49" charset="0"/>
+                <a:cs typeface="Consolas" panose="020B0609020204030204" pitchFamily="49" charset="0"/>
+              </a:rPr>
+              <a:t>datetime</a:t>
+            </a:r>
+            <a:endParaRPr lang="it-IT" dirty="0">
+              <a:latin typeface="Consolas" panose="020B0609020204030204" pitchFamily="49" charset="0"/>
+              <a:cs typeface="Consolas" panose="020B0609020204030204" pitchFamily="49" charset="0"/>
+            </a:endParaRPr>
+          </a:p>
+          <a:p>
+            <a:pPr lvl="1"/>
+            <a:r>
+              <a:rPr lang="it-IT" sz="1800" dirty="0"/>
+              <a:t>MATLAB:</a:t>
+            </a:r>
+            <a:r>
+              <a:rPr lang="it-IT" dirty="0">
+                <a:latin typeface="Consolas" panose="020B0609020204030204" pitchFamily="49" charset="0"/>
+                <a:cs typeface="Consolas" panose="020B0609020204030204" pitchFamily="49" charset="0"/>
+              </a:rPr>
+              <a:t> tic; toc;</a:t>
             </a:r>
           </a:p>
         </p:txBody>
@@ -7490,7 +11159,7 @@
     </p:spTree>
     <p:extLst>
       <p:ext uri="{BB962C8B-B14F-4D97-AF65-F5344CB8AC3E}">
-        <p14:creationId xmlns:p14="http://schemas.microsoft.com/office/powerpoint/2010/main" val="2298404230"/>
+        <p14:creationId xmlns:p14="http://schemas.microsoft.com/office/powerpoint/2010/main" val="568885745"/>
       </p:ext>
     </p:extLst>
   </p:cSld>
@@ -7522,7 +11191,7 @@
           <p:cNvPr id="2" name="Title 1">
             <a:extLst>
               <a:ext uri="{FF2B5EF4-FFF2-40B4-BE49-F238E27FC236}">
-                <a16:creationId xmlns:a16="http://schemas.microsoft.com/office/drawing/2014/main" id="{799146AE-B231-124B-80FF-3D1AB29A3929}"/>
+                <a16:creationId xmlns:a16="http://schemas.microsoft.com/office/drawing/2014/main" id="{10BBC471-34E0-FF46-A9C8-2D7279E15086}"/>
               </a:ext>
             </a:extLst>
           </p:cNvPr>
@@ -7540,21 +11209,8 @@
           <a:p>
             <a:r>
               <a:rPr lang="it-IT" dirty="0"/>
-              <a:t>Risultati MATLAB vs </a:t>
-            </a:r>
-            <a:r>
-              <a:rPr lang="it-IT" dirty="0" err="1"/>
-              <a:t>Python</a:t>
-            </a:r>
-            <a:r>
-              <a:rPr lang="it-IT" dirty="0"/>
-              <a:t> </a:t>
-            </a:r>
-            <a:r>
-              <a:rPr lang="it-IT" dirty="0" err="1"/>
-              <a:t>scipy</a:t>
-            </a:r>
-            <a:endParaRPr lang="it-IT" dirty="0"/>
+              <a:t>Parametri analizzati</a:t>
+            </a:r>
           </a:p>
         </p:txBody>
       </p:sp>
@@ -7563,7 +11219,7 @@
           <p:cNvPr id="3" name="Content Placeholder 2">
             <a:extLst>
               <a:ext uri="{FF2B5EF4-FFF2-40B4-BE49-F238E27FC236}">
-                <a16:creationId xmlns:a16="http://schemas.microsoft.com/office/drawing/2014/main" id="{3076F8FB-A447-7D4F-AE51-6677F6216177}"/>
+                <a16:creationId xmlns:a16="http://schemas.microsoft.com/office/drawing/2014/main" id="{89C5D7F5-CD91-2B46-ACF6-B90C3EC4D177}"/>
               </a:ext>
             </a:extLst>
           </p:cNvPr>
@@ -7581,15 +11237,74 @@
           <a:p>
             <a:r>
               <a:rPr lang="it-IT" dirty="0"/>
-              <a:t>Memoria</a:t>
-            </a:r>
+              <a:t>Memoria utilizzata per la risoluzione del sistema:</a:t>
+            </a:r>
+          </a:p>
+          <a:p>
+            <a:pPr lvl="1"/>
+            <a:r>
+              <a:rPr lang="it-IT" dirty="0"/>
+              <a:t>Metrica intrinsecamente imprecisa</a:t>
+            </a:r>
+          </a:p>
+          <a:p>
+            <a:pPr lvl="1"/>
+            <a:r>
+              <a:rPr lang="it-IT" dirty="0"/>
+              <a:t>Stessa metodologia sia per MATLAB che per </a:t>
+            </a:r>
+            <a:r>
+              <a:rPr lang="it-IT" dirty="0" err="1"/>
+              <a:t>Python</a:t>
+            </a:r>
+            <a:endParaRPr lang="it-IT" dirty="0"/>
+          </a:p>
+          <a:p>
+            <a:pPr lvl="1"/>
+            <a:r>
+              <a:rPr lang="it-IT" dirty="0"/>
+              <a:t>Script </a:t>
+            </a:r>
+            <a:r>
+              <a:rPr lang="it-IT" dirty="0" err="1"/>
+              <a:t>Python</a:t>
+            </a:r>
+            <a:r>
+              <a:rPr lang="it-IT" dirty="0"/>
+              <a:t> che utilizza la libreria </a:t>
+            </a:r>
+            <a:r>
+              <a:rPr lang="it-IT" dirty="0" err="1">
+                <a:latin typeface="Consolas" panose="020B0609020204030204" pitchFamily="49" charset="0"/>
+                <a:cs typeface="Consolas" panose="020B0609020204030204" pitchFamily="49" charset="0"/>
+              </a:rPr>
+              <a:t>psutil</a:t>
+            </a:r>
+            <a:r>
+              <a:rPr lang="it-IT" dirty="0"/>
+              <a:t> per ottenere dal sistema operativo la memoria utilizzata da un processo</a:t>
+            </a:r>
+          </a:p>
+          <a:p>
+            <a:pPr lvl="1"/>
+            <a:r>
+              <a:rPr lang="it-IT" dirty="0"/>
+              <a:t>Avendo poche matrici da analizzare non abbiamo automatizzato questa fase. Lo script deve essere quindi lanciato manualmente</a:t>
+            </a:r>
+          </a:p>
+          <a:p>
+            <a:pPr lvl="1"/>
+            <a:endParaRPr lang="it-IT" dirty="0">
+              <a:latin typeface="Consolas" panose="020B0609020204030204" pitchFamily="49" charset="0"/>
+              <a:cs typeface="Consolas" panose="020B0609020204030204" pitchFamily="49" charset="0"/>
+            </a:endParaRPr>
           </a:p>
         </p:txBody>
       </p:sp>
     </p:spTree>
     <p:extLst>
       <p:ext uri="{BB962C8B-B14F-4D97-AF65-F5344CB8AC3E}">
-        <p14:creationId xmlns:p14="http://schemas.microsoft.com/office/powerpoint/2010/main" val="3393703803"/>
+        <p14:creationId xmlns:p14="http://schemas.microsoft.com/office/powerpoint/2010/main" val="3397852345"/>
       </p:ext>
     </p:extLst>
   </p:cSld>

--- a/presentazione.pptx
+++ b/presentazione.pptx
@@ -6,27 +6,29 @@
   </p:sldMasterIdLst>
   <p:sldIdLst>
     <p:sldId id="256" r:id="rId2"/>
-    <p:sldId id="257" r:id="rId3"/>
+    <p:sldId id="280" r:id="rId3"/>
     <p:sldId id="260" r:id="rId4"/>
     <p:sldId id="273" r:id="rId5"/>
     <p:sldId id="261" r:id="rId6"/>
     <p:sldId id="270" r:id="rId7"/>
-    <p:sldId id="277" r:id="rId8"/>
-    <p:sldId id="271" r:id="rId9"/>
-    <p:sldId id="272" r:id="rId10"/>
-    <p:sldId id="274" r:id="rId11"/>
-    <p:sldId id="275" r:id="rId12"/>
-    <p:sldId id="276" r:id="rId13"/>
-    <p:sldId id="258" r:id="rId14"/>
-    <p:sldId id="259" r:id="rId15"/>
-    <p:sldId id="262" r:id="rId16"/>
-    <p:sldId id="263" r:id="rId17"/>
-    <p:sldId id="266" r:id="rId18"/>
-    <p:sldId id="267" r:id="rId19"/>
-    <p:sldId id="264" r:id="rId20"/>
-    <p:sldId id="268" r:id="rId21"/>
-    <p:sldId id="269" r:id="rId22"/>
-    <p:sldId id="265" r:id="rId23"/>
+    <p:sldId id="278" r:id="rId8"/>
+    <p:sldId id="279" r:id="rId9"/>
+    <p:sldId id="271" r:id="rId10"/>
+    <p:sldId id="272" r:id="rId11"/>
+    <p:sldId id="274" r:id="rId12"/>
+    <p:sldId id="275" r:id="rId13"/>
+    <p:sldId id="276" r:id="rId14"/>
+    <p:sldId id="258" r:id="rId15"/>
+    <p:sldId id="259" r:id="rId16"/>
+    <p:sldId id="281" r:id="rId17"/>
+    <p:sldId id="262" r:id="rId18"/>
+    <p:sldId id="263" r:id="rId19"/>
+    <p:sldId id="266" r:id="rId20"/>
+    <p:sldId id="267" r:id="rId21"/>
+    <p:sldId id="264" r:id="rId22"/>
+    <p:sldId id="268" r:id="rId23"/>
+    <p:sldId id="269" r:id="rId24"/>
+    <p:sldId id="265" r:id="rId25"/>
   </p:sldIdLst>
   <p:sldSz cx="12192000" cy="6858000"/>
   <p:notesSz cx="6858000" cy="9144000"/>
@@ -856,7 +858,7 @@
             <a:fld id="{B61BEF0D-F0BB-DE4B-95CE-6DB70DBA9567}" type="datetimeFigureOut">
               <a:rPr lang="en-US" dirty="0"/>
               <a:pPr/>
-              <a:t>5/15/18</a:t>
+              <a:t>5/17/18</a:t>
             </a:fld>
             <a:endParaRPr lang="en-US" dirty="0"/>
           </a:p>
@@ -1104,7 +1106,7 @@
             <a:fld id="{B61BEF0D-F0BB-DE4B-95CE-6DB70DBA9567}" type="datetimeFigureOut">
               <a:rPr lang="en-US" dirty="0"/>
               <a:pPr/>
-              <a:t>5/15/18</a:t>
+              <a:t>5/17/18</a:t>
             </a:fld>
             <a:endParaRPr lang="en-US" dirty="0"/>
           </a:p>
@@ -1415,7 +1417,7 @@
             <a:fld id="{B61BEF0D-F0BB-DE4B-95CE-6DB70DBA9567}" type="datetimeFigureOut">
               <a:rPr lang="en-US" dirty="0"/>
               <a:pPr/>
-              <a:t>5/15/18</a:t>
+              <a:t>5/17/18</a:t>
             </a:fld>
             <a:endParaRPr lang="en-US" dirty="0"/>
           </a:p>
@@ -1753,7 +1755,7 @@
             <a:fld id="{B61BEF0D-F0BB-DE4B-95CE-6DB70DBA9567}" type="datetimeFigureOut">
               <a:rPr lang="en-US" dirty="0"/>
               <a:pPr/>
-              <a:t>5/15/18</a:t>
+              <a:t>5/17/18</a:t>
             </a:fld>
             <a:endParaRPr lang="en-US" dirty="0"/>
           </a:p>
@@ -2064,7 +2066,7 @@
             <a:fld id="{B61BEF0D-F0BB-DE4B-95CE-6DB70DBA9567}" type="datetimeFigureOut">
               <a:rPr lang="en-US" dirty="0"/>
               <a:pPr/>
-              <a:t>5/15/18</a:t>
+              <a:t>5/17/18</a:t>
             </a:fld>
             <a:endParaRPr lang="en-US" dirty="0"/>
           </a:p>
@@ -2454,7 +2456,7 @@
             <a:fld id="{B61BEF0D-F0BB-DE4B-95CE-6DB70DBA9567}" type="datetimeFigureOut">
               <a:rPr lang="en-US" dirty="0"/>
               <a:pPr/>
-              <a:t>5/15/18</a:t>
+              <a:t>5/17/18</a:t>
             </a:fld>
             <a:endParaRPr lang="en-US" dirty="0"/>
           </a:p>
@@ -2620,7 +2622,7 @@
           <a:p>
             <a:fld id="{55C6B4A9-1611-4792-9094-5F34BCA07E0B}" type="datetimeFigureOut">
               <a:rPr lang="en-US" dirty="0"/>
-              <a:t>5/15/18</a:t>
+              <a:t>5/17/18</a:t>
             </a:fld>
             <a:endParaRPr lang="en-US" dirty="0"/>
           </a:p>
@@ -2796,7 +2798,7 @@
             <a:fld id="{B61BEF0D-F0BB-DE4B-95CE-6DB70DBA9567}" type="datetimeFigureOut">
               <a:rPr lang="en-US" dirty="0"/>
               <a:pPr/>
-              <a:t>5/15/18</a:t>
+              <a:t>5/17/18</a:t>
             </a:fld>
             <a:endParaRPr lang="en-US" dirty="0"/>
           </a:p>
@@ -2969,7 +2971,7 @@
             <a:fld id="{B61BEF0D-F0BB-DE4B-95CE-6DB70DBA9567}" type="datetimeFigureOut">
               <a:rPr lang="en-US" dirty="0"/>
               <a:pPr/>
-              <a:t>5/15/18</a:t>
+              <a:t>5/17/18</a:t>
             </a:fld>
             <a:endParaRPr lang="en-US" dirty="0"/>
           </a:p>
@@ -3213,7 +3215,7 @@
             <a:fld id="{B61BEF0D-F0BB-DE4B-95CE-6DB70DBA9567}" type="datetimeFigureOut">
               <a:rPr lang="en-US" dirty="0"/>
               <a:pPr/>
-              <a:t>5/15/18</a:t>
+              <a:t>5/17/18</a:t>
             </a:fld>
             <a:endParaRPr lang="en-US" dirty="0"/>
           </a:p>
@@ -3441,7 +3443,7 @@
           <a:p>
             <a:fld id="{EB712588-04B1-427B-82EE-E8DB90309F08}" type="datetimeFigureOut">
               <a:rPr lang="en-US" dirty="0"/>
-              <a:t>5/15/18</a:t>
+              <a:t>5/17/18</a:t>
             </a:fld>
             <a:endParaRPr lang="en-US" dirty="0"/>
           </a:p>
@@ -3811,7 +3813,7 @@
             <a:fld id="{B61BEF0D-F0BB-DE4B-95CE-6DB70DBA9567}" type="datetimeFigureOut">
               <a:rPr lang="en-US" dirty="0"/>
               <a:pPr/>
-              <a:t>5/15/18</a:t>
+              <a:t>5/17/18</a:t>
             </a:fld>
             <a:endParaRPr lang="en-US" dirty="0"/>
           </a:p>
@@ -3931,7 +3933,7 @@
             <a:fld id="{B61BEF0D-F0BB-DE4B-95CE-6DB70DBA9567}" type="datetimeFigureOut">
               <a:rPr lang="en-US" dirty="0"/>
               <a:pPr/>
-              <a:t>5/15/18</a:t>
+              <a:t>5/17/18</a:t>
             </a:fld>
             <a:endParaRPr lang="en-US" dirty="0"/>
           </a:p>
@@ -4023,7 +4025,7 @@
             <a:fld id="{B61BEF0D-F0BB-DE4B-95CE-6DB70DBA9567}" type="datetimeFigureOut">
               <a:rPr lang="en-US" dirty="0"/>
               <a:pPr/>
-              <a:t>5/15/18</a:t>
+              <a:t>5/17/18</a:t>
             </a:fld>
             <a:endParaRPr lang="en-US" dirty="0"/>
           </a:p>
@@ -4274,7 +4276,7 @@
           <a:p>
             <a:fld id="{42A54C80-263E-416B-A8E0-580EDEADCBDC}" type="datetimeFigureOut">
               <a:rPr lang="en-US" dirty="0"/>
-              <a:t>5/15/18</a:t>
+              <a:t>5/17/18</a:t>
             </a:fld>
             <a:endParaRPr lang="en-US" dirty="0"/>
           </a:p>
@@ -4533,7 +4535,7 @@
             <a:fld id="{B61BEF0D-F0BB-DE4B-95CE-6DB70DBA9567}" type="datetimeFigureOut">
               <a:rPr lang="en-US" dirty="0"/>
               <a:pPr/>
-              <a:t>5/15/18</a:t>
+              <a:t>5/17/18</a:t>
             </a:fld>
             <a:endParaRPr lang="en-US" dirty="0"/>
           </a:p>
@@ -5273,7 +5275,7 @@
             <a:fld id="{B61BEF0D-F0BB-DE4B-95CE-6DB70DBA9567}" type="datetimeFigureOut">
               <a:rPr lang="en-US" dirty="0"/>
               <a:pPr/>
-              <a:t>5/15/18</a:t>
+              <a:t>5/17/18</a:t>
             </a:fld>
             <a:endParaRPr lang="en-US" dirty="0"/>
           </a:p>
@@ -5898,7 +5900,7 @@
           <p:cNvPr id="2" name="Title 1">
             <a:extLst>
               <a:ext uri="{FF2B5EF4-FFF2-40B4-BE49-F238E27FC236}">
-                <a16:creationId xmlns:a16="http://schemas.microsoft.com/office/drawing/2014/main" id="{09A7AABD-27BF-CC40-8A4F-2E04787555B7}"/>
+                <a16:creationId xmlns:a16="http://schemas.microsoft.com/office/drawing/2014/main" id="{10BBC471-34E0-FF46-A9C8-2D7279E15086}"/>
               </a:ext>
             </a:extLst>
           </p:cNvPr>
@@ -5916,1135 +5918,96 @@
           <a:p>
             <a:r>
               <a:rPr lang="it-IT" dirty="0"/>
-              <a:t>Sorgente – Memoria utilizzata</a:t>
-            </a:r>
-          </a:p>
-        </p:txBody>
-      </p:sp>
-      <p:sp>
-        <p:nvSpPr>
-          <p:cNvPr id="4" name="Rectangle 3">
+              <a:t>Parametri analizzati</a:t>
+            </a:r>
+          </a:p>
+        </p:txBody>
+      </p:sp>
+      <p:sp>
+        <p:nvSpPr>
+          <p:cNvPr id="3" name="Content Placeholder 2">
             <a:extLst>
               <a:ext uri="{FF2B5EF4-FFF2-40B4-BE49-F238E27FC236}">
-                <a16:creationId xmlns:a16="http://schemas.microsoft.com/office/drawing/2014/main" id="{3871053B-CC08-4948-A379-3913CA5EE154}"/>
+                <a16:creationId xmlns:a16="http://schemas.microsoft.com/office/drawing/2014/main" id="{89C5D7F5-CD91-2B46-ACF6-B90C3EC4D177}"/>
               </a:ext>
             </a:extLst>
           </p:cNvPr>
-          <p:cNvSpPr/>
-          <p:nvPr/>
-        </p:nvSpPr>
-        <p:spPr>
-          <a:xfrm>
-            <a:off x="677333" y="1642781"/>
-            <a:ext cx="7135171" cy="4524315"/>
-          </a:xfrm>
-          <a:prstGeom prst="rect">
-            <a:avLst/>
-          </a:prstGeom>
-        </p:spPr>
-        <p:txBody>
-          <a:bodyPr wrap="square">
-            <a:spAutoFit/>
+          <p:cNvSpPr>
+            <a:spLocks noGrp="1"/>
+          </p:cNvSpPr>
+          <p:nvPr>
+            <p:ph idx="1"/>
+          </p:nvPr>
+        </p:nvSpPr>
+        <p:spPr/>
+        <p:txBody>
+          <a:bodyPr>
+            <a:normAutofit/>
           </a:bodyPr>
           <a:lstStyle/>
           <a:p>
             <a:r>
-              <a:rPr lang="it-IT" sz="1600" b="1" dirty="0">
-                <a:solidFill>
-                  <a:srgbClr val="008F00"/>
-                </a:solidFill>
-                <a:latin typeface="Courier" pitchFamily="2" charset="0"/>
-              </a:rPr>
-              <a:t>import</a:t>
-            </a:r>
-            <a:r>
-              <a:rPr lang="it-IT" sz="1600" dirty="0">
-                <a:solidFill>
-                  <a:srgbClr val="000000"/>
-                </a:solidFill>
-                <a:latin typeface="Courier" pitchFamily="2" charset="0"/>
-              </a:rPr>
-              <a:t> </a:t>
-            </a:r>
-            <a:r>
-              <a:rPr lang="it-IT" sz="1600" b="1" dirty="0" err="1">
-                <a:solidFill>
-                  <a:srgbClr val="0433FF"/>
-                </a:solidFill>
-                <a:latin typeface="Courier" pitchFamily="2" charset="0"/>
-              </a:rPr>
-              <a:t>sys</a:t>
-            </a:r>
-            <a:r>
-              <a:rPr lang="it-IT" sz="1600" dirty="0">
-                <a:solidFill>
-                  <a:srgbClr val="797979"/>
-                </a:solidFill>
-                <a:latin typeface="Courier" pitchFamily="2" charset="0"/>
-              </a:rPr>
-              <a:t>,</a:t>
-            </a:r>
-            <a:r>
-              <a:rPr lang="it-IT" sz="1600" dirty="0">
-                <a:solidFill>
-                  <a:srgbClr val="000000"/>
-                </a:solidFill>
-                <a:latin typeface="Courier" pitchFamily="2" charset="0"/>
-              </a:rPr>
-              <a:t> </a:t>
-            </a:r>
-            <a:r>
-              <a:rPr lang="it-IT" sz="1600" b="1" dirty="0" err="1">
-                <a:solidFill>
-                  <a:srgbClr val="0433FF"/>
-                </a:solidFill>
-                <a:latin typeface="Courier" pitchFamily="2" charset="0"/>
+              <a:rPr lang="it-IT" sz="2000" dirty="0"/>
+              <a:t>Memoria utilizzata per la risoluzione del sistema:</a:t>
+            </a:r>
+          </a:p>
+          <a:p>
+            <a:pPr lvl="1"/>
+            <a:r>
+              <a:rPr lang="it-IT" sz="1800" dirty="0"/>
+              <a:t>Metrica intrinsecamente imprecisa</a:t>
+            </a:r>
+          </a:p>
+          <a:p>
+            <a:pPr lvl="1"/>
+            <a:r>
+              <a:rPr lang="it-IT" sz="1800" dirty="0"/>
+              <a:t>Stessa metodologia sia per MATLAB che per </a:t>
+            </a:r>
+            <a:r>
+              <a:rPr lang="it-IT" sz="1800" dirty="0" err="1"/>
+              <a:t>Python</a:t>
+            </a:r>
+            <a:endParaRPr lang="it-IT" sz="1800" dirty="0"/>
+          </a:p>
+          <a:p>
+            <a:pPr lvl="1"/>
+            <a:r>
+              <a:rPr lang="it-IT" sz="1800" dirty="0"/>
+              <a:t>Script </a:t>
+            </a:r>
+            <a:r>
+              <a:rPr lang="it-IT" sz="1800" dirty="0" err="1"/>
+              <a:t>Python</a:t>
+            </a:r>
+            <a:r>
+              <a:rPr lang="it-IT" sz="1800" dirty="0"/>
+              <a:t> che utilizza la libreria </a:t>
+            </a:r>
+            <a:r>
+              <a:rPr lang="it-IT" sz="1800" dirty="0" err="1">
+                <a:latin typeface="Consolas" panose="020B0609020204030204" pitchFamily="49" charset="0"/>
+                <a:cs typeface="Consolas" panose="020B0609020204030204" pitchFamily="49" charset="0"/>
               </a:rPr>
               <a:t>psutil</a:t>
             </a:r>
             <a:r>
-              <a:rPr lang="it-IT" sz="1600" dirty="0">
-                <a:solidFill>
-                  <a:srgbClr val="797979"/>
-                </a:solidFill>
-                <a:latin typeface="Courier" pitchFamily="2" charset="0"/>
-              </a:rPr>
-              <a:t>,</a:t>
-            </a:r>
-            <a:r>
-              <a:rPr lang="it-IT" sz="1600" dirty="0">
-                <a:solidFill>
-                  <a:srgbClr val="000000"/>
-                </a:solidFill>
-                <a:latin typeface="Courier" pitchFamily="2" charset="0"/>
-              </a:rPr>
-              <a:t> </a:t>
-            </a:r>
-            <a:r>
-              <a:rPr lang="it-IT" sz="1600" b="1" dirty="0">
-                <a:solidFill>
-                  <a:srgbClr val="0433FF"/>
-                </a:solidFill>
-                <a:latin typeface="Courier" pitchFamily="2" charset="0"/>
-              </a:rPr>
-              <a:t>time</a:t>
-            </a:r>
-            <a:endParaRPr lang="it-IT" sz="1600" dirty="0">
-              <a:solidFill>
-                <a:srgbClr val="0433FF"/>
-              </a:solidFill>
-              <a:latin typeface="Courier" pitchFamily="2" charset="0"/>
-            </a:endParaRPr>
-          </a:p>
-          <a:p>
-            <a:br>
-              <a:rPr lang="it-IT" sz="1600" dirty="0">
-                <a:latin typeface="Courier" pitchFamily="2" charset="0"/>
-              </a:rPr>
-            </a:br>
-            <a:endParaRPr lang="it-IT" sz="1600" dirty="0">
-              <a:latin typeface="Courier" pitchFamily="2" charset="0"/>
-            </a:endParaRPr>
-          </a:p>
-          <a:p>
-            <a:r>
-              <a:rPr lang="it-IT" sz="1600" i="1" dirty="0">
-                <a:solidFill>
-                  <a:srgbClr val="4F9192"/>
-                </a:solidFill>
-                <a:latin typeface="Courier" pitchFamily="2" charset="0"/>
-              </a:rPr>
-              <a:t># Frequenza </a:t>
-            </a:r>
-            <a:r>
-              <a:rPr lang="it-IT" sz="1600" i="1" dirty="0" err="1">
-                <a:solidFill>
-                  <a:srgbClr val="4F9192"/>
-                </a:solidFill>
-                <a:latin typeface="Courier" pitchFamily="2" charset="0"/>
-              </a:rPr>
-              <a:t>fetch</a:t>
-            </a:r>
-            <a:endParaRPr lang="it-IT" sz="1600" dirty="0">
-              <a:solidFill>
-                <a:srgbClr val="4F9192"/>
-              </a:solidFill>
-              <a:latin typeface="Courier" pitchFamily="2" charset="0"/>
-            </a:endParaRPr>
-          </a:p>
-          <a:p>
-            <a:r>
-              <a:rPr lang="it-IT" sz="1600" dirty="0">
-                <a:latin typeface="Courier" pitchFamily="2" charset="0"/>
-              </a:rPr>
-              <a:t>delay </a:t>
-            </a:r>
-            <a:r>
-              <a:rPr lang="it-IT" sz="1600" dirty="0">
-                <a:solidFill>
-                  <a:srgbClr val="797979"/>
-                </a:solidFill>
-                <a:latin typeface="Courier" pitchFamily="2" charset="0"/>
-              </a:rPr>
-              <a:t>=</a:t>
-            </a:r>
-            <a:r>
-              <a:rPr lang="it-IT" sz="1600" dirty="0">
-                <a:latin typeface="Courier" pitchFamily="2" charset="0"/>
-              </a:rPr>
-              <a:t> </a:t>
-            </a:r>
-            <a:r>
-              <a:rPr lang="it-IT" sz="1600" dirty="0">
-                <a:solidFill>
-                  <a:srgbClr val="797979"/>
-                </a:solidFill>
-                <a:latin typeface="Courier" pitchFamily="2" charset="0"/>
-              </a:rPr>
-              <a:t>1</a:t>
-            </a:r>
-            <a:r>
-              <a:rPr lang="it-IT" sz="1600" dirty="0">
-                <a:latin typeface="Courier" pitchFamily="2" charset="0"/>
-              </a:rPr>
-              <a:t> </a:t>
-            </a:r>
-            <a:r>
-              <a:rPr lang="it-IT" sz="1600" b="1" dirty="0" err="1">
-                <a:solidFill>
-                  <a:srgbClr val="008F00"/>
-                </a:solidFill>
-                <a:latin typeface="Courier" pitchFamily="2" charset="0"/>
-              </a:rPr>
-              <a:t>if</a:t>
-            </a:r>
-            <a:r>
-              <a:rPr lang="it-IT" sz="1600" dirty="0">
-                <a:latin typeface="Courier" pitchFamily="2" charset="0"/>
-              </a:rPr>
-              <a:t> </a:t>
-            </a:r>
-            <a:r>
-              <a:rPr lang="it-IT" sz="1600" dirty="0" err="1">
-                <a:solidFill>
-                  <a:srgbClr val="008F00"/>
-                </a:solidFill>
-                <a:latin typeface="Courier" pitchFamily="2" charset="0"/>
-              </a:rPr>
-              <a:t>len</a:t>
-            </a:r>
-            <a:r>
-              <a:rPr lang="it-IT" sz="1600" dirty="0">
-                <a:latin typeface="Courier" pitchFamily="2" charset="0"/>
-              </a:rPr>
-              <a:t>(</a:t>
-            </a:r>
-            <a:r>
-              <a:rPr lang="it-IT" sz="1600" dirty="0" err="1">
-                <a:latin typeface="Courier" pitchFamily="2" charset="0"/>
-              </a:rPr>
-              <a:t>sys</a:t>
-            </a:r>
-            <a:r>
-              <a:rPr lang="it-IT" sz="1600" dirty="0" err="1">
-                <a:solidFill>
-                  <a:srgbClr val="797979"/>
-                </a:solidFill>
-                <a:latin typeface="Courier" pitchFamily="2" charset="0"/>
-              </a:rPr>
-              <a:t>.</a:t>
-            </a:r>
-            <a:r>
-              <a:rPr lang="it-IT" sz="1600" dirty="0" err="1">
-                <a:latin typeface="Courier" pitchFamily="2" charset="0"/>
-              </a:rPr>
-              <a:t>argv</a:t>
-            </a:r>
-            <a:r>
-              <a:rPr lang="it-IT" sz="1600" dirty="0">
-                <a:latin typeface="Courier" pitchFamily="2" charset="0"/>
-              </a:rPr>
-              <a:t>) </a:t>
-            </a:r>
-            <a:r>
-              <a:rPr lang="it-IT" sz="1600" dirty="0">
-                <a:solidFill>
-                  <a:srgbClr val="797979"/>
-                </a:solidFill>
-                <a:latin typeface="Courier" pitchFamily="2" charset="0"/>
-              </a:rPr>
-              <a:t>&lt;</a:t>
-            </a:r>
-            <a:r>
-              <a:rPr lang="it-IT" sz="1600" dirty="0">
-                <a:latin typeface="Courier" pitchFamily="2" charset="0"/>
-              </a:rPr>
-              <a:t> </a:t>
-            </a:r>
-            <a:r>
-              <a:rPr lang="it-IT" sz="1600" dirty="0">
-                <a:solidFill>
-                  <a:srgbClr val="797979"/>
-                </a:solidFill>
-                <a:latin typeface="Courier" pitchFamily="2" charset="0"/>
-              </a:rPr>
-              <a:t>3</a:t>
-            </a:r>
-            <a:r>
-              <a:rPr lang="it-IT" sz="1600" dirty="0">
-                <a:latin typeface="Courier" pitchFamily="2" charset="0"/>
-              </a:rPr>
-              <a:t> </a:t>
-            </a:r>
-            <a:r>
-              <a:rPr lang="it-IT" sz="1600" b="1" dirty="0">
-                <a:solidFill>
-                  <a:srgbClr val="008F00"/>
-                </a:solidFill>
-                <a:latin typeface="Courier" pitchFamily="2" charset="0"/>
-              </a:rPr>
-              <a:t>else</a:t>
-            </a:r>
-            <a:r>
-              <a:rPr lang="it-IT" sz="1600" dirty="0">
-                <a:latin typeface="Courier" pitchFamily="2" charset="0"/>
-              </a:rPr>
-              <a:t> </a:t>
-            </a:r>
-            <a:r>
-              <a:rPr lang="it-IT" sz="1600" dirty="0">
-                <a:solidFill>
-                  <a:srgbClr val="008F00"/>
-                </a:solidFill>
-                <a:latin typeface="Courier" pitchFamily="2" charset="0"/>
-              </a:rPr>
-              <a:t>float</a:t>
-            </a:r>
-            <a:r>
-              <a:rPr lang="it-IT" sz="1600" dirty="0">
-                <a:latin typeface="Courier" pitchFamily="2" charset="0"/>
-              </a:rPr>
-              <a:t>(</a:t>
-            </a:r>
-            <a:r>
-              <a:rPr lang="it-IT" sz="1600" dirty="0" err="1">
-                <a:latin typeface="Courier" pitchFamily="2" charset="0"/>
-              </a:rPr>
-              <a:t>sys</a:t>
-            </a:r>
-            <a:r>
-              <a:rPr lang="it-IT" sz="1600" dirty="0" err="1">
-                <a:solidFill>
-                  <a:srgbClr val="797979"/>
-                </a:solidFill>
-                <a:latin typeface="Courier" pitchFamily="2" charset="0"/>
-              </a:rPr>
-              <a:t>.</a:t>
-            </a:r>
-            <a:r>
-              <a:rPr lang="it-IT" sz="1600" dirty="0" err="1">
-                <a:latin typeface="Courier" pitchFamily="2" charset="0"/>
-              </a:rPr>
-              <a:t>argv</a:t>
-            </a:r>
-            <a:r>
-              <a:rPr lang="it-IT" sz="1600" dirty="0">
-                <a:latin typeface="Courier" pitchFamily="2" charset="0"/>
-              </a:rPr>
-              <a:t>[</a:t>
-            </a:r>
-            <a:r>
-              <a:rPr lang="it-IT" sz="1600" dirty="0">
-                <a:solidFill>
-                  <a:srgbClr val="797979"/>
-                </a:solidFill>
-                <a:latin typeface="Courier" pitchFamily="2" charset="0"/>
-              </a:rPr>
-              <a:t>1</a:t>
-            </a:r>
-            <a:r>
-              <a:rPr lang="it-IT" sz="1600" dirty="0">
-                <a:latin typeface="Courier" pitchFamily="2" charset="0"/>
-              </a:rPr>
-              <a:t>])</a:t>
-            </a:r>
-          </a:p>
-          <a:p>
-            <a:r>
-              <a:rPr lang="it-IT" sz="1600" i="1" dirty="0">
-                <a:solidFill>
-                  <a:srgbClr val="4F9192"/>
-                </a:solidFill>
-                <a:latin typeface="Courier" pitchFamily="2" charset="0"/>
-              </a:rPr>
-              <a:t># PID del processo</a:t>
-            </a:r>
-            <a:endParaRPr lang="it-IT" sz="1600" dirty="0">
-              <a:solidFill>
-                <a:srgbClr val="4F9192"/>
-              </a:solidFill>
-              <a:latin typeface="Courier" pitchFamily="2" charset="0"/>
-            </a:endParaRPr>
-          </a:p>
-          <a:p>
-            <a:r>
-              <a:rPr lang="it-IT" sz="1600" dirty="0" err="1">
-                <a:latin typeface="Courier" pitchFamily="2" charset="0"/>
-              </a:rPr>
-              <a:t>pid</a:t>
-            </a:r>
-            <a:r>
-              <a:rPr lang="it-IT" sz="1600" dirty="0">
-                <a:latin typeface="Courier" pitchFamily="2" charset="0"/>
-              </a:rPr>
-              <a:t> </a:t>
-            </a:r>
-            <a:r>
-              <a:rPr lang="it-IT" sz="1600" dirty="0">
-                <a:solidFill>
-                  <a:srgbClr val="797979"/>
-                </a:solidFill>
-                <a:latin typeface="Courier" pitchFamily="2" charset="0"/>
-              </a:rPr>
-              <a:t>=</a:t>
-            </a:r>
-            <a:r>
-              <a:rPr lang="it-IT" sz="1600" dirty="0">
-                <a:latin typeface="Courier" pitchFamily="2" charset="0"/>
-              </a:rPr>
-              <a:t> </a:t>
-            </a:r>
-            <a:r>
-              <a:rPr lang="it-IT" sz="1600" dirty="0" err="1">
-                <a:solidFill>
-                  <a:srgbClr val="008F00"/>
-                </a:solidFill>
-                <a:latin typeface="Courier" pitchFamily="2" charset="0"/>
-              </a:rPr>
-              <a:t>int</a:t>
-            </a:r>
-            <a:r>
-              <a:rPr lang="it-IT" sz="1600" dirty="0">
-                <a:latin typeface="Courier" pitchFamily="2" charset="0"/>
-              </a:rPr>
-              <a:t>(</a:t>
-            </a:r>
-            <a:r>
-              <a:rPr lang="it-IT" sz="1600" dirty="0" err="1">
-                <a:latin typeface="Courier" pitchFamily="2" charset="0"/>
-              </a:rPr>
-              <a:t>sys</a:t>
-            </a:r>
-            <a:r>
-              <a:rPr lang="it-IT" sz="1600" dirty="0" err="1">
-                <a:solidFill>
-                  <a:srgbClr val="797979"/>
-                </a:solidFill>
-                <a:latin typeface="Courier" pitchFamily="2" charset="0"/>
-              </a:rPr>
-              <a:t>.</a:t>
-            </a:r>
-            <a:r>
-              <a:rPr lang="it-IT" sz="1600" dirty="0" err="1">
-                <a:latin typeface="Courier" pitchFamily="2" charset="0"/>
-              </a:rPr>
-              <a:t>argv</a:t>
-            </a:r>
-            <a:r>
-              <a:rPr lang="it-IT" sz="1600" dirty="0">
-                <a:latin typeface="Courier" pitchFamily="2" charset="0"/>
-              </a:rPr>
-              <a:t>[</a:t>
-            </a:r>
-            <a:r>
-              <a:rPr lang="it-IT" sz="1600" dirty="0">
-                <a:solidFill>
-                  <a:srgbClr val="797979"/>
-                </a:solidFill>
-                <a:latin typeface="Courier" pitchFamily="2" charset="0"/>
-              </a:rPr>
-              <a:t>1</a:t>
-            </a:r>
-            <a:r>
-              <a:rPr lang="it-IT" sz="1600" dirty="0">
-                <a:latin typeface="Courier" pitchFamily="2" charset="0"/>
-              </a:rPr>
-              <a:t>]) </a:t>
-            </a:r>
-            <a:r>
-              <a:rPr lang="it-IT" sz="1600" b="1" dirty="0" err="1">
-                <a:solidFill>
-                  <a:srgbClr val="008F00"/>
-                </a:solidFill>
-                <a:latin typeface="Courier" pitchFamily="2" charset="0"/>
-              </a:rPr>
-              <a:t>if</a:t>
-            </a:r>
-            <a:r>
-              <a:rPr lang="it-IT" sz="1600" dirty="0">
-                <a:latin typeface="Courier" pitchFamily="2" charset="0"/>
-              </a:rPr>
-              <a:t> </a:t>
-            </a:r>
-            <a:r>
-              <a:rPr lang="it-IT" sz="1600" dirty="0" err="1">
-                <a:solidFill>
-                  <a:srgbClr val="008F00"/>
-                </a:solidFill>
-                <a:latin typeface="Courier" pitchFamily="2" charset="0"/>
-              </a:rPr>
-              <a:t>len</a:t>
-            </a:r>
-            <a:r>
-              <a:rPr lang="it-IT" sz="1600" dirty="0">
-                <a:latin typeface="Courier" pitchFamily="2" charset="0"/>
-              </a:rPr>
-              <a:t>(</a:t>
-            </a:r>
-            <a:r>
-              <a:rPr lang="it-IT" sz="1600" dirty="0" err="1">
-                <a:latin typeface="Courier" pitchFamily="2" charset="0"/>
-              </a:rPr>
-              <a:t>sys</a:t>
-            </a:r>
-            <a:r>
-              <a:rPr lang="it-IT" sz="1600" dirty="0" err="1">
-                <a:solidFill>
-                  <a:srgbClr val="797979"/>
-                </a:solidFill>
-                <a:latin typeface="Courier" pitchFamily="2" charset="0"/>
-              </a:rPr>
-              <a:t>.</a:t>
-            </a:r>
-            <a:r>
-              <a:rPr lang="it-IT" sz="1600" dirty="0" err="1">
-                <a:latin typeface="Courier" pitchFamily="2" charset="0"/>
-              </a:rPr>
-              <a:t>argv</a:t>
-            </a:r>
-            <a:r>
-              <a:rPr lang="it-IT" sz="1600" dirty="0">
-                <a:latin typeface="Courier" pitchFamily="2" charset="0"/>
-              </a:rPr>
-              <a:t>) </a:t>
-            </a:r>
-            <a:r>
-              <a:rPr lang="it-IT" sz="1600" dirty="0">
-                <a:solidFill>
-                  <a:srgbClr val="797979"/>
-                </a:solidFill>
-                <a:latin typeface="Courier" pitchFamily="2" charset="0"/>
-              </a:rPr>
-              <a:t>==</a:t>
-            </a:r>
-            <a:r>
-              <a:rPr lang="it-IT" sz="1600" dirty="0">
-                <a:latin typeface="Courier" pitchFamily="2" charset="0"/>
-              </a:rPr>
-              <a:t> </a:t>
-            </a:r>
-            <a:r>
-              <a:rPr lang="it-IT" sz="1600" dirty="0">
-                <a:solidFill>
-                  <a:srgbClr val="797979"/>
-                </a:solidFill>
-                <a:latin typeface="Courier" pitchFamily="2" charset="0"/>
-              </a:rPr>
-              <a:t>2</a:t>
-            </a:r>
-            <a:r>
-              <a:rPr lang="it-IT" sz="1600" dirty="0">
-                <a:latin typeface="Courier" pitchFamily="2" charset="0"/>
-              </a:rPr>
-              <a:t> </a:t>
-            </a:r>
-            <a:r>
-              <a:rPr lang="it-IT" sz="1600" b="1" dirty="0">
-                <a:solidFill>
-                  <a:srgbClr val="008F00"/>
-                </a:solidFill>
-                <a:latin typeface="Courier" pitchFamily="2" charset="0"/>
-              </a:rPr>
-              <a:t>else</a:t>
-            </a:r>
-            <a:r>
-              <a:rPr lang="it-IT" sz="1600" dirty="0">
-                <a:latin typeface="Courier" pitchFamily="2" charset="0"/>
-              </a:rPr>
-              <a:t> </a:t>
-            </a:r>
-            <a:r>
-              <a:rPr lang="it-IT" sz="1600" dirty="0" err="1">
-                <a:solidFill>
-                  <a:srgbClr val="008F00"/>
-                </a:solidFill>
-                <a:latin typeface="Courier" pitchFamily="2" charset="0"/>
-              </a:rPr>
-              <a:t>int</a:t>
-            </a:r>
-            <a:r>
-              <a:rPr lang="it-IT" sz="1600" dirty="0">
-                <a:latin typeface="Courier" pitchFamily="2" charset="0"/>
-              </a:rPr>
-              <a:t>(</a:t>
-            </a:r>
-            <a:r>
-              <a:rPr lang="it-IT" sz="1600" dirty="0" err="1">
-                <a:latin typeface="Courier" pitchFamily="2" charset="0"/>
-              </a:rPr>
-              <a:t>sys</a:t>
-            </a:r>
-            <a:r>
-              <a:rPr lang="it-IT" sz="1600" dirty="0" err="1">
-                <a:solidFill>
-                  <a:srgbClr val="797979"/>
-                </a:solidFill>
-                <a:latin typeface="Courier" pitchFamily="2" charset="0"/>
-              </a:rPr>
-              <a:t>.</a:t>
-            </a:r>
-            <a:r>
-              <a:rPr lang="it-IT" sz="1600" dirty="0" err="1">
-                <a:latin typeface="Courier" pitchFamily="2" charset="0"/>
-              </a:rPr>
-              <a:t>argv</a:t>
-            </a:r>
-            <a:r>
-              <a:rPr lang="it-IT" sz="1600" dirty="0">
-                <a:latin typeface="Courier" pitchFamily="2" charset="0"/>
-              </a:rPr>
-              <a:t>[</a:t>
-            </a:r>
-            <a:r>
-              <a:rPr lang="it-IT" sz="1600" dirty="0">
-                <a:solidFill>
-                  <a:srgbClr val="797979"/>
-                </a:solidFill>
-                <a:latin typeface="Courier" pitchFamily="2" charset="0"/>
-              </a:rPr>
-              <a:t>2</a:t>
-            </a:r>
-            <a:r>
-              <a:rPr lang="it-IT" sz="1600" dirty="0">
-                <a:latin typeface="Courier" pitchFamily="2" charset="0"/>
-              </a:rPr>
-              <a:t>])</a:t>
-            </a:r>
-          </a:p>
-          <a:p>
-            <a:br>
-              <a:rPr lang="it-IT" sz="1600" dirty="0">
-                <a:latin typeface="Courier" pitchFamily="2" charset="0"/>
-              </a:rPr>
-            </a:br>
-            <a:endParaRPr lang="it-IT" sz="1600" dirty="0">
-              <a:latin typeface="Courier" pitchFamily="2" charset="0"/>
-            </a:endParaRPr>
-          </a:p>
-          <a:p>
-            <a:r>
-              <a:rPr lang="it-IT" sz="1600" dirty="0" err="1">
-                <a:latin typeface="Courier" pitchFamily="2" charset="0"/>
-              </a:rPr>
-              <a:t>proc</a:t>
-            </a:r>
-            <a:r>
-              <a:rPr lang="it-IT" sz="1600" dirty="0">
-                <a:latin typeface="Courier" pitchFamily="2" charset="0"/>
-              </a:rPr>
-              <a:t> </a:t>
-            </a:r>
-            <a:r>
-              <a:rPr lang="it-IT" sz="1600" dirty="0">
-                <a:solidFill>
-                  <a:srgbClr val="797979"/>
-                </a:solidFill>
-                <a:latin typeface="Courier" pitchFamily="2" charset="0"/>
-              </a:rPr>
-              <a:t>=</a:t>
-            </a:r>
-            <a:r>
-              <a:rPr lang="it-IT" sz="1600" dirty="0">
-                <a:latin typeface="Courier" pitchFamily="2" charset="0"/>
-              </a:rPr>
-              <a:t> </a:t>
-            </a:r>
-            <a:r>
-              <a:rPr lang="it-IT" sz="1600" dirty="0" err="1">
-                <a:latin typeface="Courier" pitchFamily="2" charset="0"/>
-              </a:rPr>
-              <a:t>psutil</a:t>
-            </a:r>
-            <a:r>
-              <a:rPr lang="it-IT" sz="1600" dirty="0" err="1">
-                <a:solidFill>
-                  <a:srgbClr val="797979"/>
-                </a:solidFill>
-                <a:latin typeface="Courier" pitchFamily="2" charset="0"/>
-              </a:rPr>
-              <a:t>.</a:t>
-            </a:r>
-            <a:r>
-              <a:rPr lang="it-IT" sz="1600" dirty="0" err="1">
-                <a:latin typeface="Courier" pitchFamily="2" charset="0"/>
-              </a:rPr>
-              <a:t>Process</a:t>
-            </a:r>
-            <a:r>
-              <a:rPr lang="it-IT" sz="1600" dirty="0">
-                <a:latin typeface="Courier" pitchFamily="2" charset="0"/>
-              </a:rPr>
-              <a:t>(</a:t>
-            </a:r>
-            <a:r>
-              <a:rPr lang="it-IT" sz="1600" dirty="0" err="1">
-                <a:latin typeface="Courier" pitchFamily="2" charset="0"/>
-              </a:rPr>
-              <a:t>pid</a:t>
-            </a:r>
-            <a:r>
-              <a:rPr lang="it-IT" sz="1600" dirty="0">
-                <a:latin typeface="Courier" pitchFamily="2" charset="0"/>
-              </a:rPr>
-              <a:t>)</a:t>
-            </a:r>
-          </a:p>
-          <a:p>
-            <a:r>
-              <a:rPr lang="it-IT" sz="1600" i="1" dirty="0">
-                <a:solidFill>
-                  <a:srgbClr val="4F9192"/>
-                </a:solidFill>
-                <a:latin typeface="Courier" pitchFamily="2" charset="0"/>
-              </a:rPr>
-              <a:t># Memoria massima utilizzata</a:t>
-            </a:r>
-            <a:endParaRPr lang="it-IT" sz="1600" dirty="0">
-              <a:solidFill>
-                <a:srgbClr val="4F9192"/>
-              </a:solidFill>
-              <a:latin typeface="Courier" pitchFamily="2" charset="0"/>
-            </a:endParaRPr>
-          </a:p>
-          <a:p>
-            <a:r>
-              <a:rPr lang="it-IT" sz="1600" dirty="0" err="1">
-                <a:latin typeface="Courier" pitchFamily="2" charset="0"/>
-              </a:rPr>
-              <a:t>max_mem</a:t>
-            </a:r>
-            <a:r>
-              <a:rPr lang="it-IT" sz="1600" dirty="0">
-                <a:latin typeface="Courier" pitchFamily="2" charset="0"/>
-              </a:rPr>
-              <a:t> </a:t>
-            </a:r>
-            <a:r>
-              <a:rPr lang="it-IT" sz="1600" dirty="0">
-                <a:solidFill>
-                  <a:srgbClr val="797979"/>
-                </a:solidFill>
-                <a:latin typeface="Courier" pitchFamily="2" charset="0"/>
-              </a:rPr>
-              <a:t>=</a:t>
-            </a:r>
-            <a:r>
-              <a:rPr lang="it-IT" sz="1600" dirty="0">
-                <a:latin typeface="Courier" pitchFamily="2" charset="0"/>
-              </a:rPr>
-              <a:t> </a:t>
-            </a:r>
-            <a:r>
-              <a:rPr lang="it-IT" sz="1600" dirty="0">
-                <a:solidFill>
-                  <a:srgbClr val="797979"/>
-                </a:solidFill>
-                <a:latin typeface="Courier" pitchFamily="2" charset="0"/>
-              </a:rPr>
-              <a:t>0</a:t>
-            </a:r>
-            <a:endParaRPr lang="it-IT" sz="1600" dirty="0">
-              <a:latin typeface="Courier" pitchFamily="2" charset="0"/>
-            </a:endParaRPr>
-          </a:p>
-          <a:p>
-            <a:r>
-              <a:rPr lang="it-IT" sz="1600" b="1" dirty="0" err="1">
-                <a:solidFill>
-                  <a:srgbClr val="008F00"/>
-                </a:solidFill>
-                <a:latin typeface="Courier" pitchFamily="2" charset="0"/>
-              </a:rPr>
-              <a:t>while</a:t>
-            </a:r>
-            <a:r>
-              <a:rPr lang="it-IT" sz="1600" dirty="0">
-                <a:solidFill>
-                  <a:srgbClr val="000000"/>
-                </a:solidFill>
-                <a:latin typeface="Courier" pitchFamily="2" charset="0"/>
-              </a:rPr>
-              <a:t> </a:t>
-            </a:r>
-            <a:r>
-              <a:rPr lang="it-IT" sz="1600" dirty="0">
-                <a:solidFill>
-                  <a:srgbClr val="008F00"/>
-                </a:solidFill>
-                <a:latin typeface="Courier" pitchFamily="2" charset="0"/>
-              </a:rPr>
-              <a:t>True</a:t>
-            </a:r>
-            <a:r>
-              <a:rPr lang="it-IT" sz="1600" dirty="0">
-                <a:solidFill>
-                  <a:srgbClr val="000000"/>
-                </a:solidFill>
-                <a:latin typeface="Courier" pitchFamily="2" charset="0"/>
-              </a:rPr>
-              <a:t>:</a:t>
-            </a:r>
-            <a:endParaRPr lang="it-IT" sz="1600" dirty="0">
-              <a:solidFill>
-                <a:srgbClr val="008F00"/>
-              </a:solidFill>
-              <a:latin typeface="Courier" pitchFamily="2" charset="0"/>
-            </a:endParaRPr>
-          </a:p>
-          <a:p>
-            <a:r>
-              <a:rPr lang="it-IT" sz="1600" dirty="0">
-                <a:latin typeface="Courier" pitchFamily="2" charset="0"/>
-              </a:rPr>
-              <a:t>    </a:t>
-            </a:r>
-            <a:r>
-              <a:rPr lang="it-IT" sz="1600" dirty="0" err="1">
-                <a:latin typeface="Courier" pitchFamily="2" charset="0"/>
-              </a:rPr>
-              <a:t>time</a:t>
-            </a:r>
-            <a:r>
-              <a:rPr lang="it-IT" sz="1600" dirty="0" err="1">
-                <a:solidFill>
-                  <a:srgbClr val="797979"/>
-                </a:solidFill>
-                <a:latin typeface="Courier" pitchFamily="2" charset="0"/>
-              </a:rPr>
-              <a:t>.</a:t>
-            </a:r>
-            <a:r>
-              <a:rPr lang="it-IT" sz="1600" dirty="0" err="1">
-                <a:latin typeface="Courier" pitchFamily="2" charset="0"/>
-              </a:rPr>
-              <a:t>sleep</a:t>
-            </a:r>
-            <a:r>
-              <a:rPr lang="it-IT" sz="1600" dirty="0">
-                <a:latin typeface="Courier" pitchFamily="2" charset="0"/>
-              </a:rPr>
-              <a:t>(delay)</a:t>
-            </a:r>
-          </a:p>
-          <a:p>
-            <a:r>
-              <a:rPr lang="it-IT" sz="1600" dirty="0">
-                <a:latin typeface="Courier" pitchFamily="2" charset="0"/>
-              </a:rPr>
-              <a:t>    </a:t>
-            </a:r>
-            <a:r>
-              <a:rPr lang="it-IT" sz="1600" dirty="0" err="1">
-                <a:latin typeface="Courier" pitchFamily="2" charset="0"/>
-              </a:rPr>
-              <a:t>curr_mem</a:t>
-            </a:r>
-            <a:r>
-              <a:rPr lang="it-IT" sz="1600" dirty="0">
-                <a:latin typeface="Courier" pitchFamily="2" charset="0"/>
-              </a:rPr>
-              <a:t> </a:t>
-            </a:r>
-            <a:r>
-              <a:rPr lang="it-IT" sz="1600" dirty="0">
-                <a:solidFill>
-                  <a:srgbClr val="797979"/>
-                </a:solidFill>
-                <a:latin typeface="Courier" pitchFamily="2" charset="0"/>
-              </a:rPr>
-              <a:t>=</a:t>
-            </a:r>
-            <a:r>
-              <a:rPr lang="it-IT" sz="1600" dirty="0">
-                <a:latin typeface="Courier" pitchFamily="2" charset="0"/>
-              </a:rPr>
-              <a:t> </a:t>
-            </a:r>
-            <a:r>
-              <a:rPr lang="it-IT" sz="1600" dirty="0" err="1">
-                <a:latin typeface="Courier" pitchFamily="2" charset="0"/>
-              </a:rPr>
-              <a:t>proc</a:t>
-            </a:r>
-            <a:r>
-              <a:rPr lang="it-IT" sz="1600" dirty="0" err="1">
-                <a:solidFill>
-                  <a:srgbClr val="797979"/>
-                </a:solidFill>
-                <a:latin typeface="Courier" pitchFamily="2" charset="0"/>
-              </a:rPr>
-              <a:t>.</a:t>
-            </a:r>
-            <a:r>
-              <a:rPr lang="it-IT" sz="1600" dirty="0" err="1">
-                <a:latin typeface="Courier" pitchFamily="2" charset="0"/>
-              </a:rPr>
-              <a:t>memory_info</a:t>
-            </a:r>
-            <a:r>
-              <a:rPr lang="it-IT" sz="1600" dirty="0">
-                <a:latin typeface="Courier" pitchFamily="2" charset="0"/>
-              </a:rPr>
-              <a:t>()[</a:t>
-            </a:r>
-            <a:r>
-              <a:rPr lang="it-IT" sz="1600" dirty="0">
-                <a:solidFill>
-                  <a:srgbClr val="797979"/>
-                </a:solidFill>
-                <a:latin typeface="Courier" pitchFamily="2" charset="0"/>
-              </a:rPr>
-              <a:t>0</a:t>
-            </a:r>
-            <a:r>
-              <a:rPr lang="it-IT" sz="1600" dirty="0">
-                <a:latin typeface="Courier" pitchFamily="2" charset="0"/>
-              </a:rPr>
-              <a:t>]</a:t>
-            </a:r>
-          </a:p>
-          <a:p>
-            <a:r>
-              <a:rPr lang="it-IT" sz="1600" dirty="0">
-                <a:latin typeface="Courier" pitchFamily="2" charset="0"/>
-              </a:rPr>
-              <a:t>    </a:t>
-            </a:r>
-            <a:r>
-              <a:rPr lang="it-IT" sz="1600" dirty="0" err="1">
-                <a:latin typeface="Courier" pitchFamily="2" charset="0"/>
-              </a:rPr>
-              <a:t>maxmm</a:t>
-            </a:r>
-            <a:r>
-              <a:rPr lang="it-IT" sz="1600" dirty="0">
-                <a:latin typeface="Courier" pitchFamily="2" charset="0"/>
-              </a:rPr>
-              <a:t> </a:t>
-            </a:r>
-            <a:r>
-              <a:rPr lang="it-IT" sz="1600" dirty="0">
-                <a:solidFill>
-                  <a:srgbClr val="797979"/>
-                </a:solidFill>
-                <a:latin typeface="Courier" pitchFamily="2" charset="0"/>
-              </a:rPr>
-              <a:t>=</a:t>
-            </a:r>
-            <a:r>
-              <a:rPr lang="it-IT" sz="1600" dirty="0">
-                <a:latin typeface="Courier" pitchFamily="2" charset="0"/>
-              </a:rPr>
-              <a:t> </a:t>
-            </a:r>
-            <a:r>
-              <a:rPr lang="it-IT" sz="1600" dirty="0" err="1">
-                <a:latin typeface="Courier" pitchFamily="2" charset="0"/>
-              </a:rPr>
-              <a:t>curr_mem</a:t>
-            </a:r>
-            <a:r>
-              <a:rPr lang="it-IT" sz="1600" dirty="0">
-                <a:latin typeface="Courier" pitchFamily="2" charset="0"/>
-              </a:rPr>
-              <a:t> </a:t>
-            </a:r>
-            <a:r>
-              <a:rPr lang="it-IT" sz="1600" b="1" dirty="0" err="1">
-                <a:solidFill>
-                  <a:srgbClr val="008F00"/>
-                </a:solidFill>
-                <a:latin typeface="Courier" pitchFamily="2" charset="0"/>
-              </a:rPr>
-              <a:t>if</a:t>
-            </a:r>
-            <a:r>
-              <a:rPr lang="it-IT" sz="1600" dirty="0">
-                <a:latin typeface="Courier" pitchFamily="2" charset="0"/>
-              </a:rPr>
-              <a:t> </a:t>
-            </a:r>
-            <a:r>
-              <a:rPr lang="it-IT" sz="1600" dirty="0" err="1">
-                <a:latin typeface="Courier" pitchFamily="2" charset="0"/>
-              </a:rPr>
-              <a:t>curr_mem</a:t>
-            </a:r>
-            <a:r>
-              <a:rPr lang="it-IT" sz="1600" dirty="0">
-                <a:latin typeface="Courier" pitchFamily="2" charset="0"/>
-              </a:rPr>
-              <a:t> </a:t>
-            </a:r>
-            <a:r>
-              <a:rPr lang="it-IT" sz="1600" dirty="0">
-                <a:solidFill>
-                  <a:srgbClr val="797979"/>
-                </a:solidFill>
-                <a:latin typeface="Courier" pitchFamily="2" charset="0"/>
-              </a:rPr>
-              <a:t>&gt;</a:t>
-            </a:r>
-            <a:r>
-              <a:rPr lang="it-IT" sz="1600" dirty="0">
-                <a:latin typeface="Courier" pitchFamily="2" charset="0"/>
-              </a:rPr>
-              <a:t> </a:t>
-            </a:r>
-            <a:r>
-              <a:rPr lang="it-IT" sz="1600" dirty="0" err="1">
-                <a:latin typeface="Courier" pitchFamily="2" charset="0"/>
-              </a:rPr>
-              <a:t>max_mem</a:t>
-            </a:r>
-            <a:r>
-              <a:rPr lang="it-IT" sz="1600" dirty="0">
-                <a:latin typeface="Courier" pitchFamily="2" charset="0"/>
-              </a:rPr>
-              <a:t> </a:t>
-            </a:r>
-            <a:r>
-              <a:rPr lang="it-IT" sz="1600" b="1" dirty="0">
-                <a:solidFill>
-                  <a:srgbClr val="008F00"/>
-                </a:solidFill>
-                <a:latin typeface="Courier" pitchFamily="2" charset="0"/>
-              </a:rPr>
-              <a:t>else</a:t>
-            </a:r>
-            <a:r>
-              <a:rPr lang="it-IT" sz="1600" dirty="0">
-                <a:latin typeface="Courier" pitchFamily="2" charset="0"/>
-              </a:rPr>
-              <a:t> </a:t>
-            </a:r>
-            <a:r>
-              <a:rPr lang="it-IT" sz="1600" dirty="0" err="1">
-                <a:latin typeface="Courier" pitchFamily="2" charset="0"/>
-              </a:rPr>
-              <a:t>max_mem</a:t>
-            </a:r>
-            <a:endParaRPr lang="it-IT" sz="1600" dirty="0">
-              <a:latin typeface="Courier" pitchFamily="2" charset="0"/>
-            </a:endParaRPr>
-          </a:p>
-          <a:p>
-            <a:r>
-              <a:rPr lang="it-IT" sz="1600" dirty="0">
-                <a:solidFill>
-                  <a:srgbClr val="000000"/>
-                </a:solidFill>
-                <a:latin typeface="Courier" pitchFamily="2" charset="0"/>
-              </a:rPr>
-              <a:t>    </a:t>
-            </a:r>
-            <a:r>
-              <a:rPr lang="it-IT" sz="1600" b="1" dirty="0" err="1">
-                <a:solidFill>
-                  <a:srgbClr val="008F00"/>
-                </a:solidFill>
-                <a:latin typeface="Courier" pitchFamily="2" charset="0"/>
-              </a:rPr>
-              <a:t>print</a:t>
-            </a:r>
-            <a:r>
-              <a:rPr lang="it-IT" sz="1600" dirty="0">
-                <a:solidFill>
-                  <a:srgbClr val="000000"/>
-                </a:solidFill>
-                <a:latin typeface="Courier" pitchFamily="2" charset="0"/>
-              </a:rPr>
-              <a:t>(</a:t>
-            </a:r>
-            <a:r>
-              <a:rPr lang="it-IT" sz="1600" dirty="0" err="1">
-                <a:solidFill>
-                  <a:srgbClr val="000000"/>
-                </a:solidFill>
-                <a:latin typeface="Courier" pitchFamily="2" charset="0"/>
-              </a:rPr>
-              <a:t>f</a:t>
-            </a:r>
-            <a:r>
-              <a:rPr lang="it-IT" sz="1600" dirty="0">
-                <a:solidFill>
-                  <a:srgbClr val="C8352B"/>
-                </a:solidFill>
-                <a:latin typeface="Courier" pitchFamily="2" charset="0"/>
-              </a:rPr>
-              <a:t>"{</a:t>
-            </a:r>
-            <a:r>
-              <a:rPr lang="it-IT" sz="1600" dirty="0" err="1">
-                <a:solidFill>
-                  <a:srgbClr val="C8352B"/>
-                </a:solidFill>
-                <a:latin typeface="Courier" pitchFamily="2" charset="0"/>
-              </a:rPr>
-              <a:t>curr_mem</a:t>
-            </a:r>
-            <a:r>
-              <a:rPr lang="it-IT" sz="1600" dirty="0">
-                <a:solidFill>
-                  <a:srgbClr val="C8352B"/>
-                </a:solidFill>
-                <a:latin typeface="Courier" pitchFamily="2" charset="0"/>
-              </a:rPr>
-              <a:t>} - {</a:t>
-            </a:r>
-            <a:r>
-              <a:rPr lang="it-IT" sz="1600" dirty="0" err="1">
-                <a:solidFill>
-                  <a:srgbClr val="C8352B"/>
-                </a:solidFill>
-                <a:latin typeface="Courier" pitchFamily="2" charset="0"/>
-              </a:rPr>
-              <a:t>max_mem</a:t>
-            </a:r>
-            <a:r>
-              <a:rPr lang="it-IT" sz="1600" dirty="0">
-                <a:solidFill>
-                  <a:srgbClr val="C8352B"/>
-                </a:solidFill>
-                <a:latin typeface="Courier" pitchFamily="2" charset="0"/>
-              </a:rPr>
-              <a:t>}"</a:t>
-            </a:r>
-            <a:r>
-              <a:rPr lang="it-IT" sz="1600" dirty="0">
-                <a:solidFill>
-                  <a:srgbClr val="000000"/>
-                </a:solidFill>
-                <a:latin typeface="Courier" pitchFamily="2" charset="0"/>
-              </a:rPr>
-              <a:t>)</a:t>
-            </a:r>
-            <a:endParaRPr lang="it-IT" sz="1600" dirty="0">
-              <a:solidFill>
-                <a:srgbClr val="C8352B"/>
-              </a:solidFill>
-              <a:effectLst/>
-              <a:latin typeface="Courier" pitchFamily="2" charset="0"/>
+              <a:rPr lang="it-IT" sz="1800" dirty="0"/>
+              <a:t> per ottenere dal sistema operativo la memoria utilizzata da un processo</a:t>
+            </a:r>
+          </a:p>
+          <a:p>
+            <a:pPr lvl="1"/>
+            <a:r>
+              <a:rPr lang="it-IT" sz="1800" dirty="0"/>
+              <a:t>Avendo poche matrici da analizzare non abbiamo automatizzato questa fase. Lo script deve essere quindi lanciato manualmente</a:t>
+            </a:r>
+          </a:p>
+          <a:p>
+            <a:pPr lvl="1"/>
+            <a:endParaRPr lang="it-IT" sz="1800" dirty="0">
+              <a:latin typeface="Consolas" panose="020B0609020204030204" pitchFamily="49" charset="0"/>
+              <a:cs typeface="Consolas" panose="020B0609020204030204" pitchFamily="49" charset="0"/>
             </a:endParaRPr>
           </a:p>
         </p:txBody>
@@ -7052,7 +6015,7 @@
     </p:spTree>
     <p:extLst>
       <p:ext uri="{BB962C8B-B14F-4D97-AF65-F5344CB8AC3E}">
-        <p14:creationId xmlns:p14="http://schemas.microsoft.com/office/powerpoint/2010/main" val="144981965"/>
+        <p14:creationId xmlns:p14="http://schemas.microsoft.com/office/powerpoint/2010/main" val="3397852345"/>
       </p:ext>
     </p:extLst>
   </p:cSld>
@@ -7084,7 +6047,7 @@
           <p:cNvPr id="2" name="Title 1">
             <a:extLst>
               <a:ext uri="{FF2B5EF4-FFF2-40B4-BE49-F238E27FC236}">
-                <a16:creationId xmlns:a16="http://schemas.microsoft.com/office/drawing/2014/main" id="{D32C3248-B255-7B4A-BA06-1B11E359A87B}"/>
+                <a16:creationId xmlns:a16="http://schemas.microsoft.com/office/drawing/2014/main" id="{09A7AABD-27BF-CC40-8A4F-2E04787555B7}"/>
               </a:ext>
             </a:extLst>
           </p:cNvPr>
@@ -7102,22 +6065,17 @@
           <a:p>
             <a:r>
               <a:rPr lang="it-IT" dirty="0"/>
-              <a:t>Sorgente - </a:t>
-            </a:r>
-            <a:r>
-              <a:rPr lang="it-IT" dirty="0" err="1"/>
-              <a:t>Python</a:t>
-            </a:r>
-            <a:endParaRPr lang="it-IT" dirty="0"/>
-          </a:p>
-        </p:txBody>
-      </p:sp>
-      <p:sp>
-        <p:nvSpPr>
-          <p:cNvPr id="6" name="Rectangle 5">
+              <a:t>Sorgente – Memoria utilizzata</a:t>
+            </a:r>
+          </a:p>
+        </p:txBody>
+      </p:sp>
+      <p:sp>
+        <p:nvSpPr>
+          <p:cNvPr id="4" name="Rectangle 3">
             <a:extLst>
               <a:ext uri="{FF2B5EF4-FFF2-40B4-BE49-F238E27FC236}">
-                <a16:creationId xmlns:a16="http://schemas.microsoft.com/office/drawing/2014/main" id="{435ED1CE-EFB1-DD43-89E0-6E4090F03E0B}"/>
+                <a16:creationId xmlns:a16="http://schemas.microsoft.com/office/drawing/2014/main" id="{3871053B-CC08-4948-A379-3913CA5EE154}"/>
               </a:ext>
             </a:extLst>
           </p:cNvPr>
@@ -7126,8 +6084,8 @@
         </p:nvSpPr>
         <p:spPr>
           <a:xfrm>
-            <a:off x="677333" y="1687092"/>
-            <a:ext cx="8065613" cy="3970318"/>
+            <a:off x="677333" y="1642781"/>
+            <a:ext cx="7135171" cy="4524315"/>
           </a:xfrm>
           <a:prstGeom prst="rect">
             <a:avLst/>
@@ -7140,7 +6098,7 @@
           <a:lstStyle/>
           <a:p>
             <a:r>
-              <a:rPr lang="it-IT" b="1" dirty="0">
+              <a:rPr lang="it-IT" sz="1600" b="1" dirty="0">
                 <a:solidFill>
                   <a:srgbClr val="008F00"/>
                 </a:solidFill>
@@ -7149,7 +6107,7 @@
               <a:t>import</a:t>
             </a:r>
             <a:r>
-              <a:rPr lang="it-IT" dirty="0">
+              <a:rPr lang="it-IT" sz="1600" dirty="0">
                 <a:solidFill>
                   <a:srgbClr val="000000"/>
                 </a:solidFill>
@@ -7158,16 +6116,16 @@
               <a:t> </a:t>
             </a:r>
             <a:r>
-              <a:rPr lang="it-IT" b="1" dirty="0" err="1">
+              <a:rPr lang="it-IT" sz="1600" b="1" dirty="0" err="1">
                 <a:solidFill>
                   <a:srgbClr val="0433FF"/>
                 </a:solidFill>
                 <a:latin typeface="Courier" pitchFamily="2" charset="0"/>
               </a:rPr>
-              <a:t>scipy</a:t>
-            </a:r>
-            <a:r>
-              <a:rPr lang="it-IT" dirty="0">
+              <a:t>sys</a:t>
+            </a:r>
+            <a:r>
+              <a:rPr lang="it-IT" sz="1600" dirty="0">
                 <a:solidFill>
                   <a:srgbClr val="797979"/>
                 </a:solidFill>
@@ -7176,7 +6134,7 @@
               <a:t>,</a:t>
             </a:r>
             <a:r>
-              <a:rPr lang="it-IT" dirty="0">
+              <a:rPr lang="it-IT" sz="1600" dirty="0">
                 <a:solidFill>
                   <a:srgbClr val="000000"/>
                 </a:solidFill>
@@ -7185,15 +6143,42 @@
               <a:t> </a:t>
             </a:r>
             <a:r>
-              <a:rPr lang="it-IT" b="1" dirty="0" err="1">
+              <a:rPr lang="it-IT" sz="1600" b="1" dirty="0" err="1">
                 <a:solidFill>
                   <a:srgbClr val="0433FF"/>
                 </a:solidFill>
                 <a:latin typeface="Courier" pitchFamily="2" charset="0"/>
               </a:rPr>
-              <a:t>scipy.io</a:t>
-            </a:r>
-            <a:endParaRPr lang="it-IT" b="1" dirty="0">
+              <a:t>psutil</a:t>
+            </a:r>
+            <a:r>
+              <a:rPr lang="it-IT" sz="1600" dirty="0">
+                <a:solidFill>
+                  <a:srgbClr val="797979"/>
+                </a:solidFill>
+                <a:latin typeface="Courier" pitchFamily="2" charset="0"/>
+              </a:rPr>
+              <a:t>,</a:t>
+            </a:r>
+            <a:r>
+              <a:rPr lang="it-IT" sz="1600" dirty="0">
+                <a:solidFill>
+                  <a:srgbClr val="000000"/>
+                </a:solidFill>
+                <a:latin typeface="Courier" pitchFamily="2" charset="0"/>
+              </a:rPr>
+              <a:t> </a:t>
+            </a:r>
+            <a:r>
+              <a:rPr lang="it-IT" sz="1600" b="1" dirty="0">
+                <a:solidFill>
+                  <a:srgbClr val="0433FF"/>
+                </a:solidFill>
+                <a:latin typeface="Courier" pitchFamily="2" charset="0"/>
+              </a:rPr>
+              <a:t>time</a:t>
+            </a:r>
+            <a:endParaRPr lang="it-IT" sz="1600" dirty="0">
               <a:solidFill>
                 <a:srgbClr val="0433FF"/>
               </a:solidFill>
@@ -7201,844 +6186,1012 @@
             </a:endParaRPr>
           </a:p>
           <a:p>
-            <a:r>
-              <a:rPr lang="it-IT" b="1" dirty="0">
-                <a:solidFill>
-                  <a:srgbClr val="008F00"/>
-                </a:solidFill>
-                <a:latin typeface="Courier" pitchFamily="2" charset="0"/>
-              </a:rPr>
-              <a:t>from</a:t>
-            </a:r>
-            <a:r>
-              <a:rPr lang="it-IT" dirty="0">
-                <a:latin typeface="Courier" pitchFamily="2" charset="0"/>
-              </a:rPr>
-              <a:t> </a:t>
-            </a:r>
-            <a:r>
-              <a:rPr lang="it-IT" b="1" dirty="0" err="1">
-                <a:solidFill>
-                  <a:srgbClr val="0433FF"/>
-                </a:solidFill>
-                <a:latin typeface="Courier" pitchFamily="2" charset="0"/>
-              </a:rPr>
-              <a:t>datetime</a:t>
-            </a:r>
-            <a:r>
-              <a:rPr lang="it-IT" dirty="0">
-                <a:latin typeface="Courier" pitchFamily="2" charset="0"/>
-              </a:rPr>
-              <a:t> </a:t>
-            </a:r>
-            <a:r>
-              <a:rPr lang="it-IT" b="1" dirty="0">
-                <a:solidFill>
-                  <a:srgbClr val="008F00"/>
-                </a:solidFill>
-                <a:latin typeface="Courier" pitchFamily="2" charset="0"/>
-              </a:rPr>
-              <a:t>import</a:t>
-            </a:r>
-            <a:r>
-              <a:rPr lang="it-IT" dirty="0">
-                <a:latin typeface="Courier" pitchFamily="2" charset="0"/>
-              </a:rPr>
-              <a:t> </a:t>
-            </a:r>
-            <a:r>
-              <a:rPr lang="it-IT" dirty="0" err="1">
-                <a:latin typeface="Courier" pitchFamily="2" charset="0"/>
-              </a:rPr>
-              <a:t>datetime</a:t>
-            </a:r>
-            <a:endParaRPr lang="it-IT" dirty="0">
+            <a:br>
+              <a:rPr lang="it-IT" sz="1600" dirty="0">
+                <a:latin typeface="Courier" pitchFamily="2" charset="0"/>
+              </a:rPr>
+            </a:br>
+            <a:endParaRPr lang="it-IT" sz="1600" dirty="0">
+              <a:latin typeface="Courier" pitchFamily="2" charset="0"/>
+            </a:endParaRPr>
+          </a:p>
+          <a:p>
+            <a:r>
+              <a:rPr lang="it-IT" sz="1600" i="1" dirty="0">
+                <a:solidFill>
+                  <a:srgbClr val="4F9192"/>
+                </a:solidFill>
+                <a:latin typeface="Courier" pitchFamily="2" charset="0"/>
+              </a:rPr>
+              <a:t># Frequenza </a:t>
+            </a:r>
+            <a:r>
+              <a:rPr lang="it-IT" sz="1600" i="1" dirty="0" err="1">
+                <a:solidFill>
+                  <a:srgbClr val="4F9192"/>
+                </a:solidFill>
+                <a:latin typeface="Courier" pitchFamily="2" charset="0"/>
+              </a:rPr>
+              <a:t>fetch</a:t>
+            </a:r>
+            <a:endParaRPr lang="it-IT" sz="1600" dirty="0">
               <a:solidFill>
-                <a:srgbClr val="0433FF"/>
+                <a:srgbClr val="4F9192"/>
               </a:solidFill>
               <a:latin typeface="Courier" pitchFamily="2" charset="0"/>
             </a:endParaRPr>
           </a:p>
           <a:p>
             <a:r>
-              <a:rPr lang="it-IT" b="1" dirty="0">
+              <a:rPr lang="it-IT" sz="1600" dirty="0">
+                <a:latin typeface="Courier" pitchFamily="2" charset="0"/>
+              </a:rPr>
+              <a:t>delay </a:t>
+            </a:r>
+            <a:r>
+              <a:rPr lang="it-IT" sz="1600" dirty="0">
+                <a:solidFill>
+                  <a:srgbClr val="797979"/>
+                </a:solidFill>
+                <a:latin typeface="Courier" pitchFamily="2" charset="0"/>
+              </a:rPr>
+              <a:t>=</a:t>
+            </a:r>
+            <a:r>
+              <a:rPr lang="it-IT" sz="1600" dirty="0">
+                <a:latin typeface="Courier" pitchFamily="2" charset="0"/>
+              </a:rPr>
+              <a:t> </a:t>
+            </a:r>
+            <a:r>
+              <a:rPr lang="it-IT" sz="1600" dirty="0">
+                <a:solidFill>
+                  <a:srgbClr val="797979"/>
+                </a:solidFill>
+                <a:latin typeface="Courier" pitchFamily="2" charset="0"/>
+              </a:rPr>
+              <a:t>1</a:t>
+            </a:r>
+            <a:r>
+              <a:rPr lang="it-IT" sz="1600" dirty="0">
+                <a:latin typeface="Courier" pitchFamily="2" charset="0"/>
+              </a:rPr>
+              <a:t> </a:t>
+            </a:r>
+            <a:r>
+              <a:rPr lang="it-IT" sz="1600" b="1" dirty="0" err="1">
                 <a:solidFill>
                   <a:srgbClr val="008F00"/>
                 </a:solidFill>
                 <a:latin typeface="Courier" pitchFamily="2" charset="0"/>
               </a:rPr>
-              <a:t>from</a:t>
-            </a:r>
-            <a:r>
-              <a:rPr lang="it-IT" dirty="0">
-                <a:solidFill>
-                  <a:srgbClr val="000000"/>
-                </a:solidFill>
+              <a:t>if</a:t>
+            </a:r>
+            <a:r>
+              <a:rPr lang="it-IT" sz="1600" dirty="0">
                 <a:latin typeface="Courier" pitchFamily="2" charset="0"/>
               </a:rPr>
               <a:t> </a:t>
             </a:r>
             <a:r>
-              <a:rPr lang="it-IT" b="1" dirty="0" err="1">
-                <a:solidFill>
-                  <a:srgbClr val="0433FF"/>
-                </a:solidFill>
-                <a:latin typeface="Courier" pitchFamily="2" charset="0"/>
-              </a:rPr>
-              <a:t>scipy.sparse.linalg</a:t>
-            </a:r>
-            <a:r>
-              <a:rPr lang="it-IT" dirty="0">
-                <a:solidFill>
-                  <a:srgbClr val="000000"/>
-                </a:solidFill>
+              <a:rPr lang="it-IT" sz="1600" dirty="0" err="1">
+                <a:solidFill>
+                  <a:srgbClr val="008F00"/>
+                </a:solidFill>
+                <a:latin typeface="Courier" pitchFamily="2" charset="0"/>
+              </a:rPr>
+              <a:t>len</a:t>
+            </a:r>
+            <a:r>
+              <a:rPr lang="it-IT" sz="1600" dirty="0">
+                <a:latin typeface="Courier" pitchFamily="2" charset="0"/>
+              </a:rPr>
+              <a:t>(</a:t>
+            </a:r>
+            <a:r>
+              <a:rPr lang="it-IT" sz="1600" dirty="0" err="1">
+                <a:latin typeface="Courier" pitchFamily="2" charset="0"/>
+              </a:rPr>
+              <a:t>sys</a:t>
+            </a:r>
+            <a:r>
+              <a:rPr lang="it-IT" sz="1600" dirty="0" err="1">
+                <a:solidFill>
+                  <a:srgbClr val="797979"/>
+                </a:solidFill>
+                <a:latin typeface="Courier" pitchFamily="2" charset="0"/>
+              </a:rPr>
+              <a:t>.</a:t>
+            </a:r>
+            <a:r>
+              <a:rPr lang="it-IT" sz="1600" dirty="0" err="1">
+                <a:latin typeface="Courier" pitchFamily="2" charset="0"/>
+              </a:rPr>
+              <a:t>argv</a:t>
+            </a:r>
+            <a:r>
+              <a:rPr lang="it-IT" sz="1600" dirty="0">
+                <a:latin typeface="Courier" pitchFamily="2" charset="0"/>
+              </a:rPr>
+              <a:t>) </a:t>
+            </a:r>
+            <a:r>
+              <a:rPr lang="it-IT" sz="1600" dirty="0">
+                <a:solidFill>
+                  <a:srgbClr val="797979"/>
+                </a:solidFill>
+                <a:latin typeface="Courier" pitchFamily="2" charset="0"/>
+              </a:rPr>
+              <a:t>&lt;</a:t>
+            </a:r>
+            <a:r>
+              <a:rPr lang="it-IT" sz="1600" dirty="0">
                 <a:latin typeface="Courier" pitchFamily="2" charset="0"/>
               </a:rPr>
               <a:t> </a:t>
             </a:r>
             <a:r>
-              <a:rPr lang="it-IT" b="1" dirty="0">
+              <a:rPr lang="it-IT" sz="1600" dirty="0">
+                <a:solidFill>
+                  <a:srgbClr val="797979"/>
+                </a:solidFill>
+                <a:latin typeface="Courier" pitchFamily="2" charset="0"/>
+              </a:rPr>
+              <a:t>3</a:t>
+            </a:r>
+            <a:r>
+              <a:rPr lang="it-IT" sz="1600" dirty="0">
+                <a:latin typeface="Courier" pitchFamily="2" charset="0"/>
+              </a:rPr>
+              <a:t> </a:t>
+            </a:r>
+            <a:r>
+              <a:rPr lang="it-IT" sz="1600" b="1" dirty="0">
                 <a:solidFill>
                   <a:srgbClr val="008F00"/>
                 </a:solidFill>
                 <a:latin typeface="Courier" pitchFamily="2" charset="0"/>
               </a:rPr>
-              <a:t>import</a:t>
-            </a:r>
-            <a:r>
-              <a:rPr lang="it-IT" dirty="0">
-                <a:solidFill>
-                  <a:srgbClr val="000000"/>
-                </a:solidFill>
+              <a:t>else</a:t>
+            </a:r>
+            <a:r>
+              <a:rPr lang="it-IT" sz="1600" dirty="0">
                 <a:latin typeface="Courier" pitchFamily="2" charset="0"/>
               </a:rPr>
               <a:t> </a:t>
             </a:r>
             <a:r>
-              <a:rPr lang="it-IT" dirty="0" err="1">
-                <a:solidFill>
-                  <a:srgbClr val="000000"/>
-                </a:solidFill>
-                <a:latin typeface="Courier" pitchFamily="2" charset="0"/>
-              </a:rPr>
-              <a:t>norm</a:t>
-            </a:r>
-            <a:r>
-              <a:rPr lang="it-IT" dirty="0">
-                <a:solidFill>
-                  <a:srgbClr val="000000"/>
-                </a:solidFill>
-                <a:latin typeface="Courier" pitchFamily="2" charset="0"/>
-              </a:rPr>
-              <a:t>, </a:t>
-            </a:r>
-            <a:r>
-              <a:rPr lang="it-IT" dirty="0" err="1">
-                <a:solidFill>
-                  <a:srgbClr val="000000"/>
-                </a:solidFill>
-                <a:latin typeface="Courier" pitchFamily="2" charset="0"/>
-              </a:rPr>
-              <a:t>spsolve</a:t>
-            </a:r>
-            <a:endParaRPr lang="it-IT" dirty="0">
+              <a:rPr lang="it-IT" sz="1600" dirty="0">
+                <a:solidFill>
+                  <a:srgbClr val="008F00"/>
+                </a:solidFill>
+                <a:latin typeface="Courier" pitchFamily="2" charset="0"/>
+              </a:rPr>
+              <a:t>float</a:t>
+            </a:r>
+            <a:r>
+              <a:rPr lang="it-IT" sz="1600" dirty="0">
+                <a:latin typeface="Courier" pitchFamily="2" charset="0"/>
+              </a:rPr>
+              <a:t>(</a:t>
+            </a:r>
+            <a:r>
+              <a:rPr lang="it-IT" sz="1600" dirty="0" err="1">
+                <a:latin typeface="Courier" pitchFamily="2" charset="0"/>
+              </a:rPr>
+              <a:t>sys</a:t>
+            </a:r>
+            <a:r>
+              <a:rPr lang="it-IT" sz="1600" dirty="0" err="1">
+                <a:solidFill>
+                  <a:srgbClr val="797979"/>
+                </a:solidFill>
+                <a:latin typeface="Courier" pitchFamily="2" charset="0"/>
+              </a:rPr>
+              <a:t>.</a:t>
+            </a:r>
+            <a:r>
+              <a:rPr lang="it-IT" sz="1600" dirty="0" err="1">
+                <a:latin typeface="Courier" pitchFamily="2" charset="0"/>
+              </a:rPr>
+              <a:t>argv</a:t>
+            </a:r>
+            <a:r>
+              <a:rPr lang="it-IT" sz="1600" dirty="0">
+                <a:latin typeface="Courier" pitchFamily="2" charset="0"/>
+              </a:rPr>
+              <a:t>[</a:t>
+            </a:r>
+            <a:r>
+              <a:rPr lang="it-IT" sz="1600" dirty="0">
+                <a:solidFill>
+                  <a:srgbClr val="797979"/>
+                </a:solidFill>
+                <a:latin typeface="Courier" pitchFamily="2" charset="0"/>
+              </a:rPr>
+              <a:t>1</a:t>
+            </a:r>
+            <a:r>
+              <a:rPr lang="it-IT" sz="1600" dirty="0">
+                <a:latin typeface="Courier" pitchFamily="2" charset="0"/>
+              </a:rPr>
+              <a:t>])</a:t>
+            </a:r>
+          </a:p>
+          <a:p>
+            <a:r>
+              <a:rPr lang="it-IT" sz="1600" i="1" dirty="0">
+                <a:solidFill>
+                  <a:srgbClr val="4F9192"/>
+                </a:solidFill>
+                <a:latin typeface="Courier" pitchFamily="2" charset="0"/>
+              </a:rPr>
+              <a:t># PID del processo</a:t>
+            </a:r>
+            <a:endParaRPr lang="it-IT" sz="1600" dirty="0">
               <a:solidFill>
-                <a:srgbClr val="0433FF"/>
+                <a:srgbClr val="4F9192"/>
               </a:solidFill>
               <a:latin typeface="Courier" pitchFamily="2" charset="0"/>
             </a:endParaRPr>
           </a:p>
           <a:p>
             <a:r>
-              <a:rPr lang="it-IT" b="1" dirty="0">
+              <a:rPr lang="it-IT" sz="1600" dirty="0" err="1">
+                <a:latin typeface="Courier" pitchFamily="2" charset="0"/>
+              </a:rPr>
+              <a:t>pid</a:t>
+            </a:r>
+            <a:r>
+              <a:rPr lang="it-IT" sz="1600" dirty="0">
+                <a:latin typeface="Courier" pitchFamily="2" charset="0"/>
+              </a:rPr>
+              <a:t> </a:t>
+            </a:r>
+            <a:r>
+              <a:rPr lang="it-IT" sz="1600" dirty="0">
+                <a:solidFill>
+                  <a:srgbClr val="797979"/>
+                </a:solidFill>
+                <a:latin typeface="Courier" pitchFamily="2" charset="0"/>
+              </a:rPr>
+              <a:t>=</a:t>
+            </a:r>
+            <a:r>
+              <a:rPr lang="it-IT" sz="1600" dirty="0">
+                <a:latin typeface="Courier" pitchFamily="2" charset="0"/>
+              </a:rPr>
+              <a:t> </a:t>
+            </a:r>
+            <a:r>
+              <a:rPr lang="it-IT" sz="1600" dirty="0" err="1">
                 <a:solidFill>
                   <a:srgbClr val="008F00"/>
                 </a:solidFill>
                 <a:latin typeface="Courier" pitchFamily="2" charset="0"/>
               </a:rPr>
-              <a:t>from</a:t>
-            </a:r>
-            <a:r>
-              <a:rPr lang="it-IT" dirty="0">
-                <a:solidFill>
-                  <a:srgbClr val="000000"/>
-                </a:solidFill>
+              <a:t>int</a:t>
+            </a:r>
+            <a:r>
+              <a:rPr lang="it-IT" sz="1600" dirty="0">
+                <a:latin typeface="Courier" pitchFamily="2" charset="0"/>
+              </a:rPr>
+              <a:t>(</a:t>
+            </a:r>
+            <a:r>
+              <a:rPr lang="it-IT" sz="1600" dirty="0" err="1">
+                <a:latin typeface="Courier" pitchFamily="2" charset="0"/>
+              </a:rPr>
+              <a:t>sys</a:t>
+            </a:r>
+            <a:r>
+              <a:rPr lang="it-IT" sz="1600" dirty="0" err="1">
+                <a:solidFill>
+                  <a:srgbClr val="797979"/>
+                </a:solidFill>
+                <a:latin typeface="Courier" pitchFamily="2" charset="0"/>
+              </a:rPr>
+              <a:t>.</a:t>
+            </a:r>
+            <a:r>
+              <a:rPr lang="it-IT" sz="1600" dirty="0" err="1">
+                <a:latin typeface="Courier" pitchFamily="2" charset="0"/>
+              </a:rPr>
+              <a:t>argv</a:t>
+            </a:r>
+            <a:r>
+              <a:rPr lang="it-IT" sz="1600" dirty="0">
+                <a:latin typeface="Courier" pitchFamily="2" charset="0"/>
+              </a:rPr>
+              <a:t>[</a:t>
+            </a:r>
+            <a:r>
+              <a:rPr lang="it-IT" sz="1600" dirty="0">
+                <a:solidFill>
+                  <a:srgbClr val="797979"/>
+                </a:solidFill>
+                <a:latin typeface="Courier" pitchFamily="2" charset="0"/>
+              </a:rPr>
+              <a:t>1</a:t>
+            </a:r>
+            <a:r>
+              <a:rPr lang="it-IT" sz="1600" dirty="0">
+                <a:latin typeface="Courier" pitchFamily="2" charset="0"/>
+              </a:rPr>
+              <a:t>]) </a:t>
+            </a:r>
+            <a:r>
+              <a:rPr lang="it-IT" sz="1600" b="1" dirty="0" err="1">
+                <a:solidFill>
+                  <a:srgbClr val="008F00"/>
+                </a:solidFill>
+                <a:latin typeface="Courier" pitchFamily="2" charset="0"/>
+              </a:rPr>
+              <a:t>if</a:t>
+            </a:r>
+            <a:r>
+              <a:rPr lang="it-IT" sz="1600" dirty="0">
                 <a:latin typeface="Courier" pitchFamily="2" charset="0"/>
               </a:rPr>
               <a:t> </a:t>
             </a:r>
             <a:r>
-              <a:rPr lang="it-IT" b="1" dirty="0" err="1">
-                <a:solidFill>
-                  <a:srgbClr val="0433FF"/>
-                </a:solidFill>
-                <a:latin typeface="Courier" pitchFamily="2" charset="0"/>
-              </a:rPr>
-              <a:t>scipy.linalg</a:t>
-            </a:r>
-            <a:r>
-              <a:rPr lang="it-IT" dirty="0">
-                <a:solidFill>
-                  <a:srgbClr val="000000"/>
-                </a:solidFill>
+              <a:rPr lang="it-IT" sz="1600" dirty="0" err="1">
+                <a:solidFill>
+                  <a:srgbClr val="008F00"/>
+                </a:solidFill>
+                <a:latin typeface="Courier" pitchFamily="2" charset="0"/>
+              </a:rPr>
+              <a:t>len</a:t>
+            </a:r>
+            <a:r>
+              <a:rPr lang="it-IT" sz="1600" dirty="0">
+                <a:latin typeface="Courier" pitchFamily="2" charset="0"/>
+              </a:rPr>
+              <a:t>(</a:t>
+            </a:r>
+            <a:r>
+              <a:rPr lang="it-IT" sz="1600" dirty="0" err="1">
+                <a:latin typeface="Courier" pitchFamily="2" charset="0"/>
+              </a:rPr>
+              <a:t>sys</a:t>
+            </a:r>
+            <a:r>
+              <a:rPr lang="it-IT" sz="1600" dirty="0" err="1">
+                <a:solidFill>
+                  <a:srgbClr val="797979"/>
+                </a:solidFill>
+                <a:latin typeface="Courier" pitchFamily="2" charset="0"/>
+              </a:rPr>
+              <a:t>.</a:t>
+            </a:r>
+            <a:r>
+              <a:rPr lang="it-IT" sz="1600" dirty="0" err="1">
+                <a:latin typeface="Courier" pitchFamily="2" charset="0"/>
+              </a:rPr>
+              <a:t>argv</a:t>
+            </a:r>
+            <a:r>
+              <a:rPr lang="it-IT" sz="1600" dirty="0">
+                <a:latin typeface="Courier" pitchFamily="2" charset="0"/>
+              </a:rPr>
+              <a:t>) </a:t>
+            </a:r>
+            <a:r>
+              <a:rPr lang="it-IT" sz="1600" dirty="0">
+                <a:solidFill>
+                  <a:srgbClr val="797979"/>
+                </a:solidFill>
+                <a:latin typeface="Courier" pitchFamily="2" charset="0"/>
+              </a:rPr>
+              <a:t>==</a:t>
+            </a:r>
+            <a:r>
+              <a:rPr lang="it-IT" sz="1600" dirty="0">
                 <a:latin typeface="Courier" pitchFamily="2" charset="0"/>
               </a:rPr>
               <a:t> </a:t>
             </a:r>
             <a:r>
-              <a:rPr lang="it-IT" b="1" dirty="0">
+              <a:rPr lang="it-IT" sz="1600" dirty="0">
+                <a:solidFill>
+                  <a:srgbClr val="797979"/>
+                </a:solidFill>
+                <a:latin typeface="Courier" pitchFamily="2" charset="0"/>
+              </a:rPr>
+              <a:t>2</a:t>
+            </a:r>
+            <a:r>
+              <a:rPr lang="it-IT" sz="1600" dirty="0">
+                <a:latin typeface="Courier" pitchFamily="2" charset="0"/>
+              </a:rPr>
+              <a:t> </a:t>
+            </a:r>
+            <a:r>
+              <a:rPr lang="it-IT" sz="1600" b="1" dirty="0">
                 <a:solidFill>
                   <a:srgbClr val="008F00"/>
                 </a:solidFill>
                 <a:latin typeface="Courier" pitchFamily="2" charset="0"/>
               </a:rPr>
-              <a:t>import</a:t>
-            </a:r>
-            <a:r>
-              <a:rPr lang="it-IT" dirty="0">
-                <a:solidFill>
-                  <a:srgbClr val="000000"/>
-                </a:solidFill>
+              <a:t>else</a:t>
+            </a:r>
+            <a:r>
+              <a:rPr lang="it-IT" sz="1600" dirty="0">
                 <a:latin typeface="Courier" pitchFamily="2" charset="0"/>
               </a:rPr>
               <a:t> </a:t>
             </a:r>
             <a:r>
-              <a:rPr lang="it-IT" dirty="0" err="1">
-                <a:solidFill>
-                  <a:srgbClr val="000000"/>
-                </a:solidFill>
-                <a:latin typeface="Courier" pitchFamily="2" charset="0"/>
-              </a:rPr>
-              <a:t>norm</a:t>
-            </a:r>
-            <a:endParaRPr lang="it-IT" dirty="0">
+              <a:rPr lang="it-IT" sz="1600" dirty="0" err="1">
+                <a:solidFill>
+                  <a:srgbClr val="008F00"/>
+                </a:solidFill>
+                <a:latin typeface="Courier" pitchFamily="2" charset="0"/>
+              </a:rPr>
+              <a:t>int</a:t>
+            </a:r>
+            <a:r>
+              <a:rPr lang="it-IT" sz="1600" dirty="0">
+                <a:latin typeface="Courier" pitchFamily="2" charset="0"/>
+              </a:rPr>
+              <a:t>(</a:t>
+            </a:r>
+            <a:r>
+              <a:rPr lang="it-IT" sz="1600" dirty="0" err="1">
+                <a:latin typeface="Courier" pitchFamily="2" charset="0"/>
+              </a:rPr>
+              <a:t>sys</a:t>
+            </a:r>
+            <a:r>
+              <a:rPr lang="it-IT" sz="1600" dirty="0" err="1">
+                <a:solidFill>
+                  <a:srgbClr val="797979"/>
+                </a:solidFill>
+                <a:latin typeface="Courier" pitchFamily="2" charset="0"/>
+              </a:rPr>
+              <a:t>.</a:t>
+            </a:r>
+            <a:r>
+              <a:rPr lang="it-IT" sz="1600" dirty="0" err="1">
+                <a:latin typeface="Courier" pitchFamily="2" charset="0"/>
+              </a:rPr>
+              <a:t>argv</a:t>
+            </a:r>
+            <a:r>
+              <a:rPr lang="it-IT" sz="1600" dirty="0">
+                <a:latin typeface="Courier" pitchFamily="2" charset="0"/>
+              </a:rPr>
+              <a:t>[</a:t>
+            </a:r>
+            <a:r>
+              <a:rPr lang="it-IT" sz="1600" dirty="0">
+                <a:solidFill>
+                  <a:srgbClr val="797979"/>
+                </a:solidFill>
+                <a:latin typeface="Courier" pitchFamily="2" charset="0"/>
+              </a:rPr>
+              <a:t>2</a:t>
+            </a:r>
+            <a:r>
+              <a:rPr lang="it-IT" sz="1600" dirty="0">
+                <a:latin typeface="Courier" pitchFamily="2" charset="0"/>
+              </a:rPr>
+              <a:t>])</a:t>
+            </a:r>
+          </a:p>
+          <a:p>
+            <a:br>
+              <a:rPr lang="it-IT" sz="1600" dirty="0">
+                <a:latin typeface="Courier" pitchFamily="2" charset="0"/>
+              </a:rPr>
+            </a:br>
+            <a:endParaRPr lang="it-IT" sz="1600" dirty="0">
+              <a:latin typeface="Courier" pitchFamily="2" charset="0"/>
+            </a:endParaRPr>
+          </a:p>
+          <a:p>
+            <a:r>
+              <a:rPr lang="it-IT" sz="1600" dirty="0" err="1">
+                <a:latin typeface="Courier" pitchFamily="2" charset="0"/>
+              </a:rPr>
+              <a:t>proc</a:t>
+            </a:r>
+            <a:r>
+              <a:rPr lang="it-IT" sz="1600" dirty="0">
+                <a:latin typeface="Courier" pitchFamily="2" charset="0"/>
+              </a:rPr>
+              <a:t> </a:t>
+            </a:r>
+            <a:r>
+              <a:rPr lang="it-IT" sz="1600" dirty="0">
+                <a:solidFill>
+                  <a:srgbClr val="797979"/>
+                </a:solidFill>
+                <a:latin typeface="Courier" pitchFamily="2" charset="0"/>
+              </a:rPr>
+              <a:t>=</a:t>
+            </a:r>
+            <a:r>
+              <a:rPr lang="it-IT" sz="1600" dirty="0">
+                <a:latin typeface="Courier" pitchFamily="2" charset="0"/>
+              </a:rPr>
+              <a:t> </a:t>
+            </a:r>
+            <a:r>
+              <a:rPr lang="it-IT" sz="1600" dirty="0" err="1">
+                <a:latin typeface="Courier" pitchFamily="2" charset="0"/>
+              </a:rPr>
+              <a:t>psutil</a:t>
+            </a:r>
+            <a:r>
+              <a:rPr lang="it-IT" sz="1600" dirty="0" err="1">
+                <a:solidFill>
+                  <a:srgbClr val="797979"/>
+                </a:solidFill>
+                <a:latin typeface="Courier" pitchFamily="2" charset="0"/>
+              </a:rPr>
+              <a:t>.</a:t>
+            </a:r>
+            <a:r>
+              <a:rPr lang="it-IT" sz="1600" dirty="0" err="1">
+                <a:latin typeface="Courier" pitchFamily="2" charset="0"/>
+              </a:rPr>
+              <a:t>Process</a:t>
+            </a:r>
+            <a:r>
+              <a:rPr lang="it-IT" sz="1600" dirty="0">
+                <a:latin typeface="Courier" pitchFamily="2" charset="0"/>
+              </a:rPr>
+              <a:t>(</a:t>
+            </a:r>
+            <a:r>
+              <a:rPr lang="it-IT" sz="1600" dirty="0" err="1">
+                <a:latin typeface="Courier" pitchFamily="2" charset="0"/>
+              </a:rPr>
+              <a:t>pid</a:t>
+            </a:r>
+            <a:r>
+              <a:rPr lang="it-IT" sz="1600" dirty="0">
+                <a:latin typeface="Courier" pitchFamily="2" charset="0"/>
+              </a:rPr>
+              <a:t>)</a:t>
+            </a:r>
+          </a:p>
+          <a:p>
+            <a:r>
+              <a:rPr lang="it-IT" sz="1600" i="1" dirty="0">
+                <a:solidFill>
+                  <a:srgbClr val="4F9192"/>
+                </a:solidFill>
+                <a:latin typeface="Courier" pitchFamily="2" charset="0"/>
+              </a:rPr>
+              <a:t># Memoria massima utilizzata</a:t>
+            </a:r>
+            <a:endParaRPr lang="it-IT" sz="1600" dirty="0">
               <a:solidFill>
-                <a:srgbClr val="0433FF"/>
+                <a:srgbClr val="4F9192"/>
               </a:solidFill>
               <a:latin typeface="Courier" pitchFamily="2" charset="0"/>
             </a:endParaRPr>
           </a:p>
           <a:p>
-            <a:endParaRPr lang="it-IT" dirty="0">
+            <a:r>
+              <a:rPr lang="it-IT" sz="1600" dirty="0" err="1">
+                <a:latin typeface="Courier" pitchFamily="2" charset="0"/>
+              </a:rPr>
+              <a:t>max_mem</a:t>
+            </a:r>
+            <a:r>
+              <a:rPr lang="it-IT" sz="1600" dirty="0">
+                <a:latin typeface="Courier" pitchFamily="2" charset="0"/>
+              </a:rPr>
+              <a:t> </a:t>
+            </a:r>
+            <a:r>
+              <a:rPr lang="it-IT" sz="1600" dirty="0">
+                <a:solidFill>
+                  <a:srgbClr val="797979"/>
+                </a:solidFill>
+                <a:latin typeface="Courier" pitchFamily="2" charset="0"/>
+              </a:rPr>
+              <a:t>=</a:t>
+            </a:r>
+            <a:r>
+              <a:rPr lang="it-IT" sz="1600" dirty="0">
+                <a:latin typeface="Courier" pitchFamily="2" charset="0"/>
+              </a:rPr>
+              <a:t> </a:t>
+            </a:r>
+            <a:r>
+              <a:rPr lang="it-IT" sz="1600" dirty="0">
+                <a:solidFill>
+                  <a:srgbClr val="797979"/>
+                </a:solidFill>
+                <a:latin typeface="Courier" pitchFamily="2" charset="0"/>
+              </a:rPr>
+              <a:t>0</a:t>
+            </a:r>
+            <a:endParaRPr lang="it-IT" sz="1600" dirty="0">
               <a:latin typeface="Courier" pitchFamily="2" charset="0"/>
             </a:endParaRPr>
           </a:p>
           <a:p>
             <a:r>
-              <a:rPr lang="it-IT" dirty="0">
-                <a:latin typeface="Courier" pitchFamily="2" charset="0"/>
-              </a:rPr>
-              <a:t>A </a:t>
-            </a:r>
-            <a:r>
-              <a:rPr lang="it-IT" dirty="0">
-                <a:solidFill>
-                  <a:srgbClr val="797979"/>
-                </a:solidFill>
-                <a:latin typeface="Courier" pitchFamily="2" charset="0"/>
-              </a:rPr>
-              <a:t>=</a:t>
-            </a:r>
-            <a:r>
-              <a:rPr lang="it-IT" dirty="0">
+              <a:rPr lang="it-IT" sz="1600" b="1" dirty="0" err="1">
+                <a:solidFill>
+                  <a:srgbClr val="008F00"/>
+                </a:solidFill>
+                <a:latin typeface="Courier" pitchFamily="2" charset="0"/>
+              </a:rPr>
+              <a:t>while</a:t>
+            </a:r>
+            <a:r>
+              <a:rPr lang="it-IT" sz="1600" dirty="0">
+                <a:solidFill>
+                  <a:srgbClr val="000000"/>
+                </a:solidFill>
                 <a:latin typeface="Courier" pitchFamily="2" charset="0"/>
               </a:rPr>
               <a:t> </a:t>
             </a:r>
             <a:r>
-              <a:rPr lang="it-IT" dirty="0" err="1">
-                <a:latin typeface="Courier" pitchFamily="2" charset="0"/>
-              </a:rPr>
-              <a:t>scipy</a:t>
-            </a:r>
-            <a:r>
-              <a:rPr lang="it-IT" dirty="0" err="1">
-                <a:solidFill>
-                  <a:srgbClr val="797979"/>
-                </a:solidFill>
-                <a:latin typeface="Courier" pitchFamily="2" charset="0"/>
-              </a:rPr>
-              <a:t>.</a:t>
-            </a:r>
-            <a:r>
-              <a:rPr lang="it-IT" dirty="0" err="1">
-                <a:latin typeface="Courier" pitchFamily="2" charset="0"/>
-              </a:rPr>
-              <a:t>io</a:t>
-            </a:r>
-            <a:r>
-              <a:rPr lang="it-IT" dirty="0" err="1">
-                <a:solidFill>
-                  <a:srgbClr val="797979"/>
-                </a:solidFill>
-                <a:latin typeface="Courier" pitchFamily="2" charset="0"/>
-              </a:rPr>
-              <a:t>.</a:t>
-            </a:r>
-            <a:r>
-              <a:rPr lang="it-IT" dirty="0" err="1">
-                <a:solidFill>
-                  <a:srgbClr val="00B0F0"/>
-                </a:solidFill>
-                <a:latin typeface="Courier" pitchFamily="2" charset="0"/>
-              </a:rPr>
-              <a:t>mmread</a:t>
-            </a:r>
-            <a:r>
-              <a:rPr lang="it-IT" dirty="0">
-                <a:latin typeface="Courier" pitchFamily="2" charset="0"/>
-              </a:rPr>
-              <a:t>(</a:t>
-            </a:r>
-            <a:r>
-              <a:rPr lang="it-IT" dirty="0" err="1">
-                <a:latin typeface="Courier" pitchFamily="2" charset="0"/>
-              </a:rPr>
-              <a:t>path</a:t>
-            </a:r>
-            <a:r>
-              <a:rPr lang="it-IT" dirty="0">
-                <a:latin typeface="Courier" pitchFamily="2" charset="0"/>
-              </a:rPr>
-              <a:t>)</a:t>
-            </a:r>
-            <a:r>
-              <a:rPr lang="it-IT" dirty="0">
-                <a:solidFill>
-                  <a:srgbClr val="797979"/>
-                </a:solidFill>
-                <a:latin typeface="Courier" pitchFamily="2" charset="0"/>
-              </a:rPr>
-              <a:t>.</a:t>
-            </a:r>
-            <a:r>
-              <a:rPr lang="it-IT" dirty="0" err="1">
-                <a:latin typeface="Courier" pitchFamily="2" charset="0"/>
-              </a:rPr>
-              <a:t>tocsc</a:t>
-            </a:r>
-            <a:r>
-              <a:rPr lang="it-IT" dirty="0">
-                <a:latin typeface="Courier" pitchFamily="2" charset="0"/>
-              </a:rPr>
-              <a:t>()</a:t>
-            </a:r>
-            <a:r>
-              <a:rPr lang="it-IT" i="1" dirty="0">
-                <a:solidFill>
-                  <a:srgbClr val="4F9192"/>
-                </a:solidFill>
-                <a:latin typeface="Courier" pitchFamily="2" charset="0"/>
-              </a:rPr>
-              <a:t> # Matrice da risolvere</a:t>
-            </a:r>
-            <a:endParaRPr lang="it-IT" dirty="0">
+              <a:rPr lang="it-IT" sz="1600" dirty="0">
+                <a:solidFill>
+                  <a:srgbClr val="008F00"/>
+                </a:solidFill>
+                <a:latin typeface="Courier" pitchFamily="2" charset="0"/>
+              </a:rPr>
+              <a:t>True</a:t>
+            </a:r>
+            <a:r>
+              <a:rPr lang="it-IT" sz="1600" dirty="0">
+                <a:solidFill>
+                  <a:srgbClr val="000000"/>
+                </a:solidFill>
+                <a:latin typeface="Courier" pitchFamily="2" charset="0"/>
+              </a:rPr>
+              <a:t>:</a:t>
+            </a:r>
+            <a:endParaRPr lang="it-IT" sz="1600" dirty="0">
+              <a:solidFill>
+                <a:srgbClr val="008F00"/>
+              </a:solidFill>
               <a:latin typeface="Courier" pitchFamily="2" charset="0"/>
             </a:endParaRPr>
           </a:p>
           <a:p>
-            <a:endParaRPr lang="it-IT" dirty="0">
+            <a:r>
+              <a:rPr lang="it-IT" sz="1600" dirty="0">
+                <a:latin typeface="Courier" pitchFamily="2" charset="0"/>
+              </a:rPr>
+              <a:t>    </a:t>
+            </a:r>
+            <a:r>
+              <a:rPr lang="it-IT" sz="1600" dirty="0" err="1">
+                <a:latin typeface="Courier" pitchFamily="2" charset="0"/>
+              </a:rPr>
+              <a:t>time</a:t>
+            </a:r>
+            <a:r>
+              <a:rPr lang="it-IT" sz="1600" dirty="0" err="1">
+                <a:solidFill>
+                  <a:srgbClr val="797979"/>
+                </a:solidFill>
+                <a:latin typeface="Courier" pitchFamily="2" charset="0"/>
+              </a:rPr>
+              <a:t>.</a:t>
+            </a:r>
+            <a:r>
+              <a:rPr lang="it-IT" sz="1600" dirty="0" err="1">
+                <a:latin typeface="Courier" pitchFamily="2" charset="0"/>
+              </a:rPr>
+              <a:t>sleep</a:t>
+            </a:r>
+            <a:r>
+              <a:rPr lang="it-IT" sz="1600" dirty="0">
+                <a:latin typeface="Courier" pitchFamily="2" charset="0"/>
+              </a:rPr>
+              <a:t>(delay)</a:t>
+            </a:r>
+          </a:p>
+          <a:p>
+            <a:r>
+              <a:rPr lang="it-IT" sz="1600" dirty="0">
+                <a:latin typeface="Courier" pitchFamily="2" charset="0"/>
+              </a:rPr>
+              <a:t>    </a:t>
+            </a:r>
+            <a:r>
+              <a:rPr lang="it-IT" sz="1600" dirty="0" err="1">
+                <a:latin typeface="Courier" pitchFamily="2" charset="0"/>
+              </a:rPr>
+              <a:t>curr_mem</a:t>
+            </a:r>
+            <a:r>
+              <a:rPr lang="it-IT" sz="1600" dirty="0">
+                <a:latin typeface="Courier" pitchFamily="2" charset="0"/>
+              </a:rPr>
+              <a:t> </a:t>
+            </a:r>
+            <a:r>
+              <a:rPr lang="it-IT" sz="1600" dirty="0">
+                <a:solidFill>
+                  <a:srgbClr val="797979"/>
+                </a:solidFill>
+                <a:latin typeface="Courier" pitchFamily="2" charset="0"/>
+              </a:rPr>
+              <a:t>=</a:t>
+            </a:r>
+            <a:r>
+              <a:rPr lang="it-IT" sz="1600" dirty="0">
+                <a:latin typeface="Courier" pitchFamily="2" charset="0"/>
+              </a:rPr>
+              <a:t> </a:t>
+            </a:r>
+            <a:r>
+              <a:rPr lang="it-IT" sz="1600" dirty="0" err="1">
+                <a:latin typeface="Courier" pitchFamily="2" charset="0"/>
+              </a:rPr>
+              <a:t>proc</a:t>
+            </a:r>
+            <a:r>
+              <a:rPr lang="it-IT" sz="1600" dirty="0" err="1">
+                <a:solidFill>
+                  <a:srgbClr val="797979"/>
+                </a:solidFill>
+                <a:latin typeface="Courier" pitchFamily="2" charset="0"/>
+              </a:rPr>
+              <a:t>.</a:t>
+            </a:r>
+            <a:r>
+              <a:rPr lang="it-IT" sz="1600" dirty="0" err="1">
+                <a:latin typeface="Courier" pitchFamily="2" charset="0"/>
+              </a:rPr>
+              <a:t>memory_info</a:t>
+            </a:r>
+            <a:r>
+              <a:rPr lang="it-IT" sz="1600" dirty="0">
+                <a:latin typeface="Courier" pitchFamily="2" charset="0"/>
+              </a:rPr>
+              <a:t>()[</a:t>
+            </a:r>
+            <a:r>
+              <a:rPr lang="it-IT" sz="1600" dirty="0">
+                <a:solidFill>
+                  <a:srgbClr val="797979"/>
+                </a:solidFill>
+                <a:latin typeface="Courier" pitchFamily="2" charset="0"/>
+              </a:rPr>
+              <a:t>0</a:t>
+            </a:r>
+            <a:r>
+              <a:rPr lang="it-IT" sz="1600" dirty="0">
+                <a:latin typeface="Courier" pitchFamily="2" charset="0"/>
+              </a:rPr>
+              <a:t>]</a:t>
+            </a:r>
+          </a:p>
+          <a:p>
+            <a:r>
+              <a:rPr lang="it-IT" sz="1600" dirty="0">
+                <a:latin typeface="Courier" pitchFamily="2" charset="0"/>
+              </a:rPr>
+              <a:t>    </a:t>
+            </a:r>
+            <a:r>
+              <a:rPr lang="it-IT" sz="1600" dirty="0" err="1">
+                <a:latin typeface="Courier" pitchFamily="2" charset="0"/>
+              </a:rPr>
+              <a:t>maxmm</a:t>
+            </a:r>
+            <a:r>
+              <a:rPr lang="it-IT" sz="1600" dirty="0">
+                <a:latin typeface="Courier" pitchFamily="2" charset="0"/>
+              </a:rPr>
+              <a:t> </a:t>
+            </a:r>
+            <a:r>
+              <a:rPr lang="it-IT" sz="1600" dirty="0">
+                <a:solidFill>
+                  <a:srgbClr val="797979"/>
+                </a:solidFill>
+                <a:latin typeface="Courier" pitchFamily="2" charset="0"/>
+              </a:rPr>
+              <a:t>=</a:t>
+            </a:r>
+            <a:r>
+              <a:rPr lang="it-IT" sz="1600" dirty="0">
+                <a:latin typeface="Courier" pitchFamily="2" charset="0"/>
+              </a:rPr>
+              <a:t> </a:t>
+            </a:r>
+            <a:r>
+              <a:rPr lang="it-IT" sz="1600" dirty="0" err="1">
+                <a:latin typeface="Courier" pitchFamily="2" charset="0"/>
+              </a:rPr>
+              <a:t>curr_mem</a:t>
+            </a:r>
+            <a:r>
+              <a:rPr lang="it-IT" sz="1600" dirty="0">
+                <a:latin typeface="Courier" pitchFamily="2" charset="0"/>
+              </a:rPr>
+              <a:t> </a:t>
+            </a:r>
+            <a:r>
+              <a:rPr lang="it-IT" sz="1600" b="1" dirty="0" err="1">
+                <a:solidFill>
+                  <a:srgbClr val="008F00"/>
+                </a:solidFill>
+                <a:latin typeface="Courier" pitchFamily="2" charset="0"/>
+              </a:rPr>
+              <a:t>if</a:t>
+            </a:r>
+            <a:r>
+              <a:rPr lang="it-IT" sz="1600" dirty="0">
+                <a:latin typeface="Courier" pitchFamily="2" charset="0"/>
+              </a:rPr>
+              <a:t> </a:t>
+            </a:r>
+            <a:r>
+              <a:rPr lang="it-IT" sz="1600" dirty="0" err="1">
+                <a:latin typeface="Courier" pitchFamily="2" charset="0"/>
+              </a:rPr>
+              <a:t>curr_mem</a:t>
+            </a:r>
+            <a:r>
+              <a:rPr lang="it-IT" sz="1600" dirty="0">
+                <a:latin typeface="Courier" pitchFamily="2" charset="0"/>
+              </a:rPr>
+              <a:t> </a:t>
+            </a:r>
+            <a:r>
+              <a:rPr lang="it-IT" sz="1600" dirty="0">
+                <a:solidFill>
+                  <a:srgbClr val="797979"/>
+                </a:solidFill>
+                <a:latin typeface="Courier" pitchFamily="2" charset="0"/>
+              </a:rPr>
+              <a:t>&gt;</a:t>
+            </a:r>
+            <a:r>
+              <a:rPr lang="it-IT" sz="1600" dirty="0">
+                <a:latin typeface="Courier" pitchFamily="2" charset="0"/>
+              </a:rPr>
+              <a:t> </a:t>
+            </a:r>
+            <a:r>
+              <a:rPr lang="it-IT" sz="1600" dirty="0" err="1">
+                <a:latin typeface="Courier" pitchFamily="2" charset="0"/>
+              </a:rPr>
+              <a:t>max_mem</a:t>
+            </a:r>
+            <a:r>
+              <a:rPr lang="it-IT" sz="1600" dirty="0">
+                <a:latin typeface="Courier" pitchFamily="2" charset="0"/>
+              </a:rPr>
+              <a:t> </a:t>
+            </a:r>
+            <a:r>
+              <a:rPr lang="it-IT" sz="1600" b="1" dirty="0">
+                <a:solidFill>
+                  <a:srgbClr val="008F00"/>
+                </a:solidFill>
+                <a:latin typeface="Courier" pitchFamily="2" charset="0"/>
+              </a:rPr>
+              <a:t>else</a:t>
+            </a:r>
+            <a:r>
+              <a:rPr lang="it-IT" sz="1600" dirty="0">
+                <a:latin typeface="Courier" pitchFamily="2" charset="0"/>
+              </a:rPr>
+              <a:t> </a:t>
+            </a:r>
+            <a:r>
+              <a:rPr lang="it-IT" sz="1600" dirty="0" err="1">
+                <a:latin typeface="Courier" pitchFamily="2" charset="0"/>
+              </a:rPr>
+              <a:t>max_mem</a:t>
+            </a:r>
+            <a:endParaRPr lang="it-IT" sz="1600" dirty="0">
               <a:latin typeface="Courier" pitchFamily="2" charset="0"/>
             </a:endParaRPr>
           </a:p>
           <a:p>
             <a:r>
-              <a:rPr lang="it-IT" dirty="0" err="1">
-                <a:latin typeface="Courier" pitchFamily="2" charset="0"/>
-              </a:rPr>
-              <a:t>xe</a:t>
-            </a:r>
-            <a:r>
-              <a:rPr lang="it-IT" dirty="0">
-                <a:latin typeface="Courier" pitchFamily="2" charset="0"/>
-              </a:rPr>
-              <a:t> </a:t>
-            </a:r>
-            <a:r>
-              <a:rPr lang="it-IT" dirty="0">
-                <a:solidFill>
-                  <a:srgbClr val="797979"/>
-                </a:solidFill>
-                <a:latin typeface="Courier" pitchFamily="2" charset="0"/>
-              </a:rPr>
-              <a:t>=</a:t>
-            </a:r>
-            <a:r>
-              <a:rPr lang="it-IT" dirty="0">
-                <a:latin typeface="Courier" pitchFamily="2" charset="0"/>
-              </a:rPr>
-              <a:t> </a:t>
-            </a:r>
-            <a:r>
-              <a:rPr lang="it-IT" dirty="0" err="1">
-                <a:latin typeface="Courier" pitchFamily="2" charset="0"/>
-              </a:rPr>
-              <a:t>scipy</a:t>
-            </a:r>
-            <a:r>
-              <a:rPr lang="it-IT" dirty="0" err="1">
-                <a:solidFill>
-                  <a:srgbClr val="797979"/>
-                </a:solidFill>
-                <a:latin typeface="Courier" pitchFamily="2" charset="0"/>
-              </a:rPr>
-              <a:t>.</a:t>
-            </a:r>
-            <a:r>
-              <a:rPr lang="it-IT" dirty="0" err="1">
-                <a:solidFill>
-                  <a:srgbClr val="00B0F0"/>
-                </a:solidFill>
-                <a:latin typeface="Courier" pitchFamily="2" charset="0"/>
-              </a:rPr>
-              <a:t>ones</a:t>
-            </a:r>
-            <a:r>
-              <a:rPr lang="it-IT" dirty="0">
+              <a:rPr lang="it-IT" sz="1600" dirty="0">
+                <a:solidFill>
+                  <a:srgbClr val="000000"/>
+                </a:solidFill>
+                <a:latin typeface="Courier" pitchFamily="2" charset="0"/>
+              </a:rPr>
+              <a:t>    </a:t>
+            </a:r>
+            <a:r>
+              <a:rPr lang="it-IT" sz="1600" b="1" dirty="0" err="1">
+                <a:solidFill>
+                  <a:srgbClr val="008F00"/>
+                </a:solidFill>
+                <a:latin typeface="Courier" pitchFamily="2" charset="0"/>
+              </a:rPr>
+              <a:t>print</a:t>
+            </a:r>
+            <a:r>
+              <a:rPr lang="it-IT" sz="1600" dirty="0">
+                <a:solidFill>
+                  <a:srgbClr val="000000"/>
+                </a:solidFill>
                 <a:latin typeface="Courier" pitchFamily="2" charset="0"/>
               </a:rPr>
               <a:t>(</a:t>
             </a:r>
             <a:r>
-              <a:rPr lang="it-IT" dirty="0" err="1">
-                <a:latin typeface="Courier" pitchFamily="2" charset="0"/>
-              </a:rPr>
-              <a:t>n_rows</a:t>
-            </a:r>
-            <a:r>
-              <a:rPr lang="it-IT" dirty="0">
-                <a:latin typeface="Courier" pitchFamily="2" charset="0"/>
-              </a:rPr>
-              <a:t>)				</a:t>
-            </a:r>
-            <a:r>
-              <a:rPr lang="it-IT" i="1" dirty="0">
-                <a:solidFill>
-                  <a:srgbClr val="4F9192"/>
-                </a:solidFill>
-                <a:latin typeface="Courier" pitchFamily="2" charset="0"/>
-              </a:rPr>
-              <a:t># Soluzione esatta</a:t>
-            </a:r>
-            <a:endParaRPr lang="it-IT" dirty="0">
-              <a:latin typeface="Courier" pitchFamily="2" charset="0"/>
-            </a:endParaRPr>
-          </a:p>
-          <a:p>
-            <a:r>
-              <a:rPr lang="it-IT" dirty="0">
-                <a:latin typeface="Courier" pitchFamily="2" charset="0"/>
-              </a:rPr>
-              <a:t>b </a:t>
-            </a:r>
-            <a:r>
-              <a:rPr lang="it-IT" dirty="0">
-                <a:solidFill>
-                  <a:srgbClr val="797979"/>
-                </a:solidFill>
-                <a:latin typeface="Courier" pitchFamily="2" charset="0"/>
-              </a:rPr>
-              <a:t>=</a:t>
-            </a:r>
-            <a:r>
-              <a:rPr lang="it-IT" dirty="0">
-                <a:latin typeface="Courier" pitchFamily="2" charset="0"/>
-              </a:rPr>
-              <a:t> A </a:t>
-            </a:r>
-            <a:r>
-              <a:rPr lang="it-IT" dirty="0">
-                <a:solidFill>
-                  <a:srgbClr val="797979"/>
-                </a:solidFill>
-                <a:latin typeface="Courier" pitchFamily="2" charset="0"/>
-              </a:rPr>
-              <a:t>*</a:t>
-            </a:r>
-            <a:r>
-              <a:rPr lang="it-IT" dirty="0">
-                <a:latin typeface="Courier" pitchFamily="2" charset="0"/>
-              </a:rPr>
-              <a:t> </a:t>
-            </a:r>
-            <a:r>
-              <a:rPr lang="it-IT" dirty="0" err="1">
-                <a:latin typeface="Courier" pitchFamily="2" charset="0"/>
-              </a:rPr>
-              <a:t>xe</a:t>
-            </a:r>
-            <a:r>
-              <a:rPr lang="it-IT" dirty="0">
-                <a:latin typeface="Courier" pitchFamily="2" charset="0"/>
-              </a:rPr>
-              <a:t>								</a:t>
-            </a:r>
-            <a:r>
-              <a:rPr lang="it-IT" i="1" dirty="0">
-                <a:solidFill>
-                  <a:srgbClr val="4F9192"/>
-                </a:solidFill>
-                <a:latin typeface="Courier" pitchFamily="2" charset="0"/>
-              </a:rPr>
-              <a:t># Vettore termini noti</a:t>
-            </a:r>
-            <a:endParaRPr lang="it-IT" dirty="0">
-              <a:latin typeface="Courier" pitchFamily="2" charset="0"/>
-            </a:endParaRPr>
-          </a:p>
-          <a:p>
-            <a:endParaRPr lang="it-IT" dirty="0">
-              <a:latin typeface="Courier" pitchFamily="2" charset="0"/>
-            </a:endParaRPr>
-          </a:p>
-          <a:p>
-            <a:r>
-              <a:rPr lang="it-IT" dirty="0" err="1">
-                <a:latin typeface="Courier" pitchFamily="2" charset="0"/>
-              </a:rPr>
-              <a:t>start_time</a:t>
-            </a:r>
-            <a:r>
-              <a:rPr lang="it-IT" dirty="0">
-                <a:latin typeface="Courier" pitchFamily="2" charset="0"/>
-              </a:rPr>
-              <a:t> </a:t>
-            </a:r>
-            <a:r>
-              <a:rPr lang="it-IT" dirty="0">
-                <a:solidFill>
-                  <a:srgbClr val="797979"/>
-                </a:solidFill>
-                <a:latin typeface="Courier" pitchFamily="2" charset="0"/>
-              </a:rPr>
-              <a:t>=</a:t>
-            </a:r>
-            <a:r>
-              <a:rPr lang="it-IT" dirty="0">
-                <a:latin typeface="Courier" pitchFamily="2" charset="0"/>
-              </a:rPr>
-              <a:t> </a:t>
-            </a:r>
-            <a:r>
-              <a:rPr lang="it-IT" dirty="0" err="1">
-                <a:latin typeface="Courier" pitchFamily="2" charset="0"/>
-              </a:rPr>
-              <a:t>datetime</a:t>
-            </a:r>
-            <a:r>
-              <a:rPr lang="it-IT" dirty="0" err="1">
-                <a:solidFill>
-                  <a:srgbClr val="797979"/>
-                </a:solidFill>
-                <a:latin typeface="Courier" pitchFamily="2" charset="0"/>
-              </a:rPr>
-              <a:t>.</a:t>
-            </a:r>
-            <a:r>
-              <a:rPr lang="it-IT" dirty="0" err="1">
-                <a:solidFill>
-                  <a:srgbClr val="00B0F0"/>
-                </a:solidFill>
-                <a:latin typeface="Courier" pitchFamily="2" charset="0"/>
-              </a:rPr>
-              <a:t>now</a:t>
-            </a:r>
-            <a:r>
-              <a:rPr lang="it-IT" dirty="0">
-                <a:latin typeface="Courier" pitchFamily="2" charset="0"/>
-              </a:rPr>
-              <a:t>()</a:t>
-            </a:r>
-          </a:p>
-          <a:p>
-            <a:r>
-              <a:rPr lang="it-IT" dirty="0">
-                <a:latin typeface="Courier" pitchFamily="2" charset="0"/>
-              </a:rPr>
-              <a:t>x </a:t>
-            </a:r>
-            <a:r>
-              <a:rPr lang="it-IT" dirty="0">
-                <a:solidFill>
-                  <a:srgbClr val="797979"/>
-                </a:solidFill>
-                <a:latin typeface="Courier" pitchFamily="2" charset="0"/>
-              </a:rPr>
-              <a:t>=</a:t>
-            </a:r>
-            <a:r>
-              <a:rPr lang="it-IT" dirty="0">
-                <a:latin typeface="Courier" pitchFamily="2" charset="0"/>
-              </a:rPr>
-              <a:t> </a:t>
-            </a:r>
-            <a:r>
-              <a:rPr lang="it-IT" dirty="0" err="1">
-                <a:solidFill>
-                  <a:srgbClr val="00B0F0"/>
-                </a:solidFill>
-                <a:latin typeface="Courier" pitchFamily="2" charset="0"/>
-              </a:rPr>
-              <a:t>spsolve</a:t>
-            </a:r>
-            <a:r>
-              <a:rPr lang="it-IT" dirty="0">
-                <a:latin typeface="Courier" pitchFamily="2" charset="0"/>
-              </a:rPr>
-              <a:t>(A, b, </a:t>
-            </a:r>
-            <a:r>
-              <a:rPr lang="it-IT" dirty="0" err="1">
-                <a:solidFill>
-                  <a:schemeClr val="accent4"/>
-                </a:solidFill>
-                <a:latin typeface="Courier" pitchFamily="2" charset="0"/>
-              </a:rPr>
-              <a:t>use_umfpack</a:t>
-            </a:r>
-            <a:r>
-              <a:rPr lang="it-IT" dirty="0">
-                <a:solidFill>
-                  <a:srgbClr val="797979"/>
-                </a:solidFill>
-                <a:latin typeface="Courier" pitchFamily="2" charset="0"/>
-              </a:rPr>
-              <a:t>=</a:t>
-            </a:r>
-            <a:r>
-              <a:rPr lang="it-IT" dirty="0" err="1">
-                <a:latin typeface="Courier" pitchFamily="2" charset="0"/>
-              </a:rPr>
-              <a:t>use_umfpack</a:t>
-            </a:r>
-            <a:r>
-              <a:rPr lang="it-IT" dirty="0">
+              <a:rPr lang="it-IT" sz="1600" dirty="0" err="1">
+                <a:solidFill>
+                  <a:srgbClr val="000000"/>
+                </a:solidFill>
+                <a:latin typeface="Courier" pitchFamily="2" charset="0"/>
+              </a:rPr>
+              <a:t>f</a:t>
+            </a:r>
+            <a:r>
+              <a:rPr lang="it-IT" sz="1600" dirty="0">
+                <a:solidFill>
+                  <a:srgbClr val="C8352B"/>
+                </a:solidFill>
+                <a:latin typeface="Courier" pitchFamily="2" charset="0"/>
+              </a:rPr>
+              <a:t>"{</a:t>
+            </a:r>
+            <a:r>
+              <a:rPr lang="it-IT" sz="1600" dirty="0" err="1">
+                <a:solidFill>
+                  <a:srgbClr val="C8352B"/>
+                </a:solidFill>
+                <a:latin typeface="Courier" pitchFamily="2" charset="0"/>
+              </a:rPr>
+              <a:t>curr_mem</a:t>
+            </a:r>
+            <a:r>
+              <a:rPr lang="it-IT" sz="1600" dirty="0">
+                <a:solidFill>
+                  <a:srgbClr val="C8352B"/>
+                </a:solidFill>
+                <a:latin typeface="Courier" pitchFamily="2" charset="0"/>
+              </a:rPr>
+              <a:t>} - {</a:t>
+            </a:r>
+            <a:r>
+              <a:rPr lang="it-IT" sz="1600" dirty="0" err="1">
+                <a:solidFill>
+                  <a:srgbClr val="C8352B"/>
+                </a:solidFill>
+                <a:latin typeface="Courier" pitchFamily="2" charset="0"/>
+              </a:rPr>
+              <a:t>max_mem</a:t>
+            </a:r>
+            <a:r>
+              <a:rPr lang="it-IT" sz="1600" dirty="0">
+                <a:solidFill>
+                  <a:srgbClr val="C8352B"/>
+                </a:solidFill>
+                <a:latin typeface="Courier" pitchFamily="2" charset="0"/>
+              </a:rPr>
+              <a:t>}"</a:t>
+            </a:r>
+            <a:r>
+              <a:rPr lang="it-IT" sz="1600" dirty="0">
+                <a:solidFill>
+                  <a:srgbClr val="000000"/>
+                </a:solidFill>
                 <a:latin typeface="Courier" pitchFamily="2" charset="0"/>
               </a:rPr>
               <a:t>)</a:t>
             </a:r>
-          </a:p>
-          <a:p>
-            <a:r>
-              <a:rPr lang="it-IT" dirty="0">
-                <a:latin typeface="Courier" pitchFamily="2" charset="0"/>
-              </a:rPr>
-              <a:t>t </a:t>
-            </a:r>
-            <a:r>
-              <a:rPr lang="it-IT" dirty="0">
-                <a:solidFill>
-                  <a:srgbClr val="797979"/>
-                </a:solidFill>
-                <a:latin typeface="Courier" pitchFamily="2" charset="0"/>
-              </a:rPr>
-              <a:t>=</a:t>
-            </a:r>
-            <a:r>
-              <a:rPr lang="it-IT" dirty="0">
-                <a:latin typeface="Courier" pitchFamily="2" charset="0"/>
-              </a:rPr>
-              <a:t> </a:t>
-            </a:r>
-            <a:r>
-              <a:rPr lang="it-IT" dirty="0" err="1">
-                <a:latin typeface="Courier" pitchFamily="2" charset="0"/>
-              </a:rPr>
-              <a:t>datetime</a:t>
-            </a:r>
-            <a:r>
-              <a:rPr lang="it-IT" dirty="0" err="1">
-                <a:solidFill>
-                  <a:srgbClr val="797979"/>
-                </a:solidFill>
-                <a:latin typeface="Courier" pitchFamily="2" charset="0"/>
-              </a:rPr>
-              <a:t>.</a:t>
-            </a:r>
-            <a:r>
-              <a:rPr lang="it-IT" dirty="0" err="1">
-                <a:solidFill>
-                  <a:srgbClr val="00B0F0"/>
-                </a:solidFill>
-                <a:latin typeface="Courier" pitchFamily="2" charset="0"/>
-              </a:rPr>
-              <a:t>now</a:t>
-            </a:r>
-            <a:r>
-              <a:rPr lang="it-IT" dirty="0">
-                <a:latin typeface="Courier" pitchFamily="2" charset="0"/>
-              </a:rPr>
-              <a:t>() </a:t>
-            </a:r>
-            <a:r>
-              <a:rPr lang="it-IT" dirty="0">
-                <a:solidFill>
-                  <a:srgbClr val="797979"/>
-                </a:solidFill>
-                <a:latin typeface="Courier" pitchFamily="2" charset="0"/>
-              </a:rPr>
-              <a:t>-</a:t>
-            </a:r>
-            <a:r>
-              <a:rPr lang="it-IT" dirty="0">
-                <a:latin typeface="Courier" pitchFamily="2" charset="0"/>
-              </a:rPr>
-              <a:t> </a:t>
-            </a:r>
-            <a:r>
-              <a:rPr lang="it-IT" dirty="0" err="1">
-                <a:latin typeface="Courier" pitchFamily="2" charset="0"/>
-              </a:rPr>
-              <a:t>start_time</a:t>
-            </a:r>
-            <a:endParaRPr lang="it-IT" dirty="0">
-              <a:latin typeface="Courier" pitchFamily="2" charset="0"/>
-            </a:endParaRPr>
-          </a:p>
-          <a:p>
-            <a:r>
-              <a:rPr lang="it-IT" dirty="0" err="1">
-                <a:latin typeface="Courier" pitchFamily="2" charset="0"/>
-              </a:rPr>
-              <a:t>relative_error</a:t>
-            </a:r>
-            <a:r>
-              <a:rPr lang="it-IT" dirty="0">
-                <a:latin typeface="Courier" pitchFamily="2" charset="0"/>
-              </a:rPr>
-              <a:t> </a:t>
-            </a:r>
-            <a:r>
-              <a:rPr lang="it-IT" dirty="0">
-                <a:solidFill>
-                  <a:srgbClr val="797979"/>
-                </a:solidFill>
-                <a:latin typeface="Courier" pitchFamily="2" charset="0"/>
-              </a:rPr>
-              <a:t>=</a:t>
-            </a:r>
-            <a:r>
-              <a:rPr lang="it-IT" dirty="0">
-                <a:latin typeface="Courier" pitchFamily="2" charset="0"/>
-              </a:rPr>
-              <a:t> </a:t>
-            </a:r>
-            <a:r>
-              <a:rPr lang="it-IT" dirty="0" err="1">
-                <a:solidFill>
-                  <a:srgbClr val="00B0F0"/>
-                </a:solidFill>
-                <a:latin typeface="Courier" pitchFamily="2" charset="0"/>
-              </a:rPr>
-              <a:t>norm</a:t>
-            </a:r>
-            <a:r>
-              <a:rPr lang="it-IT" dirty="0">
-                <a:latin typeface="Courier" pitchFamily="2" charset="0"/>
-              </a:rPr>
-              <a:t>(x </a:t>
-            </a:r>
-            <a:r>
-              <a:rPr lang="it-IT" dirty="0">
-                <a:solidFill>
-                  <a:srgbClr val="797979"/>
-                </a:solidFill>
-                <a:latin typeface="Courier" pitchFamily="2" charset="0"/>
-              </a:rPr>
-              <a:t>-</a:t>
-            </a:r>
-            <a:r>
-              <a:rPr lang="it-IT" dirty="0">
-                <a:latin typeface="Courier" pitchFamily="2" charset="0"/>
-              </a:rPr>
-              <a:t> </a:t>
-            </a:r>
-            <a:r>
-              <a:rPr lang="it-IT" dirty="0" err="1">
-                <a:latin typeface="Courier" pitchFamily="2" charset="0"/>
-              </a:rPr>
-              <a:t>xe</a:t>
-            </a:r>
-            <a:r>
-              <a:rPr lang="it-IT" dirty="0">
-                <a:latin typeface="Courier" pitchFamily="2" charset="0"/>
-              </a:rPr>
-              <a:t>, </a:t>
-            </a:r>
-            <a:r>
-              <a:rPr lang="it-IT" dirty="0">
-                <a:solidFill>
-                  <a:srgbClr val="0070C0"/>
-                </a:solidFill>
-                <a:latin typeface="Courier" pitchFamily="2" charset="0"/>
-              </a:rPr>
-              <a:t>2</a:t>
-            </a:r>
-            <a:r>
-              <a:rPr lang="it-IT" dirty="0">
-                <a:latin typeface="Courier" pitchFamily="2" charset="0"/>
-              </a:rPr>
-              <a:t>) </a:t>
-            </a:r>
-            <a:r>
-              <a:rPr lang="it-IT" dirty="0">
-                <a:solidFill>
-                  <a:srgbClr val="797979"/>
-                </a:solidFill>
-                <a:latin typeface="Courier" pitchFamily="2" charset="0"/>
-              </a:rPr>
-              <a:t>/</a:t>
-            </a:r>
-            <a:r>
-              <a:rPr lang="it-IT" dirty="0">
-                <a:latin typeface="Courier" pitchFamily="2" charset="0"/>
-              </a:rPr>
-              <a:t> </a:t>
-            </a:r>
-            <a:r>
-              <a:rPr lang="it-IT" dirty="0" err="1">
-                <a:solidFill>
-                  <a:srgbClr val="00B0F0"/>
-                </a:solidFill>
-                <a:latin typeface="Courier" pitchFamily="2" charset="0"/>
-              </a:rPr>
-              <a:t>norm</a:t>
-            </a:r>
-            <a:r>
-              <a:rPr lang="it-IT" dirty="0">
-                <a:latin typeface="Courier" pitchFamily="2" charset="0"/>
-              </a:rPr>
-              <a:t>(</a:t>
-            </a:r>
-            <a:r>
-              <a:rPr lang="it-IT" dirty="0" err="1">
-                <a:latin typeface="Courier" pitchFamily="2" charset="0"/>
-              </a:rPr>
-              <a:t>xe</a:t>
-            </a:r>
-            <a:r>
-              <a:rPr lang="it-IT" dirty="0">
-                <a:latin typeface="Courier" pitchFamily="2" charset="0"/>
-              </a:rPr>
-              <a:t>, </a:t>
-            </a:r>
-            <a:r>
-              <a:rPr lang="it-IT" dirty="0">
-                <a:solidFill>
-                  <a:srgbClr val="0070C0"/>
-                </a:solidFill>
-                <a:latin typeface="Courier" pitchFamily="2" charset="0"/>
-              </a:rPr>
-              <a:t>2</a:t>
-            </a:r>
-            <a:r>
-              <a:rPr lang="it-IT" dirty="0">
-                <a:latin typeface="Courier" pitchFamily="2" charset="0"/>
-              </a:rPr>
-              <a:t>)</a:t>
-            </a:r>
-            <a:endParaRPr lang="it-IT" dirty="0">
+            <a:endParaRPr lang="it-IT" sz="1600" dirty="0">
+              <a:solidFill>
+                <a:srgbClr val="C8352B"/>
+              </a:solidFill>
               <a:effectLst/>
               <a:latin typeface="Courier" pitchFamily="2" charset="0"/>
             </a:endParaRPr>
@@ -8048,7 +7201,7 @@
     </p:spTree>
     <p:extLst>
       <p:ext uri="{BB962C8B-B14F-4D97-AF65-F5344CB8AC3E}">
-        <p14:creationId xmlns:p14="http://schemas.microsoft.com/office/powerpoint/2010/main" val="2335319325"/>
+        <p14:creationId xmlns:p14="http://schemas.microsoft.com/office/powerpoint/2010/main" val="144981965"/>
       </p:ext>
     </p:extLst>
   </p:cSld>
@@ -8080,7 +7233,7 @@
           <p:cNvPr id="2" name="Title 1">
             <a:extLst>
               <a:ext uri="{FF2B5EF4-FFF2-40B4-BE49-F238E27FC236}">
-                <a16:creationId xmlns:a16="http://schemas.microsoft.com/office/drawing/2014/main" id="{FD487AB8-D2EF-B649-B3DC-3641A7A85C8B}"/>
+                <a16:creationId xmlns:a16="http://schemas.microsoft.com/office/drawing/2014/main" id="{D32C3248-B255-7B4A-BA06-1B11E359A87B}"/>
               </a:ext>
             </a:extLst>
           </p:cNvPr>
@@ -8098,17 +7251,22 @@
           <a:p>
             <a:r>
               <a:rPr lang="it-IT" dirty="0"/>
-              <a:t>Sorgente - MATLAB</a:t>
-            </a:r>
-          </a:p>
-        </p:txBody>
-      </p:sp>
-      <p:sp>
-        <p:nvSpPr>
-          <p:cNvPr id="5" name="Rectangle 4">
+              <a:t>Sorgente - </a:t>
+            </a:r>
+            <a:r>
+              <a:rPr lang="it-IT" dirty="0" err="1"/>
+              <a:t>Python</a:t>
+            </a:r>
+            <a:endParaRPr lang="it-IT" dirty="0"/>
+          </a:p>
+        </p:txBody>
+      </p:sp>
+      <p:sp>
+        <p:nvSpPr>
+          <p:cNvPr id="6" name="Rectangle 5">
             <a:extLst>
               <a:ext uri="{FF2B5EF4-FFF2-40B4-BE49-F238E27FC236}">
-                <a16:creationId xmlns:a16="http://schemas.microsoft.com/office/drawing/2014/main" id="{3F3BFA29-8B78-FE42-9C09-243F44AA12D8}"/>
+                <a16:creationId xmlns:a16="http://schemas.microsoft.com/office/drawing/2014/main" id="{435ED1CE-EFB1-DD43-89E0-6E4090F03E0B}"/>
               </a:ext>
             </a:extLst>
           </p:cNvPr>
@@ -8117,8 +7275,8 @@
         </p:nvSpPr>
         <p:spPr>
           <a:xfrm>
-            <a:off x="677333" y="1817093"/>
-            <a:ext cx="6814329" cy="3970318"/>
+            <a:off x="677333" y="1687092"/>
+            <a:ext cx="8065613" cy="3970318"/>
           </a:xfrm>
           <a:prstGeom prst="rect">
             <a:avLst/>
@@ -8131,144 +7289,117 @@
           <a:lstStyle/>
           <a:p>
             <a:r>
-              <a:rPr lang="it-IT" dirty="0" err="1">
-                <a:latin typeface="Courier" pitchFamily="2" charset="0"/>
-              </a:rPr>
-              <a:t>mat</a:t>
+              <a:rPr lang="it-IT" b="1" dirty="0">
+                <a:solidFill>
+                  <a:srgbClr val="008F00"/>
+                </a:solidFill>
+                <a:latin typeface="Courier" pitchFamily="2" charset="0"/>
+              </a:rPr>
+              <a:t>import</a:t>
             </a:r>
             <a:r>
               <a:rPr lang="it-IT" dirty="0">
-                <a:latin typeface="Courier" pitchFamily="2" charset="0"/>
-              </a:rPr>
-              <a:t> = </a:t>
-            </a:r>
-            <a:r>
-              <a:rPr lang="it-IT" dirty="0" err="1">
-                <a:solidFill>
-                  <a:srgbClr val="008F00"/>
-                </a:solidFill>
-                <a:latin typeface="Courier" pitchFamily="2" charset="0"/>
-              </a:rPr>
-              <a:t>load</a:t>
+                <a:solidFill>
+                  <a:srgbClr val="000000"/>
+                </a:solidFill>
+                <a:latin typeface="Courier" pitchFamily="2" charset="0"/>
+              </a:rPr>
+              <a:t> </a:t>
+            </a:r>
+            <a:r>
+              <a:rPr lang="it-IT" b="1" dirty="0" err="1">
+                <a:solidFill>
+                  <a:srgbClr val="0433FF"/>
+                </a:solidFill>
+                <a:latin typeface="Courier" pitchFamily="2" charset="0"/>
+              </a:rPr>
+              <a:t>scipy</a:t>
             </a:r>
             <a:r>
               <a:rPr lang="it-IT" dirty="0">
-                <a:latin typeface="Courier" pitchFamily="2" charset="0"/>
-              </a:rPr>
-              <a:t>(</a:t>
-            </a:r>
-            <a:r>
-              <a:rPr lang="it-IT" dirty="0" err="1">
-                <a:latin typeface="Courier" pitchFamily="2" charset="0"/>
-              </a:rPr>
-              <a:t>path</a:t>
+                <a:solidFill>
+                  <a:srgbClr val="797979"/>
+                </a:solidFill>
+                <a:latin typeface="Courier" pitchFamily="2" charset="0"/>
+              </a:rPr>
+              <a:t>,</a:t>
             </a:r>
             <a:r>
               <a:rPr lang="it-IT" dirty="0">
-                <a:latin typeface="Courier" pitchFamily="2" charset="0"/>
-              </a:rPr>
-              <a:t>);</a:t>
-            </a:r>
-          </a:p>
-          <a:p>
-            <a:r>
-              <a:rPr lang="it-IT" dirty="0" err="1">
-                <a:solidFill>
-                  <a:srgbClr val="008F00"/>
-                </a:solidFill>
-                <a:latin typeface="Courier" pitchFamily="2" charset="0"/>
-              </a:rPr>
-              <a:t>solve_matrix</a:t>
-            </a:r>
-            <a:r>
-              <a:rPr lang="it-IT" dirty="0">
-                <a:latin typeface="Courier" pitchFamily="2" charset="0"/>
-              </a:rPr>
-              <a:t>(</a:t>
-            </a:r>
-            <a:r>
-              <a:rPr lang="it-IT" dirty="0" err="1">
-                <a:latin typeface="Courier" pitchFamily="2" charset="0"/>
-              </a:rPr>
-              <a:t>mat</a:t>
-            </a:r>
-            <a:r>
-              <a:rPr lang="it-IT" dirty="0">
-                <a:latin typeface="Courier" pitchFamily="2" charset="0"/>
-              </a:rPr>
-              <a:t>);</a:t>
-            </a:r>
-          </a:p>
-          <a:p>
-            <a:br>
-              <a:rPr lang="it-IT" dirty="0">
-                <a:solidFill>
-                  <a:srgbClr val="008F00"/>
-                </a:solidFill>
-                <a:latin typeface="Courier" pitchFamily="2" charset="0"/>
-              </a:rPr>
-            </a:br>
-            <a:endParaRPr lang="it-IT" dirty="0">
+                <a:solidFill>
+                  <a:srgbClr val="000000"/>
+                </a:solidFill>
+                <a:latin typeface="Courier" pitchFamily="2" charset="0"/>
+              </a:rPr>
+              <a:t> </a:t>
+            </a:r>
+            <a:r>
+              <a:rPr lang="it-IT" b="1" dirty="0" err="1">
+                <a:solidFill>
+                  <a:srgbClr val="0433FF"/>
+                </a:solidFill>
+                <a:latin typeface="Courier" pitchFamily="2" charset="0"/>
+              </a:rPr>
+              <a:t>scipy.io</a:t>
+            </a:r>
+            <a:endParaRPr lang="it-IT" b="1" dirty="0">
               <a:solidFill>
-                <a:srgbClr val="008F00"/>
+                <a:srgbClr val="0433FF"/>
               </a:solidFill>
               <a:latin typeface="Courier" pitchFamily="2" charset="0"/>
             </a:endParaRPr>
           </a:p>
           <a:p>
             <a:r>
+              <a:rPr lang="it-IT" b="1" dirty="0">
+                <a:solidFill>
+                  <a:srgbClr val="008F00"/>
+                </a:solidFill>
+                <a:latin typeface="Courier" pitchFamily="2" charset="0"/>
+              </a:rPr>
+              <a:t>from</a:t>
+            </a:r>
+            <a:r>
+              <a:rPr lang="it-IT" dirty="0">
+                <a:latin typeface="Courier" pitchFamily="2" charset="0"/>
+              </a:rPr>
+              <a:t> </a:t>
+            </a:r>
+            <a:r>
               <a:rPr lang="it-IT" b="1" dirty="0" err="1">
                 <a:solidFill>
+                  <a:srgbClr val="0433FF"/>
+                </a:solidFill>
+                <a:latin typeface="Courier" pitchFamily="2" charset="0"/>
+              </a:rPr>
+              <a:t>datetime</a:t>
+            </a:r>
+            <a:r>
+              <a:rPr lang="it-IT" dirty="0">
+                <a:latin typeface="Courier" pitchFamily="2" charset="0"/>
+              </a:rPr>
+              <a:t> </a:t>
+            </a:r>
+            <a:r>
+              <a:rPr lang="it-IT" b="1" dirty="0">
+                <a:solidFill>
                   <a:srgbClr val="008F00"/>
                 </a:solidFill>
                 <a:latin typeface="Courier" pitchFamily="2" charset="0"/>
               </a:rPr>
-              <a:t>function</a:t>
+              <a:t>import</a:t>
             </a:r>
             <a:r>
               <a:rPr lang="it-IT" dirty="0">
-                <a:solidFill>
-                  <a:srgbClr val="C7C7C7"/>
-                </a:solidFill>
                 <a:latin typeface="Courier" pitchFamily="2" charset="0"/>
               </a:rPr>
               <a:t> </a:t>
             </a:r>
             <a:r>
               <a:rPr lang="it-IT" dirty="0" err="1">
-                <a:solidFill>
-                  <a:srgbClr val="0433FF"/>
-                </a:solidFill>
-                <a:latin typeface="Courier" pitchFamily="2" charset="0"/>
-              </a:rPr>
-              <a:t>solve_matrix</a:t>
-            </a:r>
-            <a:r>
-              <a:rPr lang="it-IT" dirty="0">
-                <a:solidFill>
-                  <a:srgbClr val="000000"/>
-                </a:solidFill>
-                <a:latin typeface="Courier" pitchFamily="2" charset="0"/>
-              </a:rPr>
-              <a:t>(</a:t>
-            </a:r>
-            <a:r>
-              <a:rPr lang="it-IT" dirty="0" err="1">
-                <a:solidFill>
-                  <a:srgbClr val="000000"/>
-                </a:solidFill>
-                <a:latin typeface="Courier" pitchFamily="2" charset="0"/>
-              </a:rPr>
-              <a:t>mat</a:t>
-            </a:r>
-            <a:r>
-              <a:rPr lang="it-IT" dirty="0">
-                <a:solidFill>
-                  <a:srgbClr val="000000"/>
-                </a:solidFill>
-                <a:latin typeface="Courier" pitchFamily="2" charset="0"/>
-              </a:rPr>
-              <a:t>)</a:t>
+                <a:latin typeface="Courier" pitchFamily="2" charset="0"/>
+              </a:rPr>
+              <a:t>datetime</a:t>
             </a:r>
             <a:endParaRPr lang="it-IT" dirty="0">
               <a:solidFill>
@@ -8279,32 +7410,163 @@
           </a:p>
           <a:p>
             <a:r>
+              <a:rPr lang="it-IT" b="1" dirty="0">
+                <a:solidFill>
+                  <a:srgbClr val="008F00"/>
+                </a:solidFill>
+                <a:latin typeface="Courier" pitchFamily="2" charset="0"/>
+              </a:rPr>
+              <a:t>from</a:t>
+            </a:r>
+            <a:r>
               <a:rPr lang="it-IT" dirty="0">
                 <a:solidFill>
-                  <a:srgbClr val="C7C7C7"/>
-                </a:solidFill>
-                <a:latin typeface="Courier" pitchFamily="2" charset="0"/>
-              </a:rPr>
-              <a:t>    </a:t>
+                  <a:srgbClr val="000000"/>
+                </a:solidFill>
+                <a:latin typeface="Courier" pitchFamily="2" charset="0"/>
+              </a:rPr>
+              <a:t> </a:t>
+            </a:r>
+            <a:r>
+              <a:rPr lang="it-IT" b="1" dirty="0" err="1">
+                <a:solidFill>
+                  <a:srgbClr val="0433FF"/>
+                </a:solidFill>
+                <a:latin typeface="Courier" pitchFamily="2" charset="0"/>
+              </a:rPr>
+              <a:t>scipy.sparse.linalg</a:t>
             </a:r>
             <a:r>
               <a:rPr lang="it-IT" dirty="0">
-                <a:latin typeface="Courier" pitchFamily="2" charset="0"/>
-              </a:rPr>
-              <a:t>A = </a:t>
+                <a:solidFill>
+                  <a:srgbClr val="000000"/>
+                </a:solidFill>
+                <a:latin typeface="Courier" pitchFamily="2" charset="0"/>
+              </a:rPr>
+              <a:t> </a:t>
+            </a:r>
+            <a:r>
+              <a:rPr lang="it-IT" b="1" dirty="0">
+                <a:solidFill>
+                  <a:srgbClr val="008F00"/>
+                </a:solidFill>
+                <a:latin typeface="Courier" pitchFamily="2" charset="0"/>
+              </a:rPr>
+              <a:t>import</a:t>
+            </a:r>
+            <a:r>
+              <a:rPr lang="it-IT" dirty="0">
+                <a:solidFill>
+                  <a:srgbClr val="000000"/>
+                </a:solidFill>
+                <a:latin typeface="Courier" pitchFamily="2" charset="0"/>
+              </a:rPr>
+              <a:t> </a:t>
             </a:r>
             <a:r>
               <a:rPr lang="it-IT" dirty="0" err="1">
-                <a:latin typeface="Courier" pitchFamily="2" charset="0"/>
-              </a:rPr>
-              <a:t>mat.Problem.A</a:t>
+                <a:solidFill>
+                  <a:srgbClr val="000000"/>
+                </a:solidFill>
+                <a:latin typeface="Courier" pitchFamily="2" charset="0"/>
+              </a:rPr>
+              <a:t>norm</a:t>
             </a:r>
             <a:r>
               <a:rPr lang="it-IT" dirty="0">
-                <a:latin typeface="Courier" pitchFamily="2" charset="0"/>
-              </a:rPr>
-              <a:t>;</a:t>
-            </a:r>
+                <a:solidFill>
+                  <a:srgbClr val="000000"/>
+                </a:solidFill>
+                <a:latin typeface="Courier" pitchFamily="2" charset="0"/>
+              </a:rPr>
+              <a:t>, </a:t>
+            </a:r>
+            <a:r>
+              <a:rPr lang="it-IT" dirty="0" err="1">
+                <a:solidFill>
+                  <a:srgbClr val="000000"/>
+                </a:solidFill>
+                <a:latin typeface="Courier" pitchFamily="2" charset="0"/>
+              </a:rPr>
+              <a:t>spsolve</a:t>
+            </a:r>
+            <a:endParaRPr lang="it-IT" dirty="0">
+              <a:solidFill>
+                <a:srgbClr val="0433FF"/>
+              </a:solidFill>
+              <a:latin typeface="Courier" pitchFamily="2" charset="0"/>
+            </a:endParaRPr>
+          </a:p>
+          <a:p>
+            <a:r>
+              <a:rPr lang="it-IT" b="1" dirty="0">
+                <a:solidFill>
+                  <a:srgbClr val="008F00"/>
+                </a:solidFill>
+                <a:latin typeface="Courier" pitchFamily="2" charset="0"/>
+              </a:rPr>
+              <a:t>from</a:t>
+            </a:r>
+            <a:r>
+              <a:rPr lang="it-IT" dirty="0">
+                <a:solidFill>
+                  <a:srgbClr val="000000"/>
+                </a:solidFill>
+                <a:latin typeface="Courier" pitchFamily="2" charset="0"/>
+              </a:rPr>
+              <a:t> </a:t>
+            </a:r>
+            <a:r>
+              <a:rPr lang="it-IT" b="1" dirty="0" err="1">
+                <a:solidFill>
+                  <a:srgbClr val="0433FF"/>
+                </a:solidFill>
+                <a:latin typeface="Courier" pitchFamily="2" charset="0"/>
+              </a:rPr>
+              <a:t>scipy.linalg</a:t>
+            </a:r>
+            <a:r>
+              <a:rPr lang="it-IT" dirty="0">
+                <a:solidFill>
+                  <a:srgbClr val="000000"/>
+                </a:solidFill>
+                <a:latin typeface="Courier" pitchFamily="2" charset="0"/>
+              </a:rPr>
+              <a:t> </a:t>
+            </a:r>
+            <a:r>
+              <a:rPr lang="it-IT" b="1" dirty="0">
+                <a:solidFill>
+                  <a:srgbClr val="008F00"/>
+                </a:solidFill>
+                <a:latin typeface="Courier" pitchFamily="2" charset="0"/>
+              </a:rPr>
+              <a:t>import</a:t>
+            </a:r>
+            <a:r>
+              <a:rPr lang="it-IT" dirty="0">
+                <a:solidFill>
+                  <a:srgbClr val="000000"/>
+                </a:solidFill>
+                <a:latin typeface="Courier" pitchFamily="2" charset="0"/>
+              </a:rPr>
+              <a:t> </a:t>
+            </a:r>
+            <a:r>
+              <a:rPr lang="it-IT" dirty="0" err="1">
+                <a:solidFill>
+                  <a:srgbClr val="000000"/>
+                </a:solidFill>
+                <a:latin typeface="Courier" pitchFamily="2" charset="0"/>
+              </a:rPr>
+              <a:t>norm</a:t>
+            </a:r>
+            <a:endParaRPr lang="it-IT" dirty="0">
+              <a:solidFill>
+                <a:srgbClr val="0433FF"/>
+              </a:solidFill>
+              <a:latin typeface="Courier" pitchFamily="2" charset="0"/>
+            </a:endParaRPr>
           </a:p>
           <a:p>
             <a:endParaRPr lang="it-IT" dirty="0">
@@ -8316,106 +7578,131 @@
               <a:rPr lang="it-IT" dirty="0">
                 <a:latin typeface="Courier" pitchFamily="2" charset="0"/>
               </a:rPr>
-              <a:t>    </a:t>
+              <a:t>A </a:t>
+            </a:r>
+            <a:r>
+              <a:rPr lang="it-IT" dirty="0">
+                <a:solidFill>
+                  <a:srgbClr val="797979"/>
+                </a:solidFill>
+                <a:latin typeface="Courier" pitchFamily="2" charset="0"/>
+              </a:rPr>
+              <a:t>=</a:t>
+            </a:r>
+            <a:r>
+              <a:rPr lang="it-IT" dirty="0">
+                <a:latin typeface="Courier" pitchFamily="2" charset="0"/>
+              </a:rPr>
+              <a:t> </a:t>
             </a:r>
             <a:r>
               <a:rPr lang="it-IT" dirty="0" err="1">
                 <a:latin typeface="Courier" pitchFamily="2" charset="0"/>
               </a:rPr>
-              <a:t>xe</a:t>
+              <a:t>scipy</a:t>
+            </a:r>
+            <a:r>
+              <a:rPr lang="it-IT" dirty="0" err="1">
+                <a:solidFill>
+                  <a:srgbClr val="797979"/>
+                </a:solidFill>
+                <a:latin typeface="Courier" pitchFamily="2" charset="0"/>
+              </a:rPr>
+              <a:t>.</a:t>
+            </a:r>
+            <a:r>
+              <a:rPr lang="it-IT" dirty="0" err="1">
+                <a:latin typeface="Courier" pitchFamily="2" charset="0"/>
+              </a:rPr>
+              <a:t>io</a:t>
+            </a:r>
+            <a:r>
+              <a:rPr lang="it-IT" dirty="0" err="1">
+                <a:solidFill>
+                  <a:srgbClr val="797979"/>
+                </a:solidFill>
+                <a:latin typeface="Courier" pitchFamily="2" charset="0"/>
+              </a:rPr>
+              <a:t>.</a:t>
+            </a:r>
+            <a:r>
+              <a:rPr lang="it-IT" dirty="0" err="1">
+                <a:solidFill>
+                  <a:srgbClr val="00B0F0"/>
+                </a:solidFill>
+                <a:latin typeface="Courier" pitchFamily="2" charset="0"/>
+              </a:rPr>
+              <a:t>mmread</a:t>
             </a:r>
             <a:r>
               <a:rPr lang="it-IT" dirty="0">
                 <a:latin typeface="Courier" pitchFamily="2" charset="0"/>
               </a:rPr>
-              <a:t> = </a:t>
+              <a:t>(</a:t>
             </a:r>
             <a:r>
               <a:rPr lang="it-IT" dirty="0" err="1">
-                <a:solidFill>
-                  <a:srgbClr val="008F00"/>
-                </a:solidFill>
-                <a:latin typeface="Courier" pitchFamily="2" charset="0"/>
-              </a:rPr>
-              <a:t>ones</a:t>
+                <a:latin typeface="Courier" pitchFamily="2" charset="0"/>
+              </a:rPr>
+              <a:t>path</a:t>
             </a:r>
             <a:r>
               <a:rPr lang="it-IT" dirty="0">
                 <a:latin typeface="Courier" pitchFamily="2" charset="0"/>
               </a:rPr>
-              <a:t>(</a:t>
+              <a:t>)</a:t>
+            </a:r>
+            <a:r>
+              <a:rPr lang="it-IT" dirty="0">
+                <a:solidFill>
+                  <a:srgbClr val="797979"/>
+                </a:solidFill>
+                <a:latin typeface="Courier" pitchFamily="2" charset="0"/>
+              </a:rPr>
+              <a:t>.</a:t>
             </a:r>
             <a:r>
               <a:rPr lang="it-IT" dirty="0" err="1">
-                <a:solidFill>
-                  <a:srgbClr val="008F00"/>
-                </a:solidFill>
-                <a:latin typeface="Courier" pitchFamily="2" charset="0"/>
-              </a:rPr>
-              <a:t>length</a:t>
+                <a:latin typeface="Courier" pitchFamily="2" charset="0"/>
+              </a:rPr>
+              <a:t>tocsc</a:t>
             </a:r>
             <a:r>
               <a:rPr lang="it-IT" dirty="0">
                 <a:latin typeface="Courier" pitchFamily="2" charset="0"/>
               </a:rPr>
-              <a:t>(A), </a:t>
-            </a:r>
-            <a:r>
-              <a:rPr lang="it-IT" dirty="0">
-                <a:solidFill>
-                  <a:srgbClr val="797979"/>
-                </a:solidFill>
-                <a:latin typeface="Courier" pitchFamily="2" charset="0"/>
-              </a:rPr>
-              <a:t>1</a:t>
-            </a:r>
-            <a:r>
-              <a:rPr lang="it-IT" dirty="0">
-                <a:latin typeface="Courier" pitchFamily="2" charset="0"/>
-              </a:rPr>
-              <a:t>);</a:t>
-            </a:r>
-          </a:p>
-          <a:p>
-            <a:r>
-              <a:rPr lang="it-IT" dirty="0">
-                <a:latin typeface="Courier" pitchFamily="2" charset="0"/>
-              </a:rPr>
-              <a:t>    b = A </a:t>
-            </a:r>
-            <a:r>
-              <a:rPr lang="it-IT" dirty="0">
-                <a:solidFill>
-                  <a:srgbClr val="797979"/>
-                </a:solidFill>
-                <a:latin typeface="Courier" pitchFamily="2" charset="0"/>
-              </a:rPr>
-              <a:t>* </a:t>
-            </a:r>
-            <a:r>
-              <a:rPr lang="it-IT" dirty="0" err="1">
-                <a:latin typeface="Courier" pitchFamily="2" charset="0"/>
-              </a:rPr>
-              <a:t>xe</a:t>
-            </a:r>
-            <a:r>
-              <a:rPr lang="it-IT" dirty="0">
-                <a:latin typeface="Courier" pitchFamily="2" charset="0"/>
-              </a:rPr>
-              <a:t>;</a:t>
-            </a:r>
-          </a:p>
-          <a:p>
+              <a:t>()</a:t>
+            </a:r>
+            <a:r>
+              <a:rPr lang="it-IT" i="1" dirty="0">
+                <a:solidFill>
+                  <a:srgbClr val="4F9192"/>
+                </a:solidFill>
+                <a:latin typeface="Courier" pitchFamily="2" charset="0"/>
+              </a:rPr>
+              <a:t> # Matrice da risolvere</a:t>
+            </a:r>
             <a:endParaRPr lang="it-IT" dirty="0">
               <a:latin typeface="Courier" pitchFamily="2" charset="0"/>
             </a:endParaRPr>
           </a:p>
           <a:p>
+            <a:endParaRPr lang="it-IT" dirty="0">
+              <a:latin typeface="Courier" pitchFamily="2" charset="0"/>
+            </a:endParaRPr>
+          </a:p>
+          <a:p>
+            <a:r>
+              <a:rPr lang="it-IT" dirty="0" err="1">
+                <a:latin typeface="Courier" pitchFamily="2" charset="0"/>
+              </a:rPr>
+              <a:t>xe</a:t>
+            </a:r>
             <a:r>
               <a:rPr lang="it-IT" dirty="0">
                 <a:latin typeface="Courier" pitchFamily="2" charset="0"/>
               </a:rPr>
-              <a:t>    x = A </a:t>
+              <a:t> </a:t>
             </a:r>
             <a:r>
               <a:rPr lang="it-IT" dirty="0">
@@ -8424,46 +7711,372 @@
                 </a:solidFill>
                 <a:latin typeface="Courier" pitchFamily="2" charset="0"/>
               </a:rPr>
-              <a:t>\ </a:t>
+              <a:t>=</a:t>
             </a:r>
             <a:r>
               <a:rPr lang="it-IT" dirty="0">
                 <a:latin typeface="Courier" pitchFamily="2" charset="0"/>
               </a:rPr>
-              <a:t>b;</a:t>
-            </a:r>
-          </a:p>
-          <a:p>
+              <a:t> </a:t>
+            </a:r>
+            <a:r>
+              <a:rPr lang="it-IT" dirty="0" err="1">
+                <a:latin typeface="Courier" pitchFamily="2" charset="0"/>
+              </a:rPr>
+              <a:t>scipy</a:t>
+            </a:r>
+            <a:r>
+              <a:rPr lang="it-IT" dirty="0" err="1">
+                <a:solidFill>
+                  <a:srgbClr val="797979"/>
+                </a:solidFill>
+                <a:latin typeface="Courier" pitchFamily="2" charset="0"/>
+              </a:rPr>
+              <a:t>.</a:t>
+            </a:r>
+            <a:r>
+              <a:rPr lang="it-IT" dirty="0" err="1">
+                <a:solidFill>
+                  <a:srgbClr val="00B0F0"/>
+                </a:solidFill>
+                <a:latin typeface="Courier" pitchFamily="2" charset="0"/>
+              </a:rPr>
+              <a:t>ones</a:t>
+            </a:r>
             <a:r>
               <a:rPr lang="it-IT" dirty="0">
                 <a:latin typeface="Courier" pitchFamily="2" charset="0"/>
               </a:rPr>
-              <a:t>    t = toc;</a:t>
-            </a:r>
-          </a:p>
-          <a:p>
+              <a:t>(</a:t>
+            </a:r>
+            <a:r>
+              <a:rPr lang="it-IT" dirty="0" err="1">
+                <a:latin typeface="Courier" pitchFamily="2" charset="0"/>
+              </a:rPr>
+              <a:t>n_rows</a:t>
+            </a:r>
             <a:r>
               <a:rPr lang="it-IT" dirty="0">
                 <a:latin typeface="Courier" pitchFamily="2" charset="0"/>
               </a:rPr>
-              <a:t>    </a:t>
+              <a:t>)				</a:t>
+            </a:r>
+            <a:r>
+              <a:rPr lang="it-IT" i="1" dirty="0">
+                <a:solidFill>
+                  <a:srgbClr val="4F9192"/>
+                </a:solidFill>
+                <a:latin typeface="Courier" pitchFamily="2" charset="0"/>
+              </a:rPr>
+              <a:t># Soluzione esatta</a:t>
+            </a:r>
+            <a:endParaRPr lang="it-IT" dirty="0">
+              <a:latin typeface="Courier" pitchFamily="2" charset="0"/>
+            </a:endParaRPr>
+          </a:p>
+          <a:p>
+            <a:r>
+              <a:rPr lang="it-IT" dirty="0">
+                <a:latin typeface="Courier" pitchFamily="2" charset="0"/>
+              </a:rPr>
+              <a:t>b </a:t>
+            </a:r>
+            <a:r>
+              <a:rPr lang="it-IT" dirty="0">
+                <a:solidFill>
+                  <a:srgbClr val="797979"/>
+                </a:solidFill>
+                <a:latin typeface="Courier" pitchFamily="2" charset="0"/>
+              </a:rPr>
+              <a:t>=</a:t>
+            </a:r>
+            <a:r>
+              <a:rPr lang="it-IT" dirty="0">
+                <a:latin typeface="Courier" pitchFamily="2" charset="0"/>
+              </a:rPr>
+              <a:t> A </a:t>
+            </a:r>
+            <a:r>
+              <a:rPr lang="it-IT" dirty="0">
+                <a:solidFill>
+                  <a:srgbClr val="797979"/>
+                </a:solidFill>
+                <a:latin typeface="Courier" pitchFamily="2" charset="0"/>
+              </a:rPr>
+              <a:t>*</a:t>
+            </a:r>
+            <a:r>
+              <a:rPr lang="it-IT" dirty="0">
+                <a:latin typeface="Courier" pitchFamily="2" charset="0"/>
+              </a:rPr>
+              <a:t> </a:t>
             </a:r>
             <a:r>
               <a:rPr lang="it-IT" dirty="0" err="1">
                 <a:latin typeface="Courier" pitchFamily="2" charset="0"/>
               </a:rPr>
+              <a:t>xe</a:t>
+            </a:r>
+            <a:r>
+              <a:rPr lang="it-IT" dirty="0">
+                <a:latin typeface="Courier" pitchFamily="2" charset="0"/>
+              </a:rPr>
+              <a:t>								</a:t>
+            </a:r>
+            <a:r>
+              <a:rPr lang="it-IT" i="1" dirty="0">
+                <a:solidFill>
+                  <a:srgbClr val="4F9192"/>
+                </a:solidFill>
+                <a:latin typeface="Courier" pitchFamily="2" charset="0"/>
+              </a:rPr>
+              <a:t># Vettore termini noti</a:t>
+            </a:r>
+            <a:endParaRPr lang="it-IT" dirty="0">
+              <a:latin typeface="Courier" pitchFamily="2" charset="0"/>
+            </a:endParaRPr>
+          </a:p>
+          <a:p>
+            <a:endParaRPr lang="it-IT" dirty="0">
+              <a:latin typeface="Courier" pitchFamily="2" charset="0"/>
+            </a:endParaRPr>
+          </a:p>
+          <a:p>
+            <a:r>
+              <a:rPr lang="it-IT" dirty="0" err="1">
+                <a:latin typeface="Courier" pitchFamily="2" charset="0"/>
+              </a:rPr>
+              <a:t>start_time</a:t>
+            </a:r>
+            <a:r>
+              <a:rPr lang="it-IT" dirty="0">
+                <a:latin typeface="Courier" pitchFamily="2" charset="0"/>
+              </a:rPr>
+              <a:t> </a:t>
+            </a:r>
+            <a:r>
+              <a:rPr lang="it-IT" dirty="0">
+                <a:solidFill>
+                  <a:srgbClr val="797979"/>
+                </a:solidFill>
+                <a:latin typeface="Courier" pitchFamily="2" charset="0"/>
+              </a:rPr>
+              <a:t>=</a:t>
+            </a:r>
+            <a:r>
+              <a:rPr lang="it-IT" dirty="0">
+                <a:latin typeface="Courier" pitchFamily="2" charset="0"/>
+              </a:rPr>
+              <a:t> </a:t>
+            </a:r>
+            <a:r>
+              <a:rPr lang="it-IT" dirty="0" err="1">
+                <a:latin typeface="Courier" pitchFamily="2" charset="0"/>
+              </a:rPr>
+              <a:t>datetime</a:t>
+            </a:r>
+            <a:r>
+              <a:rPr lang="it-IT" dirty="0" err="1">
+                <a:solidFill>
+                  <a:srgbClr val="797979"/>
+                </a:solidFill>
+                <a:latin typeface="Courier" pitchFamily="2" charset="0"/>
+              </a:rPr>
+              <a:t>.</a:t>
+            </a:r>
+            <a:r>
+              <a:rPr lang="it-IT" dirty="0" err="1">
+                <a:solidFill>
+                  <a:srgbClr val="00B0F0"/>
+                </a:solidFill>
+                <a:latin typeface="Courier" pitchFamily="2" charset="0"/>
+              </a:rPr>
+              <a:t>now</a:t>
+            </a:r>
+            <a:r>
+              <a:rPr lang="it-IT" dirty="0">
+                <a:latin typeface="Courier" pitchFamily="2" charset="0"/>
+              </a:rPr>
+              <a:t>()</a:t>
+            </a:r>
+          </a:p>
+          <a:p>
+            <a:r>
+              <a:rPr lang="it-IT" dirty="0">
+                <a:latin typeface="Courier" pitchFamily="2" charset="0"/>
+              </a:rPr>
+              <a:t>x </a:t>
+            </a:r>
+            <a:r>
+              <a:rPr lang="it-IT" dirty="0">
+                <a:solidFill>
+                  <a:srgbClr val="797979"/>
+                </a:solidFill>
+                <a:latin typeface="Courier" pitchFamily="2" charset="0"/>
+              </a:rPr>
+              <a:t>=</a:t>
+            </a:r>
+            <a:r>
+              <a:rPr lang="it-IT" dirty="0">
+                <a:latin typeface="Courier" pitchFamily="2" charset="0"/>
+              </a:rPr>
+              <a:t> </a:t>
+            </a:r>
+            <a:r>
+              <a:rPr lang="it-IT" dirty="0" err="1">
+                <a:solidFill>
+                  <a:srgbClr val="00B0F0"/>
+                </a:solidFill>
+                <a:latin typeface="Courier" pitchFamily="2" charset="0"/>
+              </a:rPr>
+              <a:t>spsolve</a:t>
+            </a:r>
+            <a:r>
+              <a:rPr lang="it-IT" dirty="0">
+                <a:latin typeface="Courier" pitchFamily="2" charset="0"/>
+              </a:rPr>
+              <a:t>(A, b, </a:t>
+            </a:r>
+            <a:r>
+              <a:rPr lang="it-IT" dirty="0" err="1">
+                <a:solidFill>
+                  <a:schemeClr val="accent4"/>
+                </a:solidFill>
+                <a:latin typeface="Courier" pitchFamily="2" charset="0"/>
+              </a:rPr>
+              <a:t>use_umfpack</a:t>
+            </a:r>
+            <a:r>
+              <a:rPr lang="it-IT" dirty="0">
+                <a:solidFill>
+                  <a:srgbClr val="797979"/>
+                </a:solidFill>
+                <a:latin typeface="Courier" pitchFamily="2" charset="0"/>
+              </a:rPr>
+              <a:t>=</a:t>
+            </a:r>
+            <a:r>
+              <a:rPr lang="it-IT" dirty="0" err="1">
+                <a:latin typeface="Courier" pitchFamily="2" charset="0"/>
+              </a:rPr>
+              <a:t>use_umfpack</a:t>
+            </a:r>
+            <a:r>
+              <a:rPr lang="it-IT" dirty="0">
+                <a:latin typeface="Courier" pitchFamily="2" charset="0"/>
+              </a:rPr>
+              <a:t>)</a:t>
+            </a:r>
+          </a:p>
+          <a:p>
+            <a:r>
+              <a:rPr lang="it-IT" dirty="0">
+                <a:latin typeface="Courier" pitchFamily="2" charset="0"/>
+              </a:rPr>
+              <a:t>t </a:t>
+            </a:r>
+            <a:r>
+              <a:rPr lang="it-IT" dirty="0">
+                <a:solidFill>
+                  <a:srgbClr val="797979"/>
+                </a:solidFill>
+                <a:latin typeface="Courier" pitchFamily="2" charset="0"/>
+              </a:rPr>
+              <a:t>=</a:t>
+            </a:r>
+            <a:r>
+              <a:rPr lang="it-IT" dirty="0">
+                <a:latin typeface="Courier" pitchFamily="2" charset="0"/>
+              </a:rPr>
+              <a:t> </a:t>
+            </a:r>
+            <a:r>
+              <a:rPr lang="it-IT" dirty="0" err="1">
+                <a:latin typeface="Courier" pitchFamily="2" charset="0"/>
+              </a:rPr>
+              <a:t>datetime</a:t>
+            </a:r>
+            <a:r>
+              <a:rPr lang="it-IT" dirty="0" err="1">
+                <a:solidFill>
+                  <a:srgbClr val="797979"/>
+                </a:solidFill>
+                <a:latin typeface="Courier" pitchFamily="2" charset="0"/>
+              </a:rPr>
+              <a:t>.</a:t>
+            </a:r>
+            <a:r>
+              <a:rPr lang="it-IT" dirty="0" err="1">
+                <a:solidFill>
+                  <a:srgbClr val="00B0F0"/>
+                </a:solidFill>
+                <a:latin typeface="Courier" pitchFamily="2" charset="0"/>
+              </a:rPr>
+              <a:t>now</a:t>
+            </a:r>
+            <a:r>
+              <a:rPr lang="it-IT" dirty="0">
+                <a:latin typeface="Courier" pitchFamily="2" charset="0"/>
+              </a:rPr>
+              <a:t>() </a:t>
+            </a:r>
+            <a:r>
+              <a:rPr lang="it-IT" dirty="0">
+                <a:solidFill>
+                  <a:srgbClr val="797979"/>
+                </a:solidFill>
+                <a:latin typeface="Courier" pitchFamily="2" charset="0"/>
+              </a:rPr>
+              <a:t>-</a:t>
+            </a:r>
+            <a:r>
+              <a:rPr lang="it-IT" dirty="0">
+                <a:latin typeface="Courier" pitchFamily="2" charset="0"/>
+              </a:rPr>
+              <a:t> </a:t>
+            </a:r>
+            <a:r>
+              <a:rPr lang="it-IT" dirty="0" err="1">
+                <a:latin typeface="Courier" pitchFamily="2" charset="0"/>
+              </a:rPr>
+              <a:t>start_time</a:t>
+            </a:r>
+            <a:endParaRPr lang="it-IT" dirty="0">
+              <a:latin typeface="Courier" pitchFamily="2" charset="0"/>
+            </a:endParaRPr>
+          </a:p>
+          <a:p>
+            <a:r>
+              <a:rPr lang="it-IT" dirty="0" err="1">
+                <a:latin typeface="Courier" pitchFamily="2" charset="0"/>
+              </a:rPr>
               <a:t>relative_error</a:t>
             </a:r>
             <a:r>
               <a:rPr lang="it-IT" dirty="0">
                 <a:latin typeface="Courier" pitchFamily="2" charset="0"/>
               </a:rPr>
-              <a:t> = </a:t>
+              <a:t> </a:t>
+            </a:r>
+            <a:r>
+              <a:rPr lang="it-IT" dirty="0">
+                <a:solidFill>
+                  <a:srgbClr val="797979"/>
+                </a:solidFill>
+                <a:latin typeface="Courier" pitchFamily="2" charset="0"/>
+              </a:rPr>
+              <a:t>=</a:t>
+            </a:r>
+            <a:r>
+              <a:rPr lang="it-IT" dirty="0">
+                <a:latin typeface="Courier" pitchFamily="2" charset="0"/>
+              </a:rPr>
+              <a:t> </a:t>
             </a:r>
             <a:r>
               <a:rPr lang="it-IT" dirty="0" err="1">
                 <a:solidFill>
-                  <a:srgbClr val="008F00"/>
+                  <a:srgbClr val="00B0F0"/>
                 </a:solidFill>
                 <a:latin typeface="Courier" pitchFamily="2" charset="0"/>
               </a:rPr>
@@ -8500,6 +8113,21 @@
               <a:rPr lang="it-IT" dirty="0">
                 <a:latin typeface="Courier" pitchFamily="2" charset="0"/>
               </a:rPr>
+              <a:t>, </a:t>
+            </a:r>
+            <a:r>
+              <a:rPr lang="it-IT" dirty="0">
+                <a:solidFill>
+                  <a:srgbClr val="0070C0"/>
+                </a:solidFill>
+                <a:latin typeface="Courier" pitchFamily="2" charset="0"/>
+              </a:rPr>
+              <a:t>2</a:t>
+            </a:r>
+            <a:r>
+              <a:rPr lang="it-IT" dirty="0">
+                <a:latin typeface="Courier" pitchFamily="2" charset="0"/>
+              </a:rPr>
               <a:t>) </a:t>
             </a:r>
             <a:r>
@@ -8509,12 +8137,18 @@
                 </a:solidFill>
                 <a:latin typeface="Courier" pitchFamily="2" charset="0"/>
               </a:rPr>
-              <a:t>/ </a:t>
+              <a:t>/</a:t>
+            </a:r>
+            <a:r>
+              <a:rPr lang="it-IT" dirty="0">
+                <a:latin typeface="Courier" pitchFamily="2" charset="0"/>
+              </a:rPr>
+              <a:t> </a:t>
             </a:r>
             <a:r>
               <a:rPr lang="it-IT" dirty="0" err="1">
                 <a:solidFill>
-                  <a:srgbClr val="008F00"/>
+                  <a:srgbClr val="00B0F0"/>
                 </a:solidFill>
                 <a:latin typeface="Courier" pitchFamily="2" charset="0"/>
               </a:rPr>
@@ -8536,23 +8170,24 @@
               <a:rPr lang="it-IT" dirty="0">
                 <a:latin typeface="Courier" pitchFamily="2" charset="0"/>
               </a:rPr>
-              <a:t>);</a:t>
-            </a:r>
-          </a:p>
-          <a:p>
-            <a:r>
-              <a:rPr lang="it-IT" b="1" dirty="0">
-                <a:solidFill>
-                  <a:srgbClr val="008F00"/>
-                </a:solidFill>
-                <a:latin typeface="Courier" pitchFamily="2" charset="0"/>
-              </a:rPr>
-              <a:t>end</a:t>
+              <a:t>, </a:t>
+            </a:r>
+            <a:r>
+              <a:rPr lang="it-IT" dirty="0">
+                <a:solidFill>
+                  <a:srgbClr val="0070C0"/>
+                </a:solidFill>
+                <a:latin typeface="Courier" pitchFamily="2" charset="0"/>
+              </a:rPr>
+              <a:t>2</a:t>
+            </a:r>
+            <a:r>
+              <a:rPr lang="it-IT" dirty="0">
+                <a:latin typeface="Courier" pitchFamily="2" charset="0"/>
+              </a:rPr>
+              <a:t>)</a:t>
             </a:r>
             <a:endParaRPr lang="it-IT" dirty="0">
-              <a:solidFill>
-                <a:srgbClr val="008F00"/>
-              </a:solidFill>
               <a:effectLst/>
               <a:latin typeface="Courier" pitchFamily="2" charset="0"/>
             </a:endParaRPr>
@@ -8562,7 +8197,7 @@
     </p:spTree>
     <p:extLst>
       <p:ext uri="{BB962C8B-B14F-4D97-AF65-F5344CB8AC3E}">
-        <p14:creationId xmlns:p14="http://schemas.microsoft.com/office/powerpoint/2010/main" val="2137367407"/>
+        <p14:creationId xmlns:p14="http://schemas.microsoft.com/office/powerpoint/2010/main" val="2335319325"/>
       </p:ext>
     </p:extLst>
   </p:cSld>
@@ -8594,7 +8229,7 @@
           <p:cNvPr id="2" name="Title 1">
             <a:extLst>
               <a:ext uri="{FF2B5EF4-FFF2-40B4-BE49-F238E27FC236}">
-                <a16:creationId xmlns:a16="http://schemas.microsoft.com/office/drawing/2014/main" id="{E361A405-8615-9244-9954-D65A3EBE39ED}"/>
+                <a16:creationId xmlns:a16="http://schemas.microsoft.com/office/drawing/2014/main" id="{FD487AB8-D2EF-B649-B3DC-3641A7A85C8B}"/>
               </a:ext>
             </a:extLst>
           </p:cNvPr>
@@ -8612,101 +8247,471 @@
           <a:p>
             <a:r>
               <a:rPr lang="it-IT" dirty="0"/>
-              <a:t>Macchina utilizzata</a:t>
-            </a:r>
-          </a:p>
-        </p:txBody>
-      </p:sp>
-      <p:sp>
-        <p:nvSpPr>
-          <p:cNvPr id="3" name="Content Placeholder 2">
+              <a:t>Sorgente - MATLAB</a:t>
+            </a:r>
+          </a:p>
+        </p:txBody>
+      </p:sp>
+      <p:sp>
+        <p:nvSpPr>
+          <p:cNvPr id="5" name="Rectangle 4">
             <a:extLst>
               <a:ext uri="{FF2B5EF4-FFF2-40B4-BE49-F238E27FC236}">
-                <a16:creationId xmlns:a16="http://schemas.microsoft.com/office/drawing/2014/main" id="{05B267FC-C398-9E4D-A8B4-D919A28C0360}"/>
+                <a16:creationId xmlns:a16="http://schemas.microsoft.com/office/drawing/2014/main" id="{3F3BFA29-8B78-FE42-9C09-243F44AA12D8}"/>
               </a:ext>
             </a:extLst>
           </p:cNvPr>
-          <p:cNvSpPr>
-            <a:spLocks noGrp="1"/>
-          </p:cNvSpPr>
-          <p:nvPr>
-            <p:ph idx="1"/>
-          </p:nvPr>
-        </p:nvSpPr>
-        <p:spPr/>
-        <p:txBody>
-          <a:bodyPr/>
+          <p:cNvSpPr/>
+          <p:nvPr/>
+        </p:nvSpPr>
+        <p:spPr>
+          <a:xfrm>
+            <a:off x="677333" y="1817093"/>
+            <a:ext cx="6814329" cy="3970318"/>
+          </a:xfrm>
+          <a:prstGeom prst="rect">
+            <a:avLst/>
+          </a:prstGeom>
+        </p:spPr>
+        <p:txBody>
+          <a:bodyPr wrap="square">
+            <a:spAutoFit/>
+          </a:bodyPr>
           <a:lstStyle/>
           <a:p>
             <a:r>
-              <a:rPr lang="it-IT" sz="2400" dirty="0"/>
-              <a:t>ASUS </a:t>
-            </a:r>
-            <a:r>
-              <a:rPr lang="it-IT" sz="2400" dirty="0" err="1"/>
-              <a:t>Zenbook</a:t>
-            </a:r>
-            <a:r>
-              <a:rPr lang="it-IT" sz="2400" dirty="0"/>
-              <a:t> UX330</a:t>
-            </a:r>
-          </a:p>
-          <a:p>
-            <a:pPr lvl="1"/>
-            <a:r>
-              <a:rPr lang="it-IT" sz="2000" dirty="0"/>
-              <a:t>CPU: Intel i7 7500U @ 2.70 GHz</a:t>
-            </a:r>
-          </a:p>
-          <a:p>
-            <a:pPr lvl="1"/>
-            <a:r>
-              <a:rPr lang="it-IT" sz="2000" dirty="0"/>
-              <a:t>RAM: 8GB DDR3</a:t>
-            </a:r>
-          </a:p>
-          <a:p>
-            <a:pPr lvl="1"/>
-            <a:r>
-              <a:rPr lang="it-IT" sz="2000" dirty="0"/>
-              <a:t>Memoria fisica: SSD M.2 512GB</a:t>
-            </a:r>
-          </a:p>
-          <a:p>
-            <a:pPr lvl="1"/>
-            <a:r>
-              <a:rPr lang="it-IT" sz="2000" dirty="0"/>
-              <a:t>Sistemi operativi:</a:t>
-            </a:r>
-          </a:p>
-          <a:p>
-            <a:pPr lvl="2"/>
-            <a:r>
-              <a:rPr lang="it-IT" sz="1800" dirty="0"/>
-              <a:t>Windows 10</a:t>
-            </a:r>
-          </a:p>
-          <a:p>
-            <a:pPr lvl="2"/>
-            <a:r>
-              <a:rPr lang="it-IT" sz="1800" dirty="0" err="1"/>
-              <a:t>Ubuntu</a:t>
-            </a:r>
-            <a:r>
-              <a:rPr lang="it-IT" sz="1800" dirty="0"/>
-              <a:t> Linux 16.04</a:t>
-            </a:r>
-          </a:p>
-          <a:p>
-            <a:pPr lvl="1"/>
-            <a:endParaRPr lang="it-IT" dirty="0"/>
+              <a:rPr lang="it-IT" dirty="0" err="1">
+                <a:latin typeface="Courier" pitchFamily="2" charset="0"/>
+              </a:rPr>
+              <a:t>mat</a:t>
+            </a:r>
+            <a:r>
+              <a:rPr lang="it-IT" dirty="0">
+                <a:latin typeface="Courier" pitchFamily="2" charset="0"/>
+              </a:rPr>
+              <a:t> = </a:t>
+            </a:r>
+            <a:r>
+              <a:rPr lang="it-IT" dirty="0" err="1">
+                <a:solidFill>
+                  <a:srgbClr val="008F00"/>
+                </a:solidFill>
+                <a:latin typeface="Courier" pitchFamily="2" charset="0"/>
+              </a:rPr>
+              <a:t>load</a:t>
+            </a:r>
+            <a:r>
+              <a:rPr lang="it-IT" dirty="0">
+                <a:latin typeface="Courier" pitchFamily="2" charset="0"/>
+              </a:rPr>
+              <a:t>(</a:t>
+            </a:r>
+            <a:r>
+              <a:rPr lang="it-IT" dirty="0" err="1">
+                <a:latin typeface="Courier" pitchFamily="2" charset="0"/>
+              </a:rPr>
+              <a:t>path</a:t>
+            </a:r>
+            <a:r>
+              <a:rPr lang="it-IT" dirty="0">
+                <a:latin typeface="Courier" pitchFamily="2" charset="0"/>
+              </a:rPr>
+              <a:t>);</a:t>
+            </a:r>
+          </a:p>
+          <a:p>
+            <a:r>
+              <a:rPr lang="it-IT" dirty="0" err="1">
+                <a:solidFill>
+                  <a:srgbClr val="008F00"/>
+                </a:solidFill>
+                <a:latin typeface="Courier" pitchFamily="2" charset="0"/>
+              </a:rPr>
+              <a:t>solve_matrix</a:t>
+            </a:r>
+            <a:r>
+              <a:rPr lang="it-IT" dirty="0">
+                <a:latin typeface="Courier" pitchFamily="2" charset="0"/>
+              </a:rPr>
+              <a:t>(</a:t>
+            </a:r>
+            <a:r>
+              <a:rPr lang="it-IT" dirty="0" err="1">
+                <a:latin typeface="Courier" pitchFamily="2" charset="0"/>
+              </a:rPr>
+              <a:t>mat</a:t>
+            </a:r>
+            <a:r>
+              <a:rPr lang="it-IT" dirty="0">
+                <a:latin typeface="Courier" pitchFamily="2" charset="0"/>
+              </a:rPr>
+              <a:t>);</a:t>
+            </a:r>
+          </a:p>
+          <a:p>
+            <a:br>
+              <a:rPr lang="it-IT" dirty="0">
+                <a:solidFill>
+                  <a:srgbClr val="008F00"/>
+                </a:solidFill>
+                <a:latin typeface="Courier" pitchFamily="2" charset="0"/>
+              </a:rPr>
+            </a:br>
+            <a:endParaRPr lang="it-IT" dirty="0">
+              <a:solidFill>
+                <a:srgbClr val="008F00"/>
+              </a:solidFill>
+              <a:latin typeface="Courier" pitchFamily="2" charset="0"/>
+            </a:endParaRPr>
+          </a:p>
+          <a:p>
+            <a:r>
+              <a:rPr lang="it-IT" b="1" dirty="0" err="1">
+                <a:solidFill>
+                  <a:srgbClr val="008F00"/>
+                </a:solidFill>
+                <a:latin typeface="Courier" pitchFamily="2" charset="0"/>
+              </a:rPr>
+              <a:t>function</a:t>
+            </a:r>
+            <a:r>
+              <a:rPr lang="it-IT" dirty="0">
+                <a:solidFill>
+                  <a:srgbClr val="C7C7C7"/>
+                </a:solidFill>
+                <a:latin typeface="Courier" pitchFamily="2" charset="0"/>
+              </a:rPr>
+              <a:t> </a:t>
+            </a:r>
+            <a:r>
+              <a:rPr lang="it-IT" dirty="0" err="1">
+                <a:solidFill>
+                  <a:srgbClr val="0433FF"/>
+                </a:solidFill>
+                <a:latin typeface="Courier" pitchFamily="2" charset="0"/>
+              </a:rPr>
+              <a:t>solve_matrix</a:t>
+            </a:r>
+            <a:r>
+              <a:rPr lang="it-IT" dirty="0">
+                <a:solidFill>
+                  <a:srgbClr val="000000"/>
+                </a:solidFill>
+                <a:latin typeface="Courier" pitchFamily="2" charset="0"/>
+              </a:rPr>
+              <a:t>(</a:t>
+            </a:r>
+            <a:r>
+              <a:rPr lang="it-IT" dirty="0" err="1">
+                <a:solidFill>
+                  <a:srgbClr val="000000"/>
+                </a:solidFill>
+                <a:latin typeface="Courier" pitchFamily="2" charset="0"/>
+              </a:rPr>
+              <a:t>mat</a:t>
+            </a:r>
+            <a:r>
+              <a:rPr lang="it-IT" dirty="0">
+                <a:solidFill>
+                  <a:srgbClr val="000000"/>
+                </a:solidFill>
+                <a:latin typeface="Courier" pitchFamily="2" charset="0"/>
+              </a:rPr>
+              <a:t>)</a:t>
+            </a:r>
+            <a:endParaRPr lang="it-IT" dirty="0">
+              <a:solidFill>
+                <a:srgbClr val="0433FF"/>
+              </a:solidFill>
+              <a:latin typeface="Courier" pitchFamily="2" charset="0"/>
+            </a:endParaRPr>
+          </a:p>
+          <a:p>
+            <a:r>
+              <a:rPr lang="it-IT" dirty="0">
+                <a:solidFill>
+                  <a:srgbClr val="C7C7C7"/>
+                </a:solidFill>
+                <a:latin typeface="Courier" pitchFamily="2" charset="0"/>
+              </a:rPr>
+              <a:t>    </a:t>
+            </a:r>
+            <a:r>
+              <a:rPr lang="it-IT" dirty="0">
+                <a:latin typeface="Courier" pitchFamily="2" charset="0"/>
+              </a:rPr>
+              <a:t>A = </a:t>
+            </a:r>
+            <a:r>
+              <a:rPr lang="it-IT" dirty="0" err="1">
+                <a:latin typeface="Courier" pitchFamily="2" charset="0"/>
+              </a:rPr>
+              <a:t>mat.Problem.A</a:t>
+            </a:r>
+            <a:r>
+              <a:rPr lang="it-IT" dirty="0">
+                <a:latin typeface="Courier" pitchFamily="2" charset="0"/>
+              </a:rPr>
+              <a:t>;</a:t>
+            </a:r>
+          </a:p>
+          <a:p>
+            <a:endParaRPr lang="it-IT" dirty="0">
+              <a:latin typeface="Courier" pitchFamily="2" charset="0"/>
+            </a:endParaRPr>
+          </a:p>
+          <a:p>
+            <a:r>
+              <a:rPr lang="it-IT" dirty="0">
+                <a:latin typeface="Courier" pitchFamily="2" charset="0"/>
+              </a:rPr>
+              <a:t>    </a:t>
+            </a:r>
+            <a:r>
+              <a:rPr lang="it-IT" dirty="0" err="1">
+                <a:latin typeface="Courier" pitchFamily="2" charset="0"/>
+              </a:rPr>
+              <a:t>xe</a:t>
+            </a:r>
+            <a:r>
+              <a:rPr lang="it-IT" dirty="0">
+                <a:latin typeface="Courier" pitchFamily="2" charset="0"/>
+              </a:rPr>
+              <a:t> = </a:t>
+            </a:r>
+            <a:r>
+              <a:rPr lang="it-IT" dirty="0" err="1">
+                <a:solidFill>
+                  <a:srgbClr val="008F00"/>
+                </a:solidFill>
+                <a:latin typeface="Courier" pitchFamily="2" charset="0"/>
+              </a:rPr>
+              <a:t>ones</a:t>
+            </a:r>
+            <a:r>
+              <a:rPr lang="it-IT" dirty="0">
+                <a:latin typeface="Courier" pitchFamily="2" charset="0"/>
+              </a:rPr>
+              <a:t>(</a:t>
+            </a:r>
+            <a:r>
+              <a:rPr lang="it-IT" dirty="0" err="1">
+                <a:solidFill>
+                  <a:srgbClr val="008F00"/>
+                </a:solidFill>
+                <a:latin typeface="Courier" pitchFamily="2" charset="0"/>
+              </a:rPr>
+              <a:t>length</a:t>
+            </a:r>
+            <a:r>
+              <a:rPr lang="it-IT" dirty="0">
+                <a:latin typeface="Courier" pitchFamily="2" charset="0"/>
+              </a:rPr>
+              <a:t>(A), </a:t>
+            </a:r>
+            <a:r>
+              <a:rPr lang="it-IT" dirty="0">
+                <a:solidFill>
+                  <a:srgbClr val="797979"/>
+                </a:solidFill>
+                <a:latin typeface="Courier" pitchFamily="2" charset="0"/>
+              </a:rPr>
+              <a:t>1</a:t>
+            </a:r>
+            <a:r>
+              <a:rPr lang="it-IT" dirty="0">
+                <a:latin typeface="Courier" pitchFamily="2" charset="0"/>
+              </a:rPr>
+              <a:t>);</a:t>
+            </a:r>
+          </a:p>
+          <a:p>
+            <a:r>
+              <a:rPr lang="it-IT" dirty="0">
+                <a:latin typeface="Courier" pitchFamily="2" charset="0"/>
+              </a:rPr>
+              <a:t>    b = A </a:t>
+            </a:r>
+            <a:r>
+              <a:rPr lang="it-IT" dirty="0">
+                <a:solidFill>
+                  <a:srgbClr val="797979"/>
+                </a:solidFill>
+                <a:latin typeface="Courier" pitchFamily="2" charset="0"/>
+              </a:rPr>
+              <a:t>* </a:t>
+            </a:r>
+            <a:r>
+              <a:rPr lang="it-IT" dirty="0" err="1">
+                <a:latin typeface="Courier" pitchFamily="2" charset="0"/>
+              </a:rPr>
+              <a:t>xe</a:t>
+            </a:r>
+            <a:r>
+              <a:rPr lang="it-IT" dirty="0">
+                <a:latin typeface="Courier" pitchFamily="2" charset="0"/>
+              </a:rPr>
+              <a:t>;</a:t>
+            </a:r>
+          </a:p>
+          <a:p>
+            <a:endParaRPr lang="it-IT" dirty="0">
+              <a:latin typeface="Courier" pitchFamily="2" charset="0"/>
+            </a:endParaRPr>
+          </a:p>
+          <a:p>
+            <a:r>
+              <a:rPr lang="it-IT" dirty="0">
+                <a:latin typeface="Courier" pitchFamily="2" charset="0"/>
+              </a:rPr>
+              <a:t>    x = A </a:t>
+            </a:r>
+            <a:r>
+              <a:rPr lang="it-IT" dirty="0">
+                <a:solidFill>
+                  <a:srgbClr val="797979"/>
+                </a:solidFill>
+                <a:latin typeface="Courier" pitchFamily="2" charset="0"/>
+              </a:rPr>
+              <a:t>\ </a:t>
+            </a:r>
+            <a:r>
+              <a:rPr lang="it-IT" dirty="0">
+                <a:latin typeface="Courier" pitchFamily="2" charset="0"/>
+              </a:rPr>
+              <a:t>b;</a:t>
+            </a:r>
+          </a:p>
+          <a:p>
+            <a:r>
+              <a:rPr lang="it-IT" dirty="0">
+                <a:latin typeface="Courier" pitchFamily="2" charset="0"/>
+              </a:rPr>
+              <a:t>    t = toc;</a:t>
+            </a:r>
+          </a:p>
+          <a:p>
+            <a:r>
+              <a:rPr lang="it-IT" dirty="0">
+                <a:latin typeface="Courier" pitchFamily="2" charset="0"/>
+              </a:rPr>
+              <a:t>    </a:t>
+            </a:r>
+            <a:r>
+              <a:rPr lang="it-IT" dirty="0" err="1">
+                <a:latin typeface="Courier" pitchFamily="2" charset="0"/>
+              </a:rPr>
+              <a:t>relative_error</a:t>
+            </a:r>
+            <a:r>
+              <a:rPr lang="it-IT" dirty="0">
+                <a:latin typeface="Courier" pitchFamily="2" charset="0"/>
+              </a:rPr>
+              <a:t> = </a:t>
+            </a:r>
+            <a:r>
+              <a:rPr lang="it-IT" dirty="0" err="1">
+                <a:solidFill>
+                  <a:srgbClr val="008F00"/>
+                </a:solidFill>
+                <a:latin typeface="Courier" pitchFamily="2" charset="0"/>
+              </a:rPr>
+              <a:t>norm</a:t>
+            </a:r>
+            <a:r>
+              <a:rPr lang="it-IT" dirty="0">
+                <a:latin typeface="Courier" pitchFamily="2" charset="0"/>
+              </a:rPr>
+              <a:t>(x </a:t>
+            </a:r>
+            <a:r>
+              <a:rPr lang="it-IT" dirty="0">
+                <a:solidFill>
+                  <a:srgbClr val="797979"/>
+                </a:solidFill>
+                <a:latin typeface="Courier" pitchFamily="2" charset="0"/>
+              </a:rPr>
+              <a:t>-</a:t>
+            </a:r>
+            <a:r>
+              <a:rPr lang="it-IT" dirty="0">
+                <a:latin typeface="Courier" pitchFamily="2" charset="0"/>
+              </a:rPr>
+              <a:t> </a:t>
+            </a:r>
+            <a:r>
+              <a:rPr lang="it-IT" dirty="0" err="1">
+                <a:latin typeface="Courier" pitchFamily="2" charset="0"/>
+              </a:rPr>
+              <a:t>xe</a:t>
+            </a:r>
+            <a:r>
+              <a:rPr lang="it-IT" dirty="0">
+                <a:latin typeface="Courier" pitchFamily="2" charset="0"/>
+              </a:rPr>
+              <a:t>) </a:t>
+            </a:r>
+            <a:r>
+              <a:rPr lang="it-IT" dirty="0">
+                <a:solidFill>
+                  <a:srgbClr val="797979"/>
+                </a:solidFill>
+                <a:latin typeface="Courier" pitchFamily="2" charset="0"/>
+              </a:rPr>
+              <a:t>/ </a:t>
+            </a:r>
+            <a:r>
+              <a:rPr lang="it-IT" dirty="0" err="1">
+                <a:solidFill>
+                  <a:srgbClr val="008F00"/>
+                </a:solidFill>
+                <a:latin typeface="Courier" pitchFamily="2" charset="0"/>
+              </a:rPr>
+              <a:t>norm</a:t>
+            </a:r>
+            <a:r>
+              <a:rPr lang="it-IT" dirty="0">
+                <a:latin typeface="Courier" pitchFamily="2" charset="0"/>
+              </a:rPr>
+              <a:t>(</a:t>
+            </a:r>
+            <a:r>
+              <a:rPr lang="it-IT" dirty="0" err="1">
+                <a:latin typeface="Courier" pitchFamily="2" charset="0"/>
+              </a:rPr>
+              <a:t>xe</a:t>
+            </a:r>
+            <a:r>
+              <a:rPr lang="it-IT" dirty="0">
+                <a:latin typeface="Courier" pitchFamily="2" charset="0"/>
+              </a:rPr>
+              <a:t>);</a:t>
+            </a:r>
+          </a:p>
+          <a:p>
+            <a:r>
+              <a:rPr lang="it-IT" b="1" dirty="0">
+                <a:solidFill>
+                  <a:srgbClr val="008F00"/>
+                </a:solidFill>
+                <a:latin typeface="Courier" pitchFamily="2" charset="0"/>
+              </a:rPr>
+              <a:t>end</a:t>
+            </a:r>
+            <a:endParaRPr lang="it-IT" dirty="0">
+              <a:solidFill>
+                <a:srgbClr val="008F00"/>
+              </a:solidFill>
+              <a:effectLst/>
+              <a:latin typeface="Courier" pitchFamily="2" charset="0"/>
+            </a:endParaRPr>
           </a:p>
         </p:txBody>
       </p:sp>
     </p:spTree>
     <p:extLst>
       <p:ext uri="{BB962C8B-B14F-4D97-AF65-F5344CB8AC3E}">
-        <p14:creationId xmlns:p14="http://schemas.microsoft.com/office/powerpoint/2010/main" val="3108514142"/>
+        <p14:creationId xmlns:p14="http://schemas.microsoft.com/office/powerpoint/2010/main" val="2137367407"/>
       </p:ext>
     </p:extLst>
   </p:cSld>
@@ -8738,7 +8743,7 @@
           <p:cNvPr id="2" name="Title 1">
             <a:extLst>
               <a:ext uri="{FF2B5EF4-FFF2-40B4-BE49-F238E27FC236}">
-                <a16:creationId xmlns:a16="http://schemas.microsoft.com/office/drawing/2014/main" id="{A69F235A-A34A-1C4E-B234-E1937DF89AEE}"/>
+                <a16:creationId xmlns:a16="http://schemas.microsoft.com/office/drawing/2014/main" id="{E361A405-8615-9244-9954-D65A3EBE39ED}"/>
               </a:ext>
             </a:extLst>
           </p:cNvPr>
@@ -8756,7 +8761,7 @@
           <a:p>
             <a:r>
               <a:rPr lang="it-IT" dirty="0"/>
-              <a:t>Matrici Testate</a:t>
+              <a:t>Macchina utilizzata</a:t>
             </a:r>
           </a:p>
         </p:txBody>
@@ -8766,7 +8771,7 @@
           <p:cNvPr id="3" name="Content Placeholder 2">
             <a:extLst>
               <a:ext uri="{FF2B5EF4-FFF2-40B4-BE49-F238E27FC236}">
-                <a16:creationId xmlns:a16="http://schemas.microsoft.com/office/drawing/2014/main" id="{70812C64-A1EB-974C-8E1A-346EC6272DD0}"/>
+                <a16:creationId xmlns:a16="http://schemas.microsoft.com/office/drawing/2014/main" id="{05B267FC-C398-9E4D-A8B4-D919A28C0360}"/>
               </a:ext>
             </a:extLst>
           </p:cNvPr>
@@ -8777,491 +8782,80 @@
             <p:ph idx="1"/>
           </p:nvPr>
         </p:nvSpPr>
-        <p:spPr>
-          <a:xfrm>
-            <a:off x="677334" y="2160589"/>
-            <a:ext cx="3256713" cy="3880773"/>
-          </a:xfrm>
-        </p:spPr>
+        <p:spPr/>
         <p:txBody>
           <a:bodyPr/>
           <a:lstStyle/>
           <a:p>
             <a:r>
-              <a:rPr lang="it-IT" dirty="0"/>
-              <a:t>Non Definite Positive</a:t>
+              <a:rPr lang="it-IT" sz="2400" dirty="0"/>
+              <a:t>ASUS </a:t>
+            </a:r>
+            <a:r>
+              <a:rPr lang="it-IT" sz="2400" dirty="0" err="1"/>
+              <a:t>Zenbook</a:t>
+            </a:r>
+            <a:r>
+              <a:rPr lang="it-IT" sz="2400" dirty="0"/>
+              <a:t> UX330</a:t>
             </a:r>
           </a:p>
           <a:p>
             <a:pPr lvl="1"/>
             <a:r>
-              <a:rPr lang="it-IT" dirty="0">
-                <a:latin typeface="Consolas" panose="020B0609020204030204" pitchFamily="49" charset="0"/>
-                <a:cs typeface="Consolas" panose="020B0609020204030204" pitchFamily="49" charset="0"/>
-              </a:rPr>
-              <a:t>PR02R (161070)</a:t>
+              <a:rPr lang="it-IT" sz="2000" dirty="0"/>
+              <a:t>CPU: Intel i7 7500U @ 2.70 GHz</a:t>
             </a:r>
           </a:p>
           <a:p>
             <a:pPr lvl="1"/>
             <a:r>
-              <a:rPr lang="it-IT" dirty="0">
-                <a:latin typeface="Consolas" panose="020B0609020204030204" pitchFamily="49" charset="0"/>
-                <a:cs typeface="Consolas" panose="020B0609020204030204" pitchFamily="49" charset="0"/>
-              </a:rPr>
-              <a:t>ex19 (12005)</a:t>
+              <a:rPr lang="it-IT" sz="2000" dirty="0"/>
+              <a:t>RAM: 8GB DDR3</a:t>
             </a:r>
           </a:p>
           <a:p>
             <a:pPr lvl="1"/>
             <a:r>
-              <a:rPr lang="it-IT" dirty="0">
-                <a:latin typeface="Consolas" panose="020B0609020204030204" pitchFamily="49" charset="0"/>
-                <a:cs typeface="Consolas" panose="020B0609020204030204" pitchFamily="49" charset="0"/>
-              </a:rPr>
-              <a:t>graham1 (9035)</a:t>
+              <a:rPr lang="it-IT" sz="2000" dirty="0"/>
+              <a:t>Memoria fisica: SSD M.2 512GB</a:t>
             </a:r>
           </a:p>
           <a:p>
             <a:pPr lvl="1"/>
             <a:r>
-              <a:rPr lang="it-IT" dirty="0">
-                <a:latin typeface="Consolas" panose="020B0609020204030204" pitchFamily="49" charset="0"/>
-                <a:cs typeface="Consolas" panose="020B0609020204030204" pitchFamily="49" charset="0"/>
-              </a:rPr>
-              <a:t>kim2 (456976)</a:t>
+              <a:rPr lang="it-IT" sz="2000" dirty="0"/>
+              <a:t>Sistemi operativi:</a:t>
+            </a:r>
+          </a:p>
+          <a:p>
+            <a:pPr lvl="2"/>
+            <a:r>
+              <a:rPr lang="it-IT" sz="1800" dirty="0"/>
+              <a:t>Windows 10</a:t>
+            </a:r>
+          </a:p>
+          <a:p>
+            <a:pPr lvl="2"/>
+            <a:r>
+              <a:rPr lang="it-IT" sz="1800" dirty="0" err="1"/>
+              <a:t>Ubuntu</a:t>
+            </a:r>
+            <a:r>
+              <a:rPr lang="it-IT" sz="1800" dirty="0"/>
+              <a:t> Linux 16.04</a:t>
             </a:r>
           </a:p>
           <a:p>
             <a:pPr lvl="1"/>
-            <a:r>
-              <a:rPr lang="it-IT" dirty="0">
-                <a:latin typeface="Consolas" panose="020B0609020204030204" pitchFamily="49" charset="0"/>
-                <a:cs typeface="Consolas" panose="020B0609020204030204" pitchFamily="49" charset="0"/>
-              </a:rPr>
-              <a:t>raefsky3 (21200)</a:t>
-            </a:r>
-          </a:p>
-          <a:p>
-            <a:pPr lvl="1"/>
-            <a:r>
-              <a:rPr lang="it-IT" dirty="0">
-                <a:latin typeface="Consolas" panose="020B0609020204030204" pitchFamily="49" charset="0"/>
-                <a:cs typeface="Consolas" panose="020B0609020204030204" pitchFamily="49" charset="0"/>
-              </a:rPr>
-              <a:t>torso1 (116158)</a:t>
-            </a:r>
-          </a:p>
-          <a:p>
-            <a:pPr lvl="1"/>
-            <a:r>
-              <a:rPr lang="it-IT" dirty="0">
-                <a:latin typeface="Consolas" panose="020B0609020204030204" pitchFamily="49" charset="0"/>
-                <a:cs typeface="Consolas" panose="020B0609020204030204" pitchFamily="49" charset="0"/>
-              </a:rPr>
-              <a:t>torso3 (259156)</a:t>
-            </a:r>
-          </a:p>
-          <a:p>
-            <a:pPr lvl="1"/>
-            <a:r>
-              <a:rPr lang="it-IT" dirty="0" err="1">
-                <a:latin typeface="Consolas" panose="020B0609020204030204" pitchFamily="49" charset="0"/>
-                <a:cs typeface="Consolas" panose="020B0609020204030204" pitchFamily="49" charset="0"/>
-              </a:rPr>
-              <a:t>water_tank</a:t>
-            </a:r>
-            <a:r>
-              <a:rPr lang="it-IT" dirty="0">
-                <a:latin typeface="Consolas" panose="020B0609020204030204" pitchFamily="49" charset="0"/>
-                <a:cs typeface="Consolas" panose="020B0609020204030204" pitchFamily="49" charset="0"/>
-              </a:rPr>
-              <a:t> (60740)</a:t>
-            </a:r>
-          </a:p>
-          <a:p>
-            <a:pPr marL="457200" lvl="1" indent="0">
-              <a:buNone/>
-            </a:pPr>
-            <a:endParaRPr lang="it-IT" dirty="0">
-              <a:latin typeface="Consolas" panose="020B0609020204030204" pitchFamily="49" charset="0"/>
-              <a:cs typeface="Consolas" panose="020B0609020204030204" pitchFamily="49" charset="0"/>
-            </a:endParaRPr>
-          </a:p>
-          <a:p>
-            <a:pPr marL="457200" lvl="1" indent="0">
-              <a:buNone/>
-            </a:pPr>
-            <a:endParaRPr lang="it-IT" dirty="0">
-              <a:latin typeface="Consolas" panose="020B0609020204030204" pitchFamily="49" charset="0"/>
-              <a:cs typeface="Consolas" panose="020B0609020204030204" pitchFamily="49" charset="0"/>
-            </a:endParaRPr>
-          </a:p>
-        </p:txBody>
-      </p:sp>
-      <p:sp>
-        <p:nvSpPr>
-          <p:cNvPr id="4" name="Content Placeholder 2">
-            <a:extLst>
-              <a:ext uri="{FF2B5EF4-FFF2-40B4-BE49-F238E27FC236}">
-                <a16:creationId xmlns:a16="http://schemas.microsoft.com/office/drawing/2014/main" id="{497B6014-BD57-364D-86B3-E3CDF489F37C}"/>
-              </a:ext>
-            </a:extLst>
-          </p:cNvPr>
-          <p:cNvSpPr txBox="1">
-            <a:spLocks/>
-          </p:cNvSpPr>
-          <p:nvPr/>
-        </p:nvSpPr>
-        <p:spPr>
-          <a:xfrm>
-            <a:off x="4540497" y="2160589"/>
-            <a:ext cx="3518982" cy="3880773"/>
-          </a:xfrm>
-          <a:prstGeom prst="rect">
-            <a:avLst/>
-          </a:prstGeom>
-        </p:spPr>
-        <p:txBody>
-          <a:bodyPr vert="horz" lIns="91440" tIns="45720" rIns="91440" bIns="45720" rtlCol="0">
-            <a:normAutofit/>
-          </a:bodyPr>
-          <a:lstStyle>
-            <a:lvl1pPr marL="342900" indent="-342900" algn="l" defTabSz="457200" rtl="0" eaLnBrk="1" latinLnBrk="0" hangingPunct="1">
-              <a:spcBef>
-                <a:spcPts val="1000"/>
-              </a:spcBef>
-              <a:spcAft>
-                <a:spcPts val="0"/>
-              </a:spcAft>
-              <a:buClr>
-                <a:schemeClr val="accent1"/>
-              </a:buClr>
-              <a:buSzPct val="80000"/>
-              <a:buFont typeface="Wingdings 3" charset="2"/>
-              <a:buChar char=""/>
-              <a:defRPr sz="1800" kern="1200">
-                <a:solidFill>
-                  <a:schemeClr val="tx1">
-                    <a:lumMod val="75000"/>
-                    <a:lumOff val="25000"/>
-                  </a:schemeClr>
-                </a:solidFill>
-                <a:latin typeface="+mn-lt"/>
-                <a:ea typeface="+mn-ea"/>
-                <a:cs typeface="+mn-cs"/>
-              </a:defRPr>
-            </a:lvl1pPr>
-            <a:lvl2pPr marL="742950" indent="-285750" algn="l" defTabSz="457200" rtl="0" eaLnBrk="1" latinLnBrk="0" hangingPunct="1">
-              <a:spcBef>
-                <a:spcPts val="1000"/>
-              </a:spcBef>
-              <a:spcAft>
-                <a:spcPts val="0"/>
-              </a:spcAft>
-              <a:buClr>
-                <a:schemeClr val="accent1"/>
-              </a:buClr>
-              <a:buSzPct val="80000"/>
-              <a:buFont typeface="Wingdings 3" charset="2"/>
-              <a:buChar char=""/>
-              <a:defRPr sz="1600" kern="1200">
-                <a:solidFill>
-                  <a:schemeClr val="tx1">
-                    <a:lumMod val="75000"/>
-                    <a:lumOff val="25000"/>
-                  </a:schemeClr>
-                </a:solidFill>
-                <a:latin typeface="+mn-lt"/>
-                <a:ea typeface="+mn-ea"/>
-                <a:cs typeface="+mn-cs"/>
-              </a:defRPr>
-            </a:lvl2pPr>
-            <a:lvl3pPr marL="1143000" indent="-228600" algn="l" defTabSz="457200" rtl="0" eaLnBrk="1" latinLnBrk="0" hangingPunct="1">
-              <a:spcBef>
-                <a:spcPts val="1000"/>
-              </a:spcBef>
-              <a:spcAft>
-                <a:spcPts val="0"/>
-              </a:spcAft>
-              <a:buClr>
-                <a:schemeClr val="accent1"/>
-              </a:buClr>
-              <a:buSzPct val="80000"/>
-              <a:buFont typeface="Wingdings 3" charset="2"/>
-              <a:buChar char=""/>
-              <a:defRPr sz="1400" kern="1200">
-                <a:solidFill>
-                  <a:schemeClr val="tx1">
-                    <a:lumMod val="75000"/>
-                    <a:lumOff val="25000"/>
-                  </a:schemeClr>
-                </a:solidFill>
-                <a:latin typeface="+mn-lt"/>
-                <a:ea typeface="+mn-ea"/>
-                <a:cs typeface="+mn-cs"/>
-              </a:defRPr>
-            </a:lvl3pPr>
-            <a:lvl4pPr marL="1600200" indent="-228600" algn="l" defTabSz="457200" rtl="0" eaLnBrk="1" latinLnBrk="0" hangingPunct="1">
-              <a:spcBef>
-                <a:spcPts val="1000"/>
-              </a:spcBef>
-              <a:spcAft>
-                <a:spcPts val="0"/>
-              </a:spcAft>
-              <a:buClr>
-                <a:schemeClr val="accent1"/>
-              </a:buClr>
-              <a:buSzPct val="80000"/>
-              <a:buFont typeface="Wingdings 3" charset="2"/>
-              <a:buChar char=""/>
-              <a:defRPr sz="1200" kern="1200">
-                <a:solidFill>
-                  <a:schemeClr val="tx1">
-                    <a:lumMod val="75000"/>
-                    <a:lumOff val="25000"/>
-                  </a:schemeClr>
-                </a:solidFill>
-                <a:latin typeface="+mn-lt"/>
-                <a:ea typeface="+mn-ea"/>
-                <a:cs typeface="+mn-cs"/>
-              </a:defRPr>
-            </a:lvl4pPr>
-            <a:lvl5pPr marL="2057400" indent="-228600" algn="l" defTabSz="457200" rtl="0" eaLnBrk="1" latinLnBrk="0" hangingPunct="1">
-              <a:spcBef>
-                <a:spcPts val="1000"/>
-              </a:spcBef>
-              <a:spcAft>
-                <a:spcPts val="0"/>
-              </a:spcAft>
-              <a:buClr>
-                <a:schemeClr val="accent1"/>
-              </a:buClr>
-              <a:buSzPct val="80000"/>
-              <a:buFont typeface="Wingdings 3" charset="2"/>
-              <a:buChar char=""/>
-              <a:defRPr sz="1200" kern="1200">
-                <a:solidFill>
-                  <a:schemeClr val="tx1">
-                    <a:lumMod val="75000"/>
-                    <a:lumOff val="25000"/>
-                  </a:schemeClr>
-                </a:solidFill>
-                <a:latin typeface="+mn-lt"/>
-                <a:ea typeface="+mn-ea"/>
-                <a:cs typeface="+mn-cs"/>
-              </a:defRPr>
-            </a:lvl5pPr>
-            <a:lvl6pPr marL="2514600" indent="-228600" algn="l" defTabSz="457200" rtl="0" eaLnBrk="1" latinLnBrk="0" hangingPunct="1">
-              <a:spcBef>
-                <a:spcPts val="1000"/>
-              </a:spcBef>
-              <a:spcAft>
-                <a:spcPts val="0"/>
-              </a:spcAft>
-              <a:buClr>
-                <a:schemeClr val="accent1"/>
-              </a:buClr>
-              <a:buSzPct val="80000"/>
-              <a:buFont typeface="Wingdings 3" charset="2"/>
-              <a:buChar char=""/>
-              <a:defRPr sz="1200" kern="1200">
-                <a:solidFill>
-                  <a:schemeClr val="tx1">
-                    <a:lumMod val="75000"/>
-                    <a:lumOff val="25000"/>
-                  </a:schemeClr>
-                </a:solidFill>
-                <a:latin typeface="+mn-lt"/>
-                <a:ea typeface="+mn-ea"/>
-                <a:cs typeface="+mn-cs"/>
-              </a:defRPr>
-            </a:lvl6pPr>
-            <a:lvl7pPr marL="2971800" indent="-228600" algn="l" defTabSz="457200" rtl="0" eaLnBrk="1" latinLnBrk="0" hangingPunct="1">
-              <a:spcBef>
-                <a:spcPts val="1000"/>
-              </a:spcBef>
-              <a:spcAft>
-                <a:spcPts val="0"/>
-              </a:spcAft>
-              <a:buClr>
-                <a:schemeClr val="accent1"/>
-              </a:buClr>
-              <a:buSzPct val="80000"/>
-              <a:buFont typeface="Wingdings 3" charset="2"/>
-              <a:buChar char=""/>
-              <a:defRPr sz="1200" kern="1200">
-                <a:solidFill>
-                  <a:schemeClr val="tx1">
-                    <a:lumMod val="75000"/>
-                    <a:lumOff val="25000"/>
-                  </a:schemeClr>
-                </a:solidFill>
-                <a:latin typeface="+mn-lt"/>
-                <a:ea typeface="+mn-ea"/>
-                <a:cs typeface="+mn-cs"/>
-              </a:defRPr>
-            </a:lvl7pPr>
-            <a:lvl8pPr marL="3429000" indent="-228600" algn="l" defTabSz="457200" rtl="0" eaLnBrk="1" latinLnBrk="0" hangingPunct="1">
-              <a:spcBef>
-                <a:spcPts val="1000"/>
-              </a:spcBef>
-              <a:spcAft>
-                <a:spcPts val="0"/>
-              </a:spcAft>
-              <a:buClr>
-                <a:schemeClr val="accent1"/>
-              </a:buClr>
-              <a:buSzPct val="80000"/>
-              <a:buFont typeface="Wingdings 3" charset="2"/>
-              <a:buChar char=""/>
-              <a:defRPr sz="1200" kern="1200">
-                <a:solidFill>
-                  <a:schemeClr val="tx1">
-                    <a:lumMod val="75000"/>
-                    <a:lumOff val="25000"/>
-                  </a:schemeClr>
-                </a:solidFill>
-                <a:latin typeface="+mn-lt"/>
-                <a:ea typeface="+mn-ea"/>
-                <a:cs typeface="+mn-cs"/>
-              </a:defRPr>
-            </a:lvl8pPr>
-            <a:lvl9pPr marL="3886200" indent="-228600" algn="l" defTabSz="457200" rtl="0" eaLnBrk="1" latinLnBrk="0" hangingPunct="1">
-              <a:spcBef>
-                <a:spcPts val="1000"/>
-              </a:spcBef>
-              <a:spcAft>
-                <a:spcPts val="0"/>
-              </a:spcAft>
-              <a:buClr>
-                <a:schemeClr val="accent1"/>
-              </a:buClr>
-              <a:buSzPct val="80000"/>
-              <a:buFont typeface="Wingdings 3" charset="2"/>
-              <a:buChar char=""/>
-              <a:defRPr sz="1200" kern="1200">
-                <a:solidFill>
-                  <a:schemeClr val="tx1">
-                    <a:lumMod val="75000"/>
-                    <a:lumOff val="25000"/>
-                  </a:schemeClr>
-                </a:solidFill>
-                <a:latin typeface="+mn-lt"/>
-                <a:ea typeface="+mn-ea"/>
-                <a:cs typeface="+mn-cs"/>
-              </a:defRPr>
-            </a:lvl9pPr>
-          </a:lstStyle>
-          <a:p>
-            <a:r>
-              <a:rPr lang="it-IT" dirty="0"/>
-              <a:t>Definite Positive</a:t>
-            </a:r>
-          </a:p>
-          <a:p>
-            <a:pPr lvl="1"/>
-            <a:r>
-              <a:rPr lang="it-IT" dirty="0">
-                <a:latin typeface="Consolas" panose="020B0609020204030204" pitchFamily="49" charset="0"/>
-                <a:cs typeface="Consolas" panose="020B0609020204030204" pitchFamily="49" charset="0"/>
-              </a:rPr>
-              <a:t>G3_circuit (1585478)</a:t>
-            </a:r>
-          </a:p>
-          <a:p>
-            <a:pPr lvl="1"/>
-            <a:r>
-              <a:rPr lang="it-IT" dirty="0">
-                <a:latin typeface="Consolas" panose="020B0609020204030204" pitchFamily="49" charset="0"/>
-                <a:cs typeface="Consolas" panose="020B0609020204030204" pitchFamily="49" charset="0"/>
-              </a:rPr>
-              <a:t>apache2 (715176)</a:t>
-            </a:r>
-          </a:p>
-          <a:p>
-            <a:pPr lvl="1"/>
-            <a:r>
-              <a:rPr lang="it-IT" dirty="0">
-                <a:latin typeface="Consolas" panose="020B0609020204030204" pitchFamily="49" charset="0"/>
-                <a:cs typeface="Consolas" panose="020B0609020204030204" pitchFamily="49" charset="0"/>
-              </a:rPr>
-              <a:t>cfd1 (70656)</a:t>
-            </a:r>
-          </a:p>
-          <a:p>
-            <a:pPr lvl="1"/>
-            <a:r>
-              <a:rPr lang="it-IT" dirty="0">
-                <a:latin typeface="Consolas" panose="020B0609020204030204" pitchFamily="49" charset="0"/>
-                <a:cs typeface="Consolas" panose="020B0609020204030204" pitchFamily="49" charset="0"/>
-              </a:rPr>
-              <a:t>cfd2 (123440)</a:t>
-            </a:r>
-          </a:p>
-          <a:p>
-            <a:pPr lvl="1"/>
-            <a:r>
-              <a:rPr lang="it-IT" dirty="0">
-                <a:latin typeface="Consolas" panose="020B0609020204030204" pitchFamily="49" charset="0"/>
-                <a:cs typeface="Consolas" panose="020B0609020204030204" pitchFamily="49" charset="0"/>
-              </a:rPr>
-              <a:t>ex15 (6867)</a:t>
-            </a:r>
-          </a:p>
-          <a:p>
-            <a:pPr lvl="1"/>
-            <a:r>
-              <a:rPr lang="it-IT" dirty="0" err="1">
-                <a:latin typeface="Consolas" panose="020B0609020204030204" pitchFamily="49" charset="0"/>
-                <a:cs typeface="Consolas" panose="020B0609020204030204" pitchFamily="49" charset="0"/>
-              </a:rPr>
-              <a:t>parabolic_fem</a:t>
-            </a:r>
-            <a:r>
-              <a:rPr lang="it-IT" dirty="0">
-                <a:latin typeface="Consolas" panose="020B0609020204030204" pitchFamily="49" charset="0"/>
-                <a:cs typeface="Consolas" panose="020B0609020204030204" pitchFamily="49" charset="0"/>
-              </a:rPr>
-              <a:t> (525825)</a:t>
-            </a:r>
-          </a:p>
-          <a:p>
-            <a:pPr lvl="1"/>
-            <a:r>
-              <a:rPr lang="it-IT" dirty="0">
-                <a:latin typeface="Consolas" panose="020B0609020204030204" pitchFamily="49" charset="0"/>
-                <a:cs typeface="Consolas" panose="020B0609020204030204" pitchFamily="49" charset="0"/>
-              </a:rPr>
-              <a:t>shallow_water1 (82920)</a:t>
-            </a:r>
-          </a:p>
-          <a:p>
-            <a:pPr marL="457200" lvl="1" indent="0">
-              <a:buFont typeface="Wingdings 3" charset="2"/>
-              <a:buNone/>
-            </a:pPr>
-            <a:endParaRPr lang="it-IT" dirty="0">
-              <a:latin typeface="Consolas" panose="020B0609020204030204" pitchFamily="49" charset="0"/>
-              <a:cs typeface="Consolas" panose="020B0609020204030204" pitchFamily="49" charset="0"/>
-            </a:endParaRPr>
-          </a:p>
-          <a:p>
-            <a:pPr marL="457200" lvl="1" indent="0">
-              <a:buFont typeface="Wingdings 3" charset="2"/>
-              <a:buNone/>
-            </a:pPr>
-            <a:endParaRPr lang="it-IT" dirty="0">
-              <a:latin typeface="Consolas" panose="020B0609020204030204" pitchFamily="49" charset="0"/>
-              <a:cs typeface="Consolas" panose="020B0609020204030204" pitchFamily="49" charset="0"/>
-            </a:endParaRPr>
+            <a:endParaRPr lang="it-IT" dirty="0"/>
           </a:p>
         </p:txBody>
       </p:sp>
     </p:spTree>
     <p:extLst>
       <p:ext uri="{BB962C8B-B14F-4D97-AF65-F5344CB8AC3E}">
-        <p14:creationId xmlns:p14="http://schemas.microsoft.com/office/powerpoint/2010/main" val="1100735805"/>
+        <p14:creationId xmlns:p14="http://schemas.microsoft.com/office/powerpoint/2010/main" val="3108514142"/>
       </p:ext>
     </p:extLst>
   </p:cSld>
@@ -9293,7 +8887,7 @@
           <p:cNvPr id="2" name="Title 1">
             <a:extLst>
               <a:ext uri="{FF2B5EF4-FFF2-40B4-BE49-F238E27FC236}">
-                <a16:creationId xmlns:a16="http://schemas.microsoft.com/office/drawing/2014/main" id="{4A0152D8-ACCA-4E41-842B-09E388D9356B}"/>
+                <a16:creationId xmlns:a16="http://schemas.microsoft.com/office/drawing/2014/main" id="{A69F235A-A34A-1C4E-B234-E1937DF89AEE}"/>
               </a:ext>
             </a:extLst>
           </p:cNvPr>
@@ -9310,12 +8904,8 @@
           <a:lstStyle/>
           <a:p>
             <a:r>
-              <a:rPr lang="it-IT" dirty="0" err="1"/>
-              <a:t>Overview</a:t>
-            </a:r>
-            <a:r>
               <a:rPr lang="it-IT" dirty="0"/>
-              <a:t> Risultati</a:t>
+              <a:t>Matrici Testate</a:t>
             </a:r>
           </a:p>
         </p:txBody>
@@ -9325,7 +8915,7 @@
           <p:cNvPr id="3" name="Content Placeholder 2">
             <a:extLst>
               <a:ext uri="{FF2B5EF4-FFF2-40B4-BE49-F238E27FC236}">
-                <a16:creationId xmlns:a16="http://schemas.microsoft.com/office/drawing/2014/main" id="{C8751E77-78F7-314F-B203-6619A3D3645B}"/>
+                <a16:creationId xmlns:a16="http://schemas.microsoft.com/office/drawing/2014/main" id="{70812C64-A1EB-974C-8E1A-346EC6272DD0}"/>
               </a:ext>
             </a:extLst>
           </p:cNvPr>
@@ -9336,30 +8926,491 @@
             <p:ph idx="1"/>
           </p:nvPr>
         </p:nvSpPr>
-        <p:spPr/>
+        <p:spPr>
+          <a:xfrm>
+            <a:off x="677334" y="2160589"/>
+            <a:ext cx="3256713" cy="3880773"/>
+          </a:xfrm>
+        </p:spPr>
         <p:txBody>
           <a:bodyPr/>
           <a:lstStyle/>
           <a:p>
             <a:r>
-              <a:rPr lang="it-IT" dirty="0"/>
-              <a:t>*</a:t>
-            </a:r>
-            <a:r>
-              <a:rPr lang="it-IT" dirty="0" err="1"/>
-              <a:t>Graficone</a:t>
-            </a:r>
-            <a:r>
-              <a:rPr lang="it-IT" dirty="0"/>
-              <a:t> che vogliono loro con tutto quanto*</a:t>
-            </a:r>
+              <a:rPr lang="it-IT" sz="2000" dirty="0"/>
+              <a:t>Non Definite Positive</a:t>
+            </a:r>
+          </a:p>
+          <a:p>
+            <a:pPr lvl="1"/>
+            <a:r>
+              <a:rPr lang="it-IT" sz="1800" dirty="0">
+                <a:latin typeface="Consolas" panose="020B0609020204030204" pitchFamily="49" charset="0"/>
+                <a:cs typeface="Consolas" panose="020B0609020204030204" pitchFamily="49" charset="0"/>
+              </a:rPr>
+              <a:t>PR02R (161070)</a:t>
+            </a:r>
+          </a:p>
+          <a:p>
+            <a:pPr lvl="1"/>
+            <a:r>
+              <a:rPr lang="it-IT" sz="1800" dirty="0">
+                <a:latin typeface="Consolas" panose="020B0609020204030204" pitchFamily="49" charset="0"/>
+                <a:cs typeface="Consolas" panose="020B0609020204030204" pitchFamily="49" charset="0"/>
+              </a:rPr>
+              <a:t>ex19 (12005)</a:t>
+            </a:r>
+          </a:p>
+          <a:p>
+            <a:pPr lvl="1"/>
+            <a:r>
+              <a:rPr lang="it-IT" sz="1800" dirty="0">
+                <a:latin typeface="Consolas" panose="020B0609020204030204" pitchFamily="49" charset="0"/>
+                <a:cs typeface="Consolas" panose="020B0609020204030204" pitchFamily="49" charset="0"/>
+              </a:rPr>
+              <a:t>graham1 (9035)</a:t>
+            </a:r>
+          </a:p>
+          <a:p>
+            <a:pPr lvl="1"/>
+            <a:r>
+              <a:rPr lang="it-IT" sz="1800" dirty="0">
+                <a:latin typeface="Consolas" panose="020B0609020204030204" pitchFamily="49" charset="0"/>
+                <a:cs typeface="Consolas" panose="020B0609020204030204" pitchFamily="49" charset="0"/>
+              </a:rPr>
+              <a:t>kim2 (456976)</a:t>
+            </a:r>
+          </a:p>
+          <a:p>
+            <a:pPr lvl="1"/>
+            <a:r>
+              <a:rPr lang="it-IT" sz="1800" dirty="0">
+                <a:latin typeface="Consolas" panose="020B0609020204030204" pitchFamily="49" charset="0"/>
+                <a:cs typeface="Consolas" panose="020B0609020204030204" pitchFamily="49" charset="0"/>
+              </a:rPr>
+              <a:t>raefsky3 (21200)</a:t>
+            </a:r>
+          </a:p>
+          <a:p>
+            <a:pPr lvl="1"/>
+            <a:r>
+              <a:rPr lang="it-IT" sz="1800" dirty="0">
+                <a:latin typeface="Consolas" panose="020B0609020204030204" pitchFamily="49" charset="0"/>
+                <a:cs typeface="Consolas" panose="020B0609020204030204" pitchFamily="49" charset="0"/>
+              </a:rPr>
+              <a:t>torso1 (116158)</a:t>
+            </a:r>
+          </a:p>
+          <a:p>
+            <a:pPr lvl="1"/>
+            <a:r>
+              <a:rPr lang="it-IT" sz="1800" dirty="0">
+                <a:latin typeface="Consolas" panose="020B0609020204030204" pitchFamily="49" charset="0"/>
+                <a:cs typeface="Consolas" panose="020B0609020204030204" pitchFamily="49" charset="0"/>
+              </a:rPr>
+              <a:t>torso3 (259156)</a:t>
+            </a:r>
+          </a:p>
+          <a:p>
+            <a:pPr lvl="1"/>
+            <a:r>
+              <a:rPr lang="it-IT" sz="1800" dirty="0" err="1">
+                <a:latin typeface="Consolas" panose="020B0609020204030204" pitchFamily="49" charset="0"/>
+                <a:cs typeface="Consolas" panose="020B0609020204030204" pitchFamily="49" charset="0"/>
+              </a:rPr>
+              <a:t>water_tank</a:t>
+            </a:r>
+            <a:r>
+              <a:rPr lang="it-IT" sz="1800" dirty="0">
+                <a:latin typeface="Consolas" panose="020B0609020204030204" pitchFamily="49" charset="0"/>
+                <a:cs typeface="Consolas" panose="020B0609020204030204" pitchFamily="49" charset="0"/>
+              </a:rPr>
+              <a:t> (60740)</a:t>
+            </a:r>
+          </a:p>
+          <a:p>
+            <a:pPr marL="457200" lvl="1" indent="0">
+              <a:buNone/>
+            </a:pPr>
+            <a:endParaRPr lang="it-IT" sz="1800" dirty="0">
+              <a:latin typeface="Consolas" panose="020B0609020204030204" pitchFamily="49" charset="0"/>
+              <a:cs typeface="Consolas" panose="020B0609020204030204" pitchFamily="49" charset="0"/>
+            </a:endParaRPr>
+          </a:p>
+          <a:p>
+            <a:pPr marL="457200" lvl="1" indent="0">
+              <a:buNone/>
+            </a:pPr>
+            <a:endParaRPr lang="it-IT" sz="1800" dirty="0">
+              <a:latin typeface="Consolas" panose="020B0609020204030204" pitchFamily="49" charset="0"/>
+              <a:cs typeface="Consolas" panose="020B0609020204030204" pitchFamily="49" charset="0"/>
+            </a:endParaRPr>
+          </a:p>
+        </p:txBody>
+      </p:sp>
+      <p:sp>
+        <p:nvSpPr>
+          <p:cNvPr id="4" name="Content Placeholder 2">
+            <a:extLst>
+              <a:ext uri="{FF2B5EF4-FFF2-40B4-BE49-F238E27FC236}">
+                <a16:creationId xmlns:a16="http://schemas.microsoft.com/office/drawing/2014/main" id="{497B6014-BD57-364D-86B3-E3CDF489F37C}"/>
+              </a:ext>
+            </a:extLst>
+          </p:cNvPr>
+          <p:cNvSpPr txBox="1">
+            <a:spLocks/>
+          </p:cNvSpPr>
+          <p:nvPr/>
+        </p:nvSpPr>
+        <p:spPr>
+          <a:xfrm>
+            <a:off x="4540497" y="2160589"/>
+            <a:ext cx="3518982" cy="3880773"/>
+          </a:xfrm>
+          <a:prstGeom prst="rect">
+            <a:avLst/>
+          </a:prstGeom>
+        </p:spPr>
+        <p:txBody>
+          <a:bodyPr vert="horz" lIns="91440" tIns="45720" rIns="91440" bIns="45720" rtlCol="0">
+            <a:normAutofit/>
+          </a:bodyPr>
+          <a:lstStyle>
+            <a:lvl1pPr marL="342900" indent="-342900" algn="l" defTabSz="457200" rtl="0" eaLnBrk="1" latinLnBrk="0" hangingPunct="1">
+              <a:spcBef>
+                <a:spcPts val="1000"/>
+              </a:spcBef>
+              <a:spcAft>
+                <a:spcPts val="0"/>
+              </a:spcAft>
+              <a:buClr>
+                <a:schemeClr val="accent1"/>
+              </a:buClr>
+              <a:buSzPct val="80000"/>
+              <a:buFont typeface="Wingdings 3" charset="2"/>
+              <a:buChar char=""/>
+              <a:defRPr sz="1800" kern="1200">
+                <a:solidFill>
+                  <a:schemeClr val="tx1">
+                    <a:lumMod val="75000"/>
+                    <a:lumOff val="25000"/>
+                  </a:schemeClr>
+                </a:solidFill>
+                <a:latin typeface="+mn-lt"/>
+                <a:ea typeface="+mn-ea"/>
+                <a:cs typeface="+mn-cs"/>
+              </a:defRPr>
+            </a:lvl1pPr>
+            <a:lvl2pPr marL="742950" indent="-285750" algn="l" defTabSz="457200" rtl="0" eaLnBrk="1" latinLnBrk="0" hangingPunct="1">
+              <a:spcBef>
+                <a:spcPts val="1000"/>
+              </a:spcBef>
+              <a:spcAft>
+                <a:spcPts val="0"/>
+              </a:spcAft>
+              <a:buClr>
+                <a:schemeClr val="accent1"/>
+              </a:buClr>
+              <a:buSzPct val="80000"/>
+              <a:buFont typeface="Wingdings 3" charset="2"/>
+              <a:buChar char=""/>
+              <a:defRPr sz="1600" kern="1200">
+                <a:solidFill>
+                  <a:schemeClr val="tx1">
+                    <a:lumMod val="75000"/>
+                    <a:lumOff val="25000"/>
+                  </a:schemeClr>
+                </a:solidFill>
+                <a:latin typeface="+mn-lt"/>
+                <a:ea typeface="+mn-ea"/>
+                <a:cs typeface="+mn-cs"/>
+              </a:defRPr>
+            </a:lvl2pPr>
+            <a:lvl3pPr marL="1143000" indent="-228600" algn="l" defTabSz="457200" rtl="0" eaLnBrk="1" latinLnBrk="0" hangingPunct="1">
+              <a:spcBef>
+                <a:spcPts val="1000"/>
+              </a:spcBef>
+              <a:spcAft>
+                <a:spcPts val="0"/>
+              </a:spcAft>
+              <a:buClr>
+                <a:schemeClr val="accent1"/>
+              </a:buClr>
+              <a:buSzPct val="80000"/>
+              <a:buFont typeface="Wingdings 3" charset="2"/>
+              <a:buChar char=""/>
+              <a:defRPr sz="1400" kern="1200">
+                <a:solidFill>
+                  <a:schemeClr val="tx1">
+                    <a:lumMod val="75000"/>
+                    <a:lumOff val="25000"/>
+                  </a:schemeClr>
+                </a:solidFill>
+                <a:latin typeface="+mn-lt"/>
+                <a:ea typeface="+mn-ea"/>
+                <a:cs typeface="+mn-cs"/>
+              </a:defRPr>
+            </a:lvl3pPr>
+            <a:lvl4pPr marL="1600200" indent="-228600" algn="l" defTabSz="457200" rtl="0" eaLnBrk="1" latinLnBrk="0" hangingPunct="1">
+              <a:spcBef>
+                <a:spcPts val="1000"/>
+              </a:spcBef>
+              <a:spcAft>
+                <a:spcPts val="0"/>
+              </a:spcAft>
+              <a:buClr>
+                <a:schemeClr val="accent1"/>
+              </a:buClr>
+              <a:buSzPct val="80000"/>
+              <a:buFont typeface="Wingdings 3" charset="2"/>
+              <a:buChar char=""/>
+              <a:defRPr sz="1200" kern="1200">
+                <a:solidFill>
+                  <a:schemeClr val="tx1">
+                    <a:lumMod val="75000"/>
+                    <a:lumOff val="25000"/>
+                  </a:schemeClr>
+                </a:solidFill>
+                <a:latin typeface="+mn-lt"/>
+                <a:ea typeface="+mn-ea"/>
+                <a:cs typeface="+mn-cs"/>
+              </a:defRPr>
+            </a:lvl4pPr>
+            <a:lvl5pPr marL="2057400" indent="-228600" algn="l" defTabSz="457200" rtl="0" eaLnBrk="1" latinLnBrk="0" hangingPunct="1">
+              <a:spcBef>
+                <a:spcPts val="1000"/>
+              </a:spcBef>
+              <a:spcAft>
+                <a:spcPts val="0"/>
+              </a:spcAft>
+              <a:buClr>
+                <a:schemeClr val="accent1"/>
+              </a:buClr>
+              <a:buSzPct val="80000"/>
+              <a:buFont typeface="Wingdings 3" charset="2"/>
+              <a:buChar char=""/>
+              <a:defRPr sz="1200" kern="1200">
+                <a:solidFill>
+                  <a:schemeClr val="tx1">
+                    <a:lumMod val="75000"/>
+                    <a:lumOff val="25000"/>
+                  </a:schemeClr>
+                </a:solidFill>
+                <a:latin typeface="+mn-lt"/>
+                <a:ea typeface="+mn-ea"/>
+                <a:cs typeface="+mn-cs"/>
+              </a:defRPr>
+            </a:lvl5pPr>
+            <a:lvl6pPr marL="2514600" indent="-228600" algn="l" defTabSz="457200" rtl="0" eaLnBrk="1" latinLnBrk="0" hangingPunct="1">
+              <a:spcBef>
+                <a:spcPts val="1000"/>
+              </a:spcBef>
+              <a:spcAft>
+                <a:spcPts val="0"/>
+              </a:spcAft>
+              <a:buClr>
+                <a:schemeClr val="accent1"/>
+              </a:buClr>
+              <a:buSzPct val="80000"/>
+              <a:buFont typeface="Wingdings 3" charset="2"/>
+              <a:buChar char=""/>
+              <a:defRPr sz="1200" kern="1200">
+                <a:solidFill>
+                  <a:schemeClr val="tx1">
+                    <a:lumMod val="75000"/>
+                    <a:lumOff val="25000"/>
+                  </a:schemeClr>
+                </a:solidFill>
+                <a:latin typeface="+mn-lt"/>
+                <a:ea typeface="+mn-ea"/>
+                <a:cs typeface="+mn-cs"/>
+              </a:defRPr>
+            </a:lvl6pPr>
+            <a:lvl7pPr marL="2971800" indent="-228600" algn="l" defTabSz="457200" rtl="0" eaLnBrk="1" latinLnBrk="0" hangingPunct="1">
+              <a:spcBef>
+                <a:spcPts val="1000"/>
+              </a:spcBef>
+              <a:spcAft>
+                <a:spcPts val="0"/>
+              </a:spcAft>
+              <a:buClr>
+                <a:schemeClr val="accent1"/>
+              </a:buClr>
+              <a:buSzPct val="80000"/>
+              <a:buFont typeface="Wingdings 3" charset="2"/>
+              <a:buChar char=""/>
+              <a:defRPr sz="1200" kern="1200">
+                <a:solidFill>
+                  <a:schemeClr val="tx1">
+                    <a:lumMod val="75000"/>
+                    <a:lumOff val="25000"/>
+                  </a:schemeClr>
+                </a:solidFill>
+                <a:latin typeface="+mn-lt"/>
+                <a:ea typeface="+mn-ea"/>
+                <a:cs typeface="+mn-cs"/>
+              </a:defRPr>
+            </a:lvl7pPr>
+            <a:lvl8pPr marL="3429000" indent="-228600" algn="l" defTabSz="457200" rtl="0" eaLnBrk="1" latinLnBrk="0" hangingPunct="1">
+              <a:spcBef>
+                <a:spcPts val="1000"/>
+              </a:spcBef>
+              <a:spcAft>
+                <a:spcPts val="0"/>
+              </a:spcAft>
+              <a:buClr>
+                <a:schemeClr val="accent1"/>
+              </a:buClr>
+              <a:buSzPct val="80000"/>
+              <a:buFont typeface="Wingdings 3" charset="2"/>
+              <a:buChar char=""/>
+              <a:defRPr sz="1200" kern="1200">
+                <a:solidFill>
+                  <a:schemeClr val="tx1">
+                    <a:lumMod val="75000"/>
+                    <a:lumOff val="25000"/>
+                  </a:schemeClr>
+                </a:solidFill>
+                <a:latin typeface="+mn-lt"/>
+                <a:ea typeface="+mn-ea"/>
+                <a:cs typeface="+mn-cs"/>
+              </a:defRPr>
+            </a:lvl8pPr>
+            <a:lvl9pPr marL="3886200" indent="-228600" algn="l" defTabSz="457200" rtl="0" eaLnBrk="1" latinLnBrk="0" hangingPunct="1">
+              <a:spcBef>
+                <a:spcPts val="1000"/>
+              </a:spcBef>
+              <a:spcAft>
+                <a:spcPts val="0"/>
+              </a:spcAft>
+              <a:buClr>
+                <a:schemeClr val="accent1"/>
+              </a:buClr>
+              <a:buSzPct val="80000"/>
+              <a:buFont typeface="Wingdings 3" charset="2"/>
+              <a:buChar char=""/>
+              <a:defRPr sz="1200" kern="1200">
+                <a:solidFill>
+                  <a:schemeClr val="tx1">
+                    <a:lumMod val="75000"/>
+                    <a:lumOff val="25000"/>
+                  </a:schemeClr>
+                </a:solidFill>
+                <a:latin typeface="+mn-lt"/>
+                <a:ea typeface="+mn-ea"/>
+                <a:cs typeface="+mn-cs"/>
+              </a:defRPr>
+            </a:lvl9pPr>
+          </a:lstStyle>
+          <a:p>
+            <a:r>
+              <a:rPr lang="it-IT" sz="2000" dirty="0"/>
+              <a:t>Definite Positive</a:t>
+            </a:r>
+          </a:p>
+          <a:p>
+            <a:pPr lvl="1"/>
+            <a:r>
+              <a:rPr lang="it-IT" sz="1800" dirty="0">
+                <a:latin typeface="Consolas" panose="020B0609020204030204" pitchFamily="49" charset="0"/>
+                <a:cs typeface="Consolas" panose="020B0609020204030204" pitchFamily="49" charset="0"/>
+              </a:rPr>
+              <a:t>G3_circuit (1585478)</a:t>
+            </a:r>
+          </a:p>
+          <a:p>
+            <a:pPr lvl="1"/>
+            <a:r>
+              <a:rPr lang="it-IT" sz="1800" dirty="0">
+                <a:latin typeface="Consolas" panose="020B0609020204030204" pitchFamily="49" charset="0"/>
+                <a:cs typeface="Consolas" panose="020B0609020204030204" pitchFamily="49" charset="0"/>
+              </a:rPr>
+              <a:t>apache2 (715176)</a:t>
+            </a:r>
+          </a:p>
+          <a:p>
+            <a:pPr lvl="1"/>
+            <a:r>
+              <a:rPr lang="it-IT" sz="1800" dirty="0">
+                <a:latin typeface="Consolas" panose="020B0609020204030204" pitchFamily="49" charset="0"/>
+                <a:cs typeface="Consolas" panose="020B0609020204030204" pitchFamily="49" charset="0"/>
+              </a:rPr>
+              <a:t>cfd1 (70656)</a:t>
+            </a:r>
+          </a:p>
+          <a:p>
+            <a:pPr lvl="1"/>
+            <a:r>
+              <a:rPr lang="it-IT" sz="1800" dirty="0">
+                <a:latin typeface="Consolas" panose="020B0609020204030204" pitchFamily="49" charset="0"/>
+                <a:cs typeface="Consolas" panose="020B0609020204030204" pitchFamily="49" charset="0"/>
+              </a:rPr>
+              <a:t>cfd2 (123440)</a:t>
+            </a:r>
+          </a:p>
+          <a:p>
+            <a:pPr lvl="1"/>
+            <a:r>
+              <a:rPr lang="it-IT" sz="1800" dirty="0">
+                <a:latin typeface="Consolas" panose="020B0609020204030204" pitchFamily="49" charset="0"/>
+                <a:cs typeface="Consolas" panose="020B0609020204030204" pitchFamily="49" charset="0"/>
+              </a:rPr>
+              <a:t>ex15 (6867)</a:t>
+            </a:r>
+          </a:p>
+          <a:p>
+            <a:pPr lvl="1"/>
+            <a:r>
+              <a:rPr lang="it-IT" sz="1800" dirty="0" err="1">
+                <a:latin typeface="Consolas" panose="020B0609020204030204" pitchFamily="49" charset="0"/>
+                <a:cs typeface="Consolas" panose="020B0609020204030204" pitchFamily="49" charset="0"/>
+              </a:rPr>
+              <a:t>parabolic_fem</a:t>
+            </a:r>
+            <a:r>
+              <a:rPr lang="it-IT" sz="1800" dirty="0">
+                <a:latin typeface="Consolas" panose="020B0609020204030204" pitchFamily="49" charset="0"/>
+                <a:cs typeface="Consolas" panose="020B0609020204030204" pitchFamily="49" charset="0"/>
+              </a:rPr>
+              <a:t> (525825)</a:t>
+            </a:r>
+          </a:p>
+          <a:p>
+            <a:pPr lvl="1"/>
+            <a:r>
+              <a:rPr lang="it-IT" sz="1800" dirty="0">
+                <a:latin typeface="Consolas" panose="020B0609020204030204" pitchFamily="49" charset="0"/>
+                <a:cs typeface="Consolas" panose="020B0609020204030204" pitchFamily="49" charset="0"/>
+              </a:rPr>
+              <a:t>shallow_water1 (82920)</a:t>
+            </a:r>
+          </a:p>
+          <a:p>
+            <a:pPr marL="457200" lvl="1" indent="0">
+              <a:buFont typeface="Wingdings 3" charset="2"/>
+              <a:buNone/>
+            </a:pPr>
+            <a:endParaRPr lang="it-IT" sz="1800" dirty="0">
+              <a:latin typeface="Consolas" panose="020B0609020204030204" pitchFamily="49" charset="0"/>
+              <a:cs typeface="Consolas" panose="020B0609020204030204" pitchFamily="49" charset="0"/>
+            </a:endParaRPr>
+          </a:p>
+          <a:p>
+            <a:pPr marL="457200" lvl="1" indent="0">
+              <a:buFont typeface="Wingdings 3" charset="2"/>
+              <a:buNone/>
+            </a:pPr>
+            <a:endParaRPr lang="it-IT" sz="1800" dirty="0">
+              <a:latin typeface="Consolas" panose="020B0609020204030204" pitchFamily="49" charset="0"/>
+              <a:cs typeface="Consolas" panose="020B0609020204030204" pitchFamily="49" charset="0"/>
+            </a:endParaRPr>
           </a:p>
         </p:txBody>
       </p:sp>
     </p:spTree>
     <p:extLst>
       <p:ext uri="{BB962C8B-B14F-4D97-AF65-F5344CB8AC3E}">
-        <p14:creationId xmlns:p14="http://schemas.microsoft.com/office/powerpoint/2010/main" val="4023922478"/>
+        <p14:creationId xmlns:p14="http://schemas.microsoft.com/office/powerpoint/2010/main" val="1100735805"/>
       </p:ext>
     </p:extLst>
   </p:cSld>
@@ -9391,7 +9442,7 @@
           <p:cNvPr id="2" name="Title 1">
             <a:extLst>
               <a:ext uri="{FF2B5EF4-FFF2-40B4-BE49-F238E27FC236}">
-                <a16:creationId xmlns:a16="http://schemas.microsoft.com/office/drawing/2014/main" id="{799146AE-B231-124B-80FF-3D1AB29A3929}"/>
+                <a16:creationId xmlns:a16="http://schemas.microsoft.com/office/drawing/2014/main" id="{7B48FBDF-4F66-3E42-9BD6-BCEBCBC514CB}"/>
               </a:ext>
             </a:extLst>
           </p:cNvPr>
@@ -9409,21 +9460,8 @@
           <a:p>
             <a:r>
               <a:rPr lang="it-IT" dirty="0"/>
-              <a:t>Risultati MATLAB vs </a:t>
-            </a:r>
-            <a:r>
-              <a:rPr lang="it-IT" dirty="0" err="1"/>
-              <a:t>Python</a:t>
-            </a:r>
-            <a:r>
-              <a:rPr lang="it-IT" dirty="0"/>
-              <a:t> </a:t>
-            </a:r>
-            <a:r>
-              <a:rPr lang="it-IT" dirty="0" err="1"/>
-              <a:t>scipy</a:t>
-            </a:r>
-            <a:endParaRPr lang="it-IT" dirty="0"/>
+              <a:t>Problemi Riscontrati</a:t>
+            </a:r>
           </a:p>
         </p:txBody>
       </p:sp>
@@ -9432,7 +9470,7 @@
           <p:cNvPr id="3" name="Content Placeholder 2">
             <a:extLst>
               <a:ext uri="{FF2B5EF4-FFF2-40B4-BE49-F238E27FC236}">
-                <a16:creationId xmlns:a16="http://schemas.microsoft.com/office/drawing/2014/main" id="{3076F8FB-A447-7D4F-AE51-6677F6216177}"/>
+                <a16:creationId xmlns:a16="http://schemas.microsoft.com/office/drawing/2014/main" id="{FBC34CC1-AC65-9F4B-8C92-D659B7451BB3}"/>
               </a:ext>
             </a:extLst>
           </p:cNvPr>
@@ -9445,12 +9483,105 @@
         </p:nvSpPr>
         <p:spPr/>
         <p:txBody>
-          <a:bodyPr/>
+          <a:bodyPr>
+            <a:normAutofit/>
+          </a:bodyPr>
           <a:lstStyle/>
           <a:p>
             <a:r>
               <a:rPr lang="it-IT" dirty="0"/>
-              <a:t>Tempo</a:t>
+              <a:t>Inizialmente abbiamo provato ad utilizzare la libreria </a:t>
+            </a:r>
+            <a:r>
+              <a:rPr lang="it-IT" dirty="0" err="1">
+                <a:latin typeface="Consolas" panose="020B0609020204030204" pitchFamily="49" charset="0"/>
+                <a:cs typeface="Consolas" panose="020B0609020204030204" pitchFamily="49" charset="0"/>
+              </a:rPr>
+              <a:t>umfpack</a:t>
+            </a:r>
+            <a:r>
+              <a:rPr lang="it-IT" dirty="0"/>
+              <a:t> su </a:t>
+            </a:r>
+            <a:r>
+              <a:rPr lang="it-IT" dirty="0" err="1">
+                <a:latin typeface="Consolas" panose="020B0609020204030204" pitchFamily="49" charset="0"/>
+                <a:cs typeface="Consolas" panose="020B0609020204030204" pitchFamily="49" charset="0"/>
+              </a:rPr>
+              <a:t>scipy</a:t>
+            </a:r>
+            <a:r>
+              <a:rPr lang="it-IT" dirty="0"/>
+              <a:t>. Pur essendo di gran lunga più veloce dell’alternativa </a:t>
+            </a:r>
+            <a:r>
+              <a:rPr lang="it-IT" dirty="0" err="1"/>
+              <a:t>SuperLU</a:t>
+            </a:r>
+            <a:r>
+              <a:rPr lang="it-IT" dirty="0"/>
+              <a:t>, ha dato problemi con matrici anche di ridotte dimensioni. L’errore è dovuto alla versione dell’algoritmo che viene utilizzata che non permette di allocare più di 4GB di memoria. L’errore è già segnalato ai gestori del progetto ma non è ancora disponibile un </a:t>
+            </a:r>
+            <a:r>
+              <a:rPr lang="it-IT" dirty="0" err="1"/>
+              <a:t>fix</a:t>
+            </a:r>
+            <a:r>
+              <a:rPr lang="it-IT" dirty="0"/>
+              <a:t>.</a:t>
+            </a:r>
+          </a:p>
+          <a:p>
+            <a:r>
+              <a:rPr lang="it-IT" dirty="0"/>
+              <a:t>La documentazione della funzione </a:t>
+            </a:r>
+            <a:r>
+              <a:rPr lang="it-IT" dirty="0" err="1">
+                <a:latin typeface="Consolas" panose="020B0609020204030204" pitchFamily="49" charset="0"/>
+                <a:cs typeface="Consolas" panose="020B0609020204030204" pitchFamily="49" charset="0"/>
+              </a:rPr>
+              <a:t>spsolve</a:t>
+            </a:r>
+            <a:r>
+              <a:rPr lang="it-IT" dirty="0"/>
+              <a:t> di </a:t>
+            </a:r>
+            <a:r>
+              <a:rPr lang="it-IT" dirty="0" err="1">
+                <a:latin typeface="Consolas" panose="020B0609020204030204" pitchFamily="49" charset="0"/>
+                <a:cs typeface="Consolas" panose="020B0609020204030204" pitchFamily="49" charset="0"/>
+              </a:rPr>
+              <a:t>scipy</a:t>
+            </a:r>
+            <a:r>
+              <a:rPr lang="it-IT" dirty="0"/>
+              <a:t> seppur sufficiente per poter utilizzare la funzione è ridotta e per sapere quali algoritmi utilizza è stato necessario consultare il sorgente.</a:t>
+            </a:r>
+          </a:p>
+          <a:p>
+            <a:r>
+              <a:rPr lang="it-IT" dirty="0"/>
+              <a:t>Non siamo riusciti a trovare alcuna documentazione riguardante la libreria </a:t>
+            </a:r>
+            <a:r>
+              <a:rPr lang="it-IT" dirty="0" err="1"/>
+              <a:t>SuperLU</a:t>
+            </a:r>
+            <a:r>
+              <a:rPr lang="it-IT" dirty="0"/>
+              <a:t> e le funzioni che vengono richiamate da </a:t>
+            </a:r>
+            <a:r>
+              <a:rPr lang="it-IT" dirty="0" err="1">
+                <a:latin typeface="Consolas" panose="020B0609020204030204" pitchFamily="49" charset="0"/>
+                <a:cs typeface="Consolas" panose="020B0609020204030204" pitchFamily="49" charset="0"/>
+              </a:rPr>
+              <a:t>scipy</a:t>
+            </a:r>
+            <a:r>
+              <a:rPr lang="it-IT" dirty="0"/>
+              <a:t> per risolvere.</a:t>
             </a:r>
           </a:p>
         </p:txBody>
@@ -9458,7 +9589,7 @@
     </p:spTree>
     <p:extLst>
       <p:ext uri="{BB962C8B-B14F-4D97-AF65-F5344CB8AC3E}">
-        <p14:creationId xmlns:p14="http://schemas.microsoft.com/office/powerpoint/2010/main" val="2298404230"/>
+        <p14:creationId xmlns:p14="http://schemas.microsoft.com/office/powerpoint/2010/main" val="1616992579"/>
       </p:ext>
     </p:extLst>
   </p:cSld>
@@ -9490,7 +9621,7 @@
           <p:cNvPr id="2" name="Title 1">
             <a:extLst>
               <a:ext uri="{FF2B5EF4-FFF2-40B4-BE49-F238E27FC236}">
-                <a16:creationId xmlns:a16="http://schemas.microsoft.com/office/drawing/2014/main" id="{799146AE-B231-124B-80FF-3D1AB29A3929}"/>
+                <a16:creationId xmlns:a16="http://schemas.microsoft.com/office/drawing/2014/main" id="{4A0152D8-ACCA-4E41-842B-09E388D9356B}"/>
               </a:ext>
             </a:extLst>
           </p:cNvPr>
@@ -9507,22 +9638,13 @@
           <a:lstStyle/>
           <a:p>
             <a:r>
+              <a:rPr lang="it-IT" dirty="0" err="1"/>
+              <a:t>Overview</a:t>
+            </a:r>
+            <a:r>
               <a:rPr lang="it-IT" dirty="0"/>
-              <a:t>Risultati MATLAB vs </a:t>
-            </a:r>
-            <a:r>
-              <a:rPr lang="it-IT" dirty="0" err="1"/>
-              <a:t>Python</a:t>
-            </a:r>
-            <a:r>
-              <a:rPr lang="it-IT" dirty="0"/>
-              <a:t> </a:t>
-            </a:r>
-            <a:r>
-              <a:rPr lang="it-IT" dirty="0" err="1"/>
-              <a:t>scipy</a:t>
-            </a:r>
-            <a:endParaRPr lang="it-IT" dirty="0"/>
+              <a:t> Risultati</a:t>
+            </a:r>
           </a:p>
         </p:txBody>
       </p:sp>
@@ -9531,7 +9653,7 @@
           <p:cNvPr id="3" name="Content Placeholder 2">
             <a:extLst>
               <a:ext uri="{FF2B5EF4-FFF2-40B4-BE49-F238E27FC236}">
-                <a16:creationId xmlns:a16="http://schemas.microsoft.com/office/drawing/2014/main" id="{3076F8FB-A447-7D4F-AE51-6677F6216177}"/>
+                <a16:creationId xmlns:a16="http://schemas.microsoft.com/office/drawing/2014/main" id="{C8751E77-78F7-314F-B203-6619A3D3645B}"/>
               </a:ext>
             </a:extLst>
           </p:cNvPr>
@@ -9549,7 +9671,15 @@
           <a:p>
             <a:r>
               <a:rPr lang="it-IT" dirty="0"/>
-              <a:t>Memoria</a:t>
+              <a:t>*</a:t>
+            </a:r>
+            <a:r>
+              <a:rPr lang="it-IT" dirty="0" err="1"/>
+              <a:t>Graficone</a:t>
+            </a:r>
+            <a:r>
+              <a:rPr lang="it-IT" dirty="0"/>
+              <a:t> che vogliono loro con tutto quanto*</a:t>
             </a:r>
           </a:p>
         </p:txBody>
@@ -9557,7 +9687,7 @@
     </p:spTree>
     <p:extLst>
       <p:ext uri="{BB962C8B-B14F-4D97-AF65-F5344CB8AC3E}">
-        <p14:creationId xmlns:p14="http://schemas.microsoft.com/office/powerpoint/2010/main" val="3393703803"/>
+        <p14:creationId xmlns:p14="http://schemas.microsoft.com/office/powerpoint/2010/main" val="4023922478"/>
       </p:ext>
     </p:extLst>
   </p:cSld>
@@ -9648,7 +9778,7 @@
           <a:p>
             <a:r>
               <a:rPr lang="it-IT" dirty="0"/>
-              <a:t>Errore</a:t>
+              <a:t>Tempo</a:t>
             </a:r>
           </a:p>
         </p:txBody>
@@ -9656,7 +9786,7 @@
     </p:spTree>
     <p:extLst>
       <p:ext uri="{BB962C8B-B14F-4D97-AF65-F5344CB8AC3E}">
-        <p14:creationId xmlns:p14="http://schemas.microsoft.com/office/powerpoint/2010/main" val="2764426746"/>
+        <p14:creationId xmlns:p14="http://schemas.microsoft.com/office/powerpoint/2010/main" val="2298404230"/>
       </p:ext>
     </p:extLst>
   </p:cSld>
@@ -9688,7 +9818,7 @@
           <p:cNvPr id="2" name="Title 1">
             <a:extLst>
               <a:ext uri="{FF2B5EF4-FFF2-40B4-BE49-F238E27FC236}">
-                <a16:creationId xmlns:a16="http://schemas.microsoft.com/office/drawing/2014/main" id="{33680E74-3A0C-1147-B024-F77A37B12498}"/>
+                <a16:creationId xmlns:a16="http://schemas.microsoft.com/office/drawing/2014/main" id="{799146AE-B231-124B-80FF-3D1AB29A3929}"/>
               </a:ext>
             </a:extLst>
           </p:cNvPr>
@@ -9706,8 +9836,21 @@
           <a:p>
             <a:r>
               <a:rPr lang="it-IT" dirty="0"/>
-              <a:t>Risultati Windows vs Linux</a:t>
-            </a:r>
+              <a:t>Risultati MATLAB vs </a:t>
+            </a:r>
+            <a:r>
+              <a:rPr lang="it-IT" dirty="0" err="1"/>
+              <a:t>Python</a:t>
+            </a:r>
+            <a:r>
+              <a:rPr lang="it-IT" dirty="0"/>
+              <a:t> </a:t>
+            </a:r>
+            <a:r>
+              <a:rPr lang="it-IT" dirty="0" err="1"/>
+              <a:t>scipy</a:t>
+            </a:r>
+            <a:endParaRPr lang="it-IT" dirty="0"/>
           </a:p>
         </p:txBody>
       </p:sp>
@@ -9716,7 +9859,7 @@
           <p:cNvPr id="3" name="Content Placeholder 2">
             <a:extLst>
               <a:ext uri="{FF2B5EF4-FFF2-40B4-BE49-F238E27FC236}">
-                <a16:creationId xmlns:a16="http://schemas.microsoft.com/office/drawing/2014/main" id="{1987CDD3-954D-9148-A905-F3FD935793B1}"/>
+                <a16:creationId xmlns:a16="http://schemas.microsoft.com/office/drawing/2014/main" id="{3076F8FB-A447-7D4F-AE51-6677F6216177}"/>
               </a:ext>
             </a:extLst>
           </p:cNvPr>
@@ -9734,7 +9877,7 @@
           <a:p>
             <a:r>
               <a:rPr lang="it-IT" dirty="0"/>
-              <a:t>Tempo</a:t>
+              <a:t>Memoria</a:t>
             </a:r>
           </a:p>
         </p:txBody>
@@ -9742,7 +9885,7 @@
     </p:spTree>
     <p:extLst>
       <p:ext uri="{BB962C8B-B14F-4D97-AF65-F5344CB8AC3E}">
-        <p14:creationId xmlns:p14="http://schemas.microsoft.com/office/powerpoint/2010/main" val="3272704402"/>
+        <p14:creationId xmlns:p14="http://schemas.microsoft.com/office/powerpoint/2010/main" val="3393703803"/>
       </p:ext>
     </p:extLst>
   </p:cSld>
@@ -9774,7 +9917,7 @@
           <p:cNvPr id="2" name="Title 1">
             <a:extLst>
               <a:ext uri="{FF2B5EF4-FFF2-40B4-BE49-F238E27FC236}">
-                <a16:creationId xmlns:a16="http://schemas.microsoft.com/office/drawing/2014/main" id="{FEBA86F1-E25E-A148-AD8A-2A38F8027581}"/>
+                <a16:creationId xmlns:a16="http://schemas.microsoft.com/office/drawing/2014/main" id="{0A43464D-152D-AF4F-9E15-F55EFEF8E674}"/>
               </a:ext>
             </a:extLst>
           </p:cNvPr>
@@ -9792,7 +9935,7 @@
           <a:p>
             <a:r>
               <a:rPr lang="it-IT" dirty="0"/>
-              <a:t>Linguaggi scelti</a:t>
+              <a:t>Obiettivo</a:t>
             </a:r>
           </a:p>
         </p:txBody>
@@ -9802,7 +9945,7 @@
           <p:cNvPr id="3" name="Content Placeholder 2">
             <a:extLst>
               <a:ext uri="{FF2B5EF4-FFF2-40B4-BE49-F238E27FC236}">
-                <a16:creationId xmlns:a16="http://schemas.microsoft.com/office/drawing/2014/main" id="{D7895D9C-E84A-3241-89F6-E7E34205C8F8}"/>
+                <a16:creationId xmlns:a16="http://schemas.microsoft.com/office/drawing/2014/main" id="{582A3B6E-7B83-D447-AC27-C17287B11557}"/>
               </a:ext>
             </a:extLst>
           </p:cNvPr>
@@ -9816,59 +9959,107 @@
         <p:spPr/>
         <p:txBody>
           <a:bodyPr>
-            <a:normAutofit/>
+            <a:normAutofit fontScale="92500" lnSpcReduction="10000"/>
           </a:bodyPr>
           <a:lstStyle/>
           <a:p>
             <a:r>
-              <a:rPr lang="it-IT" sz="2800" dirty="0"/>
-              <a:t>MATLAB </a:t>
+              <a:rPr lang="it-IT" sz="2000" dirty="0"/>
+              <a:t>Confrontare due diverse soluzioni per la risoluzione di sistemi lineari con matrici sparse su due diversi sistemi operativi (Windows 10, </a:t>
+            </a:r>
+            <a:r>
+              <a:rPr lang="it-IT" sz="2000" dirty="0" err="1"/>
+              <a:t>Ubuntu</a:t>
+            </a:r>
+            <a:r>
+              <a:rPr lang="it-IT" sz="2000" dirty="0"/>
+              <a:t> Linux).</a:t>
             </a:r>
           </a:p>
           <a:p>
             <a:pPr lvl="1"/>
             <a:r>
-              <a:rPr lang="it-IT" sz="2400" dirty="0" err="1">
+              <a:rPr lang="it-IT" sz="1800" dirty="0"/>
+              <a:t>MATLAB: funzione standard </a:t>
+            </a:r>
+            <a:r>
+              <a:rPr lang="it-IT" sz="1800" dirty="0" err="1">
                 <a:latin typeface="Consolas" panose="020B0609020204030204" pitchFamily="49" charset="0"/>
                 <a:cs typeface="Consolas" panose="020B0609020204030204" pitchFamily="49" charset="0"/>
               </a:rPr>
               <a:t>mldivide</a:t>
             </a:r>
-            <a:endParaRPr lang="it-IT" sz="2400" dirty="0">
-              <a:cs typeface="Consolas" panose="020B0609020204030204" pitchFamily="49" charset="0"/>
-            </a:endParaRPr>
-          </a:p>
-          <a:p>
-            <a:r>
-              <a:rPr lang="it-IT" sz="2800" dirty="0" err="1">
-                <a:cs typeface="Consolas" panose="020B0609020204030204" pitchFamily="49" charset="0"/>
-              </a:rPr>
+            <a:endParaRPr lang="it-IT" sz="1800" dirty="0"/>
+          </a:p>
+          <a:p>
+            <a:pPr lvl="1"/>
+            <a:r>
+              <a:rPr lang="it-IT" sz="1800" dirty="0" err="1"/>
               <a:t>Python</a:t>
             </a:r>
-            <a:endParaRPr lang="it-IT" sz="2800" dirty="0">
-              <a:cs typeface="Consolas" panose="020B0609020204030204" pitchFamily="49" charset="0"/>
-            </a:endParaRPr>
-          </a:p>
-          <a:p>
-            <a:pPr lvl="1"/>
-            <a:r>
-              <a:rPr lang="it-IT" sz="2400" dirty="0" err="1">
+            <a:r>
+              <a:rPr lang="it-IT" sz="1800" dirty="0"/>
+              <a:t>: Libreria </a:t>
+            </a:r>
+            <a:r>
+              <a:rPr lang="it-IT" sz="1800" dirty="0" err="1">
                 <a:latin typeface="Consolas" panose="020B0609020204030204" pitchFamily="49" charset="0"/>
                 <a:cs typeface="Consolas" panose="020B0609020204030204" pitchFamily="49" charset="0"/>
               </a:rPr>
               <a:t>scipy</a:t>
             </a:r>
-            <a:endParaRPr lang="it-IT" sz="2400" dirty="0">
+            <a:endParaRPr lang="it-IT" sz="1800" dirty="0">
               <a:latin typeface="Consolas" panose="020B0609020204030204" pitchFamily="49" charset="0"/>
               <a:cs typeface="Consolas" panose="020B0609020204030204" pitchFamily="49" charset="0"/>
             </a:endParaRPr>
           </a:p>
+          <a:p>
+            <a:r>
+              <a:rPr lang="it-IT" sz="2000" dirty="0"/>
+              <a:t>Parametri osservati:</a:t>
+            </a:r>
+          </a:p>
+          <a:p>
+            <a:pPr lvl="1"/>
+            <a:r>
+              <a:rPr lang="it-IT" sz="1800" dirty="0"/>
+              <a:t>Errore relativo della soluzione calcolata rispetto alla soluzione esatta</a:t>
+            </a:r>
+          </a:p>
+          <a:p>
+            <a:pPr lvl="1"/>
+            <a:r>
+              <a:rPr lang="it-IT" sz="1800" dirty="0"/>
+              <a:t>Memoria utilizzata durante la risoluzione del sistema</a:t>
+            </a:r>
+          </a:p>
+          <a:p>
+            <a:pPr lvl="1"/>
+            <a:r>
+              <a:rPr lang="it-IT" sz="1800" dirty="0"/>
+              <a:t>Tempi di calcolo</a:t>
+            </a:r>
+          </a:p>
+          <a:p>
+            <a:pPr lvl="1"/>
+            <a:r>
+              <a:rPr lang="it-IT" sz="1800" dirty="0"/>
+              <a:t>Chiarezza della documentazione</a:t>
+            </a:r>
+          </a:p>
+          <a:p>
+            <a:pPr lvl="1"/>
+            <a:r>
+              <a:rPr lang="it-IT" sz="1800" dirty="0"/>
+              <a:t>Semplicità d’uso</a:t>
+            </a:r>
+          </a:p>
         </p:txBody>
       </p:sp>
     </p:spTree>
     <p:extLst>
       <p:ext uri="{BB962C8B-B14F-4D97-AF65-F5344CB8AC3E}">
-        <p14:creationId xmlns:p14="http://schemas.microsoft.com/office/powerpoint/2010/main" val="1790883959"/>
+        <p14:creationId xmlns:p14="http://schemas.microsoft.com/office/powerpoint/2010/main" val="1697377110"/>
       </p:ext>
     </p:extLst>
   </p:cSld>
@@ -9900,7 +10091,7 @@
           <p:cNvPr id="2" name="Title 1">
             <a:extLst>
               <a:ext uri="{FF2B5EF4-FFF2-40B4-BE49-F238E27FC236}">
-                <a16:creationId xmlns:a16="http://schemas.microsoft.com/office/drawing/2014/main" id="{33680E74-3A0C-1147-B024-F77A37B12498}"/>
+                <a16:creationId xmlns:a16="http://schemas.microsoft.com/office/drawing/2014/main" id="{799146AE-B231-124B-80FF-3D1AB29A3929}"/>
               </a:ext>
             </a:extLst>
           </p:cNvPr>
@@ -9918,8 +10109,21 @@
           <a:p>
             <a:r>
               <a:rPr lang="it-IT" dirty="0"/>
-              <a:t>Risultati Windows vs Linux</a:t>
-            </a:r>
+              <a:t>Risultati MATLAB vs </a:t>
+            </a:r>
+            <a:r>
+              <a:rPr lang="it-IT" dirty="0" err="1"/>
+              <a:t>Python</a:t>
+            </a:r>
+            <a:r>
+              <a:rPr lang="it-IT" dirty="0"/>
+              <a:t> </a:t>
+            </a:r>
+            <a:r>
+              <a:rPr lang="it-IT" dirty="0" err="1"/>
+              <a:t>scipy</a:t>
+            </a:r>
+            <a:endParaRPr lang="it-IT" dirty="0"/>
           </a:p>
         </p:txBody>
       </p:sp>
@@ -9928,7 +10132,7 @@
           <p:cNvPr id="3" name="Content Placeholder 2">
             <a:extLst>
               <a:ext uri="{FF2B5EF4-FFF2-40B4-BE49-F238E27FC236}">
-                <a16:creationId xmlns:a16="http://schemas.microsoft.com/office/drawing/2014/main" id="{1987CDD3-954D-9148-A905-F3FD935793B1}"/>
+                <a16:creationId xmlns:a16="http://schemas.microsoft.com/office/drawing/2014/main" id="{3076F8FB-A447-7D4F-AE51-6677F6216177}"/>
               </a:ext>
             </a:extLst>
           </p:cNvPr>
@@ -9946,7 +10150,7 @@
           <a:p>
             <a:r>
               <a:rPr lang="it-IT" dirty="0"/>
-              <a:t>Memoria</a:t>
+              <a:t>Errore</a:t>
             </a:r>
           </a:p>
         </p:txBody>
@@ -9954,7 +10158,7 @@
     </p:spTree>
     <p:extLst>
       <p:ext uri="{BB962C8B-B14F-4D97-AF65-F5344CB8AC3E}">
-        <p14:creationId xmlns:p14="http://schemas.microsoft.com/office/powerpoint/2010/main" val="1977260676"/>
+        <p14:creationId xmlns:p14="http://schemas.microsoft.com/office/powerpoint/2010/main" val="2764426746"/>
       </p:ext>
     </p:extLst>
   </p:cSld>
@@ -10032,6 +10236,178 @@
           <a:p>
             <a:r>
               <a:rPr lang="it-IT" dirty="0"/>
+              <a:t>Tempo</a:t>
+            </a:r>
+          </a:p>
+        </p:txBody>
+      </p:sp>
+    </p:spTree>
+    <p:extLst>
+      <p:ext uri="{BB962C8B-B14F-4D97-AF65-F5344CB8AC3E}">
+        <p14:creationId xmlns:p14="http://schemas.microsoft.com/office/powerpoint/2010/main" val="3272704402"/>
+      </p:ext>
+    </p:extLst>
+  </p:cSld>
+  <p:clrMapOvr>
+    <a:masterClrMapping/>
+  </p:clrMapOvr>
+</p:sld>
+</file>
+
+<file path=ppt/slides/slide22.xml><?xml version="1.0" encoding="utf-8"?>
+<p:sld xmlns:a="http://schemas.openxmlformats.org/drawingml/2006/main" xmlns:r="http://schemas.openxmlformats.org/officeDocument/2006/relationships" xmlns:p="http://schemas.openxmlformats.org/presentationml/2006/main">
+  <p:cSld>
+    <p:spTree>
+      <p:nvGrpSpPr>
+        <p:cNvPr id="1" name=""/>
+        <p:cNvGrpSpPr/>
+        <p:nvPr/>
+      </p:nvGrpSpPr>
+      <p:grpSpPr>
+        <a:xfrm>
+          <a:off x="0" y="0"/>
+          <a:ext cx="0" cy="0"/>
+          <a:chOff x="0" y="0"/>
+          <a:chExt cx="0" cy="0"/>
+        </a:xfrm>
+      </p:grpSpPr>
+      <p:sp>
+        <p:nvSpPr>
+          <p:cNvPr id="2" name="Title 1">
+            <a:extLst>
+              <a:ext uri="{FF2B5EF4-FFF2-40B4-BE49-F238E27FC236}">
+                <a16:creationId xmlns:a16="http://schemas.microsoft.com/office/drawing/2014/main" id="{33680E74-3A0C-1147-B024-F77A37B12498}"/>
+              </a:ext>
+            </a:extLst>
+          </p:cNvPr>
+          <p:cNvSpPr>
+            <a:spLocks noGrp="1"/>
+          </p:cNvSpPr>
+          <p:nvPr>
+            <p:ph type="title"/>
+          </p:nvPr>
+        </p:nvSpPr>
+        <p:spPr/>
+        <p:txBody>
+          <a:bodyPr/>
+          <a:lstStyle/>
+          <a:p>
+            <a:r>
+              <a:rPr lang="it-IT" dirty="0"/>
+              <a:t>Risultati Windows vs Linux</a:t>
+            </a:r>
+          </a:p>
+        </p:txBody>
+      </p:sp>
+      <p:sp>
+        <p:nvSpPr>
+          <p:cNvPr id="3" name="Content Placeholder 2">
+            <a:extLst>
+              <a:ext uri="{FF2B5EF4-FFF2-40B4-BE49-F238E27FC236}">
+                <a16:creationId xmlns:a16="http://schemas.microsoft.com/office/drawing/2014/main" id="{1987CDD3-954D-9148-A905-F3FD935793B1}"/>
+              </a:ext>
+            </a:extLst>
+          </p:cNvPr>
+          <p:cNvSpPr>
+            <a:spLocks noGrp="1"/>
+          </p:cNvSpPr>
+          <p:nvPr>
+            <p:ph idx="1"/>
+          </p:nvPr>
+        </p:nvSpPr>
+        <p:spPr/>
+        <p:txBody>
+          <a:bodyPr/>
+          <a:lstStyle/>
+          <a:p>
+            <a:r>
+              <a:rPr lang="it-IT" dirty="0"/>
+              <a:t>Memoria</a:t>
+            </a:r>
+          </a:p>
+        </p:txBody>
+      </p:sp>
+    </p:spTree>
+    <p:extLst>
+      <p:ext uri="{BB962C8B-B14F-4D97-AF65-F5344CB8AC3E}">
+        <p14:creationId xmlns:p14="http://schemas.microsoft.com/office/powerpoint/2010/main" val="1977260676"/>
+      </p:ext>
+    </p:extLst>
+  </p:cSld>
+  <p:clrMapOvr>
+    <a:masterClrMapping/>
+  </p:clrMapOvr>
+</p:sld>
+</file>
+
+<file path=ppt/slides/slide23.xml><?xml version="1.0" encoding="utf-8"?>
+<p:sld xmlns:a="http://schemas.openxmlformats.org/drawingml/2006/main" xmlns:r="http://schemas.openxmlformats.org/officeDocument/2006/relationships" xmlns:p="http://schemas.openxmlformats.org/presentationml/2006/main">
+  <p:cSld>
+    <p:spTree>
+      <p:nvGrpSpPr>
+        <p:cNvPr id="1" name=""/>
+        <p:cNvGrpSpPr/>
+        <p:nvPr/>
+      </p:nvGrpSpPr>
+      <p:grpSpPr>
+        <a:xfrm>
+          <a:off x="0" y="0"/>
+          <a:ext cx="0" cy="0"/>
+          <a:chOff x="0" y="0"/>
+          <a:chExt cx="0" cy="0"/>
+        </a:xfrm>
+      </p:grpSpPr>
+      <p:sp>
+        <p:nvSpPr>
+          <p:cNvPr id="2" name="Title 1">
+            <a:extLst>
+              <a:ext uri="{FF2B5EF4-FFF2-40B4-BE49-F238E27FC236}">
+                <a16:creationId xmlns:a16="http://schemas.microsoft.com/office/drawing/2014/main" id="{33680E74-3A0C-1147-B024-F77A37B12498}"/>
+              </a:ext>
+            </a:extLst>
+          </p:cNvPr>
+          <p:cNvSpPr>
+            <a:spLocks noGrp="1"/>
+          </p:cNvSpPr>
+          <p:nvPr>
+            <p:ph type="title"/>
+          </p:nvPr>
+        </p:nvSpPr>
+        <p:spPr/>
+        <p:txBody>
+          <a:bodyPr/>
+          <a:lstStyle/>
+          <a:p>
+            <a:r>
+              <a:rPr lang="it-IT" dirty="0"/>
+              <a:t>Risultati Windows vs Linux</a:t>
+            </a:r>
+          </a:p>
+        </p:txBody>
+      </p:sp>
+      <p:sp>
+        <p:nvSpPr>
+          <p:cNvPr id="3" name="Content Placeholder 2">
+            <a:extLst>
+              <a:ext uri="{FF2B5EF4-FFF2-40B4-BE49-F238E27FC236}">
+                <a16:creationId xmlns:a16="http://schemas.microsoft.com/office/drawing/2014/main" id="{1987CDD3-954D-9148-A905-F3FD935793B1}"/>
+              </a:ext>
+            </a:extLst>
+          </p:cNvPr>
+          <p:cNvSpPr>
+            <a:spLocks noGrp="1"/>
+          </p:cNvSpPr>
+          <p:nvPr>
+            <p:ph idx="1"/>
+          </p:nvPr>
+        </p:nvSpPr>
+        <p:spPr/>
+        <p:txBody>
+          <a:bodyPr/>
+          <a:lstStyle/>
+          <a:p>
+            <a:r>
+              <a:rPr lang="it-IT" dirty="0"/>
               <a:t>Errore</a:t>
             </a:r>
           </a:p>
@@ -10050,7 +10426,7 @@
 </p:sld>
 </file>
 
-<file path=ppt/slides/slide22.xml><?xml version="1.0" encoding="utf-8"?>
+<file path=ppt/slides/slide24.xml><?xml version="1.0" encoding="utf-8"?>
 <p:sld xmlns:a="http://schemas.openxmlformats.org/drawingml/2006/main" xmlns:r="http://schemas.openxmlformats.org/officeDocument/2006/relationships" xmlns:p="http://schemas.openxmlformats.org/presentationml/2006/main">
   <p:cSld>
     <p:spTree>
@@ -10196,54 +10572,56 @@
         </p:nvSpPr>
         <p:spPr>
           <a:xfrm>
-            <a:off x="677334" y="1583076"/>
+            <a:off x="677334" y="2164964"/>
             <a:ext cx="8596668" cy="3880773"/>
           </a:xfrm>
         </p:spPr>
         <p:txBody>
-          <a:bodyPr/>
+          <a:bodyPr>
+            <a:normAutofit/>
+          </a:bodyPr>
           <a:lstStyle/>
           <a:p>
             <a:r>
-              <a:rPr lang="it-IT" dirty="0"/>
+              <a:rPr lang="it-IT" sz="2000" dirty="0"/>
               <a:t>In MATLAB è disponibile una funzione standard per la risoluzione di sistemi lineari sparsi e non: </a:t>
             </a:r>
             <a:r>
-              <a:rPr lang="it-IT" dirty="0" err="1">
+              <a:rPr lang="it-IT" sz="2000" dirty="0" err="1">
                 <a:latin typeface="Consolas" panose="020B0609020204030204" pitchFamily="49" charset="0"/>
                 <a:cs typeface="Consolas" panose="020B0609020204030204" pitchFamily="49" charset="0"/>
               </a:rPr>
               <a:t>mldivide</a:t>
             </a:r>
             <a:r>
-              <a:rPr lang="it-IT" dirty="0"/>
+              <a:rPr lang="it-IT" sz="2000" dirty="0"/>
               <a:t> (o l’operatore </a:t>
             </a:r>
             <a:r>
-              <a:rPr lang="it-IT" dirty="0">
+              <a:rPr lang="it-IT" sz="2000" dirty="0">
                 <a:latin typeface="Consolas" panose="020B0609020204030204" pitchFamily="49" charset="0"/>
                 <a:cs typeface="Consolas" panose="020B0609020204030204" pitchFamily="49" charset="0"/>
               </a:rPr>
               <a:t>\</a:t>
             </a:r>
             <a:r>
-              <a:rPr lang="it-IT" dirty="0"/>
+              <a:rPr lang="it-IT" sz="2000" dirty="0"/>
               <a:t>). La documentazione relativa alla funzione è reperibile al seguente indirizzo: </a:t>
             </a:r>
             <a:r>
-              <a:rPr lang="it-IT" dirty="0">
+              <a:rPr lang="it-IT" sz="2000" dirty="0">
                 <a:hlinkClick r:id="rId2"/>
               </a:rPr>
               <a:t>https://it.mathworks.com/help/matlab/ref/mldivide.html</a:t>
             </a:r>
-            <a:endParaRPr lang="it-IT" dirty="0"/>
-          </a:p>
-          <a:p>
-            <a:endParaRPr lang="it-IT" dirty="0"/>
-          </a:p>
-          <a:p>
-            <a:r>
-              <a:rPr lang="it-IT" dirty="0"/>
+            <a:endParaRPr lang="it-IT" sz="2000" dirty="0"/>
+          </a:p>
+          <a:p>
+            <a:endParaRPr lang="it-IT" sz="2000" dirty="0"/>
+          </a:p>
+          <a:p>
+            <a:r>
+              <a:rPr lang="it-IT" sz="2000" dirty="0"/>
               <a:t>L’algoritmo di risoluzione da utilizzare viene scelto in base alle caratteristiche della matrice passata in input secondo il seguente schema</a:t>
             </a:r>
           </a:p>
@@ -10309,10 +10687,10 @@
       </p:sp>
       <p:pic>
         <p:nvPicPr>
-          <p:cNvPr id="8" name="Picture 7">
+          <p:cNvPr id="4" name="Picture 3">
             <a:extLst>
               <a:ext uri="{FF2B5EF4-FFF2-40B4-BE49-F238E27FC236}">
-                <a16:creationId xmlns:a16="http://schemas.microsoft.com/office/drawing/2014/main" id="{D97ED9A4-5BD2-0C41-B595-6EA92AC9E28A}"/>
+                <a16:creationId xmlns:a16="http://schemas.microsoft.com/office/drawing/2014/main" id="{9C3FA6F7-1A89-534C-B60C-87C7131F403F}"/>
               </a:ext>
             </a:extLst>
           </p:cNvPr>
@@ -10329,8 +10707,8 @@
         </p:blipFill>
         <p:spPr>
           <a:xfrm>
-            <a:off x="351196" y="1796971"/>
-            <a:ext cx="11339757" cy="3336999"/>
+            <a:off x="190005" y="1743051"/>
+            <a:ext cx="10114447" cy="3683973"/>
           </a:xfrm>
           <a:prstGeom prst="rect">
             <a:avLst/>
@@ -10422,106 +10800,108 @@
         </p:nvSpPr>
         <p:spPr/>
         <p:txBody>
-          <a:bodyPr/>
+          <a:bodyPr>
+            <a:normAutofit/>
+          </a:bodyPr>
           <a:lstStyle/>
           <a:p>
             <a:r>
-              <a:rPr lang="it-IT" dirty="0"/>
+              <a:rPr lang="it-IT" sz="2000" dirty="0"/>
               <a:t>Ecosistema open-source nato nel 2001 e composto da diverse librerie (</a:t>
             </a:r>
             <a:r>
-              <a:rPr lang="it-IT" dirty="0" err="1">
+              <a:rPr lang="it-IT" sz="2000" dirty="0" err="1">
                 <a:latin typeface="Consolas" panose="020B0609020204030204" pitchFamily="49" charset="0"/>
                 <a:cs typeface="Consolas" panose="020B0609020204030204" pitchFamily="49" charset="0"/>
               </a:rPr>
               <a:t>NumPy</a:t>
             </a:r>
             <a:r>
-              <a:rPr lang="it-IT" dirty="0">
+              <a:rPr lang="it-IT" sz="2000" dirty="0">
                 <a:latin typeface="Consolas" panose="020B0609020204030204" pitchFamily="49" charset="0"/>
                 <a:cs typeface="Consolas" panose="020B0609020204030204" pitchFamily="49" charset="0"/>
               </a:rPr>
               <a:t>, </a:t>
             </a:r>
             <a:r>
-              <a:rPr lang="it-IT" dirty="0" err="1">
+              <a:rPr lang="it-IT" sz="2000" dirty="0" err="1">
                 <a:latin typeface="Consolas" panose="020B0609020204030204" pitchFamily="49" charset="0"/>
                 <a:cs typeface="Consolas" panose="020B0609020204030204" pitchFamily="49" charset="0"/>
               </a:rPr>
               <a:t>SciPy</a:t>
             </a:r>
             <a:r>
-              <a:rPr lang="it-IT" dirty="0">
+              <a:rPr lang="it-IT" sz="2000" dirty="0">
                 <a:latin typeface="Consolas" panose="020B0609020204030204" pitchFamily="49" charset="0"/>
                 <a:cs typeface="Consolas" panose="020B0609020204030204" pitchFamily="49" charset="0"/>
               </a:rPr>
               <a:t> </a:t>
             </a:r>
             <a:r>
-              <a:rPr lang="it-IT" dirty="0" err="1">
+              <a:rPr lang="it-IT" sz="2000" dirty="0" err="1">
                 <a:latin typeface="Consolas" panose="020B0609020204030204" pitchFamily="49" charset="0"/>
                 <a:cs typeface="Consolas" panose="020B0609020204030204" pitchFamily="49" charset="0"/>
               </a:rPr>
               <a:t>library</a:t>
             </a:r>
             <a:r>
-              <a:rPr lang="it-IT" dirty="0">
+              <a:rPr lang="it-IT" sz="2000" dirty="0">
                 <a:latin typeface="Consolas" panose="020B0609020204030204" pitchFamily="49" charset="0"/>
                 <a:cs typeface="Consolas" panose="020B0609020204030204" pitchFamily="49" charset="0"/>
               </a:rPr>
               <a:t>, </a:t>
             </a:r>
             <a:r>
-              <a:rPr lang="it-IT" dirty="0" err="1">
+              <a:rPr lang="it-IT" sz="2000" dirty="0" err="1">
                 <a:latin typeface="Consolas" panose="020B0609020204030204" pitchFamily="49" charset="0"/>
                 <a:cs typeface="Consolas" panose="020B0609020204030204" pitchFamily="49" charset="0"/>
               </a:rPr>
               <a:t>Matplotlib</a:t>
             </a:r>
             <a:r>
-              <a:rPr lang="it-IT" dirty="0">
+              <a:rPr lang="it-IT" sz="2000" dirty="0">
                 <a:latin typeface="Consolas" panose="020B0609020204030204" pitchFamily="49" charset="0"/>
                 <a:cs typeface="Consolas" panose="020B0609020204030204" pitchFamily="49" charset="0"/>
               </a:rPr>
               <a:t>, </a:t>
             </a:r>
             <a:r>
-              <a:rPr lang="it-IT" dirty="0" err="1">
+              <a:rPr lang="it-IT" sz="2000" dirty="0" err="1">
                 <a:latin typeface="Consolas" panose="020B0609020204030204" pitchFamily="49" charset="0"/>
                 <a:cs typeface="Consolas" panose="020B0609020204030204" pitchFamily="49" charset="0"/>
               </a:rPr>
               <a:t>Ipython</a:t>
             </a:r>
             <a:r>
-              <a:rPr lang="it-IT" dirty="0">
+              <a:rPr lang="it-IT" sz="2000" dirty="0">
                 <a:latin typeface="Consolas" panose="020B0609020204030204" pitchFamily="49" charset="0"/>
                 <a:cs typeface="Consolas" panose="020B0609020204030204" pitchFamily="49" charset="0"/>
               </a:rPr>
               <a:t>, </a:t>
             </a:r>
             <a:r>
-              <a:rPr lang="it-IT" dirty="0" err="1">
+              <a:rPr lang="it-IT" sz="2000" dirty="0" err="1">
                 <a:latin typeface="Consolas" panose="020B0609020204030204" pitchFamily="49" charset="0"/>
                 <a:cs typeface="Consolas" panose="020B0609020204030204" pitchFamily="49" charset="0"/>
               </a:rPr>
               <a:t>Sympy</a:t>
             </a:r>
             <a:r>
-              <a:rPr lang="it-IT" dirty="0">
+              <a:rPr lang="it-IT" sz="2000" dirty="0">
                 <a:latin typeface="Consolas" panose="020B0609020204030204" pitchFamily="49" charset="0"/>
                 <a:cs typeface="Consolas" panose="020B0609020204030204" pitchFamily="49" charset="0"/>
               </a:rPr>
               <a:t>, </a:t>
             </a:r>
             <a:r>
-              <a:rPr lang="it-IT" dirty="0" err="1">
+              <a:rPr lang="it-IT" sz="2000" dirty="0" err="1">
                 <a:latin typeface="Consolas" panose="020B0609020204030204" pitchFamily="49" charset="0"/>
                 <a:cs typeface="Consolas" panose="020B0609020204030204" pitchFamily="49" charset="0"/>
               </a:rPr>
               <a:t>Pandas</a:t>
             </a:r>
             <a:r>
-              <a:rPr lang="it-IT" dirty="0">
+              <a:rPr lang="it-IT" sz="2000" dirty="0">
                 <a:latin typeface="Consolas" panose="020B0609020204030204" pitchFamily="49" charset="0"/>
                 <a:cs typeface="Consolas" panose="020B0609020204030204" pitchFamily="49" charset="0"/>
               </a:rPr>
@@ -10530,100 +10910,92 @@
           </a:p>
           <a:p>
             <a:r>
-              <a:rPr lang="it-IT" dirty="0"/>
+              <a:rPr lang="it-IT" sz="2000" dirty="0"/>
               <a:t>Utilizzato in matematica, scienze e ingegneria</a:t>
             </a:r>
           </a:p>
           <a:p>
             <a:r>
-              <a:rPr lang="it-IT" dirty="0"/>
+              <a:rPr lang="it-IT" sz="2000" dirty="0"/>
               <a:t>Composta da diversi package che offrono supporto per: </a:t>
             </a:r>
             <a:r>
-              <a:rPr lang="it-IT" dirty="0" err="1"/>
+              <a:rPr lang="it-IT" sz="2000" dirty="0" err="1"/>
               <a:t>clustering</a:t>
             </a:r>
             <a:r>
-              <a:rPr lang="it-IT" dirty="0"/>
+              <a:rPr lang="it-IT" sz="2000" dirty="0"/>
               <a:t>, trasformata di Fourier, interpolazione, algebra lineare, matrici sparse, programmazione lineare, trattamento di segnali …</a:t>
             </a:r>
           </a:p>
           <a:p>
             <a:r>
-              <a:rPr lang="it-IT" dirty="0"/>
-              <a:t>Attivamente mantenuta (ultima </a:t>
-            </a:r>
-            <a:r>
-              <a:rPr lang="it-IT" dirty="0" err="1"/>
-              <a:t>realese</a:t>
-            </a:r>
-            <a:r>
-              <a:rPr lang="it-IT" dirty="0"/>
-              <a:t> 5/10/18) e documentata (</a:t>
-            </a:r>
-            <a:r>
-              <a:rPr lang="it-IT" dirty="0">
+              <a:rPr lang="it-IT" sz="2000" dirty="0"/>
+              <a:t>Attivamente mantenuta (ultima release 5/10/18) e documentata (</a:t>
+            </a:r>
+            <a:r>
+              <a:rPr lang="it-IT" sz="2000" dirty="0">
                 <a:hlinkClick r:id="rId2"/>
               </a:rPr>
               <a:t>https://www.scipy.org/docs.html</a:t>
             </a:r>
             <a:r>
-              <a:rPr lang="it-IT" dirty="0"/>
+              <a:rPr lang="it-IT" sz="2000" dirty="0"/>
               <a:t>)</a:t>
             </a:r>
           </a:p>
           <a:p>
             <a:pPr lvl="1"/>
             <a:r>
-              <a:rPr lang="it-IT" dirty="0"/>
+              <a:rPr lang="it-IT" sz="1800" dirty="0"/>
               <a:t>Sorgente: </a:t>
             </a:r>
             <a:r>
-              <a:rPr lang="it-IT" dirty="0" err="1">
+              <a:rPr lang="it-IT" sz="1800" dirty="0" err="1">
                 <a:hlinkClick r:id="rId3"/>
               </a:rPr>
               <a:t>https</a:t>
             </a:r>
             <a:r>
-              <a:rPr lang="it-IT" dirty="0">
+              <a:rPr lang="it-IT" sz="1800" dirty="0">
                 <a:hlinkClick r:id="rId3"/>
               </a:rPr>
               <a:t>://</a:t>
             </a:r>
             <a:r>
-              <a:rPr lang="it-IT" dirty="0" err="1">
+              <a:rPr lang="it-IT" sz="1800" dirty="0" err="1">
                 <a:hlinkClick r:id="rId3"/>
               </a:rPr>
               <a:t>github.com</a:t>
             </a:r>
             <a:r>
-              <a:rPr lang="it-IT" dirty="0">
+              <a:rPr lang="it-IT" sz="1800" dirty="0">
                 <a:hlinkClick r:id="rId3"/>
               </a:rPr>
               <a:t>/</a:t>
             </a:r>
             <a:r>
-              <a:rPr lang="it-IT" dirty="0" err="1">
+              <a:rPr lang="it-IT" sz="1800" dirty="0" err="1">
                 <a:hlinkClick r:id="rId3"/>
               </a:rPr>
               <a:t>scipy</a:t>
             </a:r>
             <a:r>
-              <a:rPr lang="it-IT" dirty="0">
+              <a:rPr lang="it-IT" sz="1800" dirty="0">
                 <a:hlinkClick r:id="rId3"/>
               </a:rPr>
               <a:t>/</a:t>
             </a:r>
             <a:r>
-              <a:rPr lang="it-IT" dirty="0" err="1">
+              <a:rPr lang="it-IT" sz="1800" dirty="0" err="1">
                 <a:hlinkClick r:id="rId3"/>
               </a:rPr>
               <a:t>scipy</a:t>
             </a:r>
-            <a:endParaRPr lang="it-IT" dirty="0"/>
-          </a:p>
-          <a:p>
-            <a:endParaRPr lang="it-IT" dirty="0"/>
+            <a:endParaRPr lang="it-IT" sz="1800" dirty="0"/>
+          </a:p>
+          <a:p>
+            <a:endParaRPr lang="it-IT" sz="2000" dirty="0"/>
           </a:p>
         </p:txBody>
       </p:sp>
@@ -10718,118 +11090,139 @@
           <a:lstStyle/>
           <a:p>
             <a:r>
-              <a:rPr lang="it-IT" dirty="0"/>
+              <a:rPr lang="it-IT" sz="2000" dirty="0"/>
               <a:t>In particolare abbiamo utilizzato:</a:t>
             </a:r>
           </a:p>
           <a:p>
             <a:pPr lvl="1"/>
+            <a:r>
+              <a:rPr lang="it-IT" sz="2000" dirty="0" err="1">
+                <a:latin typeface="Consolas" panose="020B0609020204030204" pitchFamily="49" charset="0"/>
+                <a:cs typeface="Consolas" panose="020B0609020204030204" pitchFamily="49" charset="0"/>
+              </a:rPr>
+              <a:t>scipy.io</a:t>
+            </a:r>
+            <a:r>
+              <a:rPr lang="it-IT" sz="2000" dirty="0">
+                <a:latin typeface="Consolas" panose="020B0609020204030204" pitchFamily="49" charset="0"/>
+                <a:cs typeface="Consolas" panose="020B0609020204030204" pitchFamily="49" charset="0"/>
+              </a:rPr>
+              <a:t>: </a:t>
+            </a:r>
+            <a:r>
+              <a:rPr lang="it-IT" sz="2000" dirty="0"/>
+              <a:t>Lettura delle matrici in formato .</a:t>
+            </a:r>
+            <a:r>
+              <a:rPr lang="it-IT" sz="2000" dirty="0" err="1"/>
+              <a:t>mtx</a:t>
+            </a:r>
+            <a:endParaRPr lang="it-IT" sz="2000" dirty="0"/>
+          </a:p>
+          <a:p>
+            <a:pPr lvl="1"/>
+            <a:r>
+              <a:rPr lang="it-IT" sz="2000" dirty="0" err="1">
+                <a:latin typeface="Consolas" panose="020B0609020204030204" pitchFamily="49" charset="0"/>
+                <a:cs typeface="Consolas" panose="020B0609020204030204" pitchFamily="49" charset="0"/>
+              </a:rPr>
+              <a:t>scipy.sparse.linalg</a:t>
+            </a:r>
+            <a:r>
+              <a:rPr lang="it-IT" sz="2000" dirty="0">
+                <a:latin typeface="Consolas" panose="020B0609020204030204" pitchFamily="49" charset="0"/>
+                <a:cs typeface="Consolas" panose="020B0609020204030204" pitchFamily="49" charset="0"/>
+              </a:rPr>
+              <a:t>:</a:t>
+            </a:r>
+          </a:p>
+          <a:p>
+            <a:pPr lvl="2"/>
             <a:r>
               <a:rPr lang="it-IT" sz="1800" dirty="0" err="1">
                 <a:latin typeface="Consolas" panose="020B0609020204030204" pitchFamily="49" charset="0"/>
                 <a:cs typeface="Consolas" panose="020B0609020204030204" pitchFamily="49" charset="0"/>
               </a:rPr>
-              <a:t>scipy.io</a:t>
+              <a:t>spsolve</a:t>
             </a:r>
             <a:r>
               <a:rPr lang="it-IT" sz="1800" dirty="0">
                 <a:latin typeface="Consolas" panose="020B0609020204030204" pitchFamily="49" charset="0"/>
                 <a:cs typeface="Consolas" panose="020B0609020204030204" pitchFamily="49" charset="0"/>
               </a:rPr>
-              <a:t>: </a:t>
-            </a:r>
-            <a:r>
-              <a:rPr lang="it-IT" sz="1800" dirty="0"/>
-              <a:t>Lettura delle matrici in formato .</a:t>
-            </a:r>
-            <a:r>
-              <a:rPr lang="it-IT" sz="1800" dirty="0" err="1"/>
-              <a:t>mtx</a:t>
-            </a:r>
-            <a:endParaRPr lang="it-IT" sz="1800" dirty="0"/>
-          </a:p>
-          <a:p>
-            <a:pPr lvl="1"/>
+              <a:t>(): </a:t>
+            </a:r>
+            <a:r>
+              <a:rPr lang="it-IT" sz="2000" dirty="0"/>
+              <a:t>Risoluzione di sistemi lineari sparsi</a:t>
+            </a:r>
+          </a:p>
+          <a:p>
+            <a:pPr lvl="2"/>
             <a:r>
               <a:rPr lang="it-IT" sz="1800" dirty="0" err="1">
                 <a:latin typeface="Consolas" panose="020B0609020204030204" pitchFamily="49" charset="0"/>
                 <a:cs typeface="Consolas" panose="020B0609020204030204" pitchFamily="49" charset="0"/>
               </a:rPr>
-              <a:t>scipy.sparse.linalg</a:t>
+              <a:t>norm</a:t>
             </a:r>
             <a:r>
               <a:rPr lang="it-IT" sz="1800" dirty="0">
                 <a:latin typeface="Consolas" panose="020B0609020204030204" pitchFamily="49" charset="0"/>
                 <a:cs typeface="Consolas" panose="020B0609020204030204" pitchFamily="49" charset="0"/>
               </a:rPr>
-              <a:t>:</a:t>
-            </a:r>
-          </a:p>
-          <a:p>
-            <a:pPr lvl="2"/>
-            <a:r>
-              <a:rPr lang="it-IT" sz="1600" dirty="0" err="1">
+              <a:t>(): </a:t>
+            </a:r>
+            <a:r>
+              <a:rPr lang="it-IT" sz="2000" dirty="0"/>
+              <a:t>Calcolo della norma per matrici sparse</a:t>
+            </a:r>
+          </a:p>
+          <a:p>
+            <a:pPr lvl="1"/>
+            <a:r>
+              <a:rPr lang="it-IT" sz="2000" dirty="0" err="1">
                 <a:latin typeface="Consolas" panose="020B0609020204030204" pitchFamily="49" charset="0"/>
                 <a:cs typeface="Consolas" panose="020B0609020204030204" pitchFamily="49" charset="0"/>
               </a:rPr>
-              <a:t>spsolve</a:t>
-            </a:r>
-            <a:r>
-              <a:rPr lang="it-IT" sz="1600" dirty="0">
+              <a:t>scipy.linalg</a:t>
+            </a:r>
+            <a:r>
+              <a:rPr lang="it-IT" sz="2000" dirty="0">
                 <a:latin typeface="Consolas" panose="020B0609020204030204" pitchFamily="49" charset="0"/>
                 <a:cs typeface="Consolas" panose="020B0609020204030204" pitchFamily="49" charset="0"/>
               </a:rPr>
-              <a:t>(): </a:t>
-            </a:r>
-            <a:r>
-              <a:rPr lang="it-IT" sz="1800" dirty="0"/>
-              <a:t>Risoluzione di sistemi lineari sparsi</a:t>
-            </a:r>
-          </a:p>
-          <a:p>
-            <a:pPr lvl="2"/>
-            <a:r>
-              <a:rPr lang="it-IT" sz="1600" dirty="0" err="1">
+              <a:t>: </a:t>
+            </a:r>
+            <a:r>
+              <a:rPr lang="it-IT" sz="2000" dirty="0"/>
+              <a:t>Calcolo della norma per matrici sparse</a:t>
+            </a:r>
+          </a:p>
+          <a:p>
+            <a:pPr lvl="1"/>
+            <a:r>
+              <a:rPr lang="it-IT" sz="2000" dirty="0" err="1">
                 <a:latin typeface="Consolas" panose="020B0609020204030204" pitchFamily="49" charset="0"/>
                 <a:cs typeface="Consolas" panose="020B0609020204030204" pitchFamily="49" charset="0"/>
               </a:rPr>
-              <a:t>norm</a:t>
-            </a:r>
-            <a:r>
-              <a:rPr lang="it-IT" sz="1600" dirty="0">
+              <a:t>numpy</a:t>
+            </a:r>
+            <a:r>
+              <a:rPr lang="it-IT" sz="2000" dirty="0">
                 <a:latin typeface="Consolas" panose="020B0609020204030204" pitchFamily="49" charset="0"/>
                 <a:cs typeface="Consolas" panose="020B0609020204030204" pitchFamily="49" charset="0"/>
               </a:rPr>
-              <a:t>(): </a:t>
-            </a:r>
-            <a:r>
-              <a:rPr lang="it-IT" sz="1800" dirty="0"/>
-              <a:t>Calcolo della norma per matrici sparse</a:t>
-            </a:r>
-          </a:p>
-          <a:p>
-            <a:pPr lvl="1"/>
-            <a:r>
-              <a:rPr lang="it-IT" sz="1800" dirty="0" err="1">
-                <a:latin typeface="Consolas" panose="020B0609020204030204" pitchFamily="49" charset="0"/>
-                <a:cs typeface="Consolas" panose="020B0609020204030204" pitchFamily="49" charset="0"/>
-              </a:rPr>
-              <a:t>scipy.linalg</a:t>
-            </a:r>
-            <a:r>
-              <a:rPr lang="it-IT" sz="1800" dirty="0">
-                <a:latin typeface="Consolas" panose="020B0609020204030204" pitchFamily="49" charset="0"/>
-                <a:cs typeface="Consolas" panose="020B0609020204030204" pitchFamily="49" charset="0"/>
-              </a:rPr>
               <a:t>: </a:t>
             </a:r>
             <a:r>
-              <a:rPr lang="it-IT" sz="1800" dirty="0"/>
-              <a:t>Calcolo della norma per matrici sparse</a:t>
-            </a:r>
-          </a:p>
-          <a:p>
-            <a:endParaRPr lang="it-IT" dirty="0"/>
+              <a:rPr lang="it-IT" sz="2000" dirty="0"/>
+              <a:t>indirettamente. Utilizzato per la rappresentazione delle strutture dati</a:t>
+            </a:r>
+          </a:p>
+          <a:p>
+            <a:endParaRPr lang="it-IT" sz="2000" dirty="0"/>
           </a:p>
         </p:txBody>
       </p:sp>
@@ -10868,7 +11261,7 @@
           <p:cNvPr id="2" name="Title 1">
             <a:extLst>
               <a:ext uri="{FF2B5EF4-FFF2-40B4-BE49-F238E27FC236}">
-                <a16:creationId xmlns:a16="http://schemas.microsoft.com/office/drawing/2014/main" id="{0FE73C83-87B8-7F4E-9FA2-CE3979006950}"/>
+                <a16:creationId xmlns:a16="http://schemas.microsoft.com/office/drawing/2014/main" id="{6E1F0303-B78F-494B-8B63-26FA7A559E95}"/>
               </a:ext>
             </a:extLst>
           </p:cNvPr>
@@ -10897,7 +11290,7 @@
           <p:cNvPr id="3" name="Content Placeholder 2">
             <a:extLst>
               <a:ext uri="{FF2B5EF4-FFF2-40B4-BE49-F238E27FC236}">
-                <a16:creationId xmlns:a16="http://schemas.microsoft.com/office/drawing/2014/main" id="{26C89AF0-813F-7343-85AE-182C0880C78D}"/>
+                <a16:creationId xmlns:a16="http://schemas.microsoft.com/office/drawing/2014/main" id="{82B9C841-4B1D-724A-91DF-8FA797961078}"/>
               </a:ext>
             </a:extLst>
           </p:cNvPr>
@@ -10910,17 +11303,198 @@
         </p:nvSpPr>
         <p:spPr/>
         <p:txBody>
-          <a:bodyPr/>
+          <a:bodyPr>
+            <a:normAutofit lnSpcReduction="10000"/>
+          </a:bodyPr>
           <a:lstStyle/>
           <a:p>
-            <a:endParaRPr lang="it-IT"/>
+            <a:r>
+              <a:rPr lang="it-IT" dirty="0"/>
+              <a:t>Permette di risolvere sistemi lineari del tipo </a:t>
+            </a:r>
+            <a:r>
+              <a:rPr lang="it-IT" dirty="0" err="1">
+                <a:latin typeface="Consolas" panose="020B0609020204030204" pitchFamily="49" charset="0"/>
+                <a:cs typeface="Consolas" panose="020B0609020204030204" pitchFamily="49" charset="0"/>
+              </a:rPr>
+              <a:t>Ax</a:t>
+            </a:r>
+            <a:r>
+              <a:rPr lang="it-IT" dirty="0">
+                <a:latin typeface="Consolas" panose="020B0609020204030204" pitchFamily="49" charset="0"/>
+                <a:cs typeface="Consolas" panose="020B0609020204030204" pitchFamily="49" charset="0"/>
+              </a:rPr>
+              <a:t>=b</a:t>
+            </a:r>
+            <a:r>
+              <a:rPr lang="it-IT" dirty="0"/>
+              <a:t> dove </a:t>
+            </a:r>
+            <a:r>
+              <a:rPr lang="it-IT" dirty="0">
+                <a:latin typeface="Consolas" panose="020B0609020204030204" pitchFamily="49" charset="0"/>
+                <a:cs typeface="Consolas" panose="020B0609020204030204" pitchFamily="49" charset="0"/>
+              </a:rPr>
+              <a:t>A</a:t>
+            </a:r>
+            <a:r>
+              <a:rPr lang="it-IT" dirty="0"/>
+              <a:t> è una matrice sparsa e </a:t>
+            </a:r>
+            <a:r>
+              <a:rPr lang="it-IT" dirty="0">
+                <a:latin typeface="Consolas" panose="020B0609020204030204" pitchFamily="49" charset="0"/>
+                <a:cs typeface="Consolas" panose="020B0609020204030204" pitchFamily="49" charset="0"/>
+              </a:rPr>
+              <a:t>b</a:t>
+            </a:r>
+            <a:r>
+              <a:rPr lang="it-IT" dirty="0"/>
+              <a:t> può essere una matrice. In questo caso risolve un sistema lineare per ogni colonna di </a:t>
+            </a:r>
+            <a:r>
+              <a:rPr lang="it-IT" dirty="0">
+                <a:latin typeface="Consolas" panose="020B0609020204030204" pitchFamily="49" charset="0"/>
+                <a:cs typeface="Consolas" panose="020B0609020204030204" pitchFamily="49" charset="0"/>
+              </a:rPr>
+              <a:t>b</a:t>
+            </a:r>
+            <a:r>
+              <a:rPr lang="it-IT" dirty="0"/>
+              <a:t>.</a:t>
+            </a:r>
+          </a:p>
+          <a:p>
+            <a:r>
+              <a:rPr lang="it-IT" dirty="0"/>
+              <a:t>Se la matrice </a:t>
+            </a:r>
+            <a:r>
+              <a:rPr lang="it-IT" dirty="0">
+                <a:latin typeface="Consolas" panose="020B0609020204030204" pitchFamily="49" charset="0"/>
+                <a:cs typeface="Consolas" panose="020B0609020204030204" pitchFamily="49" charset="0"/>
+              </a:rPr>
+              <a:t>A</a:t>
+            </a:r>
+            <a:r>
+              <a:rPr lang="it-IT" dirty="0"/>
+              <a:t> non è già in formato </a:t>
+            </a:r>
+            <a:r>
+              <a:rPr lang="it-IT" i="1" dirty="0"/>
+              <a:t>CSC</a:t>
+            </a:r>
+            <a:r>
+              <a:rPr lang="it-IT" dirty="0"/>
+              <a:t> o </a:t>
+            </a:r>
+            <a:r>
+              <a:rPr lang="it-IT" i="1" dirty="0"/>
+              <a:t>CSR</a:t>
+            </a:r>
+            <a:r>
+              <a:rPr lang="it-IT" dirty="0"/>
+              <a:t> (</a:t>
+            </a:r>
+            <a:r>
+              <a:rPr lang="it-IT" i="1" dirty="0" err="1"/>
+              <a:t>Compressed</a:t>
+            </a:r>
+            <a:r>
+              <a:rPr lang="it-IT" i="1" dirty="0"/>
+              <a:t> Sparse </a:t>
+            </a:r>
+            <a:r>
+              <a:rPr lang="it-IT" i="1" dirty="0" err="1"/>
+              <a:t>Colums</a:t>
+            </a:r>
+            <a:r>
+              <a:rPr lang="it-IT" i="1" dirty="0"/>
+              <a:t>/</a:t>
+            </a:r>
+            <a:r>
+              <a:rPr lang="it-IT" i="1" dirty="0" err="1"/>
+              <a:t>Rows</a:t>
+            </a:r>
+            <a:r>
+              <a:rPr lang="it-IT" dirty="0"/>
+              <a:t>) viene automaticamente convertita in formato </a:t>
+            </a:r>
+            <a:r>
+              <a:rPr lang="it-IT" i="1" dirty="0"/>
+              <a:t>CSC</a:t>
+            </a:r>
+          </a:p>
+          <a:p>
+            <a:r>
+              <a:rPr lang="it-IT" dirty="0"/>
+              <a:t>È possibile specificare la politica di riordinamento delle colonne utilizzata per minimizzare il </a:t>
+            </a:r>
+            <a:r>
+              <a:rPr lang="it-IT" i="1" dirty="0" err="1"/>
+              <a:t>fill</a:t>
+            </a:r>
+            <a:r>
+              <a:rPr lang="it-IT" i="1" dirty="0"/>
+              <a:t>-in</a:t>
+            </a:r>
+            <a:r>
+              <a:rPr lang="it-IT" dirty="0"/>
+              <a:t>.</a:t>
+            </a:r>
+          </a:p>
+          <a:p>
+            <a:r>
+              <a:rPr lang="it-IT" dirty="0"/>
+              <a:t>È possibile specificare la libreria da utilizzare per la risoluzione tra </a:t>
+            </a:r>
+            <a:r>
+              <a:rPr lang="it-IT" dirty="0" err="1"/>
+              <a:t>SuperLU</a:t>
+            </a:r>
+            <a:r>
+              <a:rPr lang="it-IT" dirty="0"/>
+              <a:t> e </a:t>
+            </a:r>
+            <a:r>
+              <a:rPr lang="it-IT" dirty="0" err="1"/>
+              <a:t>umfpack</a:t>
+            </a:r>
+            <a:r>
+              <a:rPr lang="it-IT" dirty="0"/>
+              <a:t> (default)</a:t>
+            </a:r>
+          </a:p>
+          <a:p>
+            <a:r>
+              <a:rPr lang="it-IT" dirty="0"/>
+              <a:t>Nel caso in cui x e b siano matrici (AX=B), la funzione assume che la soluzione X sia a sua volta sparsa. Se così non fosse risulta più efficiente utilizzare la versione del modulo </a:t>
+            </a:r>
+            <a:r>
+              <a:rPr lang="it-IT" dirty="0" err="1">
+                <a:latin typeface="Consolas" panose="020B0609020204030204" pitchFamily="49" charset="0"/>
+                <a:cs typeface="Consolas" panose="020B0609020204030204" pitchFamily="49" charset="0"/>
+              </a:rPr>
+              <a:t>scipy.linalg</a:t>
+            </a:r>
+            <a:r>
+              <a:rPr lang="it-IT" dirty="0">
+                <a:latin typeface="Consolas" panose="020B0609020204030204" pitchFamily="49" charset="0"/>
+                <a:cs typeface="Consolas" panose="020B0609020204030204" pitchFamily="49" charset="0"/>
+              </a:rPr>
+              <a:t> </a:t>
+            </a:r>
+            <a:r>
+              <a:rPr lang="it-IT" dirty="0"/>
+              <a:t>per la risoluzione di matrici non sparse.</a:t>
+            </a:r>
           </a:p>
         </p:txBody>
       </p:sp>
     </p:spTree>
     <p:extLst>
       <p:ext uri="{BB962C8B-B14F-4D97-AF65-F5344CB8AC3E}">
-        <p14:creationId xmlns:p14="http://schemas.microsoft.com/office/powerpoint/2010/main" val="3286173046"/>
+        <p14:creationId xmlns:p14="http://schemas.microsoft.com/office/powerpoint/2010/main" val="1093523205"/>
       </p:ext>
     </p:extLst>
   </p:cSld>
@@ -10952,7 +11526,7 @@
           <p:cNvPr id="2" name="Title 1">
             <a:extLst>
               <a:ext uri="{FF2B5EF4-FFF2-40B4-BE49-F238E27FC236}">
-                <a16:creationId xmlns:a16="http://schemas.microsoft.com/office/drawing/2014/main" id="{10BBC471-34E0-FF46-A9C8-2D7279E15086}"/>
+                <a16:creationId xmlns:a16="http://schemas.microsoft.com/office/drawing/2014/main" id="{6307F524-B100-AE40-9961-C544F5B91C23}"/>
               </a:ext>
             </a:extLst>
           </p:cNvPr>
@@ -10969,9 +11543,10 @@
           <a:lstStyle/>
           <a:p>
             <a:r>
-              <a:rPr lang="it-IT" dirty="0"/>
-              <a:t>Parametri analizzati</a:t>
-            </a:r>
+              <a:rPr lang="it-IT" dirty="0" err="1"/>
+              <a:t>Spsolve</a:t>
+            </a:r>
+            <a:endParaRPr lang="it-IT" dirty="0"/>
           </a:p>
         </p:txBody>
       </p:sp>
@@ -10980,7 +11555,7 @@
           <p:cNvPr id="3" name="Content Placeholder 2">
             <a:extLst>
               <a:ext uri="{FF2B5EF4-FFF2-40B4-BE49-F238E27FC236}">
-                <a16:creationId xmlns:a16="http://schemas.microsoft.com/office/drawing/2014/main" id="{89C5D7F5-CD91-2B46-ACF6-B90C3EC4D177}"/>
+                <a16:creationId xmlns:a16="http://schemas.microsoft.com/office/drawing/2014/main" id="{BC1C21A8-A32E-884C-A5EF-1FEC2A154973}"/>
               </a:ext>
             </a:extLst>
           </p:cNvPr>
@@ -10993,173 +11568,52 @@
         </p:nvSpPr>
         <p:spPr/>
         <p:txBody>
-          <a:bodyPr/>
+          <a:bodyPr>
+            <a:normAutofit/>
+          </a:bodyPr>
           <a:lstStyle/>
           <a:p>
             <a:r>
-              <a:rPr lang="it-IT" dirty="0"/>
-              <a:t>Errore relativo:</a:t>
-            </a:r>
-          </a:p>
-          <a:p>
-            <a:pPr lvl="1"/>
-            <a:r>
-              <a:rPr lang="it-IT" dirty="0" err="1">
-                <a:latin typeface="Consolas" panose="020B0609020204030204" pitchFamily="49" charset="0"/>
-                <a:cs typeface="Consolas" panose="020B0609020204030204" pitchFamily="49" charset="0"/>
-              </a:rPr>
-              <a:t>relative_error</a:t>
-            </a:r>
-            <a:r>
-              <a:rPr lang="it-IT" dirty="0">
-                <a:latin typeface="Consolas" panose="020B0609020204030204" pitchFamily="49" charset="0"/>
-                <a:cs typeface="Consolas" panose="020B0609020204030204" pitchFamily="49" charset="0"/>
-              </a:rPr>
-              <a:t> = </a:t>
-            </a:r>
-            <a:r>
-              <a:rPr lang="it-IT" dirty="0" err="1">
-                <a:latin typeface="Consolas" panose="020B0609020204030204" pitchFamily="49" charset="0"/>
-                <a:cs typeface="Consolas" panose="020B0609020204030204" pitchFamily="49" charset="0"/>
-              </a:rPr>
-              <a:t>norm</a:t>
-            </a:r>
-            <a:r>
-              <a:rPr lang="it-IT" dirty="0">
-                <a:latin typeface="Consolas" panose="020B0609020204030204" pitchFamily="49" charset="0"/>
-                <a:cs typeface="Consolas" panose="020B0609020204030204" pitchFamily="49" charset="0"/>
-              </a:rPr>
-              <a:t>(x - </a:t>
-            </a:r>
-            <a:r>
-              <a:rPr lang="it-IT" dirty="0" err="1">
-                <a:latin typeface="Consolas" panose="020B0609020204030204" pitchFamily="49" charset="0"/>
-                <a:cs typeface="Consolas" panose="020B0609020204030204" pitchFamily="49" charset="0"/>
-              </a:rPr>
-              <a:t>xe</a:t>
-            </a:r>
-            <a:r>
-              <a:rPr lang="it-IT" dirty="0">
-                <a:latin typeface="Consolas" panose="020B0609020204030204" pitchFamily="49" charset="0"/>
-                <a:cs typeface="Consolas" panose="020B0609020204030204" pitchFamily="49" charset="0"/>
-              </a:rPr>
-              <a:t>, 2) / </a:t>
-            </a:r>
-            <a:r>
-              <a:rPr lang="it-IT" dirty="0" err="1">
-                <a:latin typeface="Consolas" panose="020B0609020204030204" pitchFamily="49" charset="0"/>
-                <a:cs typeface="Consolas" panose="020B0609020204030204" pitchFamily="49" charset="0"/>
-              </a:rPr>
-              <a:t>norm</a:t>
-            </a:r>
-            <a:r>
-              <a:rPr lang="it-IT" dirty="0">
-                <a:latin typeface="Consolas" panose="020B0609020204030204" pitchFamily="49" charset="0"/>
-                <a:cs typeface="Consolas" panose="020B0609020204030204" pitchFamily="49" charset="0"/>
-              </a:rPr>
-              <a:t>(</a:t>
-            </a:r>
-            <a:r>
-              <a:rPr lang="it-IT" dirty="0" err="1">
-                <a:latin typeface="Consolas" panose="020B0609020204030204" pitchFamily="49" charset="0"/>
-                <a:cs typeface="Consolas" panose="020B0609020204030204" pitchFamily="49" charset="0"/>
-              </a:rPr>
-              <a:t>xe</a:t>
-            </a:r>
-            <a:r>
-              <a:rPr lang="it-IT" dirty="0">
-                <a:latin typeface="Consolas" panose="020B0609020204030204" pitchFamily="49" charset="0"/>
-                <a:cs typeface="Consolas" panose="020B0609020204030204" pitchFamily="49" charset="0"/>
-              </a:rPr>
-              <a:t>, 2)</a:t>
-            </a:r>
-            <a:br>
-              <a:rPr lang="it-IT" dirty="0">
-                <a:latin typeface="Consolas" panose="020B0609020204030204" pitchFamily="49" charset="0"/>
-                <a:cs typeface="Consolas" panose="020B0609020204030204" pitchFamily="49" charset="0"/>
-              </a:rPr>
-            </a:br>
-            <a:br>
-              <a:rPr lang="it-IT" dirty="0">
-                <a:latin typeface="Consolas" panose="020B0609020204030204" pitchFamily="49" charset="0"/>
-                <a:cs typeface="Consolas" panose="020B0609020204030204" pitchFamily="49" charset="0"/>
-              </a:rPr>
-            </a:br>
-            <a:r>
-              <a:rPr lang="it-IT" dirty="0"/>
-              <a:t>Dove </a:t>
-            </a:r>
-            <a:r>
-              <a:rPr lang="it-IT" dirty="0" err="1">
-                <a:latin typeface="Consolas" panose="020B0609020204030204" pitchFamily="49" charset="0"/>
-                <a:cs typeface="Consolas" panose="020B0609020204030204" pitchFamily="49" charset="0"/>
-              </a:rPr>
-              <a:t>xe</a:t>
-            </a:r>
-            <a:r>
-              <a:rPr lang="it-IT" dirty="0"/>
-              <a:t> è la soluzione esatta del sistema, ovvero il vettore avente tutte le componenti pari a 1 e </a:t>
-            </a:r>
-            <a:r>
-              <a:rPr lang="it-IT" dirty="0" err="1">
-                <a:latin typeface="Consolas" panose="020B0609020204030204" pitchFamily="49" charset="0"/>
-                <a:cs typeface="Consolas" panose="020B0609020204030204" pitchFamily="49" charset="0"/>
-              </a:rPr>
-              <a:t>norm</a:t>
-            </a:r>
-            <a:r>
-              <a:rPr lang="it-IT" dirty="0"/>
-              <a:t> è la norma 2 del vettore.</a:t>
-            </a:r>
-          </a:p>
-          <a:p>
-            <a:r>
-              <a:rPr lang="it-IT" dirty="0"/>
-              <a:t>Tempo di esecuzione</a:t>
-            </a:r>
-          </a:p>
-          <a:p>
-            <a:pPr lvl="1"/>
-            <a:r>
-              <a:rPr lang="it-IT" dirty="0" err="1"/>
-              <a:t>Python</a:t>
-            </a:r>
-            <a:r>
-              <a:rPr lang="it-IT" dirty="0"/>
-              <a:t>: Modulo standard </a:t>
-            </a:r>
-            <a:r>
-              <a:rPr lang="it-IT" dirty="0" err="1">
-                <a:latin typeface="Consolas" panose="020B0609020204030204" pitchFamily="49" charset="0"/>
-                <a:cs typeface="Consolas" panose="020B0609020204030204" pitchFamily="49" charset="0"/>
-              </a:rPr>
-              <a:t>datetime</a:t>
-            </a:r>
-            <a:endParaRPr lang="it-IT" dirty="0">
-              <a:latin typeface="Consolas" panose="020B0609020204030204" pitchFamily="49" charset="0"/>
-              <a:cs typeface="Consolas" panose="020B0609020204030204" pitchFamily="49" charset="0"/>
-            </a:endParaRPr>
-          </a:p>
-          <a:p>
-            <a:pPr lvl="1"/>
-            <a:r>
-              <a:rPr lang="it-IT" sz="1800" dirty="0"/>
-              <a:t>MATLAB:</a:t>
-            </a:r>
-            <a:r>
-              <a:rPr lang="it-IT" dirty="0">
-                <a:latin typeface="Consolas" panose="020B0609020204030204" pitchFamily="49" charset="0"/>
-                <a:cs typeface="Consolas" panose="020B0609020204030204" pitchFamily="49" charset="0"/>
-              </a:rPr>
-              <a:t> tic; toc;</a:t>
-            </a:r>
-          </a:p>
-        </p:txBody>
-      </p:sp>
+              <a:rPr lang="it-IT" sz="2000" dirty="0"/>
+              <a:t>Algoritmo molto più semplice rispetto a quello utilizzato da MATLAB</a:t>
+            </a:r>
+          </a:p>
+        </p:txBody>
+      </p:sp>
+      <p:pic>
+        <p:nvPicPr>
+          <p:cNvPr id="5" name="Picture 4">
+            <a:extLst>
+              <a:ext uri="{FF2B5EF4-FFF2-40B4-BE49-F238E27FC236}">
+                <a16:creationId xmlns:a16="http://schemas.microsoft.com/office/drawing/2014/main" id="{38B3F0B8-A5EE-C74A-AD55-122CBD42322A}"/>
+              </a:ext>
+            </a:extLst>
+          </p:cNvPr>
+          <p:cNvPicPr>
+            <a:picLocks noChangeAspect="1"/>
+          </p:cNvPicPr>
+          <p:nvPr/>
+        </p:nvPicPr>
+        <p:blipFill>
+          <a:blip r:embed="rId2"/>
+          <a:stretch>
+            <a:fillRect/>
+          </a:stretch>
+        </p:blipFill>
+        <p:spPr>
+          <a:xfrm>
+            <a:off x="314602" y="3020037"/>
+            <a:ext cx="9322131" cy="2161876"/>
+          </a:xfrm>
+          <a:prstGeom prst="rect">
+            <a:avLst/>
+          </a:prstGeom>
+        </p:spPr>
+      </p:pic>
     </p:spTree>
     <p:extLst>
       <p:ext uri="{BB962C8B-B14F-4D97-AF65-F5344CB8AC3E}">
-        <p14:creationId xmlns:p14="http://schemas.microsoft.com/office/powerpoint/2010/main" val="568885745"/>
+        <p14:creationId xmlns:p14="http://schemas.microsoft.com/office/powerpoint/2010/main" val="608593965"/>
       </p:ext>
     </p:extLst>
   </p:cSld>
@@ -11202,7 +11656,12 @@
             <p:ph type="title"/>
           </p:nvPr>
         </p:nvSpPr>
-        <p:spPr/>
+        <p:spPr>
+          <a:xfrm>
+            <a:off x="677334" y="609600"/>
+            <a:ext cx="8596668" cy="1320800"/>
+          </a:xfrm>
+        </p:spPr>
         <p:txBody>
           <a:bodyPr/>
           <a:lstStyle/>
@@ -11232,79 +11691,175 @@
         </p:nvSpPr>
         <p:spPr/>
         <p:txBody>
-          <a:bodyPr/>
+          <a:bodyPr>
+            <a:normAutofit/>
+          </a:bodyPr>
           <a:lstStyle/>
           <a:p>
             <a:r>
-              <a:rPr lang="it-IT" dirty="0"/>
-              <a:t>Memoria utilizzata per la risoluzione del sistema:</a:t>
+              <a:rPr lang="it-IT" sz="2000" dirty="0"/>
+              <a:t>Errore relativo:</a:t>
             </a:r>
           </a:p>
           <a:p>
             <a:pPr lvl="1"/>
             <a:r>
-              <a:rPr lang="it-IT" dirty="0"/>
-              <a:t>Metrica intrinsecamente imprecisa</a:t>
-            </a:r>
-          </a:p>
-          <a:p>
-            <a:pPr lvl="1"/>
-            <a:r>
-              <a:rPr lang="it-IT" dirty="0"/>
-              <a:t>Stessa metodologia sia per MATLAB che per </a:t>
-            </a:r>
-            <a:r>
-              <a:rPr lang="it-IT" dirty="0" err="1"/>
-              <a:t>Python</a:t>
-            </a:r>
-            <a:endParaRPr lang="it-IT" dirty="0"/>
-          </a:p>
-          <a:p>
-            <a:pPr lvl="1"/>
-            <a:r>
-              <a:rPr lang="it-IT" dirty="0"/>
-              <a:t>Script </a:t>
-            </a:r>
-            <a:r>
-              <a:rPr lang="it-IT" dirty="0" err="1"/>
-              <a:t>Python</a:t>
-            </a:r>
-            <a:r>
-              <a:rPr lang="it-IT" dirty="0"/>
-              <a:t> che utilizza la libreria </a:t>
-            </a:r>
-            <a:r>
-              <a:rPr lang="it-IT" dirty="0" err="1">
+              <a:rPr lang="it-IT" sz="1800" dirty="0" err="1">
                 <a:latin typeface="Consolas" panose="020B0609020204030204" pitchFamily="49" charset="0"/>
                 <a:cs typeface="Consolas" panose="020B0609020204030204" pitchFamily="49" charset="0"/>
               </a:rPr>
-              <a:t>psutil</a:t>
-            </a:r>
-            <a:r>
-              <a:rPr lang="it-IT" dirty="0"/>
-              <a:t> per ottenere dal sistema operativo la memoria utilizzata da un processo</a:t>
+              <a:t>relative_error</a:t>
+            </a:r>
+            <a:r>
+              <a:rPr lang="it-IT" sz="1800" dirty="0">
+                <a:latin typeface="Consolas" panose="020B0609020204030204" pitchFamily="49" charset="0"/>
+                <a:cs typeface="Consolas" panose="020B0609020204030204" pitchFamily="49" charset="0"/>
+              </a:rPr>
+              <a:t> = </a:t>
+            </a:r>
+            <a:r>
+              <a:rPr lang="it-IT" sz="1800" dirty="0" err="1">
+                <a:latin typeface="Consolas" panose="020B0609020204030204" pitchFamily="49" charset="0"/>
+                <a:cs typeface="Consolas" panose="020B0609020204030204" pitchFamily="49" charset="0"/>
+              </a:rPr>
+              <a:t>norm</a:t>
+            </a:r>
+            <a:r>
+              <a:rPr lang="it-IT" sz="1800" dirty="0">
+                <a:latin typeface="Consolas" panose="020B0609020204030204" pitchFamily="49" charset="0"/>
+                <a:cs typeface="Consolas" panose="020B0609020204030204" pitchFamily="49" charset="0"/>
+              </a:rPr>
+              <a:t>(x - </a:t>
+            </a:r>
+            <a:r>
+              <a:rPr lang="it-IT" sz="1800" dirty="0" err="1">
+                <a:latin typeface="Consolas" panose="020B0609020204030204" pitchFamily="49" charset="0"/>
+                <a:cs typeface="Consolas" panose="020B0609020204030204" pitchFamily="49" charset="0"/>
+              </a:rPr>
+              <a:t>xe</a:t>
+            </a:r>
+            <a:r>
+              <a:rPr lang="it-IT" sz="1800" dirty="0">
+                <a:latin typeface="Consolas" panose="020B0609020204030204" pitchFamily="49" charset="0"/>
+                <a:cs typeface="Consolas" panose="020B0609020204030204" pitchFamily="49" charset="0"/>
+              </a:rPr>
+              <a:t>, 2) / </a:t>
+            </a:r>
+            <a:r>
+              <a:rPr lang="it-IT" sz="1800" dirty="0" err="1">
+                <a:latin typeface="Consolas" panose="020B0609020204030204" pitchFamily="49" charset="0"/>
+                <a:cs typeface="Consolas" panose="020B0609020204030204" pitchFamily="49" charset="0"/>
+              </a:rPr>
+              <a:t>norm</a:t>
+            </a:r>
+            <a:r>
+              <a:rPr lang="it-IT" sz="1800" dirty="0">
+                <a:latin typeface="Consolas" panose="020B0609020204030204" pitchFamily="49" charset="0"/>
+                <a:cs typeface="Consolas" panose="020B0609020204030204" pitchFamily="49" charset="0"/>
+              </a:rPr>
+              <a:t>(</a:t>
+            </a:r>
+            <a:r>
+              <a:rPr lang="it-IT" sz="1800" dirty="0" err="1">
+                <a:latin typeface="Consolas" panose="020B0609020204030204" pitchFamily="49" charset="0"/>
+                <a:cs typeface="Consolas" panose="020B0609020204030204" pitchFamily="49" charset="0"/>
+              </a:rPr>
+              <a:t>xe</a:t>
+            </a:r>
+            <a:r>
+              <a:rPr lang="it-IT" sz="1800" dirty="0">
+                <a:latin typeface="Consolas" panose="020B0609020204030204" pitchFamily="49" charset="0"/>
+                <a:cs typeface="Consolas" panose="020B0609020204030204" pitchFamily="49" charset="0"/>
+              </a:rPr>
+              <a:t>, 2)</a:t>
+            </a:r>
+            <a:br>
+              <a:rPr lang="it-IT" sz="1800" dirty="0">
+                <a:latin typeface="Consolas" panose="020B0609020204030204" pitchFamily="49" charset="0"/>
+                <a:cs typeface="Consolas" panose="020B0609020204030204" pitchFamily="49" charset="0"/>
+              </a:rPr>
+            </a:br>
+            <a:br>
+              <a:rPr lang="it-IT" sz="1800" dirty="0">
+                <a:latin typeface="Consolas" panose="020B0609020204030204" pitchFamily="49" charset="0"/>
+                <a:cs typeface="Consolas" panose="020B0609020204030204" pitchFamily="49" charset="0"/>
+              </a:rPr>
+            </a:br>
+            <a:r>
+              <a:rPr lang="it-IT" sz="1800" dirty="0"/>
+              <a:t>Dove </a:t>
+            </a:r>
+            <a:r>
+              <a:rPr lang="it-IT" sz="1800" dirty="0" err="1">
+                <a:latin typeface="Consolas" panose="020B0609020204030204" pitchFamily="49" charset="0"/>
+                <a:cs typeface="Consolas" panose="020B0609020204030204" pitchFamily="49" charset="0"/>
+              </a:rPr>
+              <a:t>xe</a:t>
+            </a:r>
+            <a:r>
+              <a:rPr lang="it-IT" sz="1800" dirty="0"/>
+              <a:t> è la soluzione esatta del sistema, ovvero il vettore avente tutte le componenti pari a 1 e </a:t>
+            </a:r>
+            <a:r>
+              <a:rPr lang="it-IT" sz="1800" dirty="0" err="1">
+                <a:latin typeface="Consolas" panose="020B0609020204030204" pitchFamily="49" charset="0"/>
+                <a:cs typeface="Consolas" panose="020B0609020204030204" pitchFamily="49" charset="0"/>
+              </a:rPr>
+              <a:t>norm</a:t>
+            </a:r>
+            <a:r>
+              <a:rPr lang="it-IT" sz="1800" dirty="0"/>
+              <a:t> è la norma 2 del vettore.</a:t>
+            </a:r>
+          </a:p>
+          <a:p>
+            <a:r>
+              <a:rPr lang="it-IT" sz="2000" dirty="0"/>
+              <a:t>Tempo di esecuzione</a:t>
             </a:r>
           </a:p>
           <a:p>
             <a:pPr lvl="1"/>
             <a:r>
-              <a:rPr lang="it-IT" dirty="0"/>
-              <a:t>Avendo poche matrici da analizzare non abbiamo automatizzato questa fase. Lo script deve essere quindi lanciato manualmente</a:t>
-            </a:r>
-          </a:p>
-          <a:p>
-            <a:pPr lvl="1"/>
-            <a:endParaRPr lang="it-IT" dirty="0">
+              <a:rPr lang="it-IT" sz="1800" dirty="0" err="1"/>
+              <a:t>Python</a:t>
+            </a:r>
+            <a:r>
+              <a:rPr lang="it-IT" sz="1800" dirty="0"/>
+              <a:t>: Modulo standard </a:t>
+            </a:r>
+            <a:r>
+              <a:rPr lang="it-IT" sz="1800" dirty="0" err="1">
+                <a:latin typeface="Consolas" panose="020B0609020204030204" pitchFamily="49" charset="0"/>
+                <a:cs typeface="Consolas" panose="020B0609020204030204" pitchFamily="49" charset="0"/>
+              </a:rPr>
+              <a:t>datetime</a:t>
+            </a:r>
+            <a:endParaRPr lang="it-IT" sz="1800" dirty="0">
               <a:latin typeface="Consolas" panose="020B0609020204030204" pitchFamily="49" charset="0"/>
               <a:cs typeface="Consolas" panose="020B0609020204030204" pitchFamily="49" charset="0"/>
             </a:endParaRPr>
           </a:p>
+          <a:p>
+            <a:pPr lvl="1"/>
+            <a:r>
+              <a:rPr lang="it-IT" sz="2000" dirty="0"/>
+              <a:t>MATLAB:</a:t>
+            </a:r>
+            <a:r>
+              <a:rPr lang="it-IT" sz="1800" dirty="0">
+                <a:latin typeface="Consolas" panose="020B0609020204030204" pitchFamily="49" charset="0"/>
+                <a:cs typeface="Consolas" panose="020B0609020204030204" pitchFamily="49" charset="0"/>
+              </a:rPr>
+              <a:t> tic; toc;</a:t>
+            </a:r>
+          </a:p>
         </p:txBody>
       </p:sp>
     </p:spTree>
     <p:extLst>
       <p:ext uri="{BB962C8B-B14F-4D97-AF65-F5344CB8AC3E}">
-        <p14:creationId xmlns:p14="http://schemas.microsoft.com/office/powerpoint/2010/main" val="3397852345"/>
+        <p14:creationId xmlns:p14="http://schemas.microsoft.com/office/powerpoint/2010/main" val="568885745"/>
       </p:ext>
     </p:extLst>
   </p:cSld>
